--- a/UWW2019/UWW2019_Fujii.pptx
+++ b/UWW2019/UWW2019_Fujii.pptx
@@ -5,13 +5,14 @@
     <p:sldMasterId id="2147483648" r:id="rId1"/>
   </p:sldMasterIdLst>
   <p:notesMasterIdLst>
-    <p:notesMasterId r:id="rId6"/>
+    <p:notesMasterId r:id="rId7"/>
   </p:notesMasterIdLst>
   <p:sldIdLst>
     <p:sldId id="257" r:id="rId2"/>
     <p:sldId id="258" r:id="rId3"/>
     <p:sldId id="259" r:id="rId4"/>
     <p:sldId id="260" r:id="rId5"/>
+    <p:sldId id="261" r:id="rId6"/>
   </p:sldIdLst>
   <p:sldSz cx="12192000" cy="6858000"/>
   <p:notesSz cx="6883400" cy="10017125"/>
@@ -200,7 +201,7 @@
           <a:p>
             <a:fld id="{D8422EA4-67AE-4623-8DD6-326650601D3C}" type="datetimeFigureOut">
               <a:rPr kumimoji="1" lang="ja-JP" altLang="en-US" smtClean="0"/>
-              <a:t>2019/12/11</a:t>
+              <a:t>2019/12/13</a:t>
             </a:fld>
             <a:endParaRPr kumimoji="1" lang="ja-JP" altLang="en-US"/>
           </a:p>
@@ -978,7 +979,7 @@
           <a:p>
             <a:fld id="{28B1BEA1-2738-4C19-B133-02ABBF3E6E0C}" type="datetime1">
               <a:rPr kumimoji="1" lang="ja-JP" altLang="en-US" smtClean="0"/>
-              <a:t>2019/12/11</a:t>
+              <a:t>2019/12/13</a:t>
             </a:fld>
             <a:endParaRPr kumimoji="1" lang="ja-JP" altLang="en-US"/>
           </a:p>
@@ -1045,7 +1046,7 @@
           <a:lstStyle/>
           <a:p>
             <a:pPr algn="ctr"/>
-            <a:endParaRPr kumimoji="1" lang="ja-JP" altLang="en-US"/>
+            <a:endParaRPr kumimoji="1" lang="ja-JP" altLang="en-US" dirty="0"/>
           </a:p>
         </p:txBody>
       </p:sp>
@@ -1079,19 +1080,55 @@
           </a:prstGeom>
         </p:spPr>
       </p:pic>
-      <p:sp>
-        <p:nvSpPr>
-          <p:cNvPr id="6" name="スライド番号プレースホルダー 5"/>
-          <p:cNvSpPr>
-            <a:spLocks noGrp="1"/>
-          </p:cNvSpPr>
-          <p:nvPr>
-            <p:ph type="sldNum" sz="quarter" idx="12"/>
-          </p:nvPr>
-        </p:nvSpPr>
+      <p:pic>
+        <p:nvPicPr>
+          <p:cNvPr id="12" name="図 11">
+            <a:extLst>
+              <a:ext uri="{FF2B5EF4-FFF2-40B4-BE49-F238E27FC236}">
+                <a16:creationId xmlns:a16="http://schemas.microsoft.com/office/drawing/2014/main" id="{91066A09-4523-4EC0-A8F4-178C769379C5}"/>
+              </a:ext>
+            </a:extLst>
+          </p:cNvPr>
+          <p:cNvPicPr>
+            <a:picLocks noChangeAspect="1"/>
+          </p:cNvPicPr>
+          <p:nvPr userDrawn="1"/>
+        </p:nvPicPr>
+        <p:blipFill>
+          <a:blip r:embed="rId3" cstate="print">
+            <a:extLst>
+              <a:ext uri="{28A0092B-C50C-407E-A947-70E740481C1C}">
+                <a14:useLocalDpi xmlns:a14="http://schemas.microsoft.com/office/drawing/2010/main" val="0"/>
+              </a:ext>
+            </a:extLst>
+          </a:blip>
+          <a:stretch>
+            <a:fillRect/>
+          </a:stretch>
+        </p:blipFill>
         <p:spPr>
           <a:xfrm>
-            <a:off x="9448800" y="6492875"/>
+            <a:off x="11631433" y="6356350"/>
+            <a:ext cx="560567" cy="560567"/>
+          </a:xfrm>
+          <a:prstGeom prst="rect">
+            <a:avLst/>
+          </a:prstGeom>
+        </p:spPr>
+      </p:pic>
+      <p:sp>
+        <p:nvSpPr>
+          <p:cNvPr id="6" name="スライド番号プレースホルダー 5"/>
+          <p:cNvSpPr>
+            <a:spLocks noGrp="1"/>
+          </p:cNvSpPr>
+          <p:nvPr>
+            <p:ph type="sldNum" sz="quarter" idx="12"/>
+          </p:nvPr>
+        </p:nvSpPr>
+        <p:spPr>
+          <a:xfrm>
+            <a:off x="9296400" y="6449142"/>
             <a:ext cx="2743200" cy="365125"/>
           </a:xfrm>
         </p:spPr>
@@ -1103,7 +1140,7 @@
               <a:rPr kumimoji="1" lang="ja-JP" altLang="en-US" smtClean="0"/>
               <a:t>‹#›</a:t>
             </a:fld>
-            <a:endParaRPr kumimoji="1" lang="ja-JP" altLang="en-US"/>
+            <a:endParaRPr kumimoji="1" lang="ja-JP" altLang="en-US" dirty="0"/>
           </a:p>
         </p:txBody>
       </p:sp>
@@ -1259,7 +1296,7 @@
           <a:p>
             <a:fld id="{321A0775-4641-4FD1-8F30-8577C8E45459}" type="datetime1">
               <a:rPr kumimoji="1" lang="ja-JP" altLang="en-US" smtClean="0"/>
-              <a:t>2019/12/11</a:t>
+              <a:t>2019/12/13</a:t>
             </a:fld>
             <a:endParaRPr kumimoji="1" lang="ja-JP" altLang="en-US"/>
           </a:p>
@@ -1469,7 +1506,7 @@
           <a:p>
             <a:fld id="{1A958096-B04A-44A1-BF3F-4EF7C63AEE7F}" type="datetime1">
               <a:rPr kumimoji="1" lang="ja-JP" altLang="en-US" smtClean="0"/>
-              <a:t>2019/12/11</a:t>
+              <a:t>2019/12/13</a:t>
             </a:fld>
             <a:endParaRPr kumimoji="1" lang="ja-JP" altLang="en-US"/>
           </a:p>
@@ -1669,7 +1706,7 @@
           <a:p>
             <a:fld id="{7E4BC299-9A2B-46B3-A868-72E6088D753F}" type="datetime1">
               <a:rPr kumimoji="1" lang="ja-JP" altLang="en-US" smtClean="0"/>
-              <a:t>2019/12/11</a:t>
+              <a:t>2019/12/13</a:t>
             </a:fld>
             <a:endParaRPr kumimoji="1" lang="ja-JP" altLang="en-US"/>
           </a:p>
@@ -1736,7 +1773,7 @@
           <a:lstStyle/>
           <a:p>
             <a:pPr algn="ctr"/>
-            <a:endParaRPr kumimoji="1" lang="ja-JP" altLang="en-US"/>
+            <a:endParaRPr kumimoji="1" lang="ja-JP" altLang="en-US" dirty="0"/>
           </a:p>
         </p:txBody>
       </p:sp>
@@ -1770,19 +1807,55 @@
           </a:prstGeom>
         </p:spPr>
       </p:pic>
-      <p:sp>
-        <p:nvSpPr>
-          <p:cNvPr id="6" name="スライド番号プレースホルダー 5"/>
-          <p:cNvSpPr>
-            <a:spLocks noGrp="1"/>
-          </p:cNvSpPr>
-          <p:nvPr>
-            <p:ph type="sldNum" sz="quarter" idx="12"/>
-          </p:nvPr>
-        </p:nvSpPr>
+      <p:pic>
+        <p:nvPicPr>
+          <p:cNvPr id="10" name="図 9">
+            <a:extLst>
+              <a:ext uri="{FF2B5EF4-FFF2-40B4-BE49-F238E27FC236}">
+                <a16:creationId xmlns:a16="http://schemas.microsoft.com/office/drawing/2014/main" id="{BA945DBD-166F-46A7-A8D7-38364A64BB6C}"/>
+              </a:ext>
+            </a:extLst>
+          </p:cNvPr>
+          <p:cNvPicPr>
+            <a:picLocks noChangeAspect="1"/>
+          </p:cNvPicPr>
+          <p:nvPr userDrawn="1"/>
+        </p:nvPicPr>
+        <p:blipFill>
+          <a:blip r:embed="rId3" cstate="print">
+            <a:extLst>
+              <a:ext uri="{28A0092B-C50C-407E-A947-70E740481C1C}">
+                <a14:useLocalDpi xmlns:a14="http://schemas.microsoft.com/office/drawing/2010/main" val="0"/>
+              </a:ext>
+            </a:extLst>
+          </a:blip>
+          <a:stretch>
+            <a:fillRect/>
+          </a:stretch>
+        </p:blipFill>
         <p:spPr>
           <a:xfrm>
-            <a:off x="11353800" y="6405410"/>
+            <a:off x="11631433" y="6356350"/>
+            <a:ext cx="560567" cy="560567"/>
+          </a:xfrm>
+          <a:prstGeom prst="rect">
+            <a:avLst/>
+          </a:prstGeom>
+        </p:spPr>
+      </p:pic>
+      <p:sp>
+        <p:nvSpPr>
+          <p:cNvPr id="6" name="スライド番号プレースホルダー 5"/>
+          <p:cNvSpPr>
+            <a:spLocks noGrp="1"/>
+          </p:cNvSpPr>
+          <p:nvPr>
+            <p:ph type="sldNum" sz="quarter" idx="12"/>
+          </p:nvPr>
+        </p:nvSpPr>
+        <p:spPr>
+          <a:xfrm>
+            <a:off x="11212333" y="6405410"/>
             <a:ext cx="838200" cy="452589"/>
           </a:xfrm>
         </p:spPr>
@@ -2004,7 +2077,7 @@
           <a:p>
             <a:fld id="{5730D93F-C6A8-45DB-973B-2E9B74BB5747}" type="datetime1">
               <a:rPr kumimoji="1" lang="ja-JP" altLang="en-US" smtClean="0"/>
-              <a:t>2019/12/11</a:t>
+              <a:t>2019/12/13</a:t>
             </a:fld>
             <a:endParaRPr kumimoji="1" lang="ja-JP" altLang="en-US"/>
           </a:p>
@@ -2297,7 +2370,7 @@
           <a:p>
             <a:fld id="{8C8FBA03-08C5-445A-9675-5DD0E048D580}" type="datetime1">
               <a:rPr kumimoji="1" lang="ja-JP" altLang="en-US" smtClean="0"/>
-              <a:t>2019/12/11</a:t>
+              <a:t>2019/12/13</a:t>
             </a:fld>
             <a:endParaRPr kumimoji="1" lang="ja-JP" altLang="en-US"/>
           </a:p>
@@ -2725,7 +2798,7 @@
           <a:p>
             <a:fld id="{F22B3BE6-F63B-45DF-9657-6FEF2EDB1F30}" type="datetime1">
               <a:rPr kumimoji="1" lang="ja-JP" altLang="en-US" smtClean="0"/>
-              <a:t>2019/12/11</a:t>
+              <a:t>2019/12/13</a:t>
             </a:fld>
             <a:endParaRPr kumimoji="1" lang="ja-JP" altLang="en-US"/>
           </a:p>
@@ -2842,7 +2915,7 @@
           <a:p>
             <a:fld id="{C1D6E599-F080-45CC-8481-C833508C9D12}" type="datetime1">
               <a:rPr kumimoji="1" lang="ja-JP" altLang="en-US" smtClean="0"/>
-              <a:t>2019/12/11</a:t>
+              <a:t>2019/12/13</a:t>
             </a:fld>
             <a:endParaRPr kumimoji="1" lang="ja-JP" altLang="en-US"/>
           </a:p>
@@ -2937,7 +3010,7 @@
           <a:p>
             <a:fld id="{7D9B8A7E-64BC-4577-982E-7EC7218FD10F}" type="datetime1">
               <a:rPr kumimoji="1" lang="ja-JP" altLang="en-US" smtClean="0"/>
-              <a:t>2019/12/11</a:t>
+              <a:t>2019/12/13</a:t>
             </a:fld>
             <a:endParaRPr kumimoji="1" lang="ja-JP" altLang="en-US"/>
           </a:p>
@@ -3244,7 +3317,7 @@
           <a:p>
             <a:fld id="{8373066C-4ED1-4359-AD45-A7DE722C8BF8}" type="datetime1">
               <a:rPr kumimoji="1" lang="ja-JP" altLang="en-US" smtClean="0"/>
-              <a:t>2019/12/11</a:t>
+              <a:t>2019/12/13</a:t>
             </a:fld>
             <a:endParaRPr kumimoji="1" lang="ja-JP" altLang="en-US"/>
           </a:p>
@@ -3496,7 +3569,7 @@
           <a:p>
             <a:fld id="{BC0FD902-686B-4A0D-9EB1-37C4F06B03EF}" type="datetime1">
               <a:rPr kumimoji="1" lang="ja-JP" altLang="en-US" smtClean="0"/>
-              <a:t>2019/12/11</a:t>
+              <a:t>2019/12/13</a:t>
             </a:fld>
             <a:endParaRPr kumimoji="1" lang="ja-JP" altLang="en-US"/>
           </a:p>
@@ -3739,7 +3812,7 @@
           <a:p>
             <a:fld id="{E90FD2C9-6400-40CA-9626-E4ED2CBDBD1C}" type="datetime1">
               <a:rPr kumimoji="1" lang="ja-JP" altLang="en-US" smtClean="0"/>
-              <a:t>2019/12/11</a:t>
+              <a:t>2019/12/13</a:t>
             </a:fld>
             <a:endParaRPr kumimoji="1" lang="ja-JP" altLang="en-US"/>
           </a:p>
@@ -4570,6 +4643,42 @@
           </a:p>
         </p:txBody>
       </p:sp>
+      <p:pic>
+        <p:nvPicPr>
+          <p:cNvPr id="7" name="図 6">
+            <a:extLst>
+              <a:ext uri="{FF2B5EF4-FFF2-40B4-BE49-F238E27FC236}">
+                <a16:creationId xmlns:a16="http://schemas.microsoft.com/office/drawing/2014/main" id="{7E10BAB1-DF34-4129-A06B-95CEB88671E3}"/>
+              </a:ext>
+            </a:extLst>
+          </p:cNvPr>
+          <p:cNvPicPr>
+            <a:picLocks noChangeAspect="1"/>
+          </p:cNvPicPr>
+          <p:nvPr/>
+        </p:nvPicPr>
+        <p:blipFill>
+          <a:blip r:embed="rId3">
+            <a:extLst>
+              <a:ext uri="{28A0092B-C50C-407E-A947-70E740481C1C}">
+                <a14:useLocalDpi xmlns:a14="http://schemas.microsoft.com/office/drawing/2010/main" val="0"/>
+              </a:ext>
+            </a:extLst>
+          </a:blip>
+          <a:stretch>
+            <a:fillRect/>
+          </a:stretch>
+        </p:blipFill>
+        <p:spPr>
+          <a:xfrm>
+            <a:off x="9810942" y="3750793"/>
+            <a:ext cx="2244207" cy="2426170"/>
+          </a:xfrm>
+          <a:prstGeom prst="rect">
+            <a:avLst/>
+          </a:prstGeom>
+        </p:spPr>
+      </p:pic>
     </p:spTree>
     <p:extLst>
       <p:ext uri="{BB962C8B-B14F-4D97-AF65-F5344CB8AC3E}">
@@ -4916,12 +5025,14 @@
             <a:endParaRPr kumimoji="1" lang="en-US" altLang="ja-JP" dirty="0"/>
           </a:p>
           <a:p>
-            <a:pPr lvl="1"/>
+            <a:endParaRPr kumimoji="1" lang="en-US" altLang="ja-JP" dirty="0"/>
+          </a:p>
+          <a:p>
             <a:r>
               <a:rPr lang="ja-JP" altLang="en-US" dirty="0"/>
-              <a:t>頭部形状を要素として個人識別</a:t>
-            </a:r>
-            <a:endParaRPr lang="en-US" altLang="ja-JP" dirty="0"/>
+              <a:t>頭部形状を要素として圧力センサで個人識別</a:t>
+            </a:r>
+            <a:endParaRPr kumimoji="1" lang="en-US" altLang="ja-JP" dirty="0"/>
           </a:p>
           <a:p>
             <a:pPr lvl="1"/>
@@ -4933,11 +5044,17 @@
           </a:p>
           <a:p>
             <a:pPr lvl="1"/>
-            <a:endParaRPr lang="en-US" altLang="ja-JP" dirty="0"/>
-          </a:p>
-          <a:p>
-            <a:pPr lvl="1"/>
-            <a:endParaRPr kumimoji="1" lang="ja-JP" altLang="en-US" dirty="0"/>
+            <a:endParaRPr kumimoji="1" lang="en-US" altLang="ja-JP" dirty="0"/>
+          </a:p>
+          <a:p>
+            <a:pPr marL="457200" lvl="1" indent="0">
+              <a:buNone/>
+            </a:pPr>
+            <a:r>
+              <a:rPr lang="ja-JP" altLang="en-US" sz="2800" b="1" dirty="0"/>
+              <a:t>圧力センサをヘルメットの内装に挟むだけで実装可能</a:t>
+            </a:r>
+            <a:endParaRPr lang="en-US" altLang="ja-JP" b="1" dirty="0"/>
           </a:p>
         </p:txBody>
       </p:sp>
@@ -4971,10 +5088,408 @@
           </a:p>
         </p:txBody>
       </p:sp>
+      <p:sp>
+        <p:nvSpPr>
+          <p:cNvPr id="5" name="矢印: 右 4">
+            <a:extLst>
+              <a:ext uri="{FF2B5EF4-FFF2-40B4-BE49-F238E27FC236}">
+                <a16:creationId xmlns:a16="http://schemas.microsoft.com/office/drawing/2014/main" id="{96E51936-8BE2-458B-84E2-81EC5A09B421}"/>
+              </a:ext>
+            </a:extLst>
+          </p:cNvPr>
+          <p:cNvSpPr/>
+          <p:nvPr/>
+        </p:nvSpPr>
+        <p:spPr>
+          <a:xfrm>
+            <a:off x="838200" y="4133455"/>
+            <a:ext cx="452718" cy="309283"/>
+          </a:xfrm>
+          <a:prstGeom prst="rightArrow">
+            <a:avLst/>
+          </a:prstGeom>
+          <a:solidFill>
+            <a:schemeClr val="tx1"/>
+          </a:solidFill>
+          <a:ln>
+            <a:solidFill>
+              <a:schemeClr val="tx1"/>
+            </a:solidFill>
+          </a:ln>
+        </p:spPr>
+        <p:style>
+          <a:lnRef idx="2">
+            <a:schemeClr val="accent1">
+              <a:shade val="50000"/>
+            </a:schemeClr>
+          </a:lnRef>
+          <a:fillRef idx="1">
+            <a:schemeClr val="accent1"/>
+          </a:fillRef>
+          <a:effectRef idx="0">
+            <a:schemeClr val="accent1"/>
+          </a:effectRef>
+          <a:fontRef idx="minor">
+            <a:schemeClr val="lt1"/>
+          </a:fontRef>
+        </p:style>
+        <p:txBody>
+          <a:bodyPr rtlCol="0" anchor="ctr"/>
+          <a:lstStyle/>
+          <a:p>
+            <a:pPr algn="ctr"/>
+            <a:endParaRPr kumimoji="1" lang="ja-JP" altLang="en-US"/>
+          </a:p>
+        </p:txBody>
+      </p:sp>
+      <p:pic>
+        <p:nvPicPr>
+          <p:cNvPr id="7" name="図 6">
+            <a:extLst>
+              <a:ext uri="{FF2B5EF4-FFF2-40B4-BE49-F238E27FC236}">
+                <a16:creationId xmlns:a16="http://schemas.microsoft.com/office/drawing/2014/main" id="{9D4D3438-070E-4C47-B616-9C21BD6963EA}"/>
+              </a:ext>
+            </a:extLst>
+          </p:cNvPr>
+          <p:cNvPicPr>
+            <a:picLocks noChangeAspect="1"/>
+          </p:cNvPicPr>
+          <p:nvPr/>
+        </p:nvPicPr>
+        <p:blipFill>
+          <a:blip r:embed="rId3">
+            <a:extLst>
+              <a:ext uri="{28A0092B-C50C-407E-A947-70E740481C1C}">
+                <a14:useLocalDpi xmlns:a14="http://schemas.microsoft.com/office/drawing/2010/main" val="0"/>
+              </a:ext>
+            </a:extLst>
+          </a:blip>
+          <a:stretch>
+            <a:fillRect/>
+          </a:stretch>
+        </p:blipFill>
+        <p:spPr>
+          <a:xfrm>
+            <a:off x="8978751" y="1394421"/>
+            <a:ext cx="2160304" cy="2390395"/>
+          </a:xfrm>
+          <a:prstGeom prst="rect">
+            <a:avLst/>
+          </a:prstGeom>
+        </p:spPr>
+      </p:pic>
+      <p:pic>
+        <p:nvPicPr>
+          <p:cNvPr id="9" name="図 8">
+            <a:extLst>
+              <a:ext uri="{FF2B5EF4-FFF2-40B4-BE49-F238E27FC236}">
+                <a16:creationId xmlns:a16="http://schemas.microsoft.com/office/drawing/2014/main" id="{15CE0AD0-4311-4C6E-9705-12ADDE622C4D}"/>
+              </a:ext>
+            </a:extLst>
+          </p:cNvPr>
+          <p:cNvPicPr>
+            <a:picLocks noChangeAspect="1"/>
+          </p:cNvPicPr>
+          <p:nvPr/>
+        </p:nvPicPr>
+        <p:blipFill>
+          <a:blip r:embed="rId4" cstate="print">
+            <a:extLst>
+              <a:ext uri="{28A0092B-C50C-407E-A947-70E740481C1C}">
+                <a14:useLocalDpi xmlns:a14="http://schemas.microsoft.com/office/drawing/2010/main" val="0"/>
+              </a:ext>
+            </a:extLst>
+          </a:blip>
+          <a:stretch>
+            <a:fillRect/>
+          </a:stretch>
+        </p:blipFill>
+        <p:spPr>
+          <a:xfrm>
+            <a:off x="1420228" y="4707179"/>
+            <a:ext cx="1607127" cy="1205345"/>
+          </a:xfrm>
+          <a:prstGeom prst="rect">
+            <a:avLst/>
+          </a:prstGeom>
+        </p:spPr>
+      </p:pic>
     </p:spTree>
     <p:extLst>
       <p:ext uri="{BB962C8B-B14F-4D97-AF65-F5344CB8AC3E}">
         <p14:creationId xmlns:p14="http://schemas.microsoft.com/office/powerpoint/2010/main" val="3435441090"/>
+      </p:ext>
+    </p:extLst>
+  </p:cSld>
+  <p:clrMapOvr>
+    <a:masterClrMapping/>
+  </p:clrMapOvr>
+</p:sld>
+</file>
+
+<file path=ppt/slides/slide5.xml><?xml version="1.0" encoding="utf-8"?>
+<p:sld xmlns:a="http://schemas.openxmlformats.org/drawingml/2006/main" xmlns:r="http://schemas.openxmlformats.org/officeDocument/2006/relationships" xmlns:p="http://schemas.openxmlformats.org/presentationml/2006/main">
+  <p:cSld>
+    <p:spTree>
+      <p:nvGrpSpPr>
+        <p:cNvPr id="1" name=""/>
+        <p:cNvGrpSpPr/>
+        <p:nvPr/>
+      </p:nvGrpSpPr>
+      <p:grpSpPr>
+        <a:xfrm>
+          <a:off x="0" y="0"/>
+          <a:ext cx="0" cy="0"/>
+          <a:chOff x="0" y="0"/>
+          <a:chExt cx="0" cy="0"/>
+        </a:xfrm>
+      </p:grpSpPr>
+      <p:sp>
+        <p:nvSpPr>
+          <p:cNvPr id="2" name="タイトル 1">
+            <a:extLst>
+              <a:ext uri="{FF2B5EF4-FFF2-40B4-BE49-F238E27FC236}">
+                <a16:creationId xmlns:a16="http://schemas.microsoft.com/office/drawing/2014/main" id="{1B227805-5F92-474E-937E-ADABFD7CAE67}"/>
+              </a:ext>
+            </a:extLst>
+          </p:cNvPr>
+          <p:cNvSpPr>
+            <a:spLocks noGrp="1"/>
+          </p:cNvSpPr>
+          <p:nvPr>
+            <p:ph type="title"/>
+          </p:nvPr>
+        </p:nvSpPr>
+        <p:spPr>
+          <a:xfrm>
+            <a:off x="838200" y="365125"/>
+            <a:ext cx="10515600" cy="1325563"/>
+          </a:xfrm>
+        </p:spPr>
+        <p:txBody>
+          <a:bodyPr/>
+          <a:lstStyle/>
+          <a:p>
+            <a:r>
+              <a:rPr kumimoji="1" lang="ja-JP" altLang="en-US" dirty="0"/>
+              <a:t>提案手法</a:t>
+            </a:r>
+          </a:p>
+        </p:txBody>
+      </p:sp>
+      <p:sp>
+        <p:nvSpPr>
+          <p:cNvPr id="4" name="スライド番号プレースホルダー 3">
+            <a:extLst>
+              <a:ext uri="{FF2B5EF4-FFF2-40B4-BE49-F238E27FC236}">
+                <a16:creationId xmlns:a16="http://schemas.microsoft.com/office/drawing/2014/main" id="{BA4E35A4-2E44-485A-AF91-8C38093CF883}"/>
+              </a:ext>
+            </a:extLst>
+          </p:cNvPr>
+          <p:cNvSpPr>
+            <a:spLocks noGrp="1"/>
+          </p:cNvSpPr>
+          <p:nvPr>
+            <p:ph type="sldNum" sz="quarter" idx="12"/>
+          </p:nvPr>
+        </p:nvSpPr>
+        <p:spPr/>
+        <p:txBody>
+          <a:bodyPr/>
+          <a:lstStyle/>
+          <a:p>
+            <a:fld id="{92084505-5355-43A2-B929-FD06D0DABC31}" type="slidenum">
+              <a:rPr lang="ja-JP" altLang="en-US" smtClean="0"/>
+              <a:pPr/>
+              <a:t>5</a:t>
+            </a:fld>
+            <a:endParaRPr lang="ja-JP" altLang="en-US" dirty="0"/>
+          </a:p>
+        </p:txBody>
+      </p:sp>
+      <p:sp>
+        <p:nvSpPr>
+          <p:cNvPr id="5" name="矢印: 五方向 4">
+            <a:extLst>
+              <a:ext uri="{FF2B5EF4-FFF2-40B4-BE49-F238E27FC236}">
+                <a16:creationId xmlns:a16="http://schemas.microsoft.com/office/drawing/2014/main" id="{D1322D48-27F1-4494-BB18-05055DB5C18C}"/>
+              </a:ext>
+            </a:extLst>
+          </p:cNvPr>
+          <p:cNvSpPr/>
+          <p:nvPr/>
+        </p:nvSpPr>
+        <p:spPr>
+          <a:xfrm rot="5400000">
+            <a:off x="3491347" y="711202"/>
+            <a:ext cx="1108361" cy="3435930"/>
+          </a:xfrm>
+          <a:prstGeom prst="homePlate">
+            <a:avLst/>
+          </a:prstGeom>
+          <a:solidFill>
+            <a:schemeClr val="bg1"/>
+          </a:solidFill>
+          <a:ln>
+            <a:solidFill>
+              <a:schemeClr val="tx1"/>
+            </a:solidFill>
+          </a:ln>
+        </p:spPr>
+        <p:style>
+          <a:lnRef idx="2">
+            <a:schemeClr val="accent1">
+              <a:shade val="50000"/>
+            </a:schemeClr>
+          </a:lnRef>
+          <a:fillRef idx="1">
+            <a:schemeClr val="accent1"/>
+          </a:fillRef>
+          <a:effectRef idx="0">
+            <a:schemeClr val="accent1"/>
+          </a:effectRef>
+          <a:fontRef idx="minor">
+            <a:schemeClr val="lt1"/>
+          </a:fontRef>
+        </p:style>
+        <p:txBody>
+          <a:bodyPr rtlCol="0" anchor="ctr"/>
+          <a:lstStyle/>
+          <a:p>
+            <a:pPr algn="ctr"/>
+            <a:endParaRPr kumimoji="1" lang="ja-JP" altLang="en-US"/>
+          </a:p>
+        </p:txBody>
+      </p:sp>
+      <p:sp>
+        <p:nvSpPr>
+          <p:cNvPr id="6" name="テキスト ボックス 5">
+            <a:extLst>
+              <a:ext uri="{FF2B5EF4-FFF2-40B4-BE49-F238E27FC236}">
+                <a16:creationId xmlns:a16="http://schemas.microsoft.com/office/drawing/2014/main" id="{8D04CFEB-43E3-4F1A-978F-92780B715EE5}"/>
+              </a:ext>
+            </a:extLst>
+          </p:cNvPr>
+          <p:cNvSpPr txBox="1"/>
+          <p:nvPr/>
+        </p:nvSpPr>
+        <p:spPr>
+          <a:xfrm>
+            <a:off x="2669308" y="2047805"/>
+            <a:ext cx="2752437" cy="400110"/>
+          </a:xfrm>
+          <a:prstGeom prst="rect">
+            <a:avLst/>
+          </a:prstGeom>
+          <a:noFill/>
+        </p:spPr>
+        <p:txBody>
+          <a:bodyPr wrap="square" rtlCol="0">
+            <a:spAutoFit/>
+          </a:bodyPr>
+          <a:lstStyle/>
+          <a:p>
+            <a:r>
+              <a:rPr kumimoji="1" lang="ja-JP" altLang="en-US" sz="2000" b="1" dirty="0"/>
+              <a:t>所有者のデータを登録</a:t>
+            </a:r>
+          </a:p>
+        </p:txBody>
+      </p:sp>
+      <p:sp>
+        <p:nvSpPr>
+          <p:cNvPr id="7" name="矢印: 五方向 6">
+            <a:extLst>
+              <a:ext uri="{FF2B5EF4-FFF2-40B4-BE49-F238E27FC236}">
+                <a16:creationId xmlns:a16="http://schemas.microsoft.com/office/drawing/2014/main" id="{70019A5D-42F0-4E04-9D89-B78EF6AA6A58}"/>
+              </a:ext>
+            </a:extLst>
+          </p:cNvPr>
+          <p:cNvSpPr/>
+          <p:nvPr/>
+        </p:nvSpPr>
+        <p:spPr>
+          <a:xfrm rot="5400000">
+            <a:off x="3491347" y="2041358"/>
+            <a:ext cx="1108361" cy="3435930"/>
+          </a:xfrm>
+          <a:prstGeom prst="homePlate">
+            <a:avLst/>
+          </a:prstGeom>
+          <a:solidFill>
+            <a:schemeClr val="bg1"/>
+          </a:solidFill>
+          <a:ln>
+            <a:solidFill>
+              <a:schemeClr val="tx1"/>
+            </a:solidFill>
+          </a:ln>
+        </p:spPr>
+        <p:style>
+          <a:lnRef idx="2">
+            <a:schemeClr val="accent1">
+              <a:shade val="50000"/>
+            </a:schemeClr>
+          </a:lnRef>
+          <a:fillRef idx="1">
+            <a:schemeClr val="accent1"/>
+          </a:fillRef>
+          <a:effectRef idx="0">
+            <a:schemeClr val="accent1"/>
+          </a:effectRef>
+          <a:fontRef idx="minor">
+            <a:schemeClr val="lt1"/>
+          </a:fontRef>
+        </p:style>
+        <p:txBody>
+          <a:bodyPr rtlCol="0" anchor="ctr"/>
+          <a:lstStyle/>
+          <a:p>
+            <a:pPr algn="ctr"/>
+            <a:endParaRPr kumimoji="1" lang="ja-JP" altLang="en-US"/>
+          </a:p>
+        </p:txBody>
+      </p:sp>
+      <p:sp>
+        <p:nvSpPr>
+          <p:cNvPr id="8" name="テキスト ボックス 7">
+            <a:extLst>
+              <a:ext uri="{FF2B5EF4-FFF2-40B4-BE49-F238E27FC236}">
+                <a16:creationId xmlns:a16="http://schemas.microsoft.com/office/drawing/2014/main" id="{2F04E5CC-6883-4120-B599-512519CC9CEB}"/>
+              </a:ext>
+            </a:extLst>
+          </p:cNvPr>
+          <p:cNvSpPr txBox="1"/>
+          <p:nvPr/>
+        </p:nvSpPr>
+        <p:spPr>
+          <a:xfrm>
+            <a:off x="2327562" y="3359213"/>
+            <a:ext cx="3537528" cy="400110"/>
+          </a:xfrm>
+          <a:prstGeom prst="rect">
+            <a:avLst/>
+          </a:prstGeom>
+          <a:noFill/>
+        </p:spPr>
+        <p:txBody>
+          <a:bodyPr wrap="square" rtlCol="0">
+            <a:spAutoFit/>
+          </a:bodyPr>
+          <a:lstStyle/>
+          <a:p>
+            <a:r>
+              <a:rPr lang="ja-JP" altLang="en-US" sz="2000" b="1" dirty="0"/>
+              <a:t>未知のユーザのデータが来る</a:t>
+            </a:r>
+            <a:endParaRPr kumimoji="1" lang="ja-JP" altLang="en-US" sz="2000" b="1" dirty="0"/>
+          </a:p>
+        </p:txBody>
+      </p:sp>
+    </p:spTree>
+    <p:extLst>
+      <p:ext uri="{BB962C8B-B14F-4D97-AF65-F5344CB8AC3E}">
+        <p14:creationId xmlns:p14="http://schemas.microsoft.com/office/powerpoint/2010/main" val="1730718127"/>
       </p:ext>
     </p:extLst>
   </p:cSld>

--- a/UWW2019/UWW2019_Fujii.pptx
+++ b/UWW2019/UWW2019_Fujii.pptx
@@ -5,14 +5,19 @@
     <p:sldMasterId id="2147483648" r:id="rId1"/>
   </p:sldMasterIdLst>
   <p:notesMasterIdLst>
-    <p:notesMasterId r:id="rId7"/>
+    <p:notesMasterId r:id="rId12"/>
   </p:notesMasterIdLst>
   <p:sldIdLst>
     <p:sldId id="257" r:id="rId2"/>
     <p:sldId id="258" r:id="rId3"/>
     <p:sldId id="259" r:id="rId4"/>
     <p:sldId id="260" r:id="rId5"/>
-    <p:sldId id="261" r:id="rId6"/>
+    <p:sldId id="263" r:id="rId6"/>
+    <p:sldId id="261" r:id="rId7"/>
+    <p:sldId id="264" r:id="rId8"/>
+    <p:sldId id="262" r:id="rId9"/>
+    <p:sldId id="265" r:id="rId10"/>
+    <p:sldId id="266" r:id="rId11"/>
   </p:sldIdLst>
   <p:sldSz cx="12192000" cy="6858000"/>
   <p:notesSz cx="6883400" cy="10017125"/>
@@ -201,7 +206,7 @@
           <a:p>
             <a:fld id="{D8422EA4-67AE-4623-8DD6-326650601D3C}" type="datetimeFigureOut">
               <a:rPr kumimoji="1" lang="ja-JP" altLang="en-US" smtClean="0"/>
-              <a:t>2019/12/13</a:t>
+              <a:t>2019/12/14</a:t>
             </a:fld>
             <a:endParaRPr kumimoji="1" lang="ja-JP" altLang="en-US"/>
           </a:p>
@@ -811,6 +816,36 @@
               <a:rPr kumimoji="1" lang="ja-JP" altLang="en-US" dirty="0"/>
               <a:t>小さなバッテリー，メットホルダーで充電．</a:t>
             </a:r>
+            <a:endParaRPr kumimoji="1" lang="en-US" altLang="ja-JP" dirty="0"/>
+          </a:p>
+          <a:p>
+            <a:r>
+              <a:rPr kumimoji="1" lang="ja-JP" altLang="en-US" dirty="0"/>
+              <a:t>分解不可能な部分</a:t>
+            </a:r>
+            <a:r>
+              <a:rPr kumimoji="1" lang="en-US" altLang="ja-JP" dirty="0"/>
+              <a:t>(</a:t>
+            </a:r>
+            <a:r>
+              <a:rPr kumimoji="1" lang="ja-JP" altLang="en-US" dirty="0"/>
+              <a:t>頭頂部など</a:t>
+            </a:r>
+            <a:r>
+              <a:rPr kumimoji="1" lang="en-US" altLang="ja-JP" dirty="0"/>
+              <a:t>)</a:t>
+            </a:r>
+            <a:r>
+              <a:rPr kumimoji="1" lang="ja-JP" altLang="en-US" dirty="0"/>
+              <a:t>に仕込み，盗難にあえば，位置情報を送信，アラームを鳴らし続け使用不可能に．</a:t>
+            </a:r>
+            <a:endParaRPr kumimoji="1" lang="en-US" altLang="ja-JP" dirty="0"/>
+          </a:p>
+          <a:p>
+            <a:r>
+              <a:rPr kumimoji="1" lang="ja-JP" altLang="en-US" dirty="0"/>
+              <a:t>するとバイクに備え付けておける．</a:t>
+            </a:r>
           </a:p>
         </p:txBody>
       </p:sp>
@@ -841,6 +876,93 @@
     <p:extLst>
       <p:ext uri="{BB962C8B-B14F-4D97-AF65-F5344CB8AC3E}">
         <p14:creationId xmlns:p14="http://schemas.microsoft.com/office/powerpoint/2010/main" val="2178371913"/>
+      </p:ext>
+    </p:extLst>
+  </p:cSld>
+  <p:clrMapOvr>
+    <a:masterClrMapping/>
+  </p:clrMapOvr>
+</p:notes>
+</file>
+
+<file path=ppt/notesSlides/notesSlide4.xml><?xml version="1.0" encoding="utf-8"?>
+<p:notes xmlns:a="http://schemas.openxmlformats.org/drawingml/2006/main" xmlns:r="http://schemas.openxmlformats.org/officeDocument/2006/relationships" xmlns:p="http://schemas.openxmlformats.org/presentationml/2006/main">
+  <p:cSld>
+    <p:spTree>
+      <p:nvGrpSpPr>
+        <p:cNvPr id="1" name=""/>
+        <p:cNvGrpSpPr/>
+        <p:nvPr/>
+      </p:nvGrpSpPr>
+      <p:grpSpPr>
+        <a:xfrm>
+          <a:off x="0" y="0"/>
+          <a:ext cx="0" cy="0"/>
+          <a:chOff x="0" y="0"/>
+          <a:chExt cx="0" cy="0"/>
+        </a:xfrm>
+      </p:grpSpPr>
+      <p:sp>
+        <p:nvSpPr>
+          <p:cNvPr id="2" name="スライド イメージ プレースホルダー 1"/>
+          <p:cNvSpPr>
+            <a:spLocks noGrp="1" noRot="1" noChangeAspect="1"/>
+          </p:cNvSpPr>
+          <p:nvPr>
+            <p:ph type="sldImg"/>
+          </p:nvPr>
+        </p:nvSpPr>
+        <p:spPr/>
+      </p:sp>
+      <p:sp>
+        <p:nvSpPr>
+          <p:cNvPr id="3" name="ノート プレースホルダー 2"/>
+          <p:cNvSpPr>
+            <a:spLocks noGrp="1"/>
+          </p:cNvSpPr>
+          <p:nvPr>
+            <p:ph type="body" idx="1"/>
+          </p:nvPr>
+        </p:nvSpPr>
+        <p:spPr/>
+        <p:txBody>
+          <a:bodyPr/>
+          <a:lstStyle/>
+          <a:p>
+            <a:r>
+              <a:rPr kumimoji="1" lang="ja-JP" altLang="en-US" dirty="0"/>
+              <a:t>小さなバッテリー，メットホルダーで充電．</a:t>
+            </a:r>
+          </a:p>
+        </p:txBody>
+      </p:sp>
+      <p:sp>
+        <p:nvSpPr>
+          <p:cNvPr id="4" name="スライド番号プレースホルダー 3"/>
+          <p:cNvSpPr>
+            <a:spLocks noGrp="1"/>
+          </p:cNvSpPr>
+          <p:nvPr>
+            <p:ph type="sldNum" sz="quarter" idx="5"/>
+          </p:nvPr>
+        </p:nvSpPr>
+        <p:spPr/>
+        <p:txBody>
+          <a:bodyPr/>
+          <a:lstStyle/>
+          <a:p>
+            <a:fld id="{30C4CB3F-F62E-402B-B423-2F2652179FCC}" type="slidenum">
+              <a:rPr kumimoji="1" lang="ja-JP" altLang="en-US" smtClean="0"/>
+              <a:t>5</a:t>
+            </a:fld>
+            <a:endParaRPr kumimoji="1" lang="ja-JP" altLang="en-US"/>
+          </a:p>
+        </p:txBody>
+      </p:sp>
+    </p:spTree>
+    <p:extLst>
+      <p:ext uri="{BB962C8B-B14F-4D97-AF65-F5344CB8AC3E}">
+        <p14:creationId xmlns:p14="http://schemas.microsoft.com/office/powerpoint/2010/main" val="4172003698"/>
       </p:ext>
     </p:extLst>
   </p:cSld>
@@ -979,7 +1101,7 @@
           <a:p>
             <a:fld id="{28B1BEA1-2738-4C19-B133-02ABBF3E6E0C}" type="datetime1">
               <a:rPr kumimoji="1" lang="ja-JP" altLang="en-US" smtClean="0"/>
-              <a:t>2019/12/13</a:t>
+              <a:t>2019/12/14</a:t>
             </a:fld>
             <a:endParaRPr kumimoji="1" lang="ja-JP" altLang="en-US"/>
           </a:p>
@@ -1128,7 +1250,7 @@
         </p:nvSpPr>
         <p:spPr>
           <a:xfrm>
-            <a:off x="9296400" y="6449142"/>
+            <a:off x="9302400" y="6449142"/>
             <a:ext cx="2743200" cy="365125"/>
           </a:xfrm>
         </p:spPr>
@@ -1296,7 +1418,7 @@
           <a:p>
             <a:fld id="{321A0775-4641-4FD1-8F30-8577C8E45459}" type="datetime1">
               <a:rPr kumimoji="1" lang="ja-JP" altLang="en-US" smtClean="0"/>
-              <a:t>2019/12/13</a:t>
+              <a:t>2019/12/14</a:t>
             </a:fld>
             <a:endParaRPr kumimoji="1" lang="ja-JP" altLang="en-US"/>
           </a:p>
@@ -1506,7 +1628,7 @@
           <a:p>
             <a:fld id="{1A958096-B04A-44A1-BF3F-4EF7C63AEE7F}" type="datetime1">
               <a:rPr kumimoji="1" lang="ja-JP" altLang="en-US" smtClean="0"/>
-              <a:t>2019/12/13</a:t>
+              <a:t>2019/12/14</a:t>
             </a:fld>
             <a:endParaRPr kumimoji="1" lang="ja-JP" altLang="en-US"/>
           </a:p>
@@ -1706,7 +1828,7 @@
           <a:p>
             <a:fld id="{7E4BC299-9A2B-46B3-A868-72E6088D753F}" type="datetime1">
               <a:rPr kumimoji="1" lang="ja-JP" altLang="en-US" smtClean="0"/>
-              <a:t>2019/12/13</a:t>
+              <a:t>2019/12/14</a:t>
             </a:fld>
             <a:endParaRPr kumimoji="1" lang="ja-JP" altLang="en-US"/>
           </a:p>
@@ -2077,7 +2199,7 @@
           <a:p>
             <a:fld id="{5730D93F-C6A8-45DB-973B-2E9B74BB5747}" type="datetime1">
               <a:rPr kumimoji="1" lang="ja-JP" altLang="en-US" smtClean="0"/>
-              <a:t>2019/12/13</a:t>
+              <a:t>2019/12/14</a:t>
             </a:fld>
             <a:endParaRPr kumimoji="1" lang="ja-JP" altLang="en-US"/>
           </a:p>
@@ -2370,7 +2492,7 @@
           <a:p>
             <a:fld id="{8C8FBA03-08C5-445A-9675-5DD0E048D580}" type="datetime1">
               <a:rPr kumimoji="1" lang="ja-JP" altLang="en-US" smtClean="0"/>
-              <a:t>2019/12/13</a:t>
+              <a:t>2019/12/14</a:t>
             </a:fld>
             <a:endParaRPr kumimoji="1" lang="ja-JP" altLang="en-US"/>
           </a:p>
@@ -2798,7 +2920,7 @@
           <a:p>
             <a:fld id="{F22B3BE6-F63B-45DF-9657-6FEF2EDB1F30}" type="datetime1">
               <a:rPr kumimoji="1" lang="ja-JP" altLang="en-US" smtClean="0"/>
-              <a:t>2019/12/13</a:t>
+              <a:t>2019/12/14</a:t>
             </a:fld>
             <a:endParaRPr kumimoji="1" lang="ja-JP" altLang="en-US"/>
           </a:p>
@@ -2915,7 +3037,7 @@
           <a:p>
             <a:fld id="{C1D6E599-F080-45CC-8481-C833508C9D12}" type="datetime1">
               <a:rPr kumimoji="1" lang="ja-JP" altLang="en-US" smtClean="0"/>
-              <a:t>2019/12/13</a:t>
+              <a:t>2019/12/14</a:t>
             </a:fld>
             <a:endParaRPr kumimoji="1" lang="ja-JP" altLang="en-US"/>
           </a:p>
@@ -3010,7 +3132,7 @@
           <a:p>
             <a:fld id="{7D9B8A7E-64BC-4577-982E-7EC7218FD10F}" type="datetime1">
               <a:rPr kumimoji="1" lang="ja-JP" altLang="en-US" smtClean="0"/>
-              <a:t>2019/12/13</a:t>
+              <a:t>2019/12/14</a:t>
             </a:fld>
             <a:endParaRPr kumimoji="1" lang="ja-JP" altLang="en-US"/>
           </a:p>
@@ -3317,7 +3439,7 @@
           <a:p>
             <a:fld id="{8373066C-4ED1-4359-AD45-A7DE722C8BF8}" type="datetime1">
               <a:rPr kumimoji="1" lang="ja-JP" altLang="en-US" smtClean="0"/>
-              <a:t>2019/12/13</a:t>
+              <a:t>2019/12/14</a:t>
             </a:fld>
             <a:endParaRPr kumimoji="1" lang="ja-JP" altLang="en-US"/>
           </a:p>
@@ -3569,7 +3691,7 @@
           <a:p>
             <a:fld id="{BC0FD902-686B-4A0D-9EB1-37C4F06B03EF}" type="datetime1">
               <a:rPr kumimoji="1" lang="ja-JP" altLang="en-US" smtClean="0"/>
-              <a:t>2019/12/13</a:t>
+              <a:t>2019/12/14</a:t>
             </a:fld>
             <a:endParaRPr kumimoji="1" lang="ja-JP" altLang="en-US"/>
           </a:p>
@@ -3812,7 +3934,7 @@
           <a:p>
             <a:fld id="{E90FD2C9-6400-40CA-9626-E4ED2CBDBD1C}" type="datetime1">
               <a:rPr kumimoji="1" lang="ja-JP" altLang="en-US" smtClean="0"/>
-              <a:t>2019/12/13</a:t>
+              <a:t>2019/12/14</a:t>
             </a:fld>
             <a:endParaRPr kumimoji="1" lang="ja-JP" altLang="en-US"/>
           </a:p>
@@ -4422,6 +4544,132 @@
 </p:sld>
 </file>
 
+<file path=ppt/slides/slide10.xml><?xml version="1.0" encoding="utf-8"?>
+<p:sld xmlns:a="http://schemas.openxmlformats.org/drawingml/2006/main" xmlns:r="http://schemas.openxmlformats.org/officeDocument/2006/relationships" xmlns:p="http://schemas.openxmlformats.org/presentationml/2006/main">
+  <p:cSld>
+    <p:spTree>
+      <p:nvGrpSpPr>
+        <p:cNvPr id="1" name=""/>
+        <p:cNvGrpSpPr/>
+        <p:nvPr/>
+      </p:nvGrpSpPr>
+      <p:grpSpPr>
+        <a:xfrm>
+          <a:off x="0" y="0"/>
+          <a:ext cx="0" cy="0"/>
+          <a:chOff x="0" y="0"/>
+          <a:chExt cx="0" cy="0"/>
+        </a:xfrm>
+      </p:grpSpPr>
+      <p:sp>
+        <p:nvSpPr>
+          <p:cNvPr id="2" name="タイトル 1">
+            <a:extLst>
+              <a:ext uri="{FF2B5EF4-FFF2-40B4-BE49-F238E27FC236}">
+                <a16:creationId xmlns:a16="http://schemas.microsoft.com/office/drawing/2014/main" id="{4787F855-443D-446A-BF58-6F9D2C8F61FD}"/>
+              </a:ext>
+            </a:extLst>
+          </p:cNvPr>
+          <p:cNvSpPr>
+            <a:spLocks noGrp="1"/>
+          </p:cNvSpPr>
+          <p:nvPr>
+            <p:ph type="title"/>
+          </p:nvPr>
+        </p:nvSpPr>
+        <p:spPr/>
+        <p:txBody>
+          <a:bodyPr/>
+          <a:lstStyle/>
+          <a:p>
+            <a:r>
+              <a:rPr kumimoji="1" lang="ja-JP" altLang="en-US" dirty="0"/>
+              <a:t>結果</a:t>
+            </a:r>
+            <a:r>
+              <a:rPr kumimoji="1" lang="en-US" altLang="ja-JP" dirty="0"/>
+              <a:t>(</a:t>
+            </a:r>
+            <a:r>
+              <a:rPr kumimoji="1" lang="ja-JP" altLang="en-US" dirty="0"/>
+              <a:t>判別</a:t>
+            </a:r>
+            <a:r>
+              <a:rPr kumimoji="1" lang="en-US" altLang="ja-JP" dirty="0"/>
+              <a:t>)</a:t>
+            </a:r>
+            <a:endParaRPr kumimoji="1" lang="ja-JP" altLang="en-US" dirty="0"/>
+          </a:p>
+        </p:txBody>
+      </p:sp>
+      <p:sp>
+        <p:nvSpPr>
+          <p:cNvPr id="4" name="スライド番号プレースホルダー 3">
+            <a:extLst>
+              <a:ext uri="{FF2B5EF4-FFF2-40B4-BE49-F238E27FC236}">
+                <a16:creationId xmlns:a16="http://schemas.microsoft.com/office/drawing/2014/main" id="{14BA6005-AE66-4204-8C48-BE5B2592851C}"/>
+              </a:ext>
+            </a:extLst>
+          </p:cNvPr>
+          <p:cNvSpPr>
+            <a:spLocks noGrp="1"/>
+          </p:cNvSpPr>
+          <p:nvPr>
+            <p:ph type="sldNum" sz="quarter" idx="12"/>
+          </p:nvPr>
+        </p:nvSpPr>
+        <p:spPr/>
+        <p:txBody>
+          <a:bodyPr/>
+          <a:lstStyle/>
+          <a:p>
+            <a:fld id="{92084505-5355-43A2-B929-FD06D0DABC31}" type="slidenum">
+              <a:rPr lang="ja-JP" altLang="en-US" smtClean="0"/>
+              <a:pPr/>
+              <a:t>10</a:t>
+            </a:fld>
+            <a:endParaRPr lang="ja-JP" altLang="en-US" dirty="0"/>
+          </a:p>
+        </p:txBody>
+      </p:sp>
+      <p:sp>
+        <p:nvSpPr>
+          <p:cNvPr id="21" name="コンテンツ プレースホルダー 20">
+            <a:extLst>
+              <a:ext uri="{FF2B5EF4-FFF2-40B4-BE49-F238E27FC236}">
+                <a16:creationId xmlns:a16="http://schemas.microsoft.com/office/drawing/2014/main" id="{79AE1CAC-631C-4F1F-9227-3DABE51D1869}"/>
+              </a:ext>
+            </a:extLst>
+          </p:cNvPr>
+          <p:cNvSpPr>
+            <a:spLocks noGrp="1"/>
+          </p:cNvSpPr>
+          <p:nvPr>
+            <p:ph idx="1"/>
+          </p:nvPr>
+        </p:nvSpPr>
+        <p:spPr/>
+        <p:txBody>
+          <a:bodyPr/>
+          <a:lstStyle/>
+          <a:p>
+            <a:endParaRPr kumimoji="1" lang="ja-JP" altLang="en-US"/>
+          </a:p>
+        </p:txBody>
+      </p:sp>
+    </p:spTree>
+    <p:extLst>
+      <p:ext uri="{BB962C8B-B14F-4D97-AF65-F5344CB8AC3E}">
+        <p14:creationId xmlns:p14="http://schemas.microsoft.com/office/powerpoint/2010/main" val="857874128"/>
+      </p:ext>
+    </p:extLst>
+  </p:cSld>
+  <p:clrMapOvr>
+    <a:masterClrMapping/>
+  </p:clrMapOvr>
+</p:sld>
+</file>
+
 <file path=ppt/slides/slide2.xml><?xml version="1.0" encoding="utf-8"?>
 <p:sld xmlns:a="http://schemas.openxmlformats.org/drawingml/2006/main" xmlns:r="http://schemas.openxmlformats.org/officeDocument/2006/relationships" xmlns:p="http://schemas.openxmlformats.org/presentationml/2006/main">
   <p:cSld>
@@ -4498,7 +4746,7 @@
             <a:pPr lvl="1"/>
             <a:r>
               <a:rPr kumimoji="1" lang="ja-JP" altLang="en-US" dirty="0"/>
-              <a:t>鍵をポケットなどに入れたままでエンジンスタートなどできる機能</a:t>
+              <a:t>鍵をポケットに入れたままでエンジンスタート</a:t>
             </a:r>
             <a:endParaRPr kumimoji="1" lang="en-US" altLang="ja-JP" dirty="0"/>
           </a:p>
@@ -4506,29 +4754,24 @@
             <a:pPr lvl="1"/>
             <a:r>
               <a:rPr kumimoji="1" lang="ja-JP" altLang="en-US" dirty="0"/>
-              <a:t>非常に便利だが，鍵を所持する必要がある</a:t>
+              <a:t>非常に便利だが，鍵を所持する必要</a:t>
             </a:r>
             <a:endParaRPr kumimoji="1" lang="en-US" altLang="ja-JP" dirty="0"/>
-          </a:p>
-          <a:p>
-            <a:pPr lvl="1"/>
-            <a:r>
-              <a:rPr lang="ja-JP" altLang="en-US" dirty="0"/>
-              <a:t>つまり紛失や盗難の恐れがある</a:t>
-            </a:r>
-            <a:endParaRPr lang="en-US" altLang="ja-JP" dirty="0"/>
           </a:p>
           <a:p>
             <a:pPr marL="457200" lvl="1" indent="0">
               <a:buNone/>
             </a:pPr>
+            <a:r>
+              <a:rPr lang="ja-JP" altLang="en-US" dirty="0"/>
+              <a:t>→ 紛失や盗難の恐れ</a:t>
+            </a:r>
             <a:endParaRPr lang="en-US" altLang="ja-JP" dirty="0"/>
           </a:p>
           <a:p>
-            <a:r>
-              <a:rPr lang="ja-JP" altLang="en-US" dirty="0"/>
-              <a:t>備え付け器具で認証，鍵の代用としたい</a:t>
-            </a:r>
+            <a:pPr marL="0" indent="0">
+              <a:buNone/>
+            </a:pPr>
             <a:endParaRPr lang="en-US" altLang="ja-JP" dirty="0"/>
           </a:p>
           <a:p>
@@ -4537,23 +4780,19 @@
             </a:pPr>
             <a:r>
               <a:rPr lang="ja-JP" altLang="en-US" sz="2800" b="1" dirty="0"/>
-              <a:t>二輪車の乗車に必要な</a:t>
-            </a:r>
-            <a:r>
-              <a:rPr lang="en-US" altLang="ja-JP" sz="2800" b="1" dirty="0"/>
-              <a:t>”</a:t>
+              <a:t>乗車に必要な</a:t>
+            </a:r>
+            <a:r>
+              <a:rPr lang="ja-JP" altLang="en-US" sz="2800" b="1" dirty="0">
+                <a:solidFill>
+                  <a:srgbClr val="FF0000"/>
+                </a:solidFill>
+              </a:rPr>
+              <a:t>ヘルメット</a:t>
             </a:r>
             <a:r>
               <a:rPr lang="ja-JP" altLang="en-US" sz="2800" b="1" dirty="0"/>
-              <a:t>ヘルメット</a:t>
-            </a:r>
-            <a:r>
-              <a:rPr lang="en-US" altLang="ja-JP" sz="2800" b="1" dirty="0"/>
-              <a:t>”</a:t>
-            </a:r>
-            <a:r>
-              <a:rPr lang="ja-JP" altLang="en-US" sz="2800" b="1" dirty="0"/>
-              <a:t>を代用とできる？</a:t>
+              <a:t>で認証，鍵の代用に？</a:t>
             </a:r>
             <a:endParaRPr lang="en-US" altLang="ja-JP" sz="2800" b="1" dirty="0"/>
           </a:p>
@@ -4603,7 +4842,7 @@
         </p:nvSpPr>
         <p:spPr>
           <a:xfrm>
-            <a:off x="838200" y="4385348"/>
+            <a:off x="838200" y="4001294"/>
             <a:ext cx="452718" cy="309283"/>
           </a:xfrm>
           <a:prstGeom prst="rightArrow">
@@ -4671,8 +4910,8 @@
         </p:blipFill>
         <p:spPr>
           <a:xfrm>
-            <a:off x="9810942" y="3750793"/>
-            <a:ext cx="2244207" cy="2426170"/>
+            <a:off x="8919020" y="2791543"/>
+            <a:ext cx="3131513" cy="3385420"/>
           </a:xfrm>
           <a:prstGeom prst="rect">
             <a:avLst/>
@@ -4797,7 +5036,19 @@
             </a:pPr>
             <a:r>
               <a:rPr lang="ja-JP" altLang="en-US" sz="2800" b="1" dirty="0"/>
-              <a:t>目の前にカメラを配置すると視界を遮る可能性がある</a:t>
+              <a:t>目の前にカメラを配置すると</a:t>
+            </a:r>
+            <a:r>
+              <a:rPr lang="ja-JP" altLang="en-US" sz="2800" b="1" dirty="0">
+                <a:highlight>
+                  <a:srgbClr val="FFFF00"/>
+                </a:highlight>
+              </a:rPr>
+              <a:t>視界を遮る</a:t>
+            </a:r>
+            <a:r>
+              <a:rPr lang="ja-JP" altLang="en-US" sz="2800" b="1" dirty="0"/>
+              <a:t>可能性</a:t>
             </a:r>
             <a:endParaRPr kumimoji="1" lang="en-US" altLang="ja-JP" sz="2800" b="1" dirty="0"/>
           </a:p>
@@ -5020,41 +5271,43 @@
           <a:p>
             <a:r>
               <a:rPr kumimoji="1" lang="ja-JP" altLang="en-US" dirty="0"/>
-              <a:t>ヘルメットを用いて本人認証を行う</a:t>
+              <a:t>ヘルメットを用いた本人認証</a:t>
             </a:r>
             <a:endParaRPr kumimoji="1" lang="en-US" altLang="ja-JP" dirty="0"/>
           </a:p>
           <a:p>
+            <a:pPr lvl="1"/>
+            <a:r>
+              <a:rPr lang="ja-JP" altLang="en-US" dirty="0"/>
+              <a:t>鍵を持ち運ぶ必要がない</a:t>
+            </a:r>
             <a:endParaRPr kumimoji="1" lang="en-US" altLang="ja-JP" dirty="0"/>
           </a:p>
           <a:p>
+            <a:endParaRPr kumimoji="1" lang="en-US" altLang="ja-JP" dirty="0"/>
+          </a:p>
+          <a:p>
+            <a:r>
+              <a:rPr lang="ja-JP" altLang="en-US" dirty="0">
+                <a:highlight>
+                  <a:srgbClr val="FFFF00"/>
+                </a:highlight>
+              </a:rPr>
+              <a:t>頭部形状</a:t>
+            </a:r>
             <a:r>
               <a:rPr lang="ja-JP" altLang="en-US" dirty="0"/>
-              <a:t>頭部形状を要素として圧力センサで個人識別</a:t>
+              <a:t>を要素として個人識別</a:t>
             </a:r>
             <a:endParaRPr kumimoji="1" lang="en-US" altLang="ja-JP" dirty="0"/>
           </a:p>
           <a:p>
             <a:pPr lvl="1"/>
             <a:r>
-              <a:rPr kumimoji="1" lang="ja-JP" altLang="en-US" dirty="0"/>
-              <a:t>可能な限りコンパクトである必要がある</a:t>
+              <a:rPr lang="ja-JP" altLang="en-US" dirty="0"/>
+              <a:t>個人差があり，かつ複製が難しい</a:t>
             </a:r>
             <a:endParaRPr kumimoji="1" lang="en-US" altLang="ja-JP" dirty="0"/>
-          </a:p>
-          <a:p>
-            <a:pPr lvl="1"/>
-            <a:endParaRPr kumimoji="1" lang="en-US" altLang="ja-JP" dirty="0"/>
-          </a:p>
-          <a:p>
-            <a:pPr marL="457200" lvl="1" indent="0">
-              <a:buNone/>
-            </a:pPr>
-            <a:r>
-              <a:rPr lang="ja-JP" altLang="en-US" sz="2800" b="1" dirty="0"/>
-              <a:t>圧力センサをヘルメットの内装に挟むだけで実装可能</a:t>
-            </a:r>
-            <a:endParaRPr lang="en-US" altLang="ja-JP" b="1" dirty="0"/>
           </a:p>
         </p:txBody>
       </p:sp>
@@ -5088,66 +5341,12 @@
           </a:p>
         </p:txBody>
       </p:sp>
-      <p:sp>
-        <p:nvSpPr>
-          <p:cNvPr id="5" name="矢印: 右 4">
+      <p:pic>
+        <p:nvPicPr>
+          <p:cNvPr id="13" name="図 12">
             <a:extLst>
               <a:ext uri="{FF2B5EF4-FFF2-40B4-BE49-F238E27FC236}">
-                <a16:creationId xmlns:a16="http://schemas.microsoft.com/office/drawing/2014/main" id="{96E51936-8BE2-458B-84E2-81EC5A09B421}"/>
-              </a:ext>
-            </a:extLst>
-          </p:cNvPr>
-          <p:cNvSpPr/>
-          <p:nvPr/>
-        </p:nvSpPr>
-        <p:spPr>
-          <a:xfrm>
-            <a:off x="838200" y="4133455"/>
-            <a:ext cx="452718" cy="309283"/>
-          </a:xfrm>
-          <a:prstGeom prst="rightArrow">
-            <a:avLst/>
-          </a:prstGeom>
-          <a:solidFill>
-            <a:schemeClr val="tx1"/>
-          </a:solidFill>
-          <a:ln>
-            <a:solidFill>
-              <a:schemeClr val="tx1"/>
-            </a:solidFill>
-          </a:ln>
-        </p:spPr>
-        <p:style>
-          <a:lnRef idx="2">
-            <a:schemeClr val="accent1">
-              <a:shade val="50000"/>
-            </a:schemeClr>
-          </a:lnRef>
-          <a:fillRef idx="1">
-            <a:schemeClr val="accent1"/>
-          </a:fillRef>
-          <a:effectRef idx="0">
-            <a:schemeClr val="accent1"/>
-          </a:effectRef>
-          <a:fontRef idx="minor">
-            <a:schemeClr val="lt1"/>
-          </a:fontRef>
-        </p:style>
-        <p:txBody>
-          <a:bodyPr rtlCol="0" anchor="ctr"/>
-          <a:lstStyle/>
-          <a:p>
-            <a:pPr algn="ctr"/>
-            <a:endParaRPr kumimoji="1" lang="ja-JP" altLang="en-US"/>
-          </a:p>
-        </p:txBody>
-      </p:sp>
-      <p:pic>
-        <p:nvPicPr>
-          <p:cNvPr id="7" name="図 6">
-            <a:extLst>
-              <a:ext uri="{FF2B5EF4-FFF2-40B4-BE49-F238E27FC236}">
-                <a16:creationId xmlns:a16="http://schemas.microsoft.com/office/drawing/2014/main" id="{9D4D3438-070E-4C47-B616-9C21BD6963EA}"/>
+                <a16:creationId xmlns:a16="http://schemas.microsoft.com/office/drawing/2014/main" id="{B2046122-C5F6-42F7-B8EF-FAE8E1675E80}"/>
               </a:ext>
             </a:extLst>
           </p:cNvPr>
@@ -5170,44 +5369,8 @@
         </p:blipFill>
         <p:spPr>
           <a:xfrm>
-            <a:off x="8978751" y="1394421"/>
-            <a:ext cx="2160304" cy="2390395"/>
-          </a:xfrm>
-          <a:prstGeom prst="rect">
-            <a:avLst/>
-          </a:prstGeom>
-        </p:spPr>
-      </p:pic>
-      <p:pic>
-        <p:nvPicPr>
-          <p:cNvPr id="9" name="図 8">
-            <a:extLst>
-              <a:ext uri="{FF2B5EF4-FFF2-40B4-BE49-F238E27FC236}">
-                <a16:creationId xmlns:a16="http://schemas.microsoft.com/office/drawing/2014/main" id="{15CE0AD0-4311-4C6E-9705-12ADDE622C4D}"/>
-              </a:ext>
-            </a:extLst>
-          </p:cNvPr>
-          <p:cNvPicPr>
-            <a:picLocks noChangeAspect="1"/>
-          </p:cNvPicPr>
-          <p:nvPr/>
-        </p:nvPicPr>
-        <p:blipFill>
-          <a:blip r:embed="rId4" cstate="print">
-            <a:extLst>
-              <a:ext uri="{28A0092B-C50C-407E-A947-70E740481C1C}">
-                <a14:useLocalDpi xmlns:a14="http://schemas.microsoft.com/office/drawing/2010/main" val="0"/>
-              </a:ext>
-            </a:extLst>
-          </a:blip>
-          <a:stretch>
-            <a:fillRect/>
-          </a:stretch>
-        </p:blipFill>
-        <p:spPr>
-          <a:xfrm>
-            <a:off x="1420228" y="4707179"/>
-            <a:ext cx="1607127" cy="1205345"/>
+            <a:off x="8212425" y="2798617"/>
+            <a:ext cx="2570101" cy="2997201"/>
           </a:xfrm>
           <a:prstGeom prst="rect">
             <a:avLst/>
@@ -5249,6 +5412,440 @@
           <p:cNvPr id="2" name="タイトル 1">
             <a:extLst>
               <a:ext uri="{FF2B5EF4-FFF2-40B4-BE49-F238E27FC236}">
+                <a16:creationId xmlns:a16="http://schemas.microsoft.com/office/drawing/2014/main" id="{D2138206-A770-45C6-B0A8-3EFD2129C11F}"/>
+              </a:ext>
+            </a:extLst>
+          </p:cNvPr>
+          <p:cNvSpPr>
+            <a:spLocks noGrp="1"/>
+          </p:cNvSpPr>
+          <p:nvPr>
+            <p:ph type="title"/>
+          </p:nvPr>
+        </p:nvSpPr>
+        <p:spPr/>
+        <p:txBody>
+          <a:bodyPr/>
+          <a:lstStyle/>
+          <a:p>
+            <a:r>
+              <a:rPr kumimoji="1" lang="ja-JP" altLang="en-US" dirty="0"/>
+              <a:t>提案手法</a:t>
+            </a:r>
+            <a:r>
+              <a:rPr kumimoji="1" lang="en-US" altLang="ja-JP" dirty="0"/>
+              <a:t>(</a:t>
+            </a:r>
+            <a:r>
+              <a:rPr kumimoji="1" lang="ja-JP" altLang="en-US" dirty="0"/>
+              <a:t>ハードウェア</a:t>
+            </a:r>
+            <a:r>
+              <a:rPr kumimoji="1" lang="en-US" altLang="ja-JP" dirty="0"/>
+              <a:t>)</a:t>
+            </a:r>
+            <a:endParaRPr kumimoji="1" lang="ja-JP" altLang="en-US" dirty="0"/>
+          </a:p>
+        </p:txBody>
+      </p:sp>
+      <p:sp>
+        <p:nvSpPr>
+          <p:cNvPr id="3" name="コンテンツ プレースホルダー 2">
+            <a:extLst>
+              <a:ext uri="{FF2B5EF4-FFF2-40B4-BE49-F238E27FC236}">
+                <a16:creationId xmlns:a16="http://schemas.microsoft.com/office/drawing/2014/main" id="{BCA45287-F28C-46A0-9BC5-984E65A95D54}"/>
+              </a:ext>
+            </a:extLst>
+          </p:cNvPr>
+          <p:cNvSpPr>
+            <a:spLocks noGrp="1"/>
+          </p:cNvSpPr>
+          <p:nvPr>
+            <p:ph idx="1"/>
+          </p:nvPr>
+        </p:nvSpPr>
+        <p:spPr>
+          <a:xfrm>
+            <a:off x="838200" y="1825625"/>
+            <a:ext cx="10515600" cy="4351338"/>
+          </a:xfrm>
+        </p:spPr>
+        <p:txBody>
+          <a:bodyPr/>
+          <a:lstStyle/>
+          <a:p>
+            <a:r>
+              <a:rPr kumimoji="1" lang="ja-JP" altLang="en-US" dirty="0"/>
+              <a:t>ヘルメットに装着</a:t>
+            </a:r>
+            <a:endParaRPr kumimoji="1" lang="en-US" altLang="ja-JP" dirty="0"/>
+          </a:p>
+          <a:p>
+            <a:pPr lvl="1"/>
+            <a:r>
+              <a:rPr lang="ja-JP" altLang="en-US" dirty="0"/>
+              <a:t>コンパクトである必要</a:t>
+            </a:r>
+            <a:endParaRPr kumimoji="1" lang="en-US" altLang="ja-JP" dirty="0"/>
+          </a:p>
+          <a:p>
+            <a:r>
+              <a:rPr kumimoji="1" lang="ja-JP" altLang="en-US" dirty="0"/>
+              <a:t>頭部形状を取得</a:t>
+            </a:r>
+            <a:endParaRPr kumimoji="1" lang="en-US" altLang="ja-JP" dirty="0"/>
+          </a:p>
+          <a:p>
+            <a:pPr lvl="1"/>
+            <a:r>
+              <a:rPr lang="ja-JP" altLang="en-US" dirty="0"/>
+              <a:t>触れ方により値が変化するセンサ</a:t>
+            </a:r>
+            <a:endParaRPr kumimoji="1" lang="en-US" altLang="ja-JP" dirty="0"/>
+          </a:p>
+          <a:p>
+            <a:pPr lvl="1"/>
+            <a:endParaRPr kumimoji="1" lang="en-US" altLang="ja-JP" dirty="0"/>
+          </a:p>
+          <a:p>
+            <a:pPr marL="457200" lvl="1" indent="0">
+              <a:buNone/>
+            </a:pPr>
+            <a:r>
+              <a:rPr lang="ja-JP" altLang="en-US" sz="2800" b="1" dirty="0">
+                <a:highlight>
+                  <a:srgbClr val="FFFF00"/>
+                </a:highlight>
+              </a:rPr>
+              <a:t>圧力センサ</a:t>
+            </a:r>
+            <a:r>
+              <a:rPr lang="ja-JP" altLang="en-US" sz="2800" b="1" dirty="0"/>
+              <a:t>をヘルメットの内装に挟んで実装</a:t>
+            </a:r>
+            <a:endParaRPr lang="en-US" altLang="ja-JP" b="1" dirty="0"/>
+          </a:p>
+        </p:txBody>
+      </p:sp>
+      <p:sp>
+        <p:nvSpPr>
+          <p:cNvPr id="4" name="スライド番号プレースホルダー 3">
+            <a:extLst>
+              <a:ext uri="{FF2B5EF4-FFF2-40B4-BE49-F238E27FC236}">
+                <a16:creationId xmlns:a16="http://schemas.microsoft.com/office/drawing/2014/main" id="{2E6504B0-BFC1-43C4-B22D-DDF9E30BB69F}"/>
+              </a:ext>
+            </a:extLst>
+          </p:cNvPr>
+          <p:cNvSpPr>
+            <a:spLocks noGrp="1"/>
+          </p:cNvSpPr>
+          <p:nvPr>
+            <p:ph type="sldNum" sz="quarter" idx="12"/>
+          </p:nvPr>
+        </p:nvSpPr>
+        <p:spPr/>
+        <p:txBody>
+          <a:bodyPr/>
+          <a:lstStyle/>
+          <a:p>
+            <a:fld id="{92084505-5355-43A2-B929-FD06D0DABC31}" type="slidenum">
+              <a:rPr lang="ja-JP" altLang="en-US" smtClean="0"/>
+              <a:pPr/>
+              <a:t>5</a:t>
+            </a:fld>
+            <a:endParaRPr lang="ja-JP" altLang="en-US" dirty="0"/>
+          </a:p>
+        </p:txBody>
+      </p:sp>
+      <p:sp>
+        <p:nvSpPr>
+          <p:cNvPr id="5" name="矢印: 右 4">
+            <a:extLst>
+              <a:ext uri="{FF2B5EF4-FFF2-40B4-BE49-F238E27FC236}">
+                <a16:creationId xmlns:a16="http://schemas.microsoft.com/office/drawing/2014/main" id="{96E51936-8BE2-458B-84E2-81EC5A09B421}"/>
+              </a:ext>
+            </a:extLst>
+          </p:cNvPr>
+          <p:cNvSpPr/>
+          <p:nvPr/>
+        </p:nvSpPr>
+        <p:spPr>
+          <a:xfrm>
+            <a:off x="838200" y="4001294"/>
+            <a:ext cx="452718" cy="309283"/>
+          </a:xfrm>
+          <a:prstGeom prst="rightArrow">
+            <a:avLst/>
+          </a:prstGeom>
+          <a:solidFill>
+            <a:schemeClr val="tx1"/>
+          </a:solidFill>
+          <a:ln>
+            <a:solidFill>
+              <a:schemeClr val="tx1"/>
+            </a:solidFill>
+          </a:ln>
+        </p:spPr>
+        <p:style>
+          <a:lnRef idx="2">
+            <a:schemeClr val="accent1">
+              <a:shade val="50000"/>
+            </a:schemeClr>
+          </a:lnRef>
+          <a:fillRef idx="1">
+            <a:schemeClr val="accent1"/>
+          </a:fillRef>
+          <a:effectRef idx="0">
+            <a:schemeClr val="accent1"/>
+          </a:effectRef>
+          <a:fontRef idx="minor">
+            <a:schemeClr val="lt1"/>
+          </a:fontRef>
+        </p:style>
+        <p:txBody>
+          <a:bodyPr rtlCol="0" anchor="ctr"/>
+          <a:lstStyle/>
+          <a:p>
+            <a:pPr algn="ctr"/>
+            <a:endParaRPr kumimoji="1" lang="ja-JP" altLang="en-US"/>
+          </a:p>
+        </p:txBody>
+      </p:sp>
+      <p:pic>
+        <p:nvPicPr>
+          <p:cNvPr id="7" name="図 6">
+            <a:extLst>
+              <a:ext uri="{FF2B5EF4-FFF2-40B4-BE49-F238E27FC236}">
+                <a16:creationId xmlns:a16="http://schemas.microsoft.com/office/drawing/2014/main" id="{9D4D3438-070E-4C47-B616-9C21BD6963EA}"/>
+              </a:ext>
+            </a:extLst>
+          </p:cNvPr>
+          <p:cNvPicPr>
+            <a:picLocks noChangeAspect="1"/>
+          </p:cNvPicPr>
+          <p:nvPr/>
+        </p:nvPicPr>
+        <p:blipFill>
+          <a:blip r:embed="rId3" cstate="print">
+            <a:extLst>
+              <a:ext uri="{28A0092B-C50C-407E-A947-70E740481C1C}">
+                <a14:useLocalDpi xmlns:a14="http://schemas.microsoft.com/office/drawing/2010/main" val="0"/>
+              </a:ext>
+            </a:extLst>
+          </a:blip>
+          <a:stretch>
+            <a:fillRect/>
+          </a:stretch>
+        </p:blipFill>
+        <p:spPr>
+          <a:xfrm>
+            <a:off x="1958411" y="4723129"/>
+            <a:ext cx="1417121" cy="1568058"/>
+          </a:xfrm>
+          <a:prstGeom prst="rect">
+            <a:avLst/>
+          </a:prstGeom>
+        </p:spPr>
+      </p:pic>
+      <p:pic>
+        <p:nvPicPr>
+          <p:cNvPr id="9" name="図 8">
+            <a:extLst>
+              <a:ext uri="{FF2B5EF4-FFF2-40B4-BE49-F238E27FC236}">
+                <a16:creationId xmlns:a16="http://schemas.microsoft.com/office/drawing/2014/main" id="{15CE0AD0-4311-4C6E-9705-12ADDE622C4D}"/>
+              </a:ext>
+            </a:extLst>
+          </p:cNvPr>
+          <p:cNvPicPr>
+            <a:picLocks noChangeAspect="1"/>
+          </p:cNvPicPr>
+          <p:nvPr/>
+        </p:nvPicPr>
+        <p:blipFill>
+          <a:blip r:embed="rId4" cstate="print">
+            <a:extLst>
+              <a:ext uri="{28A0092B-C50C-407E-A947-70E740481C1C}">
+                <a14:useLocalDpi xmlns:a14="http://schemas.microsoft.com/office/drawing/2010/main" val="0"/>
+              </a:ext>
+            </a:extLst>
+          </a:blip>
+          <a:stretch>
+            <a:fillRect/>
+          </a:stretch>
+        </p:blipFill>
+        <p:spPr>
+          <a:xfrm>
+            <a:off x="4962473" y="4718202"/>
+            <a:ext cx="2090744" cy="1568058"/>
+          </a:xfrm>
+          <a:prstGeom prst="rect">
+            <a:avLst/>
+          </a:prstGeom>
+        </p:spPr>
+      </p:pic>
+      <p:pic>
+        <p:nvPicPr>
+          <p:cNvPr id="8" name="図 7">
+            <a:extLst>
+              <a:ext uri="{FF2B5EF4-FFF2-40B4-BE49-F238E27FC236}">
+                <a16:creationId xmlns:a16="http://schemas.microsoft.com/office/drawing/2014/main" id="{D9C659BD-9AEA-4548-A976-382D3966ECBD}"/>
+              </a:ext>
+            </a:extLst>
+          </p:cNvPr>
+          <p:cNvPicPr>
+            <a:picLocks noChangeAspect="1"/>
+          </p:cNvPicPr>
+          <p:nvPr/>
+        </p:nvPicPr>
+        <p:blipFill>
+          <a:blip r:embed="rId5" cstate="print">
+            <a:extLst>
+              <a:ext uri="{28A0092B-C50C-407E-A947-70E740481C1C}">
+                <a14:useLocalDpi xmlns:a14="http://schemas.microsoft.com/office/drawing/2010/main" val="0"/>
+              </a:ext>
+            </a:extLst>
+          </a:blip>
+          <a:stretch>
+            <a:fillRect/>
+          </a:stretch>
+        </p:blipFill>
+        <p:spPr>
+          <a:xfrm>
+            <a:off x="8640158" y="4718202"/>
+            <a:ext cx="1536697" cy="1568058"/>
+          </a:xfrm>
+          <a:prstGeom prst="rect">
+            <a:avLst/>
+          </a:prstGeom>
+        </p:spPr>
+      </p:pic>
+      <p:sp>
+        <p:nvSpPr>
+          <p:cNvPr id="10" name="加算記号 9">
+            <a:extLst>
+              <a:ext uri="{FF2B5EF4-FFF2-40B4-BE49-F238E27FC236}">
+                <a16:creationId xmlns:a16="http://schemas.microsoft.com/office/drawing/2014/main" id="{BD8F8C76-02F4-45DE-AA85-A3DD1DB9F7C7}"/>
+              </a:ext>
+            </a:extLst>
+          </p:cNvPr>
+          <p:cNvSpPr/>
+          <p:nvPr/>
+        </p:nvSpPr>
+        <p:spPr>
+          <a:xfrm>
+            <a:off x="3670410" y="5089234"/>
+            <a:ext cx="903091" cy="825995"/>
+          </a:xfrm>
+          <a:prstGeom prst="mathPlus">
+            <a:avLst/>
+          </a:prstGeom>
+        </p:spPr>
+        <p:style>
+          <a:lnRef idx="2">
+            <a:schemeClr val="dk1">
+              <a:shade val="50000"/>
+            </a:schemeClr>
+          </a:lnRef>
+          <a:fillRef idx="1">
+            <a:schemeClr val="dk1"/>
+          </a:fillRef>
+          <a:effectRef idx="0">
+            <a:schemeClr val="dk1"/>
+          </a:effectRef>
+          <a:fontRef idx="minor">
+            <a:schemeClr val="lt1"/>
+          </a:fontRef>
+        </p:style>
+        <p:txBody>
+          <a:bodyPr rtlCol="0" anchor="ctr"/>
+          <a:lstStyle/>
+          <a:p>
+            <a:pPr algn="ctr"/>
+            <a:endParaRPr lang="ja-JP" altLang="en-US"/>
+          </a:p>
+        </p:txBody>
+      </p:sp>
+      <p:sp>
+        <p:nvSpPr>
+          <p:cNvPr id="11" name="次の値と等しい 10">
+            <a:extLst>
+              <a:ext uri="{FF2B5EF4-FFF2-40B4-BE49-F238E27FC236}">
+                <a16:creationId xmlns:a16="http://schemas.microsoft.com/office/drawing/2014/main" id="{5359304C-920D-424F-A1F6-913D268DFD83}"/>
+              </a:ext>
+            </a:extLst>
+          </p:cNvPr>
+          <p:cNvSpPr/>
+          <p:nvPr/>
+        </p:nvSpPr>
+        <p:spPr>
+          <a:xfrm>
+            <a:off x="7442189" y="5089235"/>
+            <a:ext cx="903091" cy="825995"/>
+          </a:xfrm>
+          <a:prstGeom prst="mathEqual">
+            <a:avLst/>
+          </a:prstGeom>
+        </p:spPr>
+        <p:style>
+          <a:lnRef idx="2">
+            <a:schemeClr val="dk1">
+              <a:shade val="50000"/>
+            </a:schemeClr>
+          </a:lnRef>
+          <a:fillRef idx="1">
+            <a:schemeClr val="dk1"/>
+          </a:fillRef>
+          <a:effectRef idx="0">
+            <a:schemeClr val="dk1"/>
+          </a:effectRef>
+          <a:fontRef idx="minor">
+            <a:schemeClr val="lt1"/>
+          </a:fontRef>
+        </p:style>
+        <p:txBody>
+          <a:bodyPr rtlCol="0" anchor="ctr"/>
+          <a:lstStyle/>
+          <a:p>
+            <a:pPr algn="ctr"/>
+            <a:endParaRPr lang="ja-JP" altLang="en-US"/>
+          </a:p>
+        </p:txBody>
+      </p:sp>
+    </p:spTree>
+    <p:extLst>
+      <p:ext uri="{BB962C8B-B14F-4D97-AF65-F5344CB8AC3E}">
+        <p14:creationId xmlns:p14="http://schemas.microsoft.com/office/powerpoint/2010/main" val="1823155245"/>
+      </p:ext>
+    </p:extLst>
+  </p:cSld>
+  <p:clrMapOvr>
+    <a:masterClrMapping/>
+  </p:clrMapOvr>
+</p:sld>
+</file>
+
+<file path=ppt/slides/slide6.xml><?xml version="1.0" encoding="utf-8"?>
+<p:sld xmlns:a="http://schemas.openxmlformats.org/drawingml/2006/main" xmlns:r="http://schemas.openxmlformats.org/officeDocument/2006/relationships" xmlns:p="http://schemas.openxmlformats.org/presentationml/2006/main">
+  <p:cSld>
+    <p:spTree>
+      <p:nvGrpSpPr>
+        <p:cNvPr id="1" name=""/>
+        <p:cNvGrpSpPr/>
+        <p:nvPr/>
+      </p:nvGrpSpPr>
+      <p:grpSpPr>
+        <a:xfrm>
+          <a:off x="0" y="0"/>
+          <a:ext cx="0" cy="0"/>
+          <a:chOff x="0" y="0"/>
+          <a:chExt cx="0" cy="0"/>
+        </a:xfrm>
+      </p:grpSpPr>
+      <p:sp>
+        <p:nvSpPr>
+          <p:cNvPr id="2" name="タイトル 1">
+            <a:extLst>
+              <a:ext uri="{FF2B5EF4-FFF2-40B4-BE49-F238E27FC236}">
                 <a16:creationId xmlns:a16="http://schemas.microsoft.com/office/drawing/2014/main" id="{1B227805-5F92-474E-937E-ADABFD7CAE67}"/>
               </a:ext>
             </a:extLst>
@@ -5274,6 +5871,19 @@
               <a:rPr kumimoji="1" lang="ja-JP" altLang="en-US" dirty="0"/>
               <a:t>提案手法</a:t>
             </a:r>
+            <a:r>
+              <a:rPr kumimoji="1" lang="en-US" altLang="ja-JP" dirty="0"/>
+              <a:t>(</a:t>
+            </a:r>
+            <a:r>
+              <a:rPr kumimoji="1" lang="ja-JP" altLang="en-US" dirty="0"/>
+              <a:t>識別</a:t>
+            </a:r>
+            <a:r>
+              <a:rPr kumimoji="1" lang="en-US" altLang="ja-JP" dirty="0"/>
+              <a:t>)</a:t>
+            </a:r>
+            <a:endParaRPr kumimoji="1" lang="ja-JP" altLang="en-US" dirty="0"/>
           </a:p>
         </p:txBody>
       </p:sp>
@@ -5301,7 +5911,7 @@
             <a:fld id="{92084505-5355-43A2-B929-FD06D0DABC31}" type="slidenum">
               <a:rPr lang="ja-JP" altLang="en-US" smtClean="0"/>
               <a:pPr/>
-              <a:t>5</a:t>
+              <a:t>6</a:t>
             </a:fld>
             <a:endParaRPr lang="ja-JP" altLang="en-US" dirty="0"/>
           </a:p>
@@ -5309,10 +5919,169 @@
       </p:sp>
       <p:sp>
         <p:nvSpPr>
-          <p:cNvPr id="5" name="矢印: 五方向 4">
+          <p:cNvPr id="13" name="テキスト ボックス 12">
             <a:extLst>
               <a:ext uri="{FF2B5EF4-FFF2-40B4-BE49-F238E27FC236}">
-                <a16:creationId xmlns:a16="http://schemas.microsoft.com/office/drawing/2014/main" id="{D1322D48-27F1-4494-BB18-05055DB5C18C}"/>
+                <a16:creationId xmlns:a16="http://schemas.microsoft.com/office/drawing/2014/main" id="{CE3744D8-522B-417D-960C-41D1C599EC5B}"/>
+              </a:ext>
+            </a:extLst>
+          </p:cNvPr>
+          <p:cNvSpPr txBox="1"/>
+          <p:nvPr/>
+        </p:nvSpPr>
+        <p:spPr>
+          <a:xfrm>
+            <a:off x="5601854" y="1971620"/>
+            <a:ext cx="4451927" cy="369332"/>
+          </a:xfrm>
+          <a:prstGeom prst="rect">
+            <a:avLst/>
+          </a:prstGeom>
+          <a:noFill/>
+        </p:spPr>
+        <p:txBody>
+          <a:bodyPr wrap="square" rtlCol="0">
+            <a:spAutoFit/>
+          </a:bodyPr>
+          <a:lstStyle/>
+          <a:p>
+            <a:r>
+              <a:rPr lang="ja-JP" altLang="en-US" dirty="0"/>
+              <a:t>あらかじめ複数サンプル登録しておく</a:t>
+            </a:r>
+            <a:endParaRPr kumimoji="1" lang="ja-JP" altLang="en-US" dirty="0"/>
+          </a:p>
+        </p:txBody>
+      </p:sp>
+      <p:sp>
+        <p:nvSpPr>
+          <p:cNvPr id="14" name="テキスト ボックス 13">
+            <a:extLst>
+              <a:ext uri="{FF2B5EF4-FFF2-40B4-BE49-F238E27FC236}">
+                <a16:creationId xmlns:a16="http://schemas.microsoft.com/office/drawing/2014/main" id="{BB9365F2-BF22-4F8C-ACA1-3F27F9841C88}"/>
+              </a:ext>
+            </a:extLst>
+          </p:cNvPr>
+          <p:cNvSpPr txBox="1"/>
+          <p:nvPr/>
+        </p:nvSpPr>
+        <p:spPr>
+          <a:xfrm>
+            <a:off x="5601854" y="4299472"/>
+            <a:ext cx="4517195" cy="369332"/>
+          </a:xfrm>
+          <a:prstGeom prst="rect">
+            <a:avLst/>
+          </a:prstGeom>
+          <a:noFill/>
+        </p:spPr>
+        <p:txBody>
+          <a:bodyPr wrap="square" rtlCol="0">
+            <a:spAutoFit/>
+          </a:bodyPr>
+          <a:lstStyle/>
+          <a:p>
+            <a:r>
+              <a:rPr kumimoji="1" lang="ja-JP" altLang="en-US" dirty="0"/>
+              <a:t>所有者のデータ群と入力データの距離</a:t>
+            </a:r>
+          </a:p>
+        </p:txBody>
+      </p:sp>
+      <p:sp>
+        <p:nvSpPr>
+          <p:cNvPr id="15" name="テキスト ボックス 14">
+            <a:extLst>
+              <a:ext uri="{FF2B5EF4-FFF2-40B4-BE49-F238E27FC236}">
+                <a16:creationId xmlns:a16="http://schemas.microsoft.com/office/drawing/2014/main" id="{5B6B95E7-7FA5-4196-B399-16459FD849BB}"/>
+              </a:ext>
+            </a:extLst>
+          </p:cNvPr>
+          <p:cNvSpPr txBox="1"/>
+          <p:nvPr/>
+        </p:nvSpPr>
+        <p:spPr>
+          <a:xfrm>
+            <a:off x="5601854" y="3134341"/>
+            <a:ext cx="5310910" cy="369332"/>
+          </a:xfrm>
+          <a:prstGeom prst="rect">
+            <a:avLst/>
+          </a:prstGeom>
+          <a:noFill/>
+        </p:spPr>
+        <p:txBody>
+          <a:bodyPr wrap="square" rtlCol="0">
+            <a:spAutoFit/>
+          </a:bodyPr>
+          <a:lstStyle/>
+          <a:p>
+            <a:r>
+              <a:rPr kumimoji="1" lang="en-US" altLang="ja-JP" dirty="0"/>
+              <a:t>32</a:t>
+            </a:r>
+            <a:r>
+              <a:rPr kumimoji="1" lang="ja-JP" altLang="en-US" dirty="0"/>
+              <a:t>個の圧力センサの電圧値</a:t>
+            </a:r>
+            <a:r>
+              <a:rPr kumimoji="1" lang="en-US" altLang="ja-JP" dirty="0"/>
+              <a:t>(32</a:t>
+            </a:r>
+            <a:r>
+              <a:rPr kumimoji="1" lang="ja-JP" altLang="en-US" dirty="0"/>
+              <a:t>次元のベクトル</a:t>
+            </a:r>
+            <a:r>
+              <a:rPr kumimoji="1" lang="en-US" altLang="ja-JP" dirty="0"/>
+              <a:t>)</a:t>
+            </a:r>
+            <a:endParaRPr kumimoji="1" lang="ja-JP" altLang="en-US" dirty="0"/>
+          </a:p>
+        </p:txBody>
+      </p:sp>
+      <p:sp>
+        <p:nvSpPr>
+          <p:cNvPr id="16" name="テキスト ボックス 15">
+            <a:extLst>
+              <a:ext uri="{FF2B5EF4-FFF2-40B4-BE49-F238E27FC236}">
+                <a16:creationId xmlns:a16="http://schemas.microsoft.com/office/drawing/2014/main" id="{F7333F59-EA21-4650-993A-AEDEB57C3323}"/>
+              </a:ext>
+            </a:extLst>
+          </p:cNvPr>
+          <p:cNvSpPr txBox="1"/>
+          <p:nvPr/>
+        </p:nvSpPr>
+        <p:spPr>
+          <a:xfrm>
+            <a:off x="5601853" y="5460620"/>
+            <a:ext cx="4517195" cy="369332"/>
+          </a:xfrm>
+          <a:prstGeom prst="rect">
+            <a:avLst/>
+          </a:prstGeom>
+          <a:noFill/>
+        </p:spPr>
+        <p:txBody>
+          <a:bodyPr wrap="square" rtlCol="0">
+            <a:spAutoFit/>
+          </a:bodyPr>
+          <a:lstStyle/>
+          <a:p>
+            <a:r>
+              <a:rPr lang="ja-JP" altLang="en-US" dirty="0"/>
+              <a:t>距離が閾値未満で認証，閾値以上で拒否</a:t>
+            </a:r>
+            <a:endParaRPr kumimoji="1" lang="ja-JP" altLang="en-US" dirty="0"/>
+          </a:p>
+        </p:txBody>
+      </p:sp>
+      <p:sp>
+        <p:nvSpPr>
+          <p:cNvPr id="17" name="矢印: 右 16">
+            <a:extLst>
+              <a:ext uri="{FF2B5EF4-FFF2-40B4-BE49-F238E27FC236}">
+                <a16:creationId xmlns:a16="http://schemas.microsoft.com/office/drawing/2014/main" id="{CB8AE73E-6E35-451B-B59C-BFFBFBDB0616}"/>
               </a:ext>
             </a:extLst>
           </p:cNvPr>
@@ -5321,10 +6090,172 @@
         </p:nvSpPr>
         <p:spPr>
           <a:xfrm rot="5400000">
-            <a:off x="3491347" y="711202"/>
-            <a:ext cx="1108361" cy="3435930"/>
+            <a:off x="3372101" y="4544679"/>
+            <a:ext cx="487872" cy="1011380"/>
           </a:xfrm>
-          <a:prstGeom prst="homePlate">
+          <a:prstGeom prst="rightArrow">
+            <a:avLst/>
+          </a:prstGeom>
+          <a:solidFill>
+            <a:schemeClr val="accent1"/>
+          </a:solidFill>
+          <a:ln>
+            <a:solidFill>
+              <a:schemeClr val="tx1"/>
+            </a:solidFill>
+          </a:ln>
+        </p:spPr>
+        <p:style>
+          <a:lnRef idx="2">
+            <a:schemeClr val="accent1">
+              <a:shade val="50000"/>
+            </a:schemeClr>
+          </a:lnRef>
+          <a:fillRef idx="1">
+            <a:schemeClr val="accent1"/>
+          </a:fillRef>
+          <a:effectRef idx="0">
+            <a:schemeClr val="accent1"/>
+          </a:effectRef>
+          <a:fontRef idx="minor">
+            <a:schemeClr val="lt1"/>
+          </a:fontRef>
+        </p:style>
+        <p:txBody>
+          <a:bodyPr rtlCol="0" anchor="ctr"/>
+          <a:lstStyle/>
+          <a:p>
+            <a:pPr algn="ctr"/>
+            <a:endParaRPr kumimoji="1" lang="ja-JP" altLang="en-US" dirty="0"/>
+          </a:p>
+        </p:txBody>
+      </p:sp>
+      <p:sp>
+        <p:nvSpPr>
+          <p:cNvPr id="18" name="矢印: 右 17">
+            <a:extLst>
+              <a:ext uri="{FF2B5EF4-FFF2-40B4-BE49-F238E27FC236}">
+                <a16:creationId xmlns:a16="http://schemas.microsoft.com/office/drawing/2014/main" id="{7F101B49-7D54-472A-B068-B6C94AD7116F}"/>
+              </a:ext>
+            </a:extLst>
+          </p:cNvPr>
+          <p:cNvSpPr/>
+          <p:nvPr/>
+        </p:nvSpPr>
+        <p:spPr>
+          <a:xfrm rot="5400000">
+            <a:off x="3142509" y="3627467"/>
+            <a:ext cx="947056" cy="1011380"/>
+          </a:xfrm>
+          <a:prstGeom prst="rightArrow">
+            <a:avLst/>
+          </a:prstGeom>
+          <a:solidFill>
+            <a:schemeClr val="accent1"/>
+          </a:solidFill>
+          <a:ln>
+            <a:solidFill>
+              <a:schemeClr val="tx1"/>
+            </a:solidFill>
+          </a:ln>
+        </p:spPr>
+        <p:style>
+          <a:lnRef idx="2">
+            <a:schemeClr val="accent1">
+              <a:shade val="50000"/>
+            </a:schemeClr>
+          </a:lnRef>
+          <a:fillRef idx="1">
+            <a:schemeClr val="accent1"/>
+          </a:fillRef>
+          <a:effectRef idx="0">
+            <a:schemeClr val="accent1"/>
+          </a:effectRef>
+          <a:fontRef idx="minor">
+            <a:schemeClr val="lt1"/>
+          </a:fontRef>
+        </p:style>
+        <p:txBody>
+          <a:bodyPr rtlCol="0" anchor="ctr"/>
+          <a:lstStyle/>
+          <a:p>
+            <a:pPr algn="ctr"/>
+            <a:endParaRPr kumimoji="1" lang="ja-JP" altLang="en-US"/>
+          </a:p>
+        </p:txBody>
+      </p:sp>
+      <p:sp>
+        <p:nvSpPr>
+          <p:cNvPr id="19" name="矢印: 右 18">
+            <a:extLst>
+              <a:ext uri="{FF2B5EF4-FFF2-40B4-BE49-F238E27FC236}">
+                <a16:creationId xmlns:a16="http://schemas.microsoft.com/office/drawing/2014/main" id="{82AE62E1-3BA4-4083-9335-B2B7951663A9}"/>
+              </a:ext>
+            </a:extLst>
+          </p:cNvPr>
+          <p:cNvSpPr/>
+          <p:nvPr/>
+        </p:nvSpPr>
+        <p:spPr>
+          <a:xfrm rot="5400000">
+            <a:off x="3142509" y="2480662"/>
+            <a:ext cx="947056" cy="1011380"/>
+          </a:xfrm>
+          <a:prstGeom prst="rightArrow">
+            <a:avLst/>
+          </a:prstGeom>
+          <a:solidFill>
+            <a:schemeClr val="accent1"/>
+          </a:solidFill>
+          <a:ln>
+            <a:solidFill>
+              <a:schemeClr val="tx1"/>
+            </a:solidFill>
+          </a:ln>
+        </p:spPr>
+        <p:style>
+          <a:lnRef idx="2">
+            <a:schemeClr val="accent1">
+              <a:shade val="50000"/>
+            </a:schemeClr>
+          </a:lnRef>
+          <a:fillRef idx="1">
+            <a:schemeClr val="accent1"/>
+          </a:fillRef>
+          <a:effectRef idx="0">
+            <a:schemeClr val="accent1"/>
+          </a:effectRef>
+          <a:fontRef idx="minor">
+            <a:schemeClr val="lt1"/>
+          </a:fontRef>
+        </p:style>
+        <p:txBody>
+          <a:bodyPr rtlCol="0" anchor="ctr"/>
+          <a:lstStyle/>
+          <a:p>
+            <a:pPr algn="ctr"/>
+            <a:endParaRPr kumimoji="1" lang="ja-JP" altLang="en-US"/>
+          </a:p>
+        </p:txBody>
+      </p:sp>
+      <p:sp>
+        <p:nvSpPr>
+          <p:cNvPr id="20" name="正方形/長方形 19">
+            <a:extLst>
+              <a:ext uri="{FF2B5EF4-FFF2-40B4-BE49-F238E27FC236}">
+                <a16:creationId xmlns:a16="http://schemas.microsoft.com/office/drawing/2014/main" id="{86B10176-1894-4E62-BD2D-0B776BCA4353}"/>
+              </a:ext>
+            </a:extLst>
+          </p:cNvPr>
+          <p:cNvSpPr/>
+          <p:nvPr/>
+        </p:nvSpPr>
+        <p:spPr>
+          <a:xfrm>
+            <a:off x="1935019" y="5294305"/>
+            <a:ext cx="3362036" cy="701963"/>
+          </a:xfrm>
+          <a:prstGeom prst="rect">
             <a:avLst/>
           </a:prstGeom>
           <a:solidFill>
@@ -5363,45 +6294,10 @@
       </p:sp>
       <p:sp>
         <p:nvSpPr>
-          <p:cNvPr id="6" name="テキスト ボックス 5">
+          <p:cNvPr id="21" name="正方形/長方形 20">
             <a:extLst>
               <a:ext uri="{FF2B5EF4-FFF2-40B4-BE49-F238E27FC236}">
-                <a16:creationId xmlns:a16="http://schemas.microsoft.com/office/drawing/2014/main" id="{8D04CFEB-43E3-4F1A-978F-92780B715EE5}"/>
-              </a:ext>
-            </a:extLst>
-          </p:cNvPr>
-          <p:cNvSpPr txBox="1"/>
-          <p:nvPr/>
-        </p:nvSpPr>
-        <p:spPr>
-          <a:xfrm>
-            <a:off x="2669308" y="2047805"/>
-            <a:ext cx="2752437" cy="400110"/>
-          </a:xfrm>
-          <a:prstGeom prst="rect">
-            <a:avLst/>
-          </a:prstGeom>
-          <a:noFill/>
-        </p:spPr>
-        <p:txBody>
-          <a:bodyPr wrap="square" rtlCol="0">
-            <a:spAutoFit/>
-          </a:bodyPr>
-          <a:lstStyle/>
-          <a:p>
-            <a:r>
-              <a:rPr kumimoji="1" lang="ja-JP" altLang="en-US" sz="2000" b="1" dirty="0"/>
-              <a:t>所有者のデータを登録</a:t>
-            </a:r>
-          </a:p>
-        </p:txBody>
-      </p:sp>
-      <p:sp>
-        <p:nvSpPr>
-          <p:cNvPr id="7" name="矢印: 五方向 6">
-            <a:extLst>
-              <a:ext uri="{FF2B5EF4-FFF2-40B4-BE49-F238E27FC236}">
-                <a16:creationId xmlns:a16="http://schemas.microsoft.com/office/drawing/2014/main" id="{70019A5D-42F0-4E04-9D89-B78EF6AA6A58}"/>
+                <a16:creationId xmlns:a16="http://schemas.microsoft.com/office/drawing/2014/main" id="{586C7532-8774-46E2-ADD5-7940F2DEF211}"/>
               </a:ext>
             </a:extLst>
           </p:cNvPr>
@@ -5409,11 +6305,11 @@
           <p:nvPr/>
         </p:nvSpPr>
         <p:spPr>
-          <a:xfrm rot="5400000">
-            <a:off x="3491347" y="2041358"/>
-            <a:ext cx="1108361" cy="3435930"/>
+          <a:xfrm>
+            <a:off x="1935019" y="2972009"/>
+            <a:ext cx="3362036" cy="701963"/>
           </a:xfrm>
-          <a:prstGeom prst="homePlate">
+          <a:prstGeom prst="rect">
             <a:avLst/>
           </a:prstGeom>
           <a:solidFill>
@@ -5452,10 +6348,118 @@
       </p:sp>
       <p:sp>
         <p:nvSpPr>
-          <p:cNvPr id="8" name="テキスト ボックス 7">
+          <p:cNvPr id="22" name="正方形/長方形 21">
             <a:extLst>
               <a:ext uri="{FF2B5EF4-FFF2-40B4-BE49-F238E27FC236}">
-                <a16:creationId xmlns:a16="http://schemas.microsoft.com/office/drawing/2014/main" id="{2F04E5CC-6883-4120-B599-512519CC9CEB}"/>
+                <a16:creationId xmlns:a16="http://schemas.microsoft.com/office/drawing/2014/main" id="{5ADA3F83-BE0F-4E2C-8E00-E4498F197AFF}"/>
+              </a:ext>
+            </a:extLst>
+          </p:cNvPr>
+          <p:cNvSpPr/>
+          <p:nvPr/>
+        </p:nvSpPr>
+        <p:spPr>
+          <a:xfrm>
+            <a:off x="1935019" y="1810861"/>
+            <a:ext cx="3362036" cy="701963"/>
+          </a:xfrm>
+          <a:prstGeom prst="rect">
+            <a:avLst/>
+          </a:prstGeom>
+          <a:solidFill>
+            <a:schemeClr val="bg1"/>
+          </a:solidFill>
+          <a:ln>
+            <a:solidFill>
+              <a:schemeClr val="tx1"/>
+            </a:solidFill>
+          </a:ln>
+        </p:spPr>
+        <p:style>
+          <a:lnRef idx="2">
+            <a:schemeClr val="accent1">
+              <a:shade val="50000"/>
+            </a:schemeClr>
+          </a:lnRef>
+          <a:fillRef idx="1">
+            <a:schemeClr val="accent1"/>
+          </a:fillRef>
+          <a:effectRef idx="0">
+            <a:schemeClr val="accent1"/>
+          </a:effectRef>
+          <a:fontRef idx="minor">
+            <a:schemeClr val="lt1"/>
+          </a:fontRef>
+        </p:style>
+        <p:txBody>
+          <a:bodyPr rtlCol="0" anchor="ctr"/>
+          <a:lstStyle/>
+          <a:p>
+            <a:pPr algn="ctr"/>
+            <a:endParaRPr kumimoji="1" lang="ja-JP" altLang="en-US"/>
+          </a:p>
+        </p:txBody>
+      </p:sp>
+      <p:sp>
+        <p:nvSpPr>
+          <p:cNvPr id="23" name="正方形/長方形 22">
+            <a:extLst>
+              <a:ext uri="{FF2B5EF4-FFF2-40B4-BE49-F238E27FC236}">
+                <a16:creationId xmlns:a16="http://schemas.microsoft.com/office/drawing/2014/main" id="{5140FC80-FE28-4EBC-9EC1-FE5373D46BE1}"/>
+              </a:ext>
+            </a:extLst>
+          </p:cNvPr>
+          <p:cNvSpPr/>
+          <p:nvPr/>
+        </p:nvSpPr>
+        <p:spPr>
+          <a:xfrm>
+            <a:off x="1935019" y="4133157"/>
+            <a:ext cx="3362036" cy="701963"/>
+          </a:xfrm>
+          <a:prstGeom prst="rect">
+            <a:avLst/>
+          </a:prstGeom>
+          <a:solidFill>
+            <a:schemeClr val="bg1"/>
+          </a:solidFill>
+          <a:ln>
+            <a:solidFill>
+              <a:schemeClr val="tx1"/>
+            </a:solidFill>
+          </a:ln>
+        </p:spPr>
+        <p:style>
+          <a:lnRef idx="2">
+            <a:schemeClr val="accent1">
+              <a:shade val="50000"/>
+            </a:schemeClr>
+          </a:lnRef>
+          <a:fillRef idx="1">
+            <a:schemeClr val="accent1"/>
+          </a:fillRef>
+          <a:effectRef idx="0">
+            <a:schemeClr val="accent1"/>
+          </a:effectRef>
+          <a:fontRef idx="minor">
+            <a:schemeClr val="lt1"/>
+          </a:fontRef>
+        </p:style>
+        <p:txBody>
+          <a:bodyPr rtlCol="0" anchor="ctr"/>
+          <a:lstStyle/>
+          <a:p>
+            <a:pPr algn="ctr"/>
+            <a:endParaRPr kumimoji="1" lang="ja-JP" altLang="en-US"/>
+          </a:p>
+        </p:txBody>
+      </p:sp>
+      <p:sp>
+        <p:nvSpPr>
+          <p:cNvPr id="24" name="テキスト ボックス 23">
+            <a:extLst>
+              <a:ext uri="{FF2B5EF4-FFF2-40B4-BE49-F238E27FC236}">
+                <a16:creationId xmlns:a16="http://schemas.microsoft.com/office/drawing/2014/main" id="{3C33DB7E-50CD-4100-86AC-3A39A2B721D3}"/>
               </a:ext>
             </a:extLst>
           </p:cNvPr>
@@ -5464,7 +6468,42 @@
         </p:nvSpPr>
         <p:spPr>
           <a:xfrm>
-            <a:off x="2327562" y="3359213"/>
+            <a:off x="2239818" y="1956231"/>
+            <a:ext cx="2752437" cy="400110"/>
+          </a:xfrm>
+          <a:prstGeom prst="rect">
+            <a:avLst/>
+          </a:prstGeom>
+          <a:noFill/>
+        </p:spPr>
+        <p:txBody>
+          <a:bodyPr wrap="square" rtlCol="0">
+            <a:spAutoFit/>
+          </a:bodyPr>
+          <a:lstStyle/>
+          <a:p>
+            <a:r>
+              <a:rPr kumimoji="1" lang="ja-JP" altLang="en-US" sz="2000" b="1" dirty="0"/>
+              <a:t>所有者のデータを登録</a:t>
+            </a:r>
+          </a:p>
+        </p:txBody>
+      </p:sp>
+      <p:sp>
+        <p:nvSpPr>
+          <p:cNvPr id="25" name="テキスト ボックス 24">
+            <a:extLst>
+              <a:ext uri="{FF2B5EF4-FFF2-40B4-BE49-F238E27FC236}">
+                <a16:creationId xmlns:a16="http://schemas.microsoft.com/office/drawing/2014/main" id="{D217FD38-AA0A-422D-8B3C-B7522350ED93}"/>
+              </a:ext>
+            </a:extLst>
+          </p:cNvPr>
+          <p:cNvSpPr txBox="1"/>
+          <p:nvPr/>
+        </p:nvSpPr>
+        <p:spPr>
+          <a:xfrm>
+            <a:off x="1847272" y="3118952"/>
             <a:ext cx="3537528" cy="400110"/>
           </a:xfrm>
           <a:prstGeom prst="rect">
@@ -5478,11 +6517,100 @@
           </a:bodyPr>
           <a:lstStyle/>
           <a:p>
+            <a:pPr algn="r"/>
             <a:r>
               <a:rPr lang="ja-JP" altLang="en-US" sz="2000" b="1" dirty="0"/>
               <a:t>未知のユーザのデータが来る</a:t>
             </a:r>
             <a:endParaRPr kumimoji="1" lang="ja-JP" altLang="en-US" sz="2000" b="1" dirty="0"/>
+          </a:p>
+        </p:txBody>
+      </p:sp>
+      <p:sp>
+        <p:nvSpPr>
+          <p:cNvPr id="26" name="テキスト ボックス 25">
+            <a:extLst>
+              <a:ext uri="{FF2B5EF4-FFF2-40B4-BE49-F238E27FC236}">
+                <a16:creationId xmlns:a16="http://schemas.microsoft.com/office/drawing/2014/main" id="{E4CFA99D-A55B-4668-9B68-B042524384BB}"/>
+              </a:ext>
+            </a:extLst>
+          </p:cNvPr>
+          <p:cNvSpPr txBox="1"/>
+          <p:nvPr/>
+        </p:nvSpPr>
+        <p:spPr>
+          <a:xfrm>
+            <a:off x="1847272" y="4133156"/>
+            <a:ext cx="3537528" cy="707886"/>
+          </a:xfrm>
+          <a:prstGeom prst="rect">
+            <a:avLst/>
+          </a:prstGeom>
+          <a:noFill/>
+        </p:spPr>
+        <p:txBody>
+          <a:bodyPr wrap="square" rtlCol="0">
+            <a:spAutoFit/>
+          </a:bodyPr>
+          <a:lstStyle/>
+          <a:p>
+            <a:pPr algn="ctr"/>
+            <a:r>
+              <a:rPr kumimoji="1" lang="ja-JP" altLang="en-US" sz="2000" b="1" dirty="0"/>
+              <a:t>登録データ群との</a:t>
+            </a:r>
+            <a:endParaRPr kumimoji="1" lang="en-US" altLang="ja-JP" sz="2000" b="1" dirty="0"/>
+          </a:p>
+          <a:p>
+            <a:pPr algn="ctr"/>
+            <a:r>
+              <a:rPr kumimoji="1" lang="ja-JP" altLang="en-US" sz="2000" b="1" dirty="0">
+                <a:solidFill>
+                  <a:srgbClr val="FF0000"/>
+                </a:solidFill>
+              </a:rPr>
+              <a:t>マハラノビス距離</a:t>
+            </a:r>
+            <a:r>
+              <a:rPr kumimoji="1" lang="ja-JP" altLang="en-US" sz="2000" b="1" dirty="0"/>
+              <a:t>を計算</a:t>
+            </a:r>
+          </a:p>
+        </p:txBody>
+      </p:sp>
+      <p:sp>
+        <p:nvSpPr>
+          <p:cNvPr id="27" name="テキスト ボックス 26">
+            <a:extLst>
+              <a:ext uri="{FF2B5EF4-FFF2-40B4-BE49-F238E27FC236}">
+                <a16:creationId xmlns:a16="http://schemas.microsoft.com/office/drawing/2014/main" id="{9F2C7FED-6C04-4EB6-A03E-AAD69EB5F12D}"/>
+              </a:ext>
+            </a:extLst>
+          </p:cNvPr>
+          <p:cNvSpPr txBox="1"/>
+          <p:nvPr/>
+        </p:nvSpPr>
+        <p:spPr>
+          <a:xfrm>
+            <a:off x="1847272" y="5445231"/>
+            <a:ext cx="3537528" cy="400110"/>
+          </a:xfrm>
+          <a:prstGeom prst="rect">
+            <a:avLst/>
+          </a:prstGeom>
+          <a:noFill/>
+        </p:spPr>
+        <p:txBody>
+          <a:bodyPr wrap="square" rtlCol="0">
+            <a:spAutoFit/>
+          </a:bodyPr>
+          <a:lstStyle/>
+          <a:p>
+            <a:pPr algn="ctr"/>
+            <a:r>
+              <a:rPr kumimoji="1" lang="ja-JP" altLang="en-US" sz="2000" b="1" dirty="0"/>
+              <a:t>閾値を用いて判別</a:t>
+            </a:r>
           </a:p>
         </p:txBody>
       </p:sp>
@@ -5490,6 +6618,1374 @@
     <p:extLst>
       <p:ext uri="{BB962C8B-B14F-4D97-AF65-F5344CB8AC3E}">
         <p14:creationId xmlns:p14="http://schemas.microsoft.com/office/powerpoint/2010/main" val="1730718127"/>
+      </p:ext>
+    </p:extLst>
+  </p:cSld>
+  <p:clrMapOvr>
+    <a:masterClrMapping/>
+  </p:clrMapOvr>
+</p:sld>
+</file>
+
+<file path=ppt/slides/slide7.xml><?xml version="1.0" encoding="utf-8"?>
+<p:sld xmlns:a="http://schemas.openxmlformats.org/drawingml/2006/main" xmlns:r="http://schemas.openxmlformats.org/officeDocument/2006/relationships" xmlns:p="http://schemas.openxmlformats.org/presentationml/2006/main">
+  <p:cSld>
+    <p:spTree>
+      <p:nvGrpSpPr>
+        <p:cNvPr id="1" name=""/>
+        <p:cNvGrpSpPr/>
+        <p:nvPr/>
+      </p:nvGrpSpPr>
+      <p:grpSpPr>
+        <a:xfrm>
+          <a:off x="0" y="0"/>
+          <a:ext cx="0" cy="0"/>
+          <a:chOff x="0" y="0"/>
+          <a:chExt cx="0" cy="0"/>
+        </a:xfrm>
+      </p:grpSpPr>
+      <p:sp>
+        <p:nvSpPr>
+          <p:cNvPr id="3" name="コンテンツ プレースホルダー 2">
+            <a:extLst>
+              <a:ext uri="{FF2B5EF4-FFF2-40B4-BE49-F238E27FC236}">
+                <a16:creationId xmlns:a16="http://schemas.microsoft.com/office/drawing/2014/main" id="{EB8439B0-7B87-46E2-B7D3-792DC1EA667A}"/>
+              </a:ext>
+            </a:extLst>
+          </p:cNvPr>
+          <p:cNvSpPr>
+            <a:spLocks noGrp="1"/>
+          </p:cNvSpPr>
+          <p:nvPr>
+            <p:ph idx="1"/>
+          </p:nvPr>
+        </p:nvSpPr>
+        <p:spPr>
+          <a:xfrm>
+            <a:off x="838200" y="1825625"/>
+            <a:ext cx="10515600" cy="4351338"/>
+          </a:xfrm>
+        </p:spPr>
+        <p:txBody>
+          <a:bodyPr/>
+          <a:lstStyle/>
+          <a:p>
+            <a:r>
+              <a:rPr kumimoji="1" lang="ja-JP" altLang="en-US" dirty="0">
+                <a:highlight>
+                  <a:srgbClr val="FFFF00"/>
+                </a:highlight>
+              </a:rPr>
+              <a:t>頭部に密着</a:t>
+            </a:r>
+            <a:r>
+              <a:rPr kumimoji="1" lang="ja-JP" altLang="en-US" dirty="0"/>
+              <a:t>させるため，フルフェイス型を採用</a:t>
+            </a:r>
+            <a:endParaRPr kumimoji="1" lang="en-US" altLang="ja-JP" dirty="0"/>
+          </a:p>
+          <a:p>
+            <a:pPr lvl="1"/>
+            <a:r>
+              <a:rPr kumimoji="1" lang="ja-JP" altLang="en-US" dirty="0"/>
+              <a:t>内装をウレタンスポンジに交換</a:t>
+            </a:r>
+            <a:endParaRPr kumimoji="1" lang="en-US" altLang="ja-JP" dirty="0"/>
+          </a:p>
+          <a:p>
+            <a:pPr lvl="1"/>
+            <a:r>
+              <a:rPr kumimoji="1" lang="ja-JP" altLang="en-US" dirty="0"/>
+              <a:t>切り込みを入れ，圧力センサを挿入</a:t>
+            </a:r>
+            <a:endParaRPr lang="en-US" altLang="ja-JP" dirty="0"/>
+          </a:p>
+          <a:p>
+            <a:r>
+              <a:rPr kumimoji="1" lang="ja-JP" altLang="en-US" dirty="0"/>
+              <a:t>プリント基板で</a:t>
+            </a:r>
+            <a:r>
+              <a:rPr kumimoji="1" lang="en-US" altLang="ja-JP" dirty="0"/>
+              <a:t>10KΩ</a:t>
+            </a:r>
+            <a:r>
+              <a:rPr kumimoji="1" lang="ja-JP" altLang="en-US" dirty="0"/>
+              <a:t>の抵抗を配線</a:t>
+            </a:r>
+            <a:endParaRPr kumimoji="1" lang="en-US" altLang="ja-JP" dirty="0"/>
+          </a:p>
+          <a:p>
+            <a:r>
+              <a:rPr kumimoji="1" lang="en-US" altLang="ja-JP" dirty="0"/>
+              <a:t>Arduino MEGA2560 R3</a:t>
+            </a:r>
+            <a:r>
+              <a:rPr kumimoji="1" lang="ja-JP" altLang="en-US" dirty="0"/>
+              <a:t>で</a:t>
+            </a:r>
+            <a:r>
+              <a:rPr lang="en-US" altLang="ja-JP" dirty="0"/>
+              <a:t>PC</a:t>
+            </a:r>
+            <a:r>
+              <a:rPr lang="ja-JP" altLang="en-US" dirty="0"/>
+              <a:t>と</a:t>
+            </a:r>
+            <a:r>
+              <a:rPr kumimoji="1" lang="ja-JP" altLang="en-US" dirty="0"/>
+              <a:t>接続</a:t>
+            </a:r>
+            <a:endParaRPr kumimoji="1" lang="en-US" altLang="ja-JP" dirty="0"/>
+          </a:p>
+        </p:txBody>
+      </p:sp>
+      <p:sp>
+        <p:nvSpPr>
+          <p:cNvPr id="2" name="タイトル 1">
+            <a:extLst>
+              <a:ext uri="{FF2B5EF4-FFF2-40B4-BE49-F238E27FC236}">
+                <a16:creationId xmlns:a16="http://schemas.microsoft.com/office/drawing/2014/main" id="{B51C6865-F865-43A9-A498-600D6DB20CE6}"/>
+              </a:ext>
+            </a:extLst>
+          </p:cNvPr>
+          <p:cNvSpPr>
+            <a:spLocks noGrp="1"/>
+          </p:cNvSpPr>
+          <p:nvPr>
+            <p:ph type="title"/>
+          </p:nvPr>
+        </p:nvSpPr>
+        <p:spPr/>
+        <p:txBody>
+          <a:bodyPr/>
+          <a:lstStyle/>
+          <a:p>
+            <a:r>
+              <a:rPr kumimoji="1" lang="ja-JP" altLang="en-US" dirty="0"/>
+              <a:t>ハードウェア実装</a:t>
+            </a:r>
+          </a:p>
+        </p:txBody>
+      </p:sp>
+      <p:sp>
+        <p:nvSpPr>
+          <p:cNvPr id="4" name="スライド番号プレースホルダー 3">
+            <a:extLst>
+              <a:ext uri="{FF2B5EF4-FFF2-40B4-BE49-F238E27FC236}">
+                <a16:creationId xmlns:a16="http://schemas.microsoft.com/office/drawing/2014/main" id="{DBCE8275-8230-408F-898D-B7D83B666F3D}"/>
+              </a:ext>
+            </a:extLst>
+          </p:cNvPr>
+          <p:cNvSpPr>
+            <a:spLocks noGrp="1"/>
+          </p:cNvSpPr>
+          <p:nvPr>
+            <p:ph type="sldNum" sz="quarter" idx="12"/>
+          </p:nvPr>
+        </p:nvSpPr>
+        <p:spPr/>
+        <p:txBody>
+          <a:bodyPr/>
+          <a:lstStyle/>
+          <a:p>
+            <a:fld id="{92084505-5355-43A2-B929-FD06D0DABC31}" type="slidenum">
+              <a:rPr lang="ja-JP" altLang="en-US" smtClean="0"/>
+              <a:pPr/>
+              <a:t>7</a:t>
+            </a:fld>
+            <a:endParaRPr lang="ja-JP" altLang="en-US" dirty="0"/>
+          </a:p>
+        </p:txBody>
+      </p:sp>
+      <p:pic>
+        <p:nvPicPr>
+          <p:cNvPr id="26" name="図 25">
+            <a:extLst>
+              <a:ext uri="{FF2B5EF4-FFF2-40B4-BE49-F238E27FC236}">
+                <a16:creationId xmlns:a16="http://schemas.microsoft.com/office/drawing/2014/main" id="{E2888439-9E03-4DD1-A9CB-5CF43FEB9842}"/>
+              </a:ext>
+            </a:extLst>
+          </p:cNvPr>
+          <p:cNvPicPr>
+            <a:picLocks noChangeAspect="1"/>
+          </p:cNvPicPr>
+          <p:nvPr/>
+        </p:nvPicPr>
+        <p:blipFill>
+          <a:blip r:embed="rId2" cstate="print">
+            <a:extLst>
+              <a:ext uri="{28A0092B-C50C-407E-A947-70E740481C1C}">
+                <a14:useLocalDpi xmlns:a14="http://schemas.microsoft.com/office/drawing/2010/main" val="0"/>
+              </a:ext>
+            </a:extLst>
+          </a:blip>
+          <a:stretch>
+            <a:fillRect/>
+          </a:stretch>
+        </p:blipFill>
+        <p:spPr>
+          <a:xfrm>
+            <a:off x="7174345" y="2650836"/>
+            <a:ext cx="4701503" cy="3526127"/>
+          </a:xfrm>
+          <a:prstGeom prst="rect">
+            <a:avLst/>
+          </a:prstGeom>
+        </p:spPr>
+      </p:pic>
+      <p:pic>
+        <p:nvPicPr>
+          <p:cNvPr id="28" name="図 27">
+            <a:extLst>
+              <a:ext uri="{FF2B5EF4-FFF2-40B4-BE49-F238E27FC236}">
+                <a16:creationId xmlns:a16="http://schemas.microsoft.com/office/drawing/2014/main" id="{5E9EF14E-7C8E-44DB-9EC5-9E00D3B8336D}"/>
+              </a:ext>
+            </a:extLst>
+          </p:cNvPr>
+          <p:cNvPicPr>
+            <a:picLocks noChangeAspect="1"/>
+          </p:cNvPicPr>
+          <p:nvPr/>
+        </p:nvPicPr>
+        <p:blipFill>
+          <a:blip r:embed="rId3" cstate="print">
+            <a:extLst>
+              <a:ext uri="{28A0092B-C50C-407E-A947-70E740481C1C}">
+                <a14:useLocalDpi xmlns:a14="http://schemas.microsoft.com/office/drawing/2010/main" val="0"/>
+              </a:ext>
+            </a:extLst>
+          </a:blip>
+          <a:stretch>
+            <a:fillRect/>
+          </a:stretch>
+        </p:blipFill>
+        <p:spPr>
+          <a:xfrm>
+            <a:off x="4045960" y="4727139"/>
+            <a:ext cx="2050040" cy="1223247"/>
+          </a:xfrm>
+          <a:prstGeom prst="rect">
+            <a:avLst/>
+          </a:prstGeom>
+        </p:spPr>
+      </p:pic>
+      <p:pic>
+        <p:nvPicPr>
+          <p:cNvPr id="30" name="図 29">
+            <a:extLst>
+              <a:ext uri="{FF2B5EF4-FFF2-40B4-BE49-F238E27FC236}">
+                <a16:creationId xmlns:a16="http://schemas.microsoft.com/office/drawing/2014/main" id="{3610DE62-97AB-49B3-A146-8DBA0EE8ADBB}"/>
+              </a:ext>
+            </a:extLst>
+          </p:cNvPr>
+          <p:cNvPicPr>
+            <a:picLocks noChangeAspect="1"/>
+          </p:cNvPicPr>
+          <p:nvPr/>
+        </p:nvPicPr>
+        <p:blipFill>
+          <a:blip r:embed="rId4" cstate="print">
+            <a:extLst>
+              <a:ext uri="{28A0092B-C50C-407E-A947-70E740481C1C}">
+                <a14:useLocalDpi xmlns:a14="http://schemas.microsoft.com/office/drawing/2010/main" val="0"/>
+              </a:ext>
+            </a:extLst>
+          </a:blip>
+          <a:stretch>
+            <a:fillRect/>
+          </a:stretch>
+        </p:blipFill>
+        <p:spPr>
+          <a:xfrm>
+            <a:off x="1474571" y="4241945"/>
+            <a:ext cx="1935018" cy="1935018"/>
+          </a:xfrm>
+          <a:prstGeom prst="rect">
+            <a:avLst/>
+          </a:prstGeom>
+        </p:spPr>
+      </p:pic>
+    </p:spTree>
+    <p:extLst>
+      <p:ext uri="{BB962C8B-B14F-4D97-AF65-F5344CB8AC3E}">
+        <p14:creationId xmlns:p14="http://schemas.microsoft.com/office/powerpoint/2010/main" val="2623072444"/>
+      </p:ext>
+    </p:extLst>
+  </p:cSld>
+  <p:clrMapOvr>
+    <a:masterClrMapping/>
+  </p:clrMapOvr>
+</p:sld>
+</file>
+
+<file path=ppt/slides/slide8.xml><?xml version="1.0" encoding="utf-8"?>
+<p:sld xmlns:a="http://schemas.openxmlformats.org/drawingml/2006/main" xmlns:r="http://schemas.openxmlformats.org/officeDocument/2006/relationships" xmlns:p="http://schemas.openxmlformats.org/presentationml/2006/main">
+  <p:cSld>
+    <p:spTree>
+      <p:nvGrpSpPr>
+        <p:cNvPr id="1" name=""/>
+        <p:cNvGrpSpPr/>
+        <p:nvPr/>
+      </p:nvGrpSpPr>
+      <p:grpSpPr>
+        <a:xfrm>
+          <a:off x="0" y="0"/>
+          <a:ext cx="0" cy="0"/>
+          <a:chOff x="0" y="0"/>
+          <a:chExt cx="0" cy="0"/>
+        </a:xfrm>
+      </p:grpSpPr>
+      <p:sp>
+        <p:nvSpPr>
+          <p:cNvPr id="20" name="矢印: 右 19">
+            <a:extLst>
+              <a:ext uri="{FF2B5EF4-FFF2-40B4-BE49-F238E27FC236}">
+                <a16:creationId xmlns:a16="http://schemas.microsoft.com/office/drawing/2014/main" id="{8B812EE3-5BE5-4261-8859-FBF0A5D29DAC}"/>
+              </a:ext>
+            </a:extLst>
+          </p:cNvPr>
+          <p:cNvSpPr/>
+          <p:nvPr/>
+        </p:nvSpPr>
+        <p:spPr>
+          <a:xfrm>
+            <a:off x="8639859" y="5541690"/>
+            <a:ext cx="797992" cy="490377"/>
+          </a:xfrm>
+          <a:prstGeom prst="rightArrow">
+            <a:avLst/>
+          </a:prstGeom>
+          <a:solidFill>
+            <a:schemeClr val="accent1"/>
+          </a:solidFill>
+          <a:ln>
+            <a:solidFill>
+              <a:schemeClr val="tx1"/>
+            </a:solidFill>
+          </a:ln>
+        </p:spPr>
+        <p:style>
+          <a:lnRef idx="2">
+            <a:schemeClr val="accent1">
+              <a:shade val="50000"/>
+            </a:schemeClr>
+          </a:lnRef>
+          <a:fillRef idx="1">
+            <a:schemeClr val="accent1"/>
+          </a:fillRef>
+          <a:effectRef idx="0">
+            <a:schemeClr val="accent1"/>
+          </a:effectRef>
+          <a:fontRef idx="minor">
+            <a:schemeClr val="lt1"/>
+          </a:fontRef>
+        </p:style>
+        <p:txBody>
+          <a:bodyPr rtlCol="0" anchor="ctr"/>
+          <a:lstStyle/>
+          <a:p>
+            <a:pPr algn="ctr"/>
+            <a:endParaRPr kumimoji="1" lang="ja-JP" altLang="en-US"/>
+          </a:p>
+        </p:txBody>
+      </p:sp>
+      <p:sp>
+        <p:nvSpPr>
+          <p:cNvPr id="2" name="タイトル 1">
+            <a:extLst>
+              <a:ext uri="{FF2B5EF4-FFF2-40B4-BE49-F238E27FC236}">
+                <a16:creationId xmlns:a16="http://schemas.microsoft.com/office/drawing/2014/main" id="{9B13439D-C8F4-4C89-B67A-A6FD8A3F24C4}"/>
+              </a:ext>
+            </a:extLst>
+          </p:cNvPr>
+          <p:cNvSpPr>
+            <a:spLocks noGrp="1"/>
+          </p:cNvSpPr>
+          <p:nvPr>
+            <p:ph type="title"/>
+          </p:nvPr>
+        </p:nvSpPr>
+        <p:spPr/>
+        <p:txBody>
+          <a:bodyPr/>
+          <a:lstStyle/>
+          <a:p>
+            <a:r>
+              <a:rPr kumimoji="1" lang="ja-JP" altLang="en-US" dirty="0"/>
+              <a:t>評価実験</a:t>
+            </a:r>
+          </a:p>
+        </p:txBody>
+      </p:sp>
+      <p:sp>
+        <p:nvSpPr>
+          <p:cNvPr id="3" name="コンテンツ プレースホルダー 2">
+            <a:extLst>
+              <a:ext uri="{FF2B5EF4-FFF2-40B4-BE49-F238E27FC236}">
+                <a16:creationId xmlns:a16="http://schemas.microsoft.com/office/drawing/2014/main" id="{E88DCEF2-F700-4610-8E50-53CDADEBEEFF}"/>
+              </a:ext>
+            </a:extLst>
+          </p:cNvPr>
+          <p:cNvSpPr>
+            <a:spLocks noGrp="1"/>
+          </p:cNvSpPr>
+          <p:nvPr>
+            <p:ph idx="1"/>
+          </p:nvPr>
+        </p:nvSpPr>
+        <p:spPr>
+          <a:xfrm>
+            <a:off x="838200" y="1825625"/>
+            <a:ext cx="10515600" cy="3751806"/>
+          </a:xfrm>
+        </p:spPr>
+        <p:txBody>
+          <a:bodyPr>
+            <a:normAutofit lnSpcReduction="10000"/>
+          </a:bodyPr>
+          <a:lstStyle/>
+          <a:p>
+            <a:r>
+              <a:rPr kumimoji="1" lang="ja-JP" altLang="en-US" dirty="0"/>
+              <a:t>被験者</a:t>
+            </a:r>
+            <a:r>
+              <a:rPr kumimoji="1" lang="en-US" altLang="ja-JP" dirty="0"/>
+              <a:t>5</a:t>
+            </a:r>
+            <a:r>
+              <a:rPr kumimoji="1" lang="ja-JP" altLang="en-US" dirty="0"/>
+              <a:t>名</a:t>
+            </a:r>
+            <a:endParaRPr kumimoji="1" lang="en-US" altLang="ja-JP" dirty="0"/>
+          </a:p>
+          <a:p>
+            <a:pPr lvl="1"/>
+            <a:r>
+              <a:rPr lang="ja-JP" altLang="en-US" dirty="0"/>
+              <a:t>男性 平均</a:t>
+            </a:r>
+            <a:r>
+              <a:rPr lang="en-US" altLang="ja-JP" dirty="0"/>
+              <a:t>22</a:t>
+            </a:r>
+            <a:r>
+              <a:rPr lang="ja-JP" altLang="en-US" dirty="0"/>
+              <a:t>歳</a:t>
+            </a:r>
+            <a:endParaRPr lang="en-US" altLang="ja-JP" dirty="0"/>
+          </a:p>
+          <a:p>
+            <a:r>
+              <a:rPr kumimoji="1" lang="ja-JP" altLang="en-US" dirty="0"/>
+              <a:t>ヘルメットを</a:t>
+            </a:r>
+            <a:r>
+              <a:rPr kumimoji="1" lang="en-US" altLang="ja-JP" dirty="0"/>
+              <a:t>2</a:t>
+            </a:r>
+            <a:r>
+              <a:rPr kumimoji="1" lang="ja-JP" altLang="en-US" dirty="0"/>
+              <a:t>秒間着用</a:t>
+            </a:r>
+            <a:endParaRPr kumimoji="1" lang="en-US" altLang="ja-JP" dirty="0"/>
+          </a:p>
+          <a:p>
+            <a:pPr lvl="1"/>
+            <a:r>
+              <a:rPr kumimoji="1" lang="ja-JP" altLang="en-US" dirty="0"/>
+              <a:t>サンプリングレート約</a:t>
+            </a:r>
+            <a:r>
+              <a:rPr kumimoji="1" lang="en-US" altLang="ja-JP" dirty="0"/>
+              <a:t>30Hz</a:t>
+            </a:r>
+          </a:p>
+          <a:p>
+            <a:r>
+              <a:rPr lang="en-US" altLang="ja-JP" dirty="0">
+                <a:highlight>
+                  <a:srgbClr val="FFFF00"/>
+                </a:highlight>
+              </a:rPr>
+              <a:t>2</a:t>
+            </a:r>
+            <a:r>
+              <a:rPr lang="ja-JP" altLang="en-US" dirty="0">
+                <a:highlight>
+                  <a:srgbClr val="FFFF00"/>
+                </a:highlight>
+              </a:rPr>
+              <a:t>秒間の平均値</a:t>
+            </a:r>
+            <a:r>
+              <a:rPr lang="ja-JP" altLang="en-US" dirty="0"/>
+              <a:t>を使用</a:t>
+            </a:r>
+            <a:endParaRPr kumimoji="1" lang="en-US" altLang="ja-JP" dirty="0"/>
+          </a:p>
+          <a:p>
+            <a:r>
+              <a:rPr lang="en-US" altLang="ja-JP" dirty="0"/>
+              <a:t>1</a:t>
+            </a:r>
+            <a:r>
+              <a:rPr lang="ja-JP" altLang="en-US" dirty="0"/>
+              <a:t>人につき</a:t>
+            </a:r>
+            <a:r>
+              <a:rPr lang="en-US" altLang="ja-JP" dirty="0"/>
+              <a:t>10</a:t>
+            </a:r>
+            <a:r>
+              <a:rPr lang="ja-JP" altLang="en-US" dirty="0"/>
+              <a:t>セット取得</a:t>
+            </a:r>
+            <a:endParaRPr lang="en-US" altLang="ja-JP" dirty="0"/>
+          </a:p>
+          <a:p>
+            <a:pPr lvl="1"/>
+            <a:r>
+              <a:rPr lang="ja-JP" altLang="en-US" dirty="0"/>
+              <a:t>つまり</a:t>
+            </a:r>
+            <a:r>
+              <a:rPr lang="en-US" altLang="ja-JP" dirty="0"/>
+              <a:t>20</a:t>
+            </a:r>
+            <a:r>
+              <a:rPr lang="ja-JP" altLang="en-US" dirty="0"/>
+              <a:t>サンプル</a:t>
+            </a:r>
+            <a:endParaRPr lang="en-US" altLang="ja-JP" dirty="0"/>
+          </a:p>
+          <a:p>
+            <a:pPr lvl="1"/>
+            <a:r>
+              <a:rPr lang="en-US" altLang="ja-JP" dirty="0"/>
+              <a:t>1</a:t>
+            </a:r>
+            <a:r>
+              <a:rPr lang="ja-JP" altLang="en-US" dirty="0"/>
+              <a:t>日最大</a:t>
+            </a:r>
+            <a:r>
+              <a:rPr lang="en-US" altLang="ja-JP" dirty="0"/>
+              <a:t>4</a:t>
+            </a:r>
+            <a:r>
+              <a:rPr lang="ja-JP" altLang="en-US" dirty="0"/>
+              <a:t>セット</a:t>
+            </a:r>
+            <a:endParaRPr lang="en-US" altLang="ja-JP" dirty="0"/>
+          </a:p>
+          <a:p>
+            <a:pPr lvl="1"/>
+            <a:r>
+              <a:rPr lang="en-US" altLang="ja-JP" dirty="0"/>
+              <a:t>30</a:t>
+            </a:r>
+            <a:r>
+              <a:rPr lang="ja-JP" altLang="en-US" dirty="0"/>
+              <a:t>分以上の休憩時間</a:t>
+            </a:r>
+            <a:endParaRPr lang="en-US" altLang="ja-JP" dirty="0"/>
+          </a:p>
+        </p:txBody>
+      </p:sp>
+      <p:sp>
+        <p:nvSpPr>
+          <p:cNvPr id="4" name="スライド番号プレースホルダー 3">
+            <a:extLst>
+              <a:ext uri="{FF2B5EF4-FFF2-40B4-BE49-F238E27FC236}">
+                <a16:creationId xmlns:a16="http://schemas.microsoft.com/office/drawing/2014/main" id="{8E8D3B1D-1359-4314-8951-9B778FB5190B}"/>
+              </a:ext>
+            </a:extLst>
+          </p:cNvPr>
+          <p:cNvSpPr>
+            <a:spLocks noGrp="1"/>
+          </p:cNvSpPr>
+          <p:nvPr>
+            <p:ph type="sldNum" sz="quarter" idx="12"/>
+          </p:nvPr>
+        </p:nvSpPr>
+        <p:spPr/>
+        <p:txBody>
+          <a:bodyPr/>
+          <a:lstStyle/>
+          <a:p>
+            <a:fld id="{92084505-5355-43A2-B929-FD06D0DABC31}" type="slidenum">
+              <a:rPr lang="ja-JP" altLang="en-US" smtClean="0"/>
+              <a:pPr/>
+              <a:t>8</a:t>
+            </a:fld>
+            <a:endParaRPr lang="ja-JP" altLang="en-US" dirty="0"/>
+          </a:p>
+        </p:txBody>
+      </p:sp>
+      <p:sp>
+        <p:nvSpPr>
+          <p:cNvPr id="6" name="矢印: 右 5">
+            <a:extLst>
+              <a:ext uri="{FF2B5EF4-FFF2-40B4-BE49-F238E27FC236}">
+                <a16:creationId xmlns:a16="http://schemas.microsoft.com/office/drawing/2014/main" id="{E97B8BEF-AE4D-484E-9B68-E9FCCF8E781A}"/>
+              </a:ext>
+            </a:extLst>
+          </p:cNvPr>
+          <p:cNvSpPr/>
+          <p:nvPr/>
+        </p:nvSpPr>
+        <p:spPr>
+          <a:xfrm>
+            <a:off x="6734925" y="5541690"/>
+            <a:ext cx="797992" cy="490377"/>
+          </a:xfrm>
+          <a:prstGeom prst="rightArrow">
+            <a:avLst/>
+          </a:prstGeom>
+          <a:solidFill>
+            <a:schemeClr val="accent1"/>
+          </a:solidFill>
+          <a:ln>
+            <a:solidFill>
+              <a:schemeClr val="tx1"/>
+            </a:solidFill>
+          </a:ln>
+        </p:spPr>
+        <p:style>
+          <a:lnRef idx="2">
+            <a:schemeClr val="accent1">
+              <a:shade val="50000"/>
+            </a:schemeClr>
+          </a:lnRef>
+          <a:fillRef idx="1">
+            <a:schemeClr val="accent1"/>
+          </a:fillRef>
+          <a:effectRef idx="0">
+            <a:schemeClr val="accent1"/>
+          </a:effectRef>
+          <a:fontRef idx="minor">
+            <a:schemeClr val="lt1"/>
+          </a:fontRef>
+        </p:style>
+        <p:txBody>
+          <a:bodyPr rtlCol="0" anchor="ctr"/>
+          <a:lstStyle/>
+          <a:p>
+            <a:pPr algn="ctr"/>
+            <a:endParaRPr kumimoji="1" lang="ja-JP" altLang="en-US"/>
+          </a:p>
+        </p:txBody>
+      </p:sp>
+      <p:sp>
+        <p:nvSpPr>
+          <p:cNvPr id="8" name="正方形/長方形 7">
+            <a:extLst>
+              <a:ext uri="{FF2B5EF4-FFF2-40B4-BE49-F238E27FC236}">
+                <a16:creationId xmlns:a16="http://schemas.microsoft.com/office/drawing/2014/main" id="{2D64A3DB-9D7F-49B6-B00B-285FEB5593B7}"/>
+              </a:ext>
+            </a:extLst>
+          </p:cNvPr>
+          <p:cNvSpPr/>
+          <p:nvPr/>
+        </p:nvSpPr>
+        <p:spPr>
+          <a:xfrm>
+            <a:off x="4995623" y="5435896"/>
+            <a:ext cx="1752295" cy="701963"/>
+          </a:xfrm>
+          <a:prstGeom prst="rect">
+            <a:avLst/>
+          </a:prstGeom>
+          <a:solidFill>
+            <a:schemeClr val="bg1"/>
+          </a:solidFill>
+          <a:ln>
+            <a:solidFill>
+              <a:schemeClr val="tx1"/>
+            </a:solidFill>
+          </a:ln>
+        </p:spPr>
+        <p:style>
+          <a:lnRef idx="2">
+            <a:schemeClr val="accent1">
+              <a:shade val="50000"/>
+            </a:schemeClr>
+          </a:lnRef>
+          <a:fillRef idx="1">
+            <a:schemeClr val="accent1"/>
+          </a:fillRef>
+          <a:effectRef idx="0">
+            <a:schemeClr val="accent1"/>
+          </a:effectRef>
+          <a:fontRef idx="minor">
+            <a:schemeClr val="lt1"/>
+          </a:fontRef>
+        </p:style>
+        <p:txBody>
+          <a:bodyPr rtlCol="0" anchor="ctr"/>
+          <a:lstStyle/>
+          <a:p>
+            <a:pPr algn="ctr"/>
+            <a:endParaRPr kumimoji="1" lang="ja-JP" altLang="en-US"/>
+          </a:p>
+        </p:txBody>
+      </p:sp>
+      <p:sp>
+        <p:nvSpPr>
+          <p:cNvPr id="9" name="正方形/長方形 8">
+            <a:extLst>
+              <a:ext uri="{FF2B5EF4-FFF2-40B4-BE49-F238E27FC236}">
+                <a16:creationId xmlns:a16="http://schemas.microsoft.com/office/drawing/2014/main" id="{E1DE57EF-1241-4161-8515-D33A70601731}"/>
+              </a:ext>
+            </a:extLst>
+          </p:cNvPr>
+          <p:cNvSpPr/>
+          <p:nvPr/>
+        </p:nvSpPr>
+        <p:spPr>
+          <a:xfrm>
+            <a:off x="7218594" y="5435896"/>
+            <a:ext cx="1752295" cy="701963"/>
+          </a:xfrm>
+          <a:prstGeom prst="rect">
+            <a:avLst/>
+          </a:prstGeom>
+          <a:solidFill>
+            <a:schemeClr val="bg1"/>
+          </a:solidFill>
+          <a:ln>
+            <a:solidFill>
+              <a:schemeClr val="tx1"/>
+            </a:solidFill>
+          </a:ln>
+        </p:spPr>
+        <p:style>
+          <a:lnRef idx="2">
+            <a:schemeClr val="accent1">
+              <a:shade val="50000"/>
+            </a:schemeClr>
+          </a:lnRef>
+          <a:fillRef idx="1">
+            <a:schemeClr val="accent1"/>
+          </a:fillRef>
+          <a:effectRef idx="0">
+            <a:schemeClr val="accent1"/>
+          </a:effectRef>
+          <a:fontRef idx="minor">
+            <a:schemeClr val="lt1"/>
+          </a:fontRef>
+        </p:style>
+        <p:txBody>
+          <a:bodyPr rtlCol="0" anchor="ctr"/>
+          <a:lstStyle/>
+          <a:p>
+            <a:pPr algn="ctr"/>
+            <a:endParaRPr kumimoji="1" lang="ja-JP" altLang="en-US"/>
+          </a:p>
+        </p:txBody>
+      </p:sp>
+      <p:sp>
+        <p:nvSpPr>
+          <p:cNvPr id="10" name="テキスト ボックス 9">
+            <a:extLst>
+              <a:ext uri="{FF2B5EF4-FFF2-40B4-BE49-F238E27FC236}">
+                <a16:creationId xmlns:a16="http://schemas.microsoft.com/office/drawing/2014/main" id="{1541D3D4-FD6B-4DFE-8583-10E21D556831}"/>
+              </a:ext>
+            </a:extLst>
+          </p:cNvPr>
+          <p:cNvSpPr txBox="1"/>
+          <p:nvPr/>
+        </p:nvSpPr>
+        <p:spPr>
+          <a:xfrm>
+            <a:off x="5164969" y="5586824"/>
+            <a:ext cx="1422399" cy="400110"/>
+          </a:xfrm>
+          <a:prstGeom prst="rect">
+            <a:avLst/>
+          </a:prstGeom>
+          <a:noFill/>
+        </p:spPr>
+        <p:txBody>
+          <a:bodyPr wrap="square" rtlCol="0">
+            <a:spAutoFit/>
+          </a:bodyPr>
+          <a:lstStyle/>
+          <a:p>
+            <a:pPr algn="ctr"/>
+            <a:r>
+              <a:rPr kumimoji="1" lang="en-US" altLang="ja-JP" sz="2000" b="1" dirty="0"/>
+              <a:t>2</a:t>
+            </a:r>
+            <a:r>
+              <a:rPr kumimoji="1" lang="ja-JP" altLang="en-US" sz="2000" b="1" dirty="0"/>
+              <a:t>秒間取得</a:t>
+            </a:r>
+          </a:p>
+        </p:txBody>
+      </p:sp>
+      <p:sp>
+        <p:nvSpPr>
+          <p:cNvPr id="11" name="テキスト ボックス 10">
+            <a:extLst>
+              <a:ext uri="{FF2B5EF4-FFF2-40B4-BE49-F238E27FC236}">
+                <a16:creationId xmlns:a16="http://schemas.microsoft.com/office/drawing/2014/main" id="{CFA0EB2B-D2B2-48D9-9CA7-59738A7A08FA}"/>
+              </a:ext>
+            </a:extLst>
+          </p:cNvPr>
+          <p:cNvSpPr txBox="1"/>
+          <p:nvPr/>
+        </p:nvSpPr>
+        <p:spPr>
+          <a:xfrm>
+            <a:off x="7459308" y="5586715"/>
+            <a:ext cx="1270865" cy="400110"/>
+          </a:xfrm>
+          <a:prstGeom prst="rect">
+            <a:avLst/>
+          </a:prstGeom>
+          <a:noFill/>
+        </p:spPr>
+        <p:txBody>
+          <a:bodyPr wrap="square" rtlCol="0">
+            <a:spAutoFit/>
+          </a:bodyPr>
+          <a:lstStyle/>
+          <a:p>
+            <a:pPr algn="ctr"/>
+            <a:r>
+              <a:rPr kumimoji="1" lang="ja-JP" altLang="en-US" sz="2000" b="1" dirty="0"/>
+              <a:t>被り直し</a:t>
+            </a:r>
+          </a:p>
+        </p:txBody>
+      </p:sp>
+      <p:sp>
+        <p:nvSpPr>
+          <p:cNvPr id="14" name="テキスト ボックス 13">
+            <a:extLst>
+              <a:ext uri="{FF2B5EF4-FFF2-40B4-BE49-F238E27FC236}">
+                <a16:creationId xmlns:a16="http://schemas.microsoft.com/office/drawing/2014/main" id="{6BD76030-907A-4C17-8C7F-4B48AAE8908E}"/>
+              </a:ext>
+            </a:extLst>
+          </p:cNvPr>
+          <p:cNvSpPr txBox="1"/>
+          <p:nvPr/>
+        </p:nvSpPr>
+        <p:spPr>
+          <a:xfrm>
+            <a:off x="4995623" y="4996470"/>
+            <a:ext cx="1752295" cy="369332"/>
+          </a:xfrm>
+          <a:prstGeom prst="rect">
+            <a:avLst/>
+          </a:prstGeom>
+          <a:noFill/>
+        </p:spPr>
+        <p:txBody>
+          <a:bodyPr wrap="square" rtlCol="0">
+            <a:spAutoFit/>
+          </a:bodyPr>
+          <a:lstStyle/>
+          <a:p>
+            <a:pPr algn="ctr"/>
+            <a:r>
+              <a:rPr lang="en-US" altLang="ja-JP" b="1" dirty="0">
+                <a:solidFill>
+                  <a:schemeClr val="bg1"/>
+                </a:solidFill>
+                <a:highlight>
+                  <a:srgbClr val="000000"/>
+                </a:highlight>
+              </a:rPr>
+              <a:t>1</a:t>
+            </a:r>
+            <a:r>
+              <a:rPr lang="ja-JP" altLang="en-US" b="1" dirty="0">
+                <a:solidFill>
+                  <a:schemeClr val="bg1"/>
+                </a:solidFill>
+                <a:highlight>
+                  <a:srgbClr val="000000"/>
+                </a:highlight>
+              </a:rPr>
+              <a:t>セットの流れ</a:t>
+            </a:r>
+            <a:endParaRPr kumimoji="1" lang="ja-JP" altLang="en-US" b="1" dirty="0">
+              <a:solidFill>
+                <a:schemeClr val="bg1"/>
+              </a:solidFill>
+              <a:highlight>
+                <a:srgbClr val="000000"/>
+              </a:highlight>
+            </a:endParaRPr>
+          </a:p>
+        </p:txBody>
+      </p:sp>
+      <p:sp>
+        <p:nvSpPr>
+          <p:cNvPr id="21" name="正方形/長方形 20">
+            <a:extLst>
+              <a:ext uri="{FF2B5EF4-FFF2-40B4-BE49-F238E27FC236}">
+                <a16:creationId xmlns:a16="http://schemas.microsoft.com/office/drawing/2014/main" id="{2DA46212-BC59-4B26-8B04-E13C4676B59A}"/>
+              </a:ext>
+            </a:extLst>
+          </p:cNvPr>
+          <p:cNvSpPr/>
+          <p:nvPr/>
+        </p:nvSpPr>
+        <p:spPr>
+          <a:xfrm>
+            <a:off x="9441565" y="5435896"/>
+            <a:ext cx="1752295" cy="701963"/>
+          </a:xfrm>
+          <a:prstGeom prst="rect">
+            <a:avLst/>
+          </a:prstGeom>
+          <a:solidFill>
+            <a:schemeClr val="bg1"/>
+          </a:solidFill>
+          <a:ln>
+            <a:solidFill>
+              <a:schemeClr val="tx1"/>
+            </a:solidFill>
+          </a:ln>
+        </p:spPr>
+        <p:style>
+          <a:lnRef idx="2">
+            <a:schemeClr val="accent1">
+              <a:shade val="50000"/>
+            </a:schemeClr>
+          </a:lnRef>
+          <a:fillRef idx="1">
+            <a:schemeClr val="accent1"/>
+          </a:fillRef>
+          <a:effectRef idx="0">
+            <a:schemeClr val="accent1"/>
+          </a:effectRef>
+          <a:fontRef idx="minor">
+            <a:schemeClr val="lt1"/>
+          </a:fontRef>
+        </p:style>
+        <p:txBody>
+          <a:bodyPr rtlCol="0" anchor="ctr"/>
+          <a:lstStyle/>
+          <a:p>
+            <a:pPr algn="ctr"/>
+            <a:endParaRPr kumimoji="1" lang="ja-JP" altLang="en-US"/>
+          </a:p>
+        </p:txBody>
+      </p:sp>
+      <p:sp>
+        <p:nvSpPr>
+          <p:cNvPr id="22" name="テキスト ボックス 21">
+            <a:extLst>
+              <a:ext uri="{FF2B5EF4-FFF2-40B4-BE49-F238E27FC236}">
+                <a16:creationId xmlns:a16="http://schemas.microsoft.com/office/drawing/2014/main" id="{120368A2-9087-40E7-A20A-959CA398AF9B}"/>
+              </a:ext>
+            </a:extLst>
+          </p:cNvPr>
+          <p:cNvSpPr txBox="1"/>
+          <p:nvPr/>
+        </p:nvSpPr>
+        <p:spPr>
+          <a:xfrm>
+            <a:off x="9610911" y="5582731"/>
+            <a:ext cx="1422399" cy="400110"/>
+          </a:xfrm>
+          <a:prstGeom prst="rect">
+            <a:avLst/>
+          </a:prstGeom>
+          <a:noFill/>
+        </p:spPr>
+        <p:txBody>
+          <a:bodyPr wrap="square" rtlCol="0">
+            <a:spAutoFit/>
+          </a:bodyPr>
+          <a:lstStyle/>
+          <a:p>
+            <a:pPr algn="ctr"/>
+            <a:r>
+              <a:rPr kumimoji="1" lang="en-US" altLang="ja-JP" sz="2000" b="1" dirty="0"/>
+              <a:t>2</a:t>
+            </a:r>
+            <a:r>
+              <a:rPr kumimoji="1" lang="ja-JP" altLang="en-US" sz="2000" b="1" dirty="0"/>
+              <a:t>秒間取得</a:t>
+            </a:r>
+          </a:p>
+        </p:txBody>
+      </p:sp>
+      <p:pic>
+        <p:nvPicPr>
+          <p:cNvPr id="24" name="図 23">
+            <a:extLst>
+              <a:ext uri="{FF2B5EF4-FFF2-40B4-BE49-F238E27FC236}">
+                <a16:creationId xmlns:a16="http://schemas.microsoft.com/office/drawing/2014/main" id="{D440557B-89F7-48E4-97FE-E8633E6A1AA0}"/>
+              </a:ext>
+            </a:extLst>
+          </p:cNvPr>
+          <p:cNvPicPr>
+            <a:picLocks noChangeAspect="1"/>
+          </p:cNvPicPr>
+          <p:nvPr/>
+        </p:nvPicPr>
+        <p:blipFill>
+          <a:blip r:embed="rId2" cstate="print">
+            <a:extLst>
+              <a:ext uri="{28A0092B-C50C-407E-A947-70E740481C1C}">
+                <a14:useLocalDpi xmlns:a14="http://schemas.microsoft.com/office/drawing/2010/main" val="0"/>
+              </a:ext>
+            </a:extLst>
+          </a:blip>
+          <a:stretch>
+            <a:fillRect/>
+          </a:stretch>
+        </p:blipFill>
+        <p:spPr>
+          <a:xfrm>
+            <a:off x="6047782" y="817075"/>
+            <a:ext cx="5364781" cy="4024377"/>
+          </a:xfrm>
+          <a:prstGeom prst="rect">
+            <a:avLst/>
+          </a:prstGeom>
+        </p:spPr>
+      </p:pic>
+    </p:spTree>
+    <p:extLst>
+      <p:ext uri="{BB962C8B-B14F-4D97-AF65-F5344CB8AC3E}">
+        <p14:creationId xmlns:p14="http://schemas.microsoft.com/office/powerpoint/2010/main" val="1025981848"/>
+      </p:ext>
+    </p:extLst>
+  </p:cSld>
+  <p:clrMapOvr>
+    <a:masterClrMapping/>
+  </p:clrMapOvr>
+</p:sld>
+</file>
+
+<file path=ppt/slides/slide9.xml><?xml version="1.0" encoding="utf-8"?>
+<p:sld xmlns:a="http://schemas.openxmlformats.org/drawingml/2006/main" xmlns:r="http://schemas.openxmlformats.org/officeDocument/2006/relationships" xmlns:p="http://schemas.openxmlformats.org/presentationml/2006/main">
+  <p:cSld>
+    <p:spTree>
+      <p:nvGrpSpPr>
+        <p:cNvPr id="1" name=""/>
+        <p:cNvGrpSpPr/>
+        <p:nvPr/>
+      </p:nvGrpSpPr>
+      <p:grpSpPr>
+        <a:xfrm>
+          <a:off x="0" y="0"/>
+          <a:ext cx="0" cy="0"/>
+          <a:chOff x="0" y="0"/>
+          <a:chExt cx="0" cy="0"/>
+        </a:xfrm>
+      </p:grpSpPr>
+      <p:sp>
+        <p:nvSpPr>
+          <p:cNvPr id="3" name="コンテンツ プレースホルダー 2">
+            <a:extLst>
+              <a:ext uri="{FF2B5EF4-FFF2-40B4-BE49-F238E27FC236}">
+                <a16:creationId xmlns:a16="http://schemas.microsoft.com/office/drawing/2014/main" id="{99EB933C-C01A-47DB-B58E-2BA6B467F403}"/>
+              </a:ext>
+            </a:extLst>
+          </p:cNvPr>
+          <p:cNvSpPr>
+            <a:spLocks noGrp="1"/>
+          </p:cNvSpPr>
+          <p:nvPr>
+            <p:ph idx="1"/>
+          </p:nvPr>
+        </p:nvSpPr>
+        <p:spPr/>
+        <p:txBody>
+          <a:bodyPr/>
+          <a:lstStyle/>
+          <a:p>
+            <a:r>
+              <a:rPr kumimoji="1" lang="ja-JP" altLang="en-US" dirty="0"/>
+              <a:t>全データで主成分分析</a:t>
+            </a:r>
+            <a:endParaRPr kumimoji="1" lang="en-US" altLang="ja-JP" dirty="0"/>
+          </a:p>
+          <a:p>
+            <a:pPr lvl="1"/>
+            <a:r>
+              <a:rPr lang="en-US" altLang="ja-JP" dirty="0"/>
+              <a:t>2</a:t>
+            </a:r>
+            <a:r>
+              <a:rPr lang="ja-JP" altLang="en-US" dirty="0"/>
+              <a:t>次元に圧縮</a:t>
+            </a:r>
+            <a:endParaRPr lang="en-US" altLang="ja-JP" dirty="0"/>
+          </a:p>
+          <a:p>
+            <a:r>
+              <a:rPr lang="ja-JP" altLang="en-US" dirty="0"/>
+              <a:t>同一被験者でのばらつき</a:t>
+            </a:r>
+            <a:endParaRPr lang="en-US" altLang="ja-JP" dirty="0"/>
+          </a:p>
+          <a:p>
+            <a:pPr lvl="1"/>
+            <a:r>
+              <a:rPr lang="ja-JP" altLang="en-US" dirty="0"/>
+              <a:t>装着位置のずれ</a:t>
+            </a:r>
+            <a:endParaRPr lang="en-US" altLang="ja-JP" dirty="0"/>
+          </a:p>
+          <a:p>
+            <a:pPr lvl="1"/>
+            <a:endParaRPr lang="en-US" altLang="ja-JP" dirty="0"/>
+          </a:p>
+          <a:p>
+            <a:r>
+              <a:rPr kumimoji="1" lang="ja-JP" altLang="en-US" dirty="0">
+                <a:highlight>
+                  <a:srgbClr val="FFFF00"/>
+                </a:highlight>
+              </a:rPr>
+              <a:t>被験者ごと</a:t>
+            </a:r>
+            <a:r>
+              <a:rPr lang="ja-JP" altLang="en-US" dirty="0">
+                <a:highlight>
+                  <a:srgbClr val="FFFF00"/>
+                </a:highlight>
+              </a:rPr>
+              <a:t>の</a:t>
+            </a:r>
+            <a:r>
+              <a:rPr kumimoji="1" lang="ja-JP" altLang="en-US" dirty="0">
+                <a:highlight>
+                  <a:srgbClr val="FFFF00"/>
+                </a:highlight>
+              </a:rPr>
+              <a:t>重なりが</a:t>
+            </a:r>
+            <a:r>
+              <a:rPr lang="ja-JP" altLang="en-US" dirty="0">
+                <a:highlight>
+                  <a:srgbClr val="FFFF00"/>
+                </a:highlight>
+              </a:rPr>
+              <a:t>小さい</a:t>
+            </a:r>
+            <a:endParaRPr kumimoji="1" lang="en-US" altLang="ja-JP" dirty="0">
+              <a:highlight>
+                <a:srgbClr val="FFFF00"/>
+              </a:highlight>
+            </a:endParaRPr>
+          </a:p>
+          <a:p>
+            <a:pPr marL="0" indent="0">
+              <a:buNone/>
+            </a:pPr>
+            <a:endParaRPr lang="en-US" altLang="ja-JP" dirty="0"/>
+          </a:p>
+          <a:p>
+            <a:pPr marL="457200" lvl="1" indent="0">
+              <a:buNone/>
+            </a:pPr>
+            <a:r>
+              <a:rPr lang="en-US" altLang="ja-JP" b="1" dirty="0">
+                <a:solidFill>
+                  <a:srgbClr val="FF0000"/>
+                </a:solidFill>
+              </a:rPr>
+              <a:t>	</a:t>
+            </a:r>
+            <a:r>
+              <a:rPr lang="ja-JP" altLang="en-US" b="1" dirty="0">
+                <a:solidFill>
+                  <a:srgbClr val="FF0000"/>
+                </a:solidFill>
+              </a:rPr>
+              <a:t>距離</a:t>
+            </a:r>
+            <a:r>
+              <a:rPr lang="ja-JP" altLang="en-US" b="1" dirty="0"/>
+              <a:t>による判別が可能</a:t>
+            </a:r>
+            <a:endParaRPr kumimoji="1" lang="en-US" altLang="ja-JP" b="1" dirty="0"/>
+          </a:p>
+          <a:p>
+            <a:endParaRPr kumimoji="1" lang="ja-JP" altLang="en-US" dirty="0"/>
+          </a:p>
+        </p:txBody>
+      </p:sp>
+      <p:sp>
+        <p:nvSpPr>
+          <p:cNvPr id="2" name="タイトル 1">
+            <a:extLst>
+              <a:ext uri="{FF2B5EF4-FFF2-40B4-BE49-F238E27FC236}">
+                <a16:creationId xmlns:a16="http://schemas.microsoft.com/office/drawing/2014/main" id="{EF4BEF35-80F9-4B83-A6B7-AFCCFB7A8218}"/>
+              </a:ext>
+            </a:extLst>
+          </p:cNvPr>
+          <p:cNvSpPr>
+            <a:spLocks noGrp="1"/>
+          </p:cNvSpPr>
+          <p:nvPr>
+            <p:ph type="title"/>
+          </p:nvPr>
+        </p:nvSpPr>
+        <p:spPr/>
+        <p:txBody>
+          <a:bodyPr/>
+          <a:lstStyle/>
+          <a:p>
+            <a:r>
+              <a:rPr kumimoji="1" lang="ja-JP" altLang="en-US" dirty="0"/>
+              <a:t>結果</a:t>
+            </a:r>
+            <a:r>
+              <a:rPr kumimoji="1" lang="en-US" altLang="ja-JP" dirty="0"/>
+              <a:t>(</a:t>
+            </a:r>
+            <a:r>
+              <a:rPr kumimoji="1" lang="ja-JP" altLang="en-US" dirty="0"/>
+              <a:t>データ群距離の確認</a:t>
+            </a:r>
+            <a:r>
+              <a:rPr kumimoji="1" lang="en-US" altLang="ja-JP" dirty="0"/>
+              <a:t>)</a:t>
+            </a:r>
+            <a:endParaRPr kumimoji="1" lang="ja-JP" altLang="en-US" dirty="0"/>
+          </a:p>
+        </p:txBody>
+      </p:sp>
+      <p:sp>
+        <p:nvSpPr>
+          <p:cNvPr id="4" name="スライド番号プレースホルダー 3">
+            <a:extLst>
+              <a:ext uri="{FF2B5EF4-FFF2-40B4-BE49-F238E27FC236}">
+                <a16:creationId xmlns:a16="http://schemas.microsoft.com/office/drawing/2014/main" id="{3707850B-79F4-42DE-9772-A30D6A569E9B}"/>
+              </a:ext>
+            </a:extLst>
+          </p:cNvPr>
+          <p:cNvSpPr>
+            <a:spLocks noGrp="1"/>
+          </p:cNvSpPr>
+          <p:nvPr>
+            <p:ph type="sldNum" sz="quarter" idx="12"/>
+          </p:nvPr>
+        </p:nvSpPr>
+        <p:spPr/>
+        <p:txBody>
+          <a:bodyPr/>
+          <a:lstStyle/>
+          <a:p>
+            <a:fld id="{92084505-5355-43A2-B929-FD06D0DABC31}" type="slidenum">
+              <a:rPr lang="ja-JP" altLang="en-US" smtClean="0"/>
+              <a:pPr/>
+              <a:t>9</a:t>
+            </a:fld>
+            <a:endParaRPr lang="ja-JP" altLang="en-US" dirty="0"/>
+          </a:p>
+        </p:txBody>
+      </p:sp>
+      <p:sp>
+        <p:nvSpPr>
+          <p:cNvPr id="13" name="矢印: 右 12">
+            <a:extLst>
+              <a:ext uri="{FF2B5EF4-FFF2-40B4-BE49-F238E27FC236}">
+                <a16:creationId xmlns:a16="http://schemas.microsoft.com/office/drawing/2014/main" id="{29472772-E6AB-49B9-81E5-3497C4D8E29B}"/>
+              </a:ext>
+            </a:extLst>
+          </p:cNvPr>
+          <p:cNvSpPr/>
+          <p:nvPr/>
+        </p:nvSpPr>
+        <p:spPr>
+          <a:xfrm rot="5400000">
+            <a:off x="3132000" y="4580145"/>
+            <a:ext cx="452718" cy="309283"/>
+          </a:xfrm>
+          <a:prstGeom prst="rightArrow">
+            <a:avLst/>
+          </a:prstGeom>
+          <a:solidFill>
+            <a:schemeClr val="tx1"/>
+          </a:solidFill>
+          <a:ln>
+            <a:solidFill>
+              <a:schemeClr val="tx1"/>
+            </a:solidFill>
+          </a:ln>
+        </p:spPr>
+        <p:style>
+          <a:lnRef idx="2">
+            <a:schemeClr val="accent1">
+              <a:shade val="50000"/>
+            </a:schemeClr>
+          </a:lnRef>
+          <a:fillRef idx="1">
+            <a:schemeClr val="accent1"/>
+          </a:fillRef>
+          <a:effectRef idx="0">
+            <a:schemeClr val="accent1"/>
+          </a:effectRef>
+          <a:fontRef idx="minor">
+            <a:schemeClr val="lt1"/>
+          </a:fontRef>
+        </p:style>
+        <p:txBody>
+          <a:bodyPr rtlCol="0" anchor="ctr"/>
+          <a:lstStyle/>
+          <a:p>
+            <a:pPr algn="ctr"/>
+            <a:endParaRPr kumimoji="1" lang="ja-JP" altLang="en-US"/>
+          </a:p>
+        </p:txBody>
+      </p:sp>
+      <p:pic>
+        <p:nvPicPr>
+          <p:cNvPr id="17" name="グラフィックス 16">
+            <a:extLst>
+              <a:ext uri="{FF2B5EF4-FFF2-40B4-BE49-F238E27FC236}">
+                <a16:creationId xmlns:a16="http://schemas.microsoft.com/office/drawing/2014/main" id="{0B124E40-3A41-42EF-8BD8-B93A814FE353}"/>
+              </a:ext>
+            </a:extLst>
+          </p:cNvPr>
+          <p:cNvPicPr>
+            <a:picLocks noChangeAspect="1"/>
+          </p:cNvPicPr>
+          <p:nvPr/>
+        </p:nvPicPr>
+        <p:blipFill>
+          <a:blip r:embed="rId2">
+            <a:extLst>
+              <a:ext uri="{28A0092B-C50C-407E-A947-70E740481C1C}">
+                <a14:useLocalDpi xmlns:a14="http://schemas.microsoft.com/office/drawing/2010/main" val="0"/>
+              </a:ext>
+              <a:ext uri="{96DAC541-7B7A-43D3-8B79-37D633B846F1}">
+                <asvg:svgBlip xmlns:asvg="http://schemas.microsoft.com/office/drawing/2016/SVG/main" r:embed="rId3"/>
+              </a:ext>
+            </a:extLst>
+          </a:blip>
+          <a:stretch>
+            <a:fillRect/>
+          </a:stretch>
+        </p:blipFill>
+        <p:spPr>
+          <a:xfrm>
+            <a:off x="6096000" y="1690688"/>
+            <a:ext cx="5654423" cy="4483822"/>
+          </a:xfrm>
+          <a:prstGeom prst="rect">
+            <a:avLst/>
+          </a:prstGeom>
+        </p:spPr>
+      </p:pic>
+    </p:spTree>
+    <p:extLst>
+      <p:ext uri="{BB962C8B-B14F-4D97-AF65-F5344CB8AC3E}">
+        <p14:creationId xmlns:p14="http://schemas.microsoft.com/office/powerpoint/2010/main" val="869624430"/>
       </p:ext>
     </p:extLst>
   </p:cSld>

--- a/UWW2019/UWW2019_Fujii.pptx
+++ b/UWW2019/UWW2019_Fujii.pptx
@@ -5,7 +5,7 @@
     <p:sldMasterId id="2147483648" r:id="rId1"/>
   </p:sldMasterIdLst>
   <p:notesMasterIdLst>
-    <p:notesMasterId r:id="rId12"/>
+    <p:notesMasterId r:id="rId13"/>
   </p:notesMasterIdLst>
   <p:sldIdLst>
     <p:sldId id="257" r:id="rId2"/>
@@ -17,7 +17,8 @@
     <p:sldId id="264" r:id="rId8"/>
     <p:sldId id="262" r:id="rId9"/>
     <p:sldId id="265" r:id="rId10"/>
-    <p:sldId id="266" r:id="rId11"/>
+    <p:sldId id="267" r:id="rId11"/>
+    <p:sldId id="266" r:id="rId12"/>
   </p:sldIdLst>
   <p:sldSz cx="12192000" cy="6858000"/>
   <p:notesSz cx="6883400" cy="10017125"/>
@@ -4566,7 +4567,7 @@
           <p:cNvPr id="2" name="タイトル 1">
             <a:extLst>
               <a:ext uri="{FF2B5EF4-FFF2-40B4-BE49-F238E27FC236}">
-                <a16:creationId xmlns:a16="http://schemas.microsoft.com/office/drawing/2014/main" id="{4787F855-443D-446A-BF58-6F9D2C8F61FD}"/>
+                <a16:creationId xmlns:a16="http://schemas.microsoft.com/office/drawing/2014/main" id="{9E068F0E-2C72-4B55-9AC0-76438B7DA60D}"/>
               </a:ext>
             </a:extLst>
           </p:cNvPr>
@@ -4592,11 +4593,11 @@
             </a:r>
             <a:r>
               <a:rPr kumimoji="1" lang="ja-JP" altLang="en-US" dirty="0"/>
-              <a:t>判別</a:t>
+              <a:t>判別 </a:t>
             </a:r>
             <a:r>
               <a:rPr kumimoji="1" lang="en-US" altLang="ja-JP" dirty="0"/>
-              <a:t>)</a:t>
+              <a:t>1/2)</a:t>
             </a:r>
             <a:endParaRPr kumimoji="1" lang="ja-JP" altLang="en-US" dirty="0"/>
           </a:p>
@@ -4607,7 +4608,7 @@
           <p:cNvPr id="4" name="スライド番号プレースホルダー 3">
             <a:extLst>
               <a:ext uri="{FF2B5EF4-FFF2-40B4-BE49-F238E27FC236}">
-                <a16:creationId xmlns:a16="http://schemas.microsoft.com/office/drawing/2014/main" id="{14BA6005-AE66-4204-8C48-BE5B2592851C}"/>
+                <a16:creationId xmlns:a16="http://schemas.microsoft.com/office/drawing/2014/main" id="{D5463A93-773A-43C8-970B-233CBCF9CCCB}"/>
               </a:ext>
             </a:extLst>
           </p:cNvPr>
@@ -4634,18 +4635,198 @@
       </p:sp>
       <p:sp>
         <p:nvSpPr>
-          <p:cNvPr id="21" name="コンテンツ プレースホルダー 20">
+          <p:cNvPr id="9" name="テキスト ボックス 8">
             <a:extLst>
               <a:ext uri="{FF2B5EF4-FFF2-40B4-BE49-F238E27FC236}">
-                <a16:creationId xmlns:a16="http://schemas.microsoft.com/office/drawing/2014/main" id="{79AE1CAC-631C-4F1F-9227-3DABE51D1869}"/>
+                <a16:creationId xmlns:a16="http://schemas.microsoft.com/office/drawing/2014/main" id="{E6EE4CD0-41A6-46D1-8650-7C5E7E833D17}"/>
               </a:ext>
             </a:extLst>
           </p:cNvPr>
-          <p:cNvSpPr>
-            <a:spLocks noGrp="1"/>
-          </p:cNvSpPr>
-          <p:nvPr>
-            <p:ph idx="1"/>
+          <p:cNvSpPr txBox="1"/>
+          <p:nvPr/>
+        </p:nvSpPr>
+        <p:spPr>
+          <a:xfrm>
+            <a:off x="1164069" y="5377441"/>
+            <a:ext cx="4581237" cy="369332"/>
+          </a:xfrm>
+          <a:prstGeom prst="rect">
+            <a:avLst/>
+          </a:prstGeom>
+          <a:noFill/>
+        </p:spPr>
+        <p:txBody>
+          <a:bodyPr wrap="square" rtlCol="0">
+            <a:spAutoFit/>
+          </a:bodyPr>
+          <a:lstStyle/>
+          <a:p>
+            <a:pPr algn="ctr"/>
+            <a:r>
+              <a:rPr kumimoji="1" lang="ja-JP" altLang="en-US" dirty="0"/>
+              <a:t>特徴があり，かなり良い結果</a:t>
+            </a:r>
+          </a:p>
+        </p:txBody>
+      </p:sp>
+      <p:sp>
+        <p:nvSpPr>
+          <p:cNvPr id="10" name="テキスト ボックス 9">
+            <a:extLst>
+              <a:ext uri="{FF2B5EF4-FFF2-40B4-BE49-F238E27FC236}">
+                <a16:creationId xmlns:a16="http://schemas.microsoft.com/office/drawing/2014/main" id="{9F06D9D4-8C9E-4A4A-BEC3-5EEE24C8F3F3}"/>
+              </a:ext>
+            </a:extLst>
+          </p:cNvPr>
+          <p:cNvSpPr txBox="1"/>
+          <p:nvPr/>
+        </p:nvSpPr>
+        <p:spPr>
+          <a:xfrm>
+            <a:off x="6446691" y="5377441"/>
+            <a:ext cx="4581237" cy="369332"/>
+          </a:xfrm>
+          <a:prstGeom prst="rect">
+            <a:avLst/>
+          </a:prstGeom>
+          <a:noFill/>
+        </p:spPr>
+        <p:txBody>
+          <a:bodyPr wrap="square" rtlCol="0">
+            <a:spAutoFit/>
+          </a:bodyPr>
+          <a:lstStyle/>
+          <a:p>
+            <a:pPr algn="ctr"/>
+            <a:r>
+              <a:rPr kumimoji="1" lang="ja-JP" altLang="en-US" dirty="0"/>
+              <a:t>被り方のずれもあったのか，少し悪い結果</a:t>
+            </a:r>
+          </a:p>
+        </p:txBody>
+      </p:sp>
+      <p:pic>
+        <p:nvPicPr>
+          <p:cNvPr id="13" name="グラフィックス 12">
+            <a:extLst>
+              <a:ext uri="{FF2B5EF4-FFF2-40B4-BE49-F238E27FC236}">
+                <a16:creationId xmlns:a16="http://schemas.microsoft.com/office/drawing/2014/main" id="{9247A616-272D-4208-BC86-3006797476ED}"/>
+              </a:ext>
+            </a:extLst>
+          </p:cNvPr>
+          <p:cNvPicPr>
+            <a:picLocks noChangeAspect="1"/>
+          </p:cNvPicPr>
+          <p:nvPr/>
+        </p:nvPicPr>
+        <p:blipFill>
+          <a:blip r:embed="rId2">
+            <a:extLst>
+              <a:ext uri="{28A0092B-C50C-407E-A947-70E740481C1C}">
+                <a14:useLocalDpi xmlns:a14="http://schemas.microsoft.com/office/drawing/2010/main" val="0"/>
+              </a:ext>
+              <a:ext uri="{96DAC541-7B7A-43D3-8B79-37D633B846F1}">
+                <asvg:svgBlip xmlns:asvg="http://schemas.microsoft.com/office/drawing/2016/SVG/main" r:embed="rId3"/>
+              </a:ext>
+            </a:extLst>
+          </a:blip>
+          <a:stretch>
+            <a:fillRect/>
+          </a:stretch>
+        </p:blipFill>
+        <p:spPr>
+          <a:xfrm>
+            <a:off x="1061027" y="1690688"/>
+            <a:ext cx="4787322" cy="3594390"/>
+          </a:xfrm>
+          <a:prstGeom prst="rect">
+            <a:avLst/>
+          </a:prstGeom>
+        </p:spPr>
+      </p:pic>
+      <p:pic>
+        <p:nvPicPr>
+          <p:cNvPr id="15" name="グラフィックス 14">
+            <a:extLst>
+              <a:ext uri="{FF2B5EF4-FFF2-40B4-BE49-F238E27FC236}">
+                <a16:creationId xmlns:a16="http://schemas.microsoft.com/office/drawing/2014/main" id="{73952729-4DA2-4AD0-A6D1-2DB4432AFA7A}"/>
+              </a:ext>
+            </a:extLst>
+          </p:cNvPr>
+          <p:cNvPicPr>
+            <a:picLocks noChangeAspect="1"/>
+          </p:cNvPicPr>
+          <p:nvPr/>
+        </p:nvPicPr>
+        <p:blipFill>
+          <a:blip r:embed="rId4">
+            <a:extLst>
+              <a:ext uri="{28A0092B-C50C-407E-A947-70E740481C1C}">
+                <a14:useLocalDpi xmlns:a14="http://schemas.microsoft.com/office/drawing/2010/main" val="0"/>
+              </a:ext>
+              <a:ext uri="{96DAC541-7B7A-43D3-8B79-37D633B846F1}">
+                <asvg:svgBlip xmlns:asvg="http://schemas.microsoft.com/office/drawing/2016/SVG/main" r:embed="rId5"/>
+              </a:ext>
+            </a:extLst>
+          </a:blip>
+          <a:stretch>
+            <a:fillRect/>
+          </a:stretch>
+        </p:blipFill>
+        <p:spPr>
+          <a:xfrm>
+            <a:off x="6343648" y="1690688"/>
+            <a:ext cx="4787322" cy="3594390"/>
+          </a:xfrm>
+          <a:prstGeom prst="rect">
+            <a:avLst/>
+          </a:prstGeom>
+        </p:spPr>
+      </p:pic>
+    </p:spTree>
+    <p:extLst>
+      <p:ext uri="{BB962C8B-B14F-4D97-AF65-F5344CB8AC3E}">
+        <p14:creationId xmlns:p14="http://schemas.microsoft.com/office/powerpoint/2010/main" val="1452337487"/>
+      </p:ext>
+    </p:extLst>
+  </p:cSld>
+  <p:clrMapOvr>
+    <a:masterClrMapping/>
+  </p:clrMapOvr>
+</p:sld>
+</file>
+
+<file path=ppt/slides/slide11.xml><?xml version="1.0" encoding="utf-8"?>
+<p:sld xmlns:a="http://schemas.openxmlformats.org/drawingml/2006/main" xmlns:r="http://schemas.openxmlformats.org/officeDocument/2006/relationships" xmlns:p="http://schemas.openxmlformats.org/presentationml/2006/main">
+  <p:cSld>
+    <p:spTree>
+      <p:nvGrpSpPr>
+        <p:cNvPr id="1" name=""/>
+        <p:cNvGrpSpPr/>
+        <p:nvPr/>
+      </p:nvGrpSpPr>
+      <p:grpSpPr>
+        <a:xfrm>
+          <a:off x="0" y="0"/>
+          <a:ext cx="0" cy="0"/>
+          <a:chOff x="0" y="0"/>
+          <a:chExt cx="0" cy="0"/>
+        </a:xfrm>
+      </p:grpSpPr>
+      <p:sp>
+        <p:nvSpPr>
+          <p:cNvPr id="2" name="タイトル 1">
+            <a:extLst>
+              <a:ext uri="{FF2B5EF4-FFF2-40B4-BE49-F238E27FC236}">
+                <a16:creationId xmlns:a16="http://schemas.microsoft.com/office/drawing/2014/main" id="{4787F855-443D-446A-BF58-6F9D2C8F61FD}"/>
+              </a:ext>
+            </a:extLst>
+          </p:cNvPr>
+          <p:cNvSpPr>
+            <a:spLocks noGrp="1"/>
+          </p:cNvSpPr>
+          <p:nvPr>
+            <p:ph type="title"/>
           </p:nvPr>
         </p:nvSpPr>
         <p:spPr/>
@@ -4653,10 +4834,331 @@
           <a:bodyPr/>
           <a:lstStyle/>
           <a:p>
+            <a:r>
+              <a:rPr kumimoji="1" lang="ja-JP" altLang="en-US" dirty="0"/>
+              <a:t>結果</a:t>
+            </a:r>
+            <a:r>
+              <a:rPr kumimoji="1" lang="en-US" altLang="ja-JP" dirty="0"/>
+              <a:t>(</a:t>
+            </a:r>
+            <a:r>
+              <a:rPr kumimoji="1" lang="ja-JP" altLang="en-US" dirty="0"/>
+              <a:t>判別 </a:t>
+            </a:r>
+            <a:r>
+              <a:rPr lang="en-US" altLang="ja-JP" dirty="0"/>
+              <a:t>2/2</a:t>
+            </a:r>
+            <a:r>
+              <a:rPr kumimoji="1" lang="en-US" altLang="ja-JP" dirty="0"/>
+              <a:t>)</a:t>
+            </a:r>
+            <a:endParaRPr kumimoji="1" lang="ja-JP" altLang="en-US" dirty="0"/>
+          </a:p>
+        </p:txBody>
+      </p:sp>
+      <p:sp>
+        <p:nvSpPr>
+          <p:cNvPr id="4" name="スライド番号プレースホルダー 3">
+            <a:extLst>
+              <a:ext uri="{FF2B5EF4-FFF2-40B4-BE49-F238E27FC236}">
+                <a16:creationId xmlns:a16="http://schemas.microsoft.com/office/drawing/2014/main" id="{14BA6005-AE66-4204-8C48-BE5B2592851C}"/>
+              </a:ext>
+            </a:extLst>
+          </p:cNvPr>
+          <p:cNvSpPr>
+            <a:spLocks noGrp="1"/>
+          </p:cNvSpPr>
+          <p:nvPr>
+            <p:ph type="sldNum" sz="quarter" idx="12"/>
+          </p:nvPr>
+        </p:nvSpPr>
+        <p:spPr/>
+        <p:txBody>
+          <a:bodyPr/>
+          <a:lstStyle/>
+          <a:p>
+            <a:fld id="{92084505-5355-43A2-B929-FD06D0DABC31}" type="slidenum">
+              <a:rPr lang="ja-JP" altLang="en-US" smtClean="0"/>
+              <a:pPr/>
+              <a:t>11</a:t>
+            </a:fld>
+            <a:endParaRPr lang="ja-JP" altLang="en-US" dirty="0"/>
+          </a:p>
+        </p:txBody>
+      </p:sp>
+      <p:sp>
+        <p:nvSpPr>
+          <p:cNvPr id="18" name="テキスト ボックス 17">
+            <a:extLst>
+              <a:ext uri="{FF2B5EF4-FFF2-40B4-BE49-F238E27FC236}">
+                <a16:creationId xmlns:a16="http://schemas.microsoft.com/office/drawing/2014/main" id="{5A8F8A12-556F-4F84-A96C-AFA82116A699}"/>
+              </a:ext>
+            </a:extLst>
+          </p:cNvPr>
+          <p:cNvSpPr txBox="1"/>
+          <p:nvPr/>
+        </p:nvSpPr>
+        <p:spPr>
+          <a:xfrm>
+            <a:off x="6216799" y="5617362"/>
+            <a:ext cx="3103418" cy="523220"/>
+          </a:xfrm>
+          <a:prstGeom prst="rect">
+            <a:avLst/>
+          </a:prstGeom>
+          <a:noFill/>
+        </p:spPr>
+        <p:txBody>
+          <a:bodyPr wrap="square" rtlCol="0">
+            <a:spAutoFit/>
+          </a:bodyPr>
+          <a:lstStyle/>
+          <a:p>
+            <a:r>
+              <a:rPr lang="ja-JP" altLang="en-US" sz="2800" b="1" dirty="0"/>
+              <a:t>エラー率：</a:t>
+            </a:r>
+            <a:r>
+              <a:rPr lang="ja-JP" altLang="en-US" sz="2800" b="1" dirty="0">
+                <a:highlight>
+                  <a:srgbClr val="FFFF00"/>
+                </a:highlight>
+              </a:rPr>
+              <a:t>約</a:t>
+            </a:r>
+            <a:r>
+              <a:rPr lang="en-US" altLang="ja-JP" sz="2800" b="1" dirty="0">
+                <a:highlight>
+                  <a:srgbClr val="FFFF00"/>
+                </a:highlight>
+              </a:rPr>
+              <a:t>3%</a:t>
+            </a:r>
+            <a:endParaRPr kumimoji="1" lang="ja-JP" altLang="en-US" sz="2800" b="1" dirty="0">
+              <a:highlight>
+                <a:srgbClr val="FFFF00"/>
+              </a:highlight>
+            </a:endParaRPr>
+          </a:p>
+        </p:txBody>
+      </p:sp>
+      <p:pic>
+        <p:nvPicPr>
+          <p:cNvPr id="22" name="グラフィックス 21">
+            <a:extLst>
+              <a:ext uri="{FF2B5EF4-FFF2-40B4-BE49-F238E27FC236}">
+                <a16:creationId xmlns:a16="http://schemas.microsoft.com/office/drawing/2014/main" id="{3033A74E-8856-44DF-9300-49B2316E89AD}"/>
+              </a:ext>
+            </a:extLst>
+          </p:cNvPr>
+          <p:cNvPicPr>
+            <a:picLocks noChangeAspect="1"/>
+          </p:cNvPicPr>
+          <p:nvPr/>
+        </p:nvPicPr>
+        <p:blipFill>
+          <a:blip r:embed="rId2">
+            <a:extLst>
+              <a:ext uri="{28A0092B-C50C-407E-A947-70E740481C1C}">
+                <a14:useLocalDpi xmlns:a14="http://schemas.microsoft.com/office/drawing/2010/main" val="0"/>
+              </a:ext>
+              <a:ext uri="{96DAC541-7B7A-43D3-8B79-37D633B846F1}">
+                <asvg:svgBlip xmlns:asvg="http://schemas.microsoft.com/office/drawing/2016/SVG/main" r:embed="rId3"/>
+              </a:ext>
+            </a:extLst>
+          </a:blip>
+          <a:stretch>
+            <a:fillRect/>
+          </a:stretch>
+        </p:blipFill>
+        <p:spPr>
+          <a:xfrm>
+            <a:off x="1165342" y="1690688"/>
+            <a:ext cx="4877167" cy="3661847"/>
+          </a:xfrm>
+          <a:prstGeom prst="rect">
+            <a:avLst/>
+          </a:prstGeom>
+        </p:spPr>
+      </p:pic>
+      <p:sp>
+        <p:nvSpPr>
+          <p:cNvPr id="10" name="楕円 9">
+            <a:extLst>
+              <a:ext uri="{FF2B5EF4-FFF2-40B4-BE49-F238E27FC236}">
+                <a16:creationId xmlns:a16="http://schemas.microsoft.com/office/drawing/2014/main" id="{2ACAAD59-5DDE-4DF9-B4F4-CDC0D572F341}"/>
+              </a:ext>
+            </a:extLst>
+          </p:cNvPr>
+          <p:cNvSpPr/>
+          <p:nvPr/>
+        </p:nvSpPr>
+        <p:spPr>
+          <a:xfrm>
+            <a:off x="3266265" y="4356676"/>
+            <a:ext cx="675322" cy="701965"/>
+          </a:xfrm>
+          <a:prstGeom prst="ellipse">
+            <a:avLst/>
+          </a:prstGeom>
+          <a:noFill/>
+          <a:ln w="38100">
+            <a:solidFill>
+              <a:schemeClr val="tx1"/>
+            </a:solidFill>
+          </a:ln>
+        </p:spPr>
+        <p:style>
+          <a:lnRef idx="2">
+            <a:schemeClr val="accent1">
+              <a:shade val="50000"/>
+            </a:schemeClr>
+          </a:lnRef>
+          <a:fillRef idx="1">
+            <a:schemeClr val="accent1"/>
+          </a:fillRef>
+          <a:effectRef idx="0">
+            <a:schemeClr val="accent1"/>
+          </a:effectRef>
+          <a:fontRef idx="minor">
+            <a:schemeClr val="lt1"/>
+          </a:fontRef>
+        </p:style>
+        <p:txBody>
+          <a:bodyPr rtlCol="0" anchor="ctr"/>
+          <a:lstStyle/>
+          <a:p>
+            <a:pPr algn="ctr"/>
             <a:endParaRPr kumimoji="1" lang="ja-JP" altLang="en-US"/>
           </a:p>
         </p:txBody>
       </p:sp>
+      <p:pic>
+        <p:nvPicPr>
+          <p:cNvPr id="9" name="図 8">
+            <a:extLst>
+              <a:ext uri="{FF2B5EF4-FFF2-40B4-BE49-F238E27FC236}">
+                <a16:creationId xmlns:a16="http://schemas.microsoft.com/office/drawing/2014/main" id="{F3B683B4-9528-4225-97F4-CB7E72CB7177}"/>
+              </a:ext>
+            </a:extLst>
+          </p:cNvPr>
+          <p:cNvPicPr>
+            <a:picLocks noChangeAspect="1"/>
+          </p:cNvPicPr>
+          <p:nvPr/>
+        </p:nvPicPr>
+        <p:blipFill>
+          <a:blip r:embed="rId4">
+            <a:extLst>
+              <a:ext uri="{28A0092B-C50C-407E-A947-70E740481C1C}">
+                <a14:useLocalDpi xmlns:a14="http://schemas.microsoft.com/office/drawing/2010/main" val="0"/>
+              </a:ext>
+            </a:extLst>
+          </a:blip>
+          <a:stretch>
+            <a:fillRect/>
+          </a:stretch>
+        </p:blipFill>
+        <p:spPr>
+          <a:xfrm>
+            <a:off x="4415198" y="5144655"/>
+            <a:ext cx="1172029" cy="1782554"/>
+          </a:xfrm>
+          <a:prstGeom prst="rect">
+            <a:avLst/>
+          </a:prstGeom>
+        </p:spPr>
+      </p:pic>
+      <p:pic>
+        <p:nvPicPr>
+          <p:cNvPr id="24" name="グラフィックス 23">
+            <a:extLst>
+              <a:ext uri="{FF2B5EF4-FFF2-40B4-BE49-F238E27FC236}">
+                <a16:creationId xmlns:a16="http://schemas.microsoft.com/office/drawing/2014/main" id="{690692BD-2B4D-432F-930A-8D2C65C04F76}"/>
+              </a:ext>
+            </a:extLst>
+          </p:cNvPr>
+          <p:cNvPicPr>
+            <a:picLocks noChangeAspect="1"/>
+          </p:cNvPicPr>
+          <p:nvPr/>
+        </p:nvPicPr>
+        <p:blipFill>
+          <a:blip r:embed="rId5">
+            <a:extLst>
+              <a:ext uri="{28A0092B-C50C-407E-A947-70E740481C1C}">
+                <a14:useLocalDpi xmlns:a14="http://schemas.microsoft.com/office/drawing/2010/main" val="0"/>
+              </a:ext>
+              <a:ext uri="{96DAC541-7B7A-43D3-8B79-37D633B846F1}">
+                <asvg:svgBlip xmlns:asvg="http://schemas.microsoft.com/office/drawing/2016/SVG/main" r:embed="rId6"/>
+              </a:ext>
+            </a:extLst>
+          </a:blip>
+          <a:stretch>
+            <a:fillRect/>
+          </a:stretch>
+        </p:blipFill>
+        <p:spPr>
+          <a:xfrm>
+            <a:off x="6416478" y="1690688"/>
+            <a:ext cx="4877167" cy="3661847"/>
+          </a:xfrm>
+          <a:prstGeom prst="rect">
+            <a:avLst/>
+          </a:prstGeom>
+        </p:spPr>
+      </p:pic>
+      <p:cxnSp>
+        <p:nvCxnSpPr>
+          <p:cNvPr id="12" name="直線矢印コネクタ 11">
+            <a:extLst>
+              <a:ext uri="{FF2B5EF4-FFF2-40B4-BE49-F238E27FC236}">
+                <a16:creationId xmlns:a16="http://schemas.microsoft.com/office/drawing/2014/main" id="{33932F40-3B97-4CC2-8C1C-D166AC35AF78}"/>
+              </a:ext>
+            </a:extLst>
+          </p:cNvPr>
+          <p:cNvCxnSpPr>
+            <a:cxnSpLocks/>
+          </p:cNvCxnSpPr>
+          <p:nvPr/>
+        </p:nvCxnSpPr>
+        <p:spPr>
+          <a:xfrm flipV="1">
+            <a:off x="6762470" y="3947392"/>
+            <a:ext cx="2012076" cy="1520535"/>
+          </a:xfrm>
+          <a:prstGeom prst="bentConnector3">
+            <a:avLst>
+              <a:gd name="adj1" fmla="val 423"/>
+            </a:avLst>
+          </a:prstGeom>
+          <a:ln w="28575" cap="flat" cmpd="sng" algn="ctr">
+            <a:solidFill>
+              <a:schemeClr val="dk1"/>
+            </a:solidFill>
+            <a:prstDash val="dashDot"/>
+            <a:round/>
+            <a:headEnd type="none" w="med" len="med"/>
+            <a:tailEnd type="arrow" w="med" len="med"/>
+          </a:ln>
+        </p:spPr>
+        <p:style>
+          <a:lnRef idx="0">
+            <a:scrgbClr r="0" g="0" b="0"/>
+          </a:lnRef>
+          <a:fillRef idx="0">
+            <a:scrgbClr r="0" g="0" b="0"/>
+          </a:fillRef>
+          <a:effectRef idx="0">
+            <a:scrgbClr r="0" g="0" b="0"/>
+          </a:effectRef>
+          <a:fontRef idx="minor">
+            <a:schemeClr val="tx1"/>
+          </a:fontRef>
+        </p:style>
+      </p:cxnSp>
     </p:spTree>
     <p:extLst>
       <p:ext uri="{BB962C8B-B14F-4D97-AF65-F5344CB8AC3E}">
@@ -6906,6 +7408,42 @@
           </a:prstGeom>
         </p:spPr>
       </p:pic>
+      <p:pic>
+        <p:nvPicPr>
+          <p:cNvPr id="10" name="図 9">
+            <a:extLst>
+              <a:ext uri="{FF2B5EF4-FFF2-40B4-BE49-F238E27FC236}">
+                <a16:creationId xmlns:a16="http://schemas.microsoft.com/office/drawing/2014/main" id="{11043962-E21F-48F9-BB7B-B0AC5E565281}"/>
+              </a:ext>
+            </a:extLst>
+          </p:cNvPr>
+          <p:cNvPicPr>
+            <a:picLocks noChangeAspect="1"/>
+          </p:cNvPicPr>
+          <p:nvPr/>
+        </p:nvPicPr>
+        <p:blipFill>
+          <a:blip r:embed="rId5" cstate="print">
+            <a:extLst>
+              <a:ext uri="{28A0092B-C50C-407E-A947-70E740481C1C}">
+                <a14:useLocalDpi xmlns:a14="http://schemas.microsoft.com/office/drawing/2010/main" val="0"/>
+              </a:ext>
+            </a:extLst>
+          </a:blip>
+          <a:stretch>
+            <a:fillRect/>
+          </a:stretch>
+        </p:blipFill>
+        <p:spPr>
+          <a:xfrm>
+            <a:off x="9525096" y="755826"/>
+            <a:ext cx="1761740" cy="1760073"/>
+          </a:xfrm>
+          <a:prstGeom prst="rect">
+            <a:avLst/>
+          </a:prstGeom>
+        </p:spPr>
+      </p:pic>
     </p:spTree>
     <p:extLst>
       <p:ext uri="{BB962C8B-B14F-4D97-AF65-F5344CB8AC3E}">
@@ -7945,10 +8483,10 @@
       </p:sp>
       <p:pic>
         <p:nvPicPr>
-          <p:cNvPr id="17" name="グラフィックス 16">
+          <p:cNvPr id="6" name="グラフィックス 5">
             <a:extLst>
               <a:ext uri="{FF2B5EF4-FFF2-40B4-BE49-F238E27FC236}">
-                <a16:creationId xmlns:a16="http://schemas.microsoft.com/office/drawing/2014/main" id="{0B124E40-3A41-42EF-8BD8-B93A814FE353}"/>
+                <a16:creationId xmlns:a16="http://schemas.microsoft.com/office/drawing/2014/main" id="{18F7B699-707C-4530-B552-8A2CC50AF1B2}"/>
               </a:ext>
             </a:extLst>
           </p:cNvPr>
@@ -7975,7 +8513,7 @@
         <p:spPr>
           <a:xfrm>
             <a:off x="6096000" y="1690688"/>
-            <a:ext cx="5654423" cy="4483822"/>
+            <a:ext cx="5657517" cy="4486275"/>
           </a:xfrm>
           <a:prstGeom prst="rect">
             <a:avLst/>

--- a/UWW2019/UWW2019_Fujii.pptx
+++ b/UWW2019/UWW2019_Fujii.pptx
@@ -2,10 +2,10 @@
 <file path=ppt/presentation.xml><?xml version="1.0" encoding="utf-8"?>
 <p:presentation xmlns:a="http://schemas.openxmlformats.org/drawingml/2006/main" xmlns:r="http://schemas.openxmlformats.org/officeDocument/2006/relationships" xmlns:p="http://schemas.openxmlformats.org/presentationml/2006/main" saveSubsetFonts="1">
   <p:sldMasterIdLst>
-    <p:sldMasterId id="2147483648" r:id="rId1"/>
+    <p:sldMasterId id="2147483660" r:id="rId1"/>
   </p:sldMasterIdLst>
   <p:notesMasterIdLst>
-    <p:notesMasterId r:id="rId13"/>
+    <p:notesMasterId r:id="rId17"/>
   </p:notesMasterIdLst>
   <p:sldIdLst>
     <p:sldId id="257" r:id="rId2"/>
@@ -17,11 +17,15 @@
     <p:sldId id="264" r:id="rId8"/>
     <p:sldId id="262" r:id="rId9"/>
     <p:sldId id="265" r:id="rId10"/>
-    <p:sldId id="267" r:id="rId11"/>
-    <p:sldId id="266" r:id="rId12"/>
+    <p:sldId id="272" r:id="rId11"/>
+    <p:sldId id="267" r:id="rId12"/>
+    <p:sldId id="266" r:id="rId13"/>
+    <p:sldId id="269" r:id="rId14"/>
+    <p:sldId id="270" r:id="rId15"/>
+    <p:sldId id="271" r:id="rId16"/>
   </p:sldIdLst>
   <p:sldSz cx="12192000" cy="6858000"/>
-  <p:notesSz cx="6883400" cy="10017125"/>
+  <p:notesSz cx="6858000" cy="9144000"/>
   <p:defaultTextStyle>
     <a:defPPr>
       <a:defRPr lang="ja-JP"/>
@@ -159,18 +163,18 @@
         </p:nvSpPr>
         <p:spPr>
           <a:xfrm>
-            <a:off x="1" y="0"/>
-            <a:ext cx="2982806" cy="502596"/>
+            <a:off x="0" y="0"/>
+            <a:ext cx="2971800" cy="458788"/>
           </a:xfrm>
           <a:prstGeom prst="rect">
             <a:avLst/>
           </a:prstGeom>
         </p:spPr>
         <p:txBody>
-          <a:bodyPr vert="horz" lIns="96562" tIns="48281" rIns="96562" bIns="48281" rtlCol="0"/>
+          <a:bodyPr vert="horz" lIns="91440" tIns="45720" rIns="91440" bIns="45720" rtlCol="0"/>
           <a:lstStyle>
             <a:lvl1pPr algn="l">
-              <a:defRPr sz="1300"/>
+              <a:defRPr sz="1200"/>
             </a:lvl1pPr>
           </a:lstStyle>
           <a:p>
@@ -190,24 +194,24 @@
         </p:nvSpPr>
         <p:spPr>
           <a:xfrm>
-            <a:off x="3899001" y="0"/>
-            <a:ext cx="2982806" cy="502596"/>
+            <a:off x="3884613" y="0"/>
+            <a:ext cx="2971800" cy="458788"/>
           </a:xfrm>
           <a:prstGeom prst="rect">
             <a:avLst/>
           </a:prstGeom>
         </p:spPr>
         <p:txBody>
-          <a:bodyPr vert="horz" lIns="96562" tIns="48281" rIns="96562" bIns="48281" rtlCol="0"/>
+          <a:bodyPr vert="horz" lIns="91440" tIns="45720" rIns="91440" bIns="45720" rtlCol="0"/>
           <a:lstStyle>
             <a:lvl1pPr algn="r">
-              <a:defRPr sz="1300"/>
+              <a:defRPr sz="1200"/>
             </a:lvl1pPr>
           </a:lstStyle>
           <a:p>
-            <a:fld id="{D8422EA4-67AE-4623-8DD6-326650601D3C}" type="datetimeFigureOut">
+            <a:fld id="{FE7EBC21-68F0-43CA-8DF5-D6844F9F3C2E}" type="datetimeFigureOut">
               <a:rPr kumimoji="1" lang="ja-JP" altLang="en-US" smtClean="0"/>
-              <a:t>2019/12/14</a:t>
+              <a:t>2019/12/15</a:t>
             </a:fld>
             <a:endParaRPr kumimoji="1" lang="ja-JP" altLang="en-US"/>
           </a:p>
@@ -225,8 +229,8 @@
         </p:nvSpPr>
         <p:spPr>
           <a:xfrm>
-            <a:off x="436563" y="1252538"/>
-            <a:ext cx="6010275" cy="3381375"/>
+            <a:off x="685800" y="1143000"/>
+            <a:ext cx="5486400" cy="3086100"/>
           </a:xfrm>
           <a:prstGeom prst="rect">
             <a:avLst/>
@@ -239,7 +243,7 @@
           </a:ln>
         </p:spPr>
         <p:txBody>
-          <a:bodyPr vert="horz" lIns="96562" tIns="48281" rIns="96562" bIns="48281" rtlCol="0" anchor="ctr"/>
+          <a:bodyPr vert="horz" lIns="91440" tIns="45720" rIns="91440" bIns="45720" rtlCol="0" anchor="ctr"/>
           <a:lstStyle/>
           <a:p>
             <a:endParaRPr lang="ja-JP" altLang="en-US"/>
@@ -258,15 +262,15 @@
         </p:nvSpPr>
         <p:spPr>
           <a:xfrm>
-            <a:off x="688340" y="4820741"/>
-            <a:ext cx="5506720" cy="3944243"/>
+            <a:off x="685800" y="4400550"/>
+            <a:ext cx="5486400" cy="3600450"/>
           </a:xfrm>
           <a:prstGeom prst="rect">
             <a:avLst/>
           </a:prstGeom>
         </p:spPr>
         <p:txBody>
-          <a:bodyPr vert="horz" lIns="96562" tIns="48281" rIns="96562" bIns="48281" rtlCol="0"/>
+          <a:bodyPr vert="horz" lIns="91440" tIns="45720" rIns="91440" bIns="45720" rtlCol="0"/>
           <a:lstStyle/>
           <a:p>
             <a:pPr lvl="0"/>
@@ -349,18 +353,18 @@
         </p:nvSpPr>
         <p:spPr>
           <a:xfrm>
-            <a:off x="1" y="9514532"/>
-            <a:ext cx="2982806" cy="502595"/>
+            <a:off x="0" y="8685213"/>
+            <a:ext cx="2971800" cy="458787"/>
           </a:xfrm>
           <a:prstGeom prst="rect">
             <a:avLst/>
           </a:prstGeom>
         </p:spPr>
         <p:txBody>
-          <a:bodyPr vert="horz" lIns="96562" tIns="48281" rIns="96562" bIns="48281" rtlCol="0" anchor="b"/>
+          <a:bodyPr vert="horz" lIns="91440" tIns="45720" rIns="91440" bIns="45720" rtlCol="0" anchor="b"/>
           <a:lstStyle>
             <a:lvl1pPr algn="l">
-              <a:defRPr sz="1300"/>
+              <a:defRPr sz="1200"/>
             </a:lvl1pPr>
           </a:lstStyle>
           <a:p>
@@ -380,22 +384,22 @@
         </p:nvSpPr>
         <p:spPr>
           <a:xfrm>
-            <a:off x="3899001" y="9514532"/>
-            <a:ext cx="2982806" cy="502595"/>
+            <a:off x="3884613" y="8685213"/>
+            <a:ext cx="2971800" cy="458787"/>
           </a:xfrm>
           <a:prstGeom prst="rect">
             <a:avLst/>
           </a:prstGeom>
         </p:spPr>
         <p:txBody>
-          <a:bodyPr vert="horz" lIns="96562" tIns="48281" rIns="96562" bIns="48281" rtlCol="0" anchor="b"/>
+          <a:bodyPr vert="horz" lIns="91440" tIns="45720" rIns="91440" bIns="45720" rtlCol="0" anchor="b"/>
           <a:lstStyle>
             <a:lvl1pPr algn="r">
-              <a:defRPr sz="1300"/>
+              <a:defRPr sz="1200"/>
             </a:lvl1pPr>
           </a:lstStyle>
           <a:p>
-            <a:fld id="{30C4CB3F-F62E-402B-B423-2F2652179FCC}" type="slidenum">
+            <a:fld id="{0B88CE28-101F-4F96-8E8B-E3843961E843}" type="slidenum">
               <a:rPr kumimoji="1" lang="ja-JP" altLang="en-US" smtClean="0"/>
               <a:t>‹#›</a:t>
             </a:fld>
@@ -406,7 +410,7 @@
     </p:spTree>
     <p:extLst>
       <p:ext uri="{BB962C8B-B14F-4D97-AF65-F5344CB8AC3E}">
-        <p14:creationId xmlns:p14="http://schemas.microsoft.com/office/powerpoint/2010/main" val="699686327"/>
+        <p14:creationId xmlns:p14="http://schemas.microsoft.com/office/powerpoint/2010/main" val="2169916589"/>
       </p:ext>
     </p:extLst>
   </p:cSld>
@@ -550,20 +554,23 @@
           <a:bodyPr/>
           <a:lstStyle/>
           <a:p>
-            <a:r>
-              <a:rPr kumimoji="1" lang="ja-JP" altLang="en-US" dirty="0"/>
-              <a:t>立命館大学情報理工学部の村尾和哉です．</a:t>
-            </a:r>
-            <a:endParaRPr kumimoji="1" lang="en-US" altLang="ja-JP" dirty="0"/>
-          </a:p>
-          <a:p>
-            <a:r>
-              <a:rPr kumimoji="1" lang="ja-JP" altLang="en-US" dirty="0"/>
-              <a:t>システムからの通知にユーザが対応できないことを利用したセンサデータのアノテーションという研究提案について説明します．</a:t>
-            </a:r>
-            <a:endParaRPr kumimoji="1" lang="en-US" altLang="ja-JP" dirty="0"/>
-          </a:p>
-          <a:p>
+            <a:pPr marL="0" marR="0" lvl="0" indent="0" algn="l" defTabSz="914400" rtl="0" eaLnBrk="1" fontAlgn="auto" latinLnBrk="0" hangingPunct="1">
+              <a:lnSpc>
+                <a:spcPct val="100000"/>
+              </a:lnSpc>
+              <a:spcBef>
+                <a:spcPts val="0"/>
+              </a:spcBef>
+              <a:spcAft>
+                <a:spcPts val="0"/>
+              </a:spcAft>
+              <a:buClrTx/>
+              <a:buSzTx/>
+              <a:buFontTx/>
+              <a:buNone/>
+              <a:tabLst/>
+              <a:defRPr/>
+            </a:pPr>
             <a:r>
               <a:rPr kumimoji="1" lang="ja-JP" altLang="en-US" dirty="0"/>
               <a:t>（</a:t>
@@ -576,6 +583,51 @@
               <a:rPr kumimoji="1" lang="ja-JP" altLang="en-US" dirty="0"/>
               <a:t>秒）</a:t>
             </a:r>
+          </a:p>
+          <a:p>
+            <a:endParaRPr kumimoji="1" lang="en-US" altLang="ja-JP" dirty="0"/>
+          </a:p>
+          <a:p>
+            <a:r>
+              <a:rPr kumimoji="1" lang="ja-JP" altLang="en-US" dirty="0"/>
+              <a:t>立命館大学，村尾研究室の藤井です．</a:t>
+            </a:r>
+            <a:endParaRPr kumimoji="1" lang="en-US" altLang="ja-JP" dirty="0"/>
+          </a:p>
+          <a:p>
+            <a:r>
+              <a:rPr lang="ja-JP" altLang="en-US" sz="1200" dirty="0"/>
+              <a:t>圧力センサ搭載ヘルメットを用いた個人識別手法の提案</a:t>
+            </a:r>
+            <a:r>
+              <a:rPr kumimoji="1" lang="ja-JP" altLang="en-US" dirty="0"/>
+              <a:t>について説明します．</a:t>
+            </a:r>
+            <a:endParaRPr kumimoji="1" lang="en-US" altLang="ja-JP" dirty="0"/>
+          </a:p>
+          <a:p>
+            <a:endParaRPr kumimoji="1" lang="en-US" altLang="ja-JP" dirty="0"/>
+          </a:p>
+          <a:p>
+            <a:r>
+              <a:rPr kumimoji="1" lang="ja-JP" altLang="en-US" dirty="0"/>
+              <a:t>・ヘルメットにも様々な種類</a:t>
+            </a:r>
+            <a:endParaRPr kumimoji="1" lang="en-US" altLang="ja-JP" dirty="0"/>
+          </a:p>
+          <a:p>
+            <a:r>
+              <a:rPr kumimoji="1" lang="ja-JP" altLang="en-US" dirty="0"/>
+              <a:t>・工事，自転車，野球</a:t>
+            </a:r>
+            <a:endParaRPr kumimoji="1" lang="en-US" altLang="ja-JP" dirty="0"/>
+          </a:p>
+          <a:p>
+            <a:r>
+              <a:rPr kumimoji="1" lang="ja-JP" altLang="en-US" dirty="0"/>
+              <a:t>・今回はバイクのヘルメット</a:t>
+            </a:r>
+            <a:endParaRPr kumimoji="1" lang="en-US" altLang="ja-JP" dirty="0"/>
           </a:p>
         </p:txBody>
       </p:sp>
@@ -675,6 +727,1107 @@
 </p:notes>
 </file>
 
+<file path=ppt/notesSlides/notesSlide10.xml><?xml version="1.0" encoding="utf-8"?>
+<p:notes xmlns:a="http://schemas.openxmlformats.org/drawingml/2006/main" xmlns:r="http://schemas.openxmlformats.org/officeDocument/2006/relationships" xmlns:p="http://schemas.openxmlformats.org/presentationml/2006/main">
+  <p:cSld>
+    <p:spTree>
+      <p:nvGrpSpPr>
+        <p:cNvPr id="1" name=""/>
+        <p:cNvGrpSpPr/>
+        <p:nvPr/>
+      </p:nvGrpSpPr>
+      <p:grpSpPr>
+        <a:xfrm>
+          <a:off x="0" y="0"/>
+          <a:ext cx="0" cy="0"/>
+          <a:chOff x="0" y="0"/>
+          <a:chExt cx="0" cy="0"/>
+        </a:xfrm>
+      </p:grpSpPr>
+      <p:sp>
+        <p:nvSpPr>
+          <p:cNvPr id="2" name="スライド イメージ プレースホルダー 1"/>
+          <p:cNvSpPr>
+            <a:spLocks noGrp="1" noRot="1" noChangeAspect="1"/>
+          </p:cNvSpPr>
+          <p:nvPr>
+            <p:ph type="sldImg"/>
+          </p:nvPr>
+        </p:nvSpPr>
+        <p:spPr/>
+      </p:sp>
+      <p:sp>
+        <p:nvSpPr>
+          <p:cNvPr id="3" name="ノート プレースホルダー 2"/>
+          <p:cNvSpPr>
+            <a:spLocks noGrp="1"/>
+          </p:cNvSpPr>
+          <p:nvPr>
+            <p:ph type="body" idx="1"/>
+          </p:nvPr>
+        </p:nvSpPr>
+        <p:spPr/>
+        <p:txBody>
+          <a:bodyPr/>
+          <a:lstStyle/>
+          <a:p>
+            <a:pPr marL="0" marR="0" lvl="0" indent="0" algn="l" defTabSz="914400" rtl="0" eaLnBrk="1" fontAlgn="auto" latinLnBrk="0" hangingPunct="1">
+              <a:lnSpc>
+                <a:spcPct val="100000"/>
+              </a:lnSpc>
+              <a:spcBef>
+                <a:spcPts val="0"/>
+              </a:spcBef>
+              <a:spcAft>
+                <a:spcPts val="0"/>
+              </a:spcAft>
+              <a:buClrTx/>
+              <a:buSzTx/>
+              <a:buFontTx/>
+              <a:buNone/>
+              <a:tabLst/>
+              <a:defRPr/>
+            </a:pPr>
+            <a:r>
+              <a:rPr kumimoji="1" lang="ja-JP" altLang="en-US" dirty="0"/>
+              <a:t>（</a:t>
+            </a:r>
+            <a:r>
+              <a:rPr kumimoji="1" lang="en-US" altLang="ja-JP" dirty="0"/>
+              <a:t>70</a:t>
+            </a:r>
+            <a:r>
+              <a:rPr kumimoji="1" lang="ja-JP" altLang="en-US" dirty="0"/>
+              <a:t>秒）</a:t>
+            </a:r>
+            <a:endParaRPr kumimoji="1" lang="en-US" altLang="ja-JP" dirty="0"/>
+          </a:p>
+          <a:p>
+            <a:pPr marL="0" marR="0" lvl="0" indent="0" algn="l" defTabSz="914400" rtl="0" eaLnBrk="1" fontAlgn="auto" latinLnBrk="0" hangingPunct="1">
+              <a:lnSpc>
+                <a:spcPct val="100000"/>
+              </a:lnSpc>
+              <a:spcBef>
+                <a:spcPts val="0"/>
+              </a:spcBef>
+              <a:spcAft>
+                <a:spcPts val="0"/>
+              </a:spcAft>
+              <a:buClrTx/>
+              <a:buSzTx/>
+              <a:buFontTx/>
+              <a:buNone/>
+              <a:tabLst/>
+              <a:defRPr/>
+            </a:pPr>
+            <a:endParaRPr kumimoji="1" lang="en-US" altLang="ja-JP" dirty="0"/>
+          </a:p>
+          <a:p>
+            <a:pPr marL="0" marR="0" lvl="0" indent="0" algn="l" defTabSz="914400" rtl="0" eaLnBrk="1" fontAlgn="auto" latinLnBrk="0" hangingPunct="1">
+              <a:lnSpc>
+                <a:spcPct val="100000"/>
+              </a:lnSpc>
+              <a:spcBef>
+                <a:spcPts val="0"/>
+              </a:spcBef>
+              <a:spcAft>
+                <a:spcPts val="0"/>
+              </a:spcAft>
+              <a:buClrTx/>
+              <a:buSzTx/>
+              <a:buFontTx/>
+              <a:buNone/>
+              <a:tabLst/>
+              <a:defRPr/>
+            </a:pPr>
+            <a:r>
+              <a:rPr kumimoji="1" lang="ja-JP" altLang="en-US" dirty="0"/>
+              <a:t>次に判別です．結果の算出のために，</a:t>
+            </a:r>
+            <a:r>
+              <a:rPr kumimoji="1" lang="en-US" altLang="ja-JP" dirty="0"/>
+              <a:t>5</a:t>
+            </a:r>
+            <a:r>
+              <a:rPr kumimoji="1" lang="ja-JP" altLang="en-US" dirty="0"/>
+              <a:t>分割交差検証を行いました．</a:t>
+            </a:r>
+            <a:endParaRPr kumimoji="1" lang="en-US" altLang="ja-JP" dirty="0"/>
+          </a:p>
+          <a:p>
+            <a:pPr marL="0" marR="0" lvl="0" indent="0" algn="l" defTabSz="914400" rtl="0" eaLnBrk="1" fontAlgn="auto" latinLnBrk="0" hangingPunct="1">
+              <a:lnSpc>
+                <a:spcPct val="100000"/>
+              </a:lnSpc>
+              <a:spcBef>
+                <a:spcPts val="0"/>
+              </a:spcBef>
+              <a:spcAft>
+                <a:spcPts val="0"/>
+              </a:spcAft>
+              <a:buClrTx/>
+              <a:buSzTx/>
+              <a:buFontTx/>
+              <a:buNone/>
+              <a:tabLst/>
+              <a:defRPr/>
+            </a:pPr>
+            <a:endParaRPr kumimoji="1" lang="en-US" altLang="ja-JP" dirty="0"/>
+          </a:p>
+          <a:p>
+            <a:pPr marL="0" marR="0" lvl="0" indent="0" algn="l" defTabSz="914400" rtl="0" eaLnBrk="1" fontAlgn="auto" latinLnBrk="0" hangingPunct="1">
+              <a:lnSpc>
+                <a:spcPct val="100000"/>
+              </a:lnSpc>
+              <a:spcBef>
+                <a:spcPts val="0"/>
+              </a:spcBef>
+              <a:spcAft>
+                <a:spcPts val="0"/>
+              </a:spcAft>
+              <a:buClrTx/>
+              <a:buSzTx/>
+              <a:buFontTx/>
+              <a:buNone/>
+              <a:tabLst/>
+              <a:defRPr/>
+            </a:pPr>
+            <a:r>
+              <a:rPr kumimoji="1" lang="ja-JP" altLang="en-US" dirty="0"/>
+              <a:t>・サンプルの説明</a:t>
+            </a:r>
+            <a:endParaRPr kumimoji="1" lang="en-US" altLang="ja-JP" dirty="0"/>
+          </a:p>
+          <a:p>
+            <a:pPr marL="0" marR="0" lvl="0" indent="0" algn="l" defTabSz="914400" rtl="0" eaLnBrk="1" fontAlgn="auto" latinLnBrk="0" hangingPunct="1">
+              <a:lnSpc>
+                <a:spcPct val="100000"/>
+              </a:lnSpc>
+              <a:spcBef>
+                <a:spcPts val="0"/>
+              </a:spcBef>
+              <a:spcAft>
+                <a:spcPts val="0"/>
+              </a:spcAft>
+              <a:buClrTx/>
+              <a:buSzTx/>
+              <a:buFontTx/>
+              <a:buNone/>
+              <a:tabLst/>
+              <a:defRPr/>
+            </a:pPr>
+            <a:r>
+              <a:rPr kumimoji="1" lang="ja-JP" altLang="en-US" dirty="0"/>
+              <a:t>・図を用いて再度説明</a:t>
+            </a:r>
+            <a:endParaRPr kumimoji="1" lang="en-US" altLang="ja-JP" dirty="0"/>
+          </a:p>
+          <a:p>
+            <a:pPr marL="0" marR="0" lvl="0" indent="0" algn="l" defTabSz="914400" rtl="0" eaLnBrk="1" fontAlgn="auto" latinLnBrk="0" hangingPunct="1">
+              <a:lnSpc>
+                <a:spcPct val="100000"/>
+              </a:lnSpc>
+              <a:spcBef>
+                <a:spcPts val="0"/>
+              </a:spcBef>
+              <a:spcAft>
+                <a:spcPts val="0"/>
+              </a:spcAft>
+              <a:buClrTx/>
+              <a:buSzTx/>
+              <a:buFontTx/>
+              <a:buNone/>
+              <a:tabLst/>
+              <a:defRPr/>
+            </a:pPr>
+            <a:endParaRPr kumimoji="1" lang="en-US" altLang="ja-JP" dirty="0"/>
+          </a:p>
+          <a:p>
+            <a:pPr marL="0" marR="0" lvl="0" indent="0" algn="l" defTabSz="914400" rtl="0" eaLnBrk="1" fontAlgn="auto" latinLnBrk="0" hangingPunct="1">
+              <a:lnSpc>
+                <a:spcPct val="100000"/>
+              </a:lnSpc>
+              <a:spcBef>
+                <a:spcPts val="0"/>
+              </a:spcBef>
+              <a:spcAft>
+                <a:spcPts val="0"/>
+              </a:spcAft>
+              <a:buClrTx/>
+              <a:buSzTx/>
+              <a:buFontTx/>
+              <a:buNone/>
+              <a:tabLst/>
+              <a:defRPr/>
+            </a:pPr>
+            <a:r>
+              <a:rPr kumimoji="1" lang="ja-JP" altLang="en-US" dirty="0"/>
+              <a:t>・</a:t>
+            </a:r>
+            <a:r>
+              <a:rPr kumimoji="1" lang="en-US" altLang="ja-JP" dirty="0"/>
+              <a:t>FRR</a:t>
+            </a:r>
+            <a:r>
+              <a:rPr kumimoji="1" lang="ja-JP" altLang="en-US" dirty="0" err="1"/>
+              <a:t>，</a:t>
+            </a:r>
+            <a:r>
+              <a:rPr kumimoji="1" lang="en-US" altLang="ja-JP" dirty="0"/>
+              <a:t>FAR</a:t>
+            </a:r>
+            <a:r>
+              <a:rPr kumimoji="1" lang="ja-JP" altLang="en-US" dirty="0"/>
+              <a:t>を求め，交差検証の平均が被験者ごとの結果</a:t>
+            </a:r>
+            <a:endParaRPr kumimoji="1" lang="en-US" altLang="ja-JP" dirty="0"/>
+          </a:p>
+          <a:p>
+            <a:pPr marL="0" marR="0" lvl="0" indent="0" algn="l" defTabSz="914400" rtl="0" eaLnBrk="1" fontAlgn="auto" latinLnBrk="0" hangingPunct="1">
+              <a:lnSpc>
+                <a:spcPct val="100000"/>
+              </a:lnSpc>
+              <a:spcBef>
+                <a:spcPts val="0"/>
+              </a:spcBef>
+              <a:spcAft>
+                <a:spcPts val="0"/>
+              </a:spcAft>
+              <a:buClrTx/>
+              <a:buSzTx/>
+              <a:buFontTx/>
+              <a:buNone/>
+              <a:tabLst/>
+              <a:defRPr/>
+            </a:pPr>
+            <a:r>
+              <a:rPr kumimoji="1" lang="ja-JP" altLang="en-US" dirty="0"/>
+              <a:t>・全ての被験者で同様の検証</a:t>
+            </a:r>
+            <a:endParaRPr kumimoji="1" lang="en-US" altLang="ja-JP" dirty="0"/>
+          </a:p>
+          <a:p>
+            <a:pPr marL="0" marR="0" lvl="0" indent="0" algn="l" defTabSz="914400" rtl="0" eaLnBrk="1" fontAlgn="auto" latinLnBrk="0" hangingPunct="1">
+              <a:lnSpc>
+                <a:spcPct val="100000"/>
+              </a:lnSpc>
+              <a:spcBef>
+                <a:spcPts val="0"/>
+              </a:spcBef>
+              <a:spcAft>
+                <a:spcPts val="0"/>
+              </a:spcAft>
+              <a:buClrTx/>
+              <a:buSzTx/>
+              <a:buFontTx/>
+              <a:buNone/>
+              <a:tabLst/>
+              <a:defRPr/>
+            </a:pPr>
+            <a:endParaRPr kumimoji="1" lang="en-US" altLang="ja-JP" dirty="0"/>
+          </a:p>
+          <a:p>
+            <a:pPr marL="0" marR="0" lvl="0" indent="0" algn="l" defTabSz="914400" rtl="0" eaLnBrk="1" fontAlgn="auto" latinLnBrk="0" hangingPunct="1">
+              <a:lnSpc>
+                <a:spcPct val="100000"/>
+              </a:lnSpc>
+              <a:spcBef>
+                <a:spcPts val="0"/>
+              </a:spcBef>
+              <a:spcAft>
+                <a:spcPts val="0"/>
+              </a:spcAft>
+              <a:buClrTx/>
+              <a:buSzTx/>
+              <a:buFontTx/>
+              <a:buNone/>
+              <a:tabLst/>
+              <a:defRPr/>
+            </a:pPr>
+            <a:r>
+              <a:rPr kumimoji="1" lang="ja-JP" altLang="en-US" dirty="0"/>
+              <a:t>・被験者ごとの結果の平均を全体での結果とした</a:t>
+            </a:r>
+            <a:endParaRPr kumimoji="1" lang="en-US" altLang="ja-JP" dirty="0"/>
+          </a:p>
+        </p:txBody>
+      </p:sp>
+      <p:sp>
+        <p:nvSpPr>
+          <p:cNvPr id="4" name="スライド番号プレースホルダー 3"/>
+          <p:cNvSpPr>
+            <a:spLocks noGrp="1"/>
+          </p:cNvSpPr>
+          <p:nvPr>
+            <p:ph type="sldNum" sz="quarter" idx="5"/>
+          </p:nvPr>
+        </p:nvSpPr>
+        <p:spPr/>
+        <p:txBody>
+          <a:bodyPr/>
+          <a:lstStyle/>
+          <a:p>
+            <a:fld id="{0B88CE28-101F-4F96-8E8B-E3843961E843}" type="slidenum">
+              <a:rPr kumimoji="1" lang="ja-JP" altLang="en-US" smtClean="0"/>
+              <a:t>10</a:t>
+            </a:fld>
+            <a:endParaRPr kumimoji="1" lang="ja-JP" altLang="en-US"/>
+          </a:p>
+        </p:txBody>
+      </p:sp>
+    </p:spTree>
+    <p:extLst>
+      <p:ext uri="{BB962C8B-B14F-4D97-AF65-F5344CB8AC3E}">
+        <p14:creationId xmlns:p14="http://schemas.microsoft.com/office/powerpoint/2010/main" val="1844985711"/>
+      </p:ext>
+    </p:extLst>
+  </p:cSld>
+  <p:clrMapOvr>
+    <a:masterClrMapping/>
+  </p:clrMapOvr>
+</p:notes>
+</file>
+
+<file path=ppt/notesSlides/notesSlide11.xml><?xml version="1.0" encoding="utf-8"?>
+<p:notes xmlns:a="http://schemas.openxmlformats.org/drawingml/2006/main" xmlns:r="http://schemas.openxmlformats.org/officeDocument/2006/relationships" xmlns:p="http://schemas.openxmlformats.org/presentationml/2006/main">
+  <p:cSld>
+    <p:spTree>
+      <p:nvGrpSpPr>
+        <p:cNvPr id="1" name=""/>
+        <p:cNvGrpSpPr/>
+        <p:nvPr/>
+      </p:nvGrpSpPr>
+      <p:grpSpPr>
+        <a:xfrm>
+          <a:off x="0" y="0"/>
+          <a:ext cx="0" cy="0"/>
+          <a:chOff x="0" y="0"/>
+          <a:chExt cx="0" cy="0"/>
+        </a:xfrm>
+      </p:grpSpPr>
+      <p:sp>
+        <p:nvSpPr>
+          <p:cNvPr id="2" name="スライド イメージ プレースホルダー 1"/>
+          <p:cNvSpPr>
+            <a:spLocks noGrp="1" noRot="1" noChangeAspect="1"/>
+          </p:cNvSpPr>
+          <p:nvPr>
+            <p:ph type="sldImg"/>
+          </p:nvPr>
+        </p:nvSpPr>
+        <p:spPr/>
+      </p:sp>
+      <p:sp>
+        <p:nvSpPr>
+          <p:cNvPr id="3" name="ノート プレースホルダー 2"/>
+          <p:cNvSpPr>
+            <a:spLocks noGrp="1"/>
+          </p:cNvSpPr>
+          <p:nvPr>
+            <p:ph type="body" idx="1"/>
+          </p:nvPr>
+        </p:nvSpPr>
+        <p:spPr/>
+        <p:txBody>
+          <a:bodyPr/>
+          <a:lstStyle/>
+          <a:p>
+            <a:r>
+              <a:rPr kumimoji="1" lang="ja-JP" altLang="en-US" dirty="0"/>
+              <a:t>（</a:t>
+            </a:r>
+            <a:r>
+              <a:rPr kumimoji="1" lang="en-US" altLang="ja-JP" dirty="0"/>
+              <a:t>30</a:t>
+            </a:r>
+            <a:r>
+              <a:rPr kumimoji="1" lang="ja-JP" altLang="en-US" dirty="0"/>
+              <a:t>秒）</a:t>
+            </a:r>
+            <a:endParaRPr kumimoji="1" lang="en-US" altLang="ja-JP" dirty="0"/>
+          </a:p>
+          <a:p>
+            <a:endParaRPr kumimoji="1" lang="en-US" altLang="ja-JP" dirty="0"/>
+          </a:p>
+          <a:p>
+            <a:r>
+              <a:rPr kumimoji="1" lang="ja-JP" altLang="en-US" dirty="0"/>
+              <a:t>被験者ごとの結果を見ていきます．</a:t>
+            </a:r>
+            <a:endParaRPr kumimoji="1" lang="en-US" altLang="ja-JP" dirty="0"/>
+          </a:p>
+          <a:p>
+            <a:endParaRPr kumimoji="1" lang="en-US" altLang="ja-JP" dirty="0"/>
+          </a:p>
+          <a:p>
+            <a:pPr marL="0" marR="0" lvl="0" indent="0" algn="l" defTabSz="914400" rtl="0" eaLnBrk="1" fontAlgn="auto" latinLnBrk="0" hangingPunct="1">
+              <a:lnSpc>
+                <a:spcPct val="100000"/>
+              </a:lnSpc>
+              <a:spcBef>
+                <a:spcPts val="0"/>
+              </a:spcBef>
+              <a:spcAft>
+                <a:spcPts val="0"/>
+              </a:spcAft>
+              <a:buClrTx/>
+              <a:buSzTx/>
+              <a:buFontTx/>
+              <a:buNone/>
+              <a:tabLst/>
+              <a:defRPr/>
+            </a:pPr>
+            <a:r>
+              <a:rPr kumimoji="1" lang="ja-JP" altLang="en-US" dirty="0"/>
+              <a:t>・被験者</a:t>
+            </a:r>
+            <a:r>
+              <a:rPr kumimoji="1" lang="en-US" altLang="ja-JP" dirty="0"/>
+              <a:t>A</a:t>
+            </a:r>
+            <a:r>
+              <a:rPr kumimoji="1" lang="ja-JP" altLang="en-US" dirty="0"/>
+              <a:t>は良い結果．データ群が他のデータ群と離れていた．</a:t>
+            </a:r>
+            <a:endParaRPr kumimoji="1" lang="en-US" altLang="ja-JP" dirty="0"/>
+          </a:p>
+          <a:p>
+            <a:pPr marL="0" marR="0" lvl="0" indent="0" algn="l" defTabSz="914400" rtl="0" eaLnBrk="1" fontAlgn="auto" latinLnBrk="0" hangingPunct="1">
+              <a:lnSpc>
+                <a:spcPct val="100000"/>
+              </a:lnSpc>
+              <a:spcBef>
+                <a:spcPts val="0"/>
+              </a:spcBef>
+              <a:spcAft>
+                <a:spcPts val="0"/>
+              </a:spcAft>
+              <a:buClrTx/>
+              <a:buSzTx/>
+              <a:buFontTx/>
+              <a:buNone/>
+              <a:tabLst/>
+              <a:defRPr/>
+            </a:pPr>
+            <a:r>
+              <a:rPr kumimoji="1" lang="ja-JP" altLang="en-US" dirty="0"/>
+              <a:t>・被験者</a:t>
+            </a:r>
+            <a:r>
+              <a:rPr kumimoji="1" lang="en-US" altLang="ja-JP" dirty="0"/>
+              <a:t>C</a:t>
+            </a:r>
+            <a:r>
+              <a:rPr kumimoji="1" lang="ja-JP" altLang="en-US" dirty="0"/>
+              <a:t>は少し悪い結果．データ群の分散が大きく，他のデータ群との距離が近い．</a:t>
+            </a:r>
+            <a:endParaRPr kumimoji="1" lang="en-US" altLang="ja-JP" dirty="0"/>
+          </a:p>
+        </p:txBody>
+      </p:sp>
+      <p:sp>
+        <p:nvSpPr>
+          <p:cNvPr id="4" name="スライド番号プレースホルダー 3"/>
+          <p:cNvSpPr>
+            <a:spLocks noGrp="1"/>
+          </p:cNvSpPr>
+          <p:nvPr>
+            <p:ph type="sldNum" sz="quarter" idx="5"/>
+          </p:nvPr>
+        </p:nvSpPr>
+        <p:spPr/>
+        <p:txBody>
+          <a:bodyPr/>
+          <a:lstStyle/>
+          <a:p>
+            <a:fld id="{0B88CE28-101F-4F96-8E8B-E3843961E843}" type="slidenum">
+              <a:rPr kumimoji="1" lang="ja-JP" altLang="en-US" smtClean="0"/>
+              <a:t>11</a:t>
+            </a:fld>
+            <a:endParaRPr kumimoji="1" lang="ja-JP" altLang="en-US"/>
+          </a:p>
+        </p:txBody>
+      </p:sp>
+    </p:spTree>
+    <p:extLst>
+      <p:ext uri="{BB962C8B-B14F-4D97-AF65-F5344CB8AC3E}">
+        <p14:creationId xmlns:p14="http://schemas.microsoft.com/office/powerpoint/2010/main" val="2273189183"/>
+      </p:ext>
+    </p:extLst>
+  </p:cSld>
+  <p:clrMapOvr>
+    <a:masterClrMapping/>
+  </p:clrMapOvr>
+</p:notes>
+</file>
+
+<file path=ppt/notesSlides/notesSlide12.xml><?xml version="1.0" encoding="utf-8"?>
+<p:notes xmlns:a="http://schemas.openxmlformats.org/drawingml/2006/main" xmlns:r="http://schemas.openxmlformats.org/officeDocument/2006/relationships" xmlns:p="http://schemas.openxmlformats.org/presentationml/2006/main">
+  <p:cSld>
+    <p:spTree>
+      <p:nvGrpSpPr>
+        <p:cNvPr id="1" name=""/>
+        <p:cNvGrpSpPr/>
+        <p:nvPr/>
+      </p:nvGrpSpPr>
+      <p:grpSpPr>
+        <a:xfrm>
+          <a:off x="0" y="0"/>
+          <a:ext cx="0" cy="0"/>
+          <a:chOff x="0" y="0"/>
+          <a:chExt cx="0" cy="0"/>
+        </a:xfrm>
+      </p:grpSpPr>
+      <p:sp>
+        <p:nvSpPr>
+          <p:cNvPr id="2" name="スライド イメージ プレースホルダー 1"/>
+          <p:cNvSpPr>
+            <a:spLocks noGrp="1" noRot="1" noChangeAspect="1"/>
+          </p:cNvSpPr>
+          <p:nvPr>
+            <p:ph type="sldImg"/>
+          </p:nvPr>
+        </p:nvSpPr>
+        <p:spPr/>
+      </p:sp>
+      <p:sp>
+        <p:nvSpPr>
+          <p:cNvPr id="3" name="ノート プレースホルダー 2"/>
+          <p:cNvSpPr>
+            <a:spLocks noGrp="1"/>
+          </p:cNvSpPr>
+          <p:nvPr>
+            <p:ph type="body" idx="1"/>
+          </p:nvPr>
+        </p:nvSpPr>
+        <p:spPr/>
+        <p:txBody>
+          <a:bodyPr/>
+          <a:lstStyle/>
+          <a:p>
+            <a:r>
+              <a:rPr kumimoji="1" lang="ja-JP" altLang="en-US" dirty="0"/>
+              <a:t>（</a:t>
+            </a:r>
+            <a:r>
+              <a:rPr kumimoji="1" lang="en-US" altLang="ja-JP" dirty="0"/>
+              <a:t>15</a:t>
+            </a:r>
+            <a:r>
+              <a:rPr kumimoji="1" lang="ja-JP" altLang="en-US" dirty="0"/>
+              <a:t>秒）</a:t>
+            </a:r>
+            <a:endParaRPr kumimoji="1" lang="en-US" altLang="ja-JP" dirty="0"/>
+          </a:p>
+          <a:p>
+            <a:endParaRPr kumimoji="1" lang="en-US" altLang="ja-JP" dirty="0"/>
+          </a:p>
+          <a:p>
+            <a:r>
+              <a:rPr kumimoji="1" lang="ja-JP" altLang="en-US" dirty="0"/>
+              <a:t>全体での結果です．</a:t>
+            </a:r>
+            <a:endParaRPr kumimoji="1" lang="en-US" altLang="ja-JP" dirty="0"/>
+          </a:p>
+          <a:p>
+            <a:endParaRPr kumimoji="1" lang="en-US" altLang="ja-JP" dirty="0"/>
+          </a:p>
+          <a:p>
+            <a:r>
+              <a:rPr kumimoji="1" lang="ja-JP" altLang="en-US" dirty="0"/>
+              <a:t>・エラー率が約</a:t>
+            </a:r>
+            <a:r>
+              <a:rPr kumimoji="1" lang="en-US" altLang="ja-JP" dirty="0"/>
+              <a:t>3%</a:t>
+            </a:r>
+            <a:r>
+              <a:rPr kumimoji="1" lang="ja-JP" altLang="en-US" dirty="0"/>
+              <a:t>と高精度</a:t>
+            </a:r>
+          </a:p>
+        </p:txBody>
+      </p:sp>
+      <p:sp>
+        <p:nvSpPr>
+          <p:cNvPr id="4" name="スライド番号プレースホルダー 3"/>
+          <p:cNvSpPr>
+            <a:spLocks noGrp="1"/>
+          </p:cNvSpPr>
+          <p:nvPr>
+            <p:ph type="sldNum" sz="quarter" idx="5"/>
+          </p:nvPr>
+        </p:nvSpPr>
+        <p:spPr/>
+        <p:txBody>
+          <a:bodyPr/>
+          <a:lstStyle/>
+          <a:p>
+            <a:fld id="{0B88CE28-101F-4F96-8E8B-E3843961E843}" type="slidenum">
+              <a:rPr kumimoji="1" lang="ja-JP" altLang="en-US" smtClean="0"/>
+              <a:t>12</a:t>
+            </a:fld>
+            <a:endParaRPr kumimoji="1" lang="ja-JP" altLang="en-US"/>
+          </a:p>
+        </p:txBody>
+      </p:sp>
+    </p:spTree>
+    <p:extLst>
+      <p:ext uri="{BB962C8B-B14F-4D97-AF65-F5344CB8AC3E}">
+        <p14:creationId xmlns:p14="http://schemas.microsoft.com/office/powerpoint/2010/main" val="3473296705"/>
+      </p:ext>
+    </p:extLst>
+  </p:cSld>
+  <p:clrMapOvr>
+    <a:masterClrMapping/>
+  </p:clrMapOvr>
+</p:notes>
+</file>
+
+<file path=ppt/notesSlides/notesSlide13.xml><?xml version="1.0" encoding="utf-8"?>
+<p:notes xmlns:a="http://schemas.openxmlformats.org/drawingml/2006/main" xmlns:r="http://schemas.openxmlformats.org/officeDocument/2006/relationships" xmlns:p="http://schemas.openxmlformats.org/presentationml/2006/main">
+  <p:cSld>
+    <p:spTree>
+      <p:nvGrpSpPr>
+        <p:cNvPr id="1" name=""/>
+        <p:cNvGrpSpPr/>
+        <p:nvPr/>
+      </p:nvGrpSpPr>
+      <p:grpSpPr>
+        <a:xfrm>
+          <a:off x="0" y="0"/>
+          <a:ext cx="0" cy="0"/>
+          <a:chOff x="0" y="0"/>
+          <a:chExt cx="0" cy="0"/>
+        </a:xfrm>
+      </p:grpSpPr>
+      <p:sp>
+        <p:nvSpPr>
+          <p:cNvPr id="2" name="スライド イメージ プレースホルダー 1"/>
+          <p:cNvSpPr>
+            <a:spLocks noGrp="1" noRot="1" noChangeAspect="1"/>
+          </p:cNvSpPr>
+          <p:nvPr>
+            <p:ph type="sldImg"/>
+          </p:nvPr>
+        </p:nvSpPr>
+        <p:spPr/>
+      </p:sp>
+      <p:sp>
+        <p:nvSpPr>
+          <p:cNvPr id="3" name="ノート プレースホルダー 2"/>
+          <p:cNvSpPr>
+            <a:spLocks noGrp="1"/>
+          </p:cNvSpPr>
+          <p:nvPr>
+            <p:ph type="body" idx="1"/>
+          </p:nvPr>
+        </p:nvSpPr>
+        <p:spPr/>
+        <p:txBody>
+          <a:bodyPr/>
+          <a:lstStyle/>
+          <a:p>
+            <a:r>
+              <a:rPr kumimoji="1" lang="ja-JP" altLang="en-US" dirty="0"/>
+              <a:t>（</a:t>
+            </a:r>
+            <a:r>
+              <a:rPr kumimoji="1" lang="en-US" altLang="ja-JP" dirty="0"/>
+              <a:t>40</a:t>
+            </a:r>
+            <a:r>
+              <a:rPr kumimoji="1" lang="ja-JP" altLang="en-US" dirty="0"/>
+              <a:t>秒）</a:t>
+            </a:r>
+            <a:endParaRPr kumimoji="1" lang="en-US" altLang="ja-JP" dirty="0"/>
+          </a:p>
+          <a:p>
+            <a:endParaRPr kumimoji="1" lang="en-US" altLang="ja-JP" dirty="0"/>
+          </a:p>
+          <a:p>
+            <a:r>
+              <a:rPr kumimoji="1" lang="ja-JP" altLang="en-US" dirty="0"/>
+              <a:t>考察です．</a:t>
+            </a:r>
+            <a:endParaRPr kumimoji="1" lang="en-US" altLang="ja-JP" dirty="0"/>
+          </a:p>
+          <a:p>
+            <a:endParaRPr kumimoji="1" lang="en-US" altLang="ja-JP" dirty="0"/>
+          </a:p>
+          <a:p>
+            <a:r>
+              <a:rPr kumimoji="1" lang="ja-JP" altLang="en-US" dirty="0"/>
+              <a:t>・まずハードウェア</a:t>
+            </a:r>
+            <a:endParaRPr kumimoji="1" lang="en-US" altLang="ja-JP" dirty="0"/>
+          </a:p>
+        </p:txBody>
+      </p:sp>
+      <p:sp>
+        <p:nvSpPr>
+          <p:cNvPr id="4" name="スライド番号プレースホルダー 3"/>
+          <p:cNvSpPr>
+            <a:spLocks noGrp="1"/>
+          </p:cNvSpPr>
+          <p:nvPr>
+            <p:ph type="sldNum" sz="quarter" idx="5"/>
+          </p:nvPr>
+        </p:nvSpPr>
+        <p:spPr/>
+        <p:txBody>
+          <a:bodyPr/>
+          <a:lstStyle/>
+          <a:p>
+            <a:fld id="{0B88CE28-101F-4F96-8E8B-E3843961E843}" type="slidenum">
+              <a:rPr kumimoji="1" lang="ja-JP" altLang="en-US" smtClean="0"/>
+              <a:t>13</a:t>
+            </a:fld>
+            <a:endParaRPr kumimoji="1" lang="ja-JP" altLang="en-US"/>
+          </a:p>
+        </p:txBody>
+      </p:sp>
+    </p:spTree>
+    <p:extLst>
+      <p:ext uri="{BB962C8B-B14F-4D97-AF65-F5344CB8AC3E}">
+        <p14:creationId xmlns:p14="http://schemas.microsoft.com/office/powerpoint/2010/main" val="2277553777"/>
+      </p:ext>
+    </p:extLst>
+  </p:cSld>
+  <p:clrMapOvr>
+    <a:masterClrMapping/>
+  </p:clrMapOvr>
+</p:notes>
+</file>
+
+<file path=ppt/notesSlides/notesSlide14.xml><?xml version="1.0" encoding="utf-8"?>
+<p:notes xmlns:a="http://schemas.openxmlformats.org/drawingml/2006/main" xmlns:r="http://schemas.openxmlformats.org/officeDocument/2006/relationships" xmlns:p="http://schemas.openxmlformats.org/presentationml/2006/main">
+  <p:cSld>
+    <p:spTree>
+      <p:nvGrpSpPr>
+        <p:cNvPr id="1" name=""/>
+        <p:cNvGrpSpPr/>
+        <p:nvPr/>
+      </p:nvGrpSpPr>
+      <p:grpSpPr>
+        <a:xfrm>
+          <a:off x="0" y="0"/>
+          <a:ext cx="0" cy="0"/>
+          <a:chOff x="0" y="0"/>
+          <a:chExt cx="0" cy="0"/>
+        </a:xfrm>
+      </p:grpSpPr>
+      <p:sp>
+        <p:nvSpPr>
+          <p:cNvPr id="2" name="スライド イメージ プレースホルダー 1"/>
+          <p:cNvSpPr>
+            <a:spLocks noGrp="1" noRot="1" noChangeAspect="1"/>
+          </p:cNvSpPr>
+          <p:nvPr>
+            <p:ph type="sldImg"/>
+          </p:nvPr>
+        </p:nvSpPr>
+        <p:spPr/>
+      </p:sp>
+      <p:sp>
+        <p:nvSpPr>
+          <p:cNvPr id="3" name="ノート プレースホルダー 2"/>
+          <p:cNvSpPr>
+            <a:spLocks noGrp="1"/>
+          </p:cNvSpPr>
+          <p:nvPr>
+            <p:ph type="body" idx="1"/>
+          </p:nvPr>
+        </p:nvSpPr>
+        <p:spPr/>
+        <p:txBody>
+          <a:bodyPr/>
+          <a:lstStyle/>
+          <a:p>
+            <a:r>
+              <a:rPr kumimoji="1" lang="ja-JP" altLang="en-US" dirty="0"/>
+              <a:t>（</a:t>
+            </a:r>
+            <a:r>
+              <a:rPr kumimoji="1" lang="en-US" altLang="ja-JP" dirty="0"/>
+              <a:t>20</a:t>
+            </a:r>
+            <a:r>
+              <a:rPr kumimoji="1" lang="ja-JP" altLang="en-US" dirty="0"/>
+              <a:t>秒）</a:t>
+            </a:r>
+            <a:endParaRPr kumimoji="1" lang="en-US" altLang="ja-JP" dirty="0"/>
+          </a:p>
+          <a:p>
+            <a:endParaRPr kumimoji="1" lang="en-US" altLang="ja-JP" dirty="0"/>
+          </a:p>
+          <a:p>
+            <a:r>
+              <a:rPr kumimoji="1" lang="ja-JP" altLang="en-US" dirty="0"/>
+              <a:t>・次に判別手法</a:t>
+            </a:r>
+            <a:endParaRPr kumimoji="1" lang="en-US" altLang="ja-JP" dirty="0"/>
+          </a:p>
+          <a:p>
+            <a:endParaRPr kumimoji="1" lang="en-US" altLang="ja-JP" dirty="0"/>
+          </a:p>
+          <a:p>
+            <a:r>
+              <a:rPr kumimoji="1" lang="ja-JP" altLang="en-US" dirty="0"/>
+              <a:t>・本人のサンプルと比較した場合，他人のサンプルと比較した場合では，距離に大きな差があった</a:t>
+            </a:r>
+            <a:endParaRPr kumimoji="1" lang="en-US" altLang="ja-JP" dirty="0"/>
+          </a:p>
+          <a:p>
+            <a:r>
+              <a:rPr kumimoji="1" lang="ja-JP" altLang="en-US" dirty="0"/>
+              <a:t>・距離に差があったため判別出来た</a:t>
+            </a:r>
+            <a:endParaRPr kumimoji="1" lang="en-US" altLang="ja-JP" dirty="0"/>
+          </a:p>
+          <a:p>
+            <a:r>
+              <a:rPr kumimoji="1" lang="ja-JP" altLang="en-US" dirty="0"/>
+              <a:t>・逆に言うと差がない場合，この手法では判別できない</a:t>
+            </a:r>
+            <a:endParaRPr kumimoji="1" lang="en-US" altLang="ja-JP" dirty="0"/>
+          </a:p>
+          <a:p>
+            <a:endParaRPr kumimoji="1" lang="en-US" altLang="ja-JP" dirty="0"/>
+          </a:p>
+          <a:p>
+            <a:r>
+              <a:rPr kumimoji="1" lang="ja-JP" altLang="en-US" dirty="0"/>
+              <a:t>・そもそも，どのくらいデータ群が似る可能性があるのか不明</a:t>
+            </a:r>
+            <a:endParaRPr kumimoji="1" lang="en-US" altLang="ja-JP" dirty="0"/>
+          </a:p>
+          <a:p>
+            <a:r>
+              <a:rPr kumimoji="1" lang="ja-JP" altLang="en-US" dirty="0"/>
+              <a:t>・まだまだデータ数が足りない</a:t>
+            </a:r>
+          </a:p>
+        </p:txBody>
+      </p:sp>
+      <p:sp>
+        <p:nvSpPr>
+          <p:cNvPr id="4" name="スライド番号プレースホルダー 3"/>
+          <p:cNvSpPr>
+            <a:spLocks noGrp="1"/>
+          </p:cNvSpPr>
+          <p:nvPr>
+            <p:ph type="sldNum" sz="quarter" idx="5"/>
+          </p:nvPr>
+        </p:nvSpPr>
+        <p:spPr/>
+        <p:txBody>
+          <a:bodyPr/>
+          <a:lstStyle/>
+          <a:p>
+            <a:fld id="{0B88CE28-101F-4F96-8E8B-E3843961E843}" type="slidenum">
+              <a:rPr kumimoji="1" lang="ja-JP" altLang="en-US" smtClean="0"/>
+              <a:t>14</a:t>
+            </a:fld>
+            <a:endParaRPr kumimoji="1" lang="ja-JP" altLang="en-US"/>
+          </a:p>
+        </p:txBody>
+      </p:sp>
+    </p:spTree>
+    <p:extLst>
+      <p:ext uri="{BB962C8B-B14F-4D97-AF65-F5344CB8AC3E}">
+        <p14:creationId xmlns:p14="http://schemas.microsoft.com/office/powerpoint/2010/main" val="4262978040"/>
+      </p:ext>
+    </p:extLst>
+  </p:cSld>
+  <p:clrMapOvr>
+    <a:masterClrMapping/>
+  </p:clrMapOvr>
+</p:notes>
+</file>
+
+<file path=ppt/notesSlides/notesSlide15.xml><?xml version="1.0" encoding="utf-8"?>
+<p:notes xmlns:a="http://schemas.openxmlformats.org/drawingml/2006/main" xmlns:r="http://schemas.openxmlformats.org/officeDocument/2006/relationships" xmlns:p="http://schemas.openxmlformats.org/presentationml/2006/main">
+  <p:cSld>
+    <p:spTree>
+      <p:nvGrpSpPr>
+        <p:cNvPr id="1" name=""/>
+        <p:cNvGrpSpPr/>
+        <p:nvPr/>
+      </p:nvGrpSpPr>
+      <p:grpSpPr>
+        <a:xfrm>
+          <a:off x="0" y="0"/>
+          <a:ext cx="0" cy="0"/>
+          <a:chOff x="0" y="0"/>
+          <a:chExt cx="0" cy="0"/>
+        </a:xfrm>
+      </p:grpSpPr>
+      <p:sp>
+        <p:nvSpPr>
+          <p:cNvPr id="2" name="スライド イメージ プレースホルダー 1"/>
+          <p:cNvSpPr>
+            <a:spLocks noGrp="1" noRot="1" noChangeAspect="1"/>
+          </p:cNvSpPr>
+          <p:nvPr>
+            <p:ph type="sldImg"/>
+          </p:nvPr>
+        </p:nvSpPr>
+        <p:spPr/>
+      </p:sp>
+      <p:sp>
+        <p:nvSpPr>
+          <p:cNvPr id="3" name="ノート プレースホルダー 2"/>
+          <p:cNvSpPr>
+            <a:spLocks noGrp="1"/>
+          </p:cNvSpPr>
+          <p:nvPr>
+            <p:ph type="body" idx="1"/>
+          </p:nvPr>
+        </p:nvSpPr>
+        <p:spPr/>
+        <p:txBody>
+          <a:bodyPr/>
+          <a:lstStyle/>
+          <a:p>
+            <a:r>
+              <a:rPr kumimoji="1" lang="ja-JP" altLang="en-US" dirty="0"/>
+              <a:t>（</a:t>
+            </a:r>
+            <a:r>
+              <a:rPr kumimoji="1" lang="en-US" altLang="ja-JP" dirty="0"/>
+              <a:t>20</a:t>
+            </a:r>
+            <a:r>
+              <a:rPr kumimoji="1" lang="ja-JP" altLang="en-US" dirty="0"/>
+              <a:t>秒）</a:t>
+            </a:r>
+            <a:endParaRPr kumimoji="1" lang="en-US" altLang="ja-JP" dirty="0"/>
+          </a:p>
+          <a:p>
+            <a:endParaRPr kumimoji="1" lang="en-US" altLang="ja-JP" dirty="0"/>
+          </a:p>
+          <a:p>
+            <a:r>
+              <a:rPr kumimoji="1" lang="ja-JP" altLang="en-US" dirty="0"/>
+              <a:t>まとめです．</a:t>
+            </a:r>
+            <a:endParaRPr kumimoji="1" lang="en-US" altLang="ja-JP" dirty="0"/>
+          </a:p>
+          <a:p>
+            <a:endParaRPr kumimoji="1" lang="en-US" altLang="ja-JP" dirty="0"/>
+          </a:p>
+          <a:p>
+            <a:r>
+              <a:rPr kumimoji="1" lang="ja-JP" altLang="en-US" dirty="0"/>
+              <a:t>・説明</a:t>
+            </a:r>
+            <a:endParaRPr kumimoji="1" lang="en-US" altLang="ja-JP" dirty="0"/>
+          </a:p>
+          <a:p>
+            <a:endParaRPr kumimoji="1" lang="en-US" altLang="ja-JP" dirty="0"/>
+          </a:p>
+          <a:p>
+            <a:r>
+              <a:rPr kumimoji="1" lang="ja-JP" altLang="en-US" dirty="0"/>
+              <a:t>以上で終わらせていただきます．ありがとうございました．</a:t>
+            </a:r>
+            <a:endParaRPr kumimoji="1" lang="en-US" altLang="ja-JP" dirty="0"/>
+          </a:p>
+          <a:p>
+            <a:endParaRPr kumimoji="1" lang="en-US" altLang="ja-JP" dirty="0"/>
+          </a:p>
+          <a:p>
+            <a:endParaRPr kumimoji="1" lang="en-US" altLang="ja-JP" dirty="0"/>
+          </a:p>
+          <a:p>
+            <a:r>
+              <a:rPr kumimoji="1" lang="en-US" altLang="ja-JP" dirty="0"/>
+              <a:t>【</a:t>
+            </a:r>
+            <a:r>
+              <a:rPr kumimoji="1" lang="ja-JP" altLang="en-US" dirty="0"/>
+              <a:t>質疑案</a:t>
+            </a:r>
+            <a:r>
+              <a:rPr kumimoji="1" lang="en-US" altLang="ja-JP" dirty="0"/>
+              <a:t>】</a:t>
+            </a:r>
+          </a:p>
+          <a:p>
+            <a:r>
+              <a:rPr kumimoji="1" lang="ja-JP" altLang="en-US" dirty="0"/>
+              <a:t>小さなバッテリー，メットホルダーで充電．</a:t>
+            </a:r>
+            <a:endParaRPr kumimoji="1" lang="en-US" altLang="ja-JP" dirty="0"/>
+          </a:p>
+          <a:p>
+            <a:r>
+              <a:rPr kumimoji="1" lang="ja-JP" altLang="en-US" dirty="0"/>
+              <a:t>分解不可能な部分</a:t>
+            </a:r>
+            <a:r>
+              <a:rPr kumimoji="1" lang="en-US" altLang="ja-JP" dirty="0"/>
+              <a:t>(</a:t>
+            </a:r>
+            <a:r>
+              <a:rPr kumimoji="1" lang="ja-JP" altLang="en-US" dirty="0"/>
+              <a:t>頭頂部など</a:t>
+            </a:r>
+            <a:r>
+              <a:rPr kumimoji="1" lang="en-US" altLang="ja-JP" dirty="0"/>
+              <a:t>)</a:t>
+            </a:r>
+            <a:r>
+              <a:rPr kumimoji="1" lang="ja-JP" altLang="en-US" dirty="0"/>
+              <a:t>に仕込み，盗難にあえば，位置情報を送信，アラームを鳴らし続け使用不可能に．</a:t>
+            </a:r>
+            <a:endParaRPr kumimoji="1" lang="en-US" altLang="ja-JP" dirty="0"/>
+          </a:p>
+          <a:p>
+            <a:r>
+              <a:rPr kumimoji="1" lang="ja-JP" altLang="en-US" dirty="0"/>
+              <a:t>するとバイクに備え付けておける．</a:t>
+            </a:r>
+          </a:p>
+        </p:txBody>
+      </p:sp>
+      <p:sp>
+        <p:nvSpPr>
+          <p:cNvPr id="4" name="スライド番号プレースホルダー 3"/>
+          <p:cNvSpPr>
+            <a:spLocks noGrp="1"/>
+          </p:cNvSpPr>
+          <p:nvPr>
+            <p:ph type="sldNum" sz="quarter" idx="5"/>
+          </p:nvPr>
+        </p:nvSpPr>
+        <p:spPr/>
+        <p:txBody>
+          <a:bodyPr/>
+          <a:lstStyle/>
+          <a:p>
+            <a:fld id="{0B88CE28-101F-4F96-8E8B-E3843961E843}" type="slidenum">
+              <a:rPr kumimoji="1" lang="ja-JP" altLang="en-US" smtClean="0"/>
+              <a:t>15</a:t>
+            </a:fld>
+            <a:endParaRPr kumimoji="1" lang="ja-JP" altLang="en-US"/>
+          </a:p>
+        </p:txBody>
+      </p:sp>
+    </p:spTree>
+    <p:extLst>
+      <p:ext uri="{BB962C8B-B14F-4D97-AF65-F5344CB8AC3E}">
+        <p14:creationId xmlns:p14="http://schemas.microsoft.com/office/powerpoint/2010/main" val="4044505260"/>
+      </p:ext>
+    </p:extLst>
+  </p:cSld>
+  <p:clrMapOvr>
+    <a:masterClrMapping/>
+  </p:clrMapOvr>
+</p:notes>
+</file>
+
 <file path=ppt/notesSlides/notesSlide2.xml><?xml version="1.0" encoding="utf-8"?>
 <p:notes xmlns:a="http://schemas.openxmlformats.org/drawingml/2006/main" xmlns:r="http://schemas.openxmlformats.org/officeDocument/2006/relationships" xmlns:p="http://schemas.openxmlformats.org/presentationml/2006/main">
   <p:cSld>
@@ -721,14 +1874,90 @@
           <a:p>
             <a:r>
               <a:rPr kumimoji="1" lang="ja-JP" altLang="en-US" dirty="0"/>
-              <a:t>四輪車ではおなじみであるが，二輪車でも採用されつつある．</a:t>
+              <a:t>（</a:t>
+            </a:r>
+            <a:r>
+              <a:rPr kumimoji="1" lang="en-US" altLang="ja-JP" dirty="0"/>
+              <a:t>30</a:t>
+            </a:r>
+            <a:r>
+              <a:rPr kumimoji="1" lang="ja-JP" altLang="en-US" dirty="0"/>
+              <a:t>秒）</a:t>
             </a:r>
             <a:endParaRPr kumimoji="1" lang="en-US" altLang="ja-JP" dirty="0"/>
           </a:p>
           <a:p>
+            <a:endParaRPr kumimoji="1" lang="en-US" altLang="ja-JP" dirty="0"/>
+          </a:p>
+          <a:p>
             <a:r>
               <a:rPr kumimoji="1" lang="ja-JP" altLang="en-US" dirty="0"/>
-              <a:t>頭部の要素を用いたい．</a:t>
+              <a:t>・二輪車でのスマートキーの普及</a:t>
+            </a:r>
+            <a:endParaRPr kumimoji="1" lang="en-US" altLang="ja-JP" dirty="0"/>
+          </a:p>
+          <a:p>
+            <a:pPr marL="0" marR="0" lvl="0" indent="0" algn="l" defTabSz="914400" rtl="0" eaLnBrk="1" fontAlgn="auto" latinLnBrk="0" hangingPunct="1">
+              <a:lnSpc>
+                <a:spcPct val="100000"/>
+              </a:lnSpc>
+              <a:spcBef>
+                <a:spcPts val="0"/>
+              </a:spcBef>
+              <a:spcAft>
+                <a:spcPts val="0"/>
+              </a:spcAft>
+              <a:buClrTx/>
+              <a:buSzTx/>
+              <a:buFontTx/>
+              <a:buNone/>
+              <a:tabLst/>
+              <a:defRPr/>
+            </a:pPr>
+            <a:r>
+              <a:rPr kumimoji="1" lang="ja-JP" altLang="en-US" dirty="0"/>
+              <a:t>・四輪車ではおなじみであるが，二輪車でも高級車に最近採用</a:t>
+            </a:r>
+            <a:endParaRPr kumimoji="1" lang="en-US" altLang="ja-JP" dirty="0"/>
+          </a:p>
+          <a:p>
+            <a:pPr marL="0" marR="0" lvl="0" indent="0" algn="l" defTabSz="914400" rtl="0" eaLnBrk="1" fontAlgn="auto" latinLnBrk="0" hangingPunct="1">
+              <a:lnSpc>
+                <a:spcPct val="100000"/>
+              </a:lnSpc>
+              <a:spcBef>
+                <a:spcPts val="0"/>
+              </a:spcBef>
+              <a:spcAft>
+                <a:spcPts val="0"/>
+              </a:spcAft>
+              <a:buClrTx/>
+              <a:buSzTx/>
+              <a:buFontTx/>
+              <a:buNone/>
+              <a:tabLst/>
+              <a:defRPr/>
+            </a:pPr>
+            <a:endParaRPr kumimoji="1" lang="en-US" altLang="ja-JP" dirty="0"/>
+          </a:p>
+          <a:p>
+            <a:r>
+              <a:rPr kumimoji="1" lang="ja-JP" altLang="en-US" dirty="0"/>
+              <a:t>・便利だが，そもそも鍵を持つ必要あり</a:t>
+            </a:r>
+            <a:endParaRPr kumimoji="1" lang="en-US" altLang="ja-JP" dirty="0"/>
+          </a:p>
+          <a:p>
+            <a:r>
+              <a:rPr kumimoji="1" lang="ja-JP" altLang="en-US" dirty="0"/>
+              <a:t>・ヘルメットロックに備え付けておけば，紛失などしない</a:t>
+            </a:r>
+            <a:endParaRPr kumimoji="1" lang="en-US" altLang="ja-JP" dirty="0"/>
+          </a:p>
+          <a:p>
+            <a:r>
+              <a:rPr kumimoji="1" lang="ja-JP" altLang="en-US" dirty="0"/>
+              <a:t>・身体一つでさっと乗車できる</a:t>
             </a:r>
           </a:p>
         </p:txBody>
@@ -748,11 +1977,71 @@
           <a:bodyPr/>
           <a:lstStyle/>
           <a:p>
+            <a:pPr marL="0" marR="0" lvl="0" indent="0" algn="r" defTabSz="914400" rtl="0" eaLnBrk="1" fontAlgn="auto" latinLnBrk="0" hangingPunct="1">
+              <a:lnSpc>
+                <a:spcPct val="100000"/>
+              </a:lnSpc>
+              <a:spcBef>
+                <a:spcPts val="0"/>
+              </a:spcBef>
+              <a:spcAft>
+                <a:spcPts val="0"/>
+              </a:spcAft>
+              <a:buClrTx/>
+              <a:buSzTx/>
+              <a:buFontTx/>
+              <a:buNone/>
+              <a:tabLst/>
+              <a:defRPr/>
+            </a:pPr>
             <a:fld id="{30C4CB3F-F62E-402B-B423-2F2652179FCC}" type="slidenum">
-              <a:rPr kumimoji="1" lang="ja-JP" altLang="en-US" smtClean="0"/>
+              <a:rPr kumimoji="1" lang="ja-JP" altLang="en-US" sz="1300" b="0" i="0" u="none" strike="noStrike" kern="1200" cap="none" spc="0" normalizeH="0" baseline="0" noProof="0" smtClean="0">
+                <a:ln>
+                  <a:noFill/>
+                </a:ln>
+                <a:solidFill>
+                  <a:prstClr val="black"/>
+                </a:solidFill>
+                <a:effectLst/>
+                <a:uLnTx/>
+                <a:uFillTx/>
+                <a:latin typeface="游ゴシック" panose="020F0502020204030204"/>
+                <a:ea typeface="游ゴシック" panose="020B0400000000000000" pitchFamily="50" charset="-128"/>
+                <a:cs typeface="+mn-cs"/>
+              </a:rPr>
+              <a:pPr marL="0" marR="0" lvl="0" indent="0" algn="r" defTabSz="914400" rtl="0" eaLnBrk="1" fontAlgn="auto" latinLnBrk="0" hangingPunct="1">
+                <a:lnSpc>
+                  <a:spcPct val="100000"/>
+                </a:lnSpc>
+                <a:spcBef>
+                  <a:spcPts val="0"/>
+                </a:spcBef>
+                <a:spcAft>
+                  <a:spcPts val="0"/>
+                </a:spcAft>
+                <a:buClrTx/>
+                <a:buSzTx/>
+                <a:buFontTx/>
+                <a:buNone/>
+                <a:tabLst/>
+                <a:defRPr/>
+              </a:pPr>
               <a:t>2</a:t>
             </a:fld>
-            <a:endParaRPr kumimoji="1" lang="ja-JP" altLang="en-US"/>
+            <a:endParaRPr kumimoji="1" lang="ja-JP" altLang="en-US" sz="1300" b="0" i="0" u="none" strike="noStrike" kern="1200" cap="none" spc="0" normalizeH="0" baseline="0" noProof="0">
+              <a:ln>
+                <a:noFill/>
+              </a:ln>
+              <a:solidFill>
+                <a:prstClr val="black"/>
+              </a:solidFill>
+              <a:effectLst/>
+              <a:uLnTx/>
+              <a:uFillTx/>
+              <a:latin typeface="游ゴシック" panose="020F0502020204030204"/>
+              <a:ea typeface="游ゴシック" panose="020B0400000000000000" pitchFamily="50" charset="-128"/>
+              <a:cs typeface="+mn-cs"/>
+            </a:endParaRPr>
           </a:p>
         </p:txBody>
       </p:sp>
@@ -815,37 +2104,42 @@
           <a:p>
             <a:r>
               <a:rPr kumimoji="1" lang="ja-JP" altLang="en-US" dirty="0"/>
-              <a:t>小さなバッテリー，メットホルダーで充電．</a:t>
+              <a:t>（</a:t>
+            </a:r>
+            <a:r>
+              <a:rPr kumimoji="1" lang="en-US" altLang="ja-JP" dirty="0"/>
+              <a:t>20</a:t>
+            </a:r>
+            <a:r>
+              <a:rPr kumimoji="1" lang="ja-JP" altLang="en-US" dirty="0"/>
+              <a:t>秒）</a:t>
             </a:r>
             <a:endParaRPr kumimoji="1" lang="en-US" altLang="ja-JP" dirty="0"/>
           </a:p>
           <a:p>
+            <a:endParaRPr kumimoji="1" lang="en-US" altLang="ja-JP" dirty="0"/>
+          </a:p>
+          <a:p>
             <a:r>
               <a:rPr kumimoji="1" lang="ja-JP" altLang="en-US" dirty="0"/>
-              <a:t>分解不可能な部分</a:t>
-            </a:r>
-            <a:r>
-              <a:rPr kumimoji="1" lang="en-US" altLang="ja-JP" dirty="0"/>
-              <a:t>(</a:t>
-            </a:r>
+              <a:t>・ヘルメットで認証するには，頭部の要素を用いたい</a:t>
+            </a:r>
+            <a:endParaRPr kumimoji="1" lang="en-US" altLang="ja-JP" dirty="0"/>
+          </a:p>
+          <a:p>
+            <a:endParaRPr kumimoji="1" lang="en-US" altLang="ja-JP" dirty="0"/>
+          </a:p>
+          <a:p>
             <a:r>
               <a:rPr kumimoji="1" lang="ja-JP" altLang="en-US" dirty="0"/>
-              <a:t>頭頂部など</a:t>
-            </a:r>
-            <a:r>
-              <a:rPr kumimoji="1" lang="en-US" altLang="ja-JP" dirty="0"/>
-              <a:t>)</a:t>
-            </a:r>
+              <a:t>・目を用いた認証として，関連研究がある</a:t>
+            </a:r>
+            <a:endParaRPr kumimoji="1" lang="en-US" altLang="ja-JP" dirty="0"/>
+          </a:p>
+          <a:p>
             <a:r>
               <a:rPr kumimoji="1" lang="ja-JP" altLang="en-US" dirty="0"/>
-              <a:t>に仕込み，盗難にあえば，位置情報を送信，アラームを鳴らし続け使用不可能に．</a:t>
-            </a:r>
-            <a:endParaRPr kumimoji="1" lang="en-US" altLang="ja-JP" dirty="0"/>
-          </a:p>
-          <a:p>
-            <a:r>
-              <a:rPr kumimoji="1" lang="ja-JP" altLang="en-US" dirty="0"/>
-              <a:t>するとバイクに備え付けておける．</a:t>
+              <a:t>・ただ，目の画像取得には，目の前にカメラを設置する必要あり</a:t>
             </a:r>
           </a:p>
         </p:txBody>
@@ -865,9 +2159,9 @@
           <a:bodyPr/>
           <a:lstStyle/>
           <a:p>
-            <a:fld id="{30C4CB3F-F62E-402B-B423-2F2652179FCC}" type="slidenum">
+            <a:fld id="{0B88CE28-101F-4F96-8E8B-E3843961E843}" type="slidenum">
               <a:rPr kumimoji="1" lang="ja-JP" altLang="en-US" smtClean="0"/>
-              <a:t>4</a:t>
+              <a:t>3</a:t>
             </a:fld>
             <a:endParaRPr kumimoji="1" lang="ja-JP" altLang="en-US"/>
           </a:p>
@@ -876,7 +2170,7 @@
     </p:spTree>
     <p:extLst>
       <p:ext uri="{BB962C8B-B14F-4D97-AF65-F5344CB8AC3E}">
-        <p14:creationId xmlns:p14="http://schemas.microsoft.com/office/powerpoint/2010/main" val="2178371913"/>
+        <p14:creationId xmlns:p14="http://schemas.microsoft.com/office/powerpoint/2010/main" val="3453559770"/>
       </p:ext>
     </p:extLst>
   </p:cSld>
@@ -932,8 +2226,45 @@
           <a:p>
             <a:r>
               <a:rPr kumimoji="1" lang="ja-JP" altLang="en-US" dirty="0"/>
-              <a:t>小さなバッテリー，メットホルダーで充電．</a:t>
-            </a:r>
+              <a:t>（</a:t>
+            </a:r>
+            <a:r>
+              <a:rPr kumimoji="1" lang="en-US" altLang="ja-JP"/>
+              <a:t>20</a:t>
+            </a:r>
+            <a:r>
+              <a:rPr kumimoji="1" lang="ja-JP" altLang="en-US"/>
+              <a:t>秒</a:t>
+            </a:r>
+            <a:r>
+              <a:rPr kumimoji="1" lang="ja-JP" altLang="en-US" dirty="0"/>
+              <a:t>）</a:t>
+            </a:r>
+            <a:endParaRPr kumimoji="1" lang="en-US" altLang="ja-JP" dirty="0"/>
+          </a:p>
+          <a:p>
+            <a:endParaRPr kumimoji="1" lang="en-US" altLang="ja-JP" dirty="0"/>
+          </a:p>
+          <a:p>
+            <a:r>
+              <a:rPr kumimoji="1" lang="ja-JP" altLang="en-US" dirty="0"/>
+              <a:t>そこで研究目的として，</a:t>
+            </a:r>
+            <a:endParaRPr kumimoji="1" lang="en-US" altLang="ja-JP" dirty="0"/>
+          </a:p>
+          <a:p>
+            <a:r>
+              <a:rPr kumimoji="1" lang="ja-JP" altLang="en-US" dirty="0"/>
+              <a:t>・先述の通り，ヘルメットを用いたい</a:t>
+            </a:r>
+            <a:endParaRPr kumimoji="1" lang="en-US" altLang="ja-JP" dirty="0"/>
+          </a:p>
+          <a:p>
+            <a:r>
+              <a:rPr kumimoji="1" lang="ja-JP" altLang="en-US" dirty="0"/>
+              <a:t>・視界を遮らず，頭部の要素を取得する手段として，頭部形状が有効</a:t>
+            </a:r>
+            <a:endParaRPr kumimoji="1" lang="en-US" altLang="ja-JP" dirty="0"/>
           </a:p>
         </p:txBody>
       </p:sp>
@@ -952,11 +2283,236 @@
           <a:bodyPr/>
           <a:lstStyle/>
           <a:p>
+            <a:pPr marL="0" marR="0" lvl="0" indent="0" algn="r" defTabSz="914400" rtl="0" eaLnBrk="1" fontAlgn="auto" latinLnBrk="0" hangingPunct="1">
+              <a:lnSpc>
+                <a:spcPct val="100000"/>
+              </a:lnSpc>
+              <a:spcBef>
+                <a:spcPts val="0"/>
+              </a:spcBef>
+              <a:spcAft>
+                <a:spcPts val="0"/>
+              </a:spcAft>
+              <a:buClrTx/>
+              <a:buSzTx/>
+              <a:buFontTx/>
+              <a:buNone/>
+              <a:tabLst/>
+              <a:defRPr/>
+            </a:pPr>
             <a:fld id="{30C4CB3F-F62E-402B-B423-2F2652179FCC}" type="slidenum">
-              <a:rPr kumimoji="1" lang="ja-JP" altLang="en-US" smtClean="0"/>
+              <a:rPr kumimoji="1" lang="ja-JP" altLang="en-US" sz="1300" b="0" i="0" u="none" strike="noStrike" kern="1200" cap="none" spc="0" normalizeH="0" baseline="0" noProof="0" smtClean="0">
+                <a:ln>
+                  <a:noFill/>
+                </a:ln>
+                <a:solidFill>
+                  <a:prstClr val="black"/>
+                </a:solidFill>
+                <a:effectLst/>
+                <a:uLnTx/>
+                <a:uFillTx/>
+                <a:latin typeface="游ゴシック" panose="020F0502020204030204"/>
+                <a:ea typeface="游ゴシック" panose="020B0400000000000000" pitchFamily="50" charset="-128"/>
+                <a:cs typeface="+mn-cs"/>
+              </a:rPr>
+              <a:pPr marL="0" marR="0" lvl="0" indent="0" algn="r" defTabSz="914400" rtl="0" eaLnBrk="1" fontAlgn="auto" latinLnBrk="0" hangingPunct="1">
+                <a:lnSpc>
+                  <a:spcPct val="100000"/>
+                </a:lnSpc>
+                <a:spcBef>
+                  <a:spcPts val="0"/>
+                </a:spcBef>
+                <a:spcAft>
+                  <a:spcPts val="0"/>
+                </a:spcAft>
+                <a:buClrTx/>
+                <a:buSzTx/>
+                <a:buFontTx/>
+                <a:buNone/>
+                <a:tabLst/>
+                <a:defRPr/>
+              </a:pPr>
+              <a:t>4</a:t>
+            </a:fld>
+            <a:endParaRPr kumimoji="1" lang="ja-JP" altLang="en-US" sz="1300" b="0" i="0" u="none" strike="noStrike" kern="1200" cap="none" spc="0" normalizeH="0" baseline="0" noProof="0">
+              <a:ln>
+                <a:noFill/>
+              </a:ln>
+              <a:solidFill>
+                <a:prstClr val="black"/>
+              </a:solidFill>
+              <a:effectLst/>
+              <a:uLnTx/>
+              <a:uFillTx/>
+              <a:latin typeface="游ゴシック" panose="020F0502020204030204"/>
+              <a:ea typeface="游ゴシック" panose="020B0400000000000000" pitchFamily="50" charset="-128"/>
+              <a:cs typeface="+mn-cs"/>
+            </a:endParaRPr>
+          </a:p>
+        </p:txBody>
+      </p:sp>
+    </p:spTree>
+    <p:extLst>
+      <p:ext uri="{BB962C8B-B14F-4D97-AF65-F5344CB8AC3E}">
+        <p14:creationId xmlns:p14="http://schemas.microsoft.com/office/powerpoint/2010/main" val="2178371913"/>
+      </p:ext>
+    </p:extLst>
+  </p:cSld>
+  <p:clrMapOvr>
+    <a:masterClrMapping/>
+  </p:clrMapOvr>
+</p:notes>
+</file>
+
+<file path=ppt/notesSlides/notesSlide5.xml><?xml version="1.0" encoding="utf-8"?>
+<p:notes xmlns:a="http://schemas.openxmlformats.org/drawingml/2006/main" xmlns:r="http://schemas.openxmlformats.org/officeDocument/2006/relationships" xmlns:p="http://schemas.openxmlformats.org/presentationml/2006/main">
+  <p:cSld>
+    <p:spTree>
+      <p:nvGrpSpPr>
+        <p:cNvPr id="1" name=""/>
+        <p:cNvGrpSpPr/>
+        <p:nvPr/>
+      </p:nvGrpSpPr>
+      <p:grpSpPr>
+        <a:xfrm>
+          <a:off x="0" y="0"/>
+          <a:ext cx="0" cy="0"/>
+          <a:chOff x="0" y="0"/>
+          <a:chExt cx="0" cy="0"/>
+        </a:xfrm>
+      </p:grpSpPr>
+      <p:sp>
+        <p:nvSpPr>
+          <p:cNvPr id="2" name="スライド イメージ プレースホルダー 1"/>
+          <p:cNvSpPr>
+            <a:spLocks noGrp="1" noRot="1" noChangeAspect="1"/>
+          </p:cNvSpPr>
+          <p:nvPr>
+            <p:ph type="sldImg"/>
+          </p:nvPr>
+        </p:nvSpPr>
+        <p:spPr/>
+      </p:sp>
+      <p:sp>
+        <p:nvSpPr>
+          <p:cNvPr id="3" name="ノート プレースホルダー 2"/>
+          <p:cNvSpPr>
+            <a:spLocks noGrp="1"/>
+          </p:cNvSpPr>
+          <p:nvPr>
+            <p:ph type="body" idx="1"/>
+          </p:nvPr>
+        </p:nvSpPr>
+        <p:spPr/>
+        <p:txBody>
+          <a:bodyPr/>
+          <a:lstStyle/>
+          <a:p>
+            <a:r>
+              <a:rPr kumimoji="1" lang="ja-JP" altLang="en-US" dirty="0"/>
+              <a:t>（</a:t>
+            </a:r>
+            <a:r>
+              <a:rPr kumimoji="1" lang="en-US" altLang="ja-JP" dirty="0"/>
+              <a:t>20</a:t>
+            </a:r>
+            <a:r>
+              <a:rPr kumimoji="1" lang="ja-JP" altLang="en-US" dirty="0"/>
+              <a:t>秒）</a:t>
+            </a:r>
+            <a:endParaRPr kumimoji="1" lang="en-US" altLang="ja-JP" dirty="0"/>
+          </a:p>
+          <a:p>
+            <a:endParaRPr kumimoji="1" lang="en-US" altLang="ja-JP" dirty="0"/>
+          </a:p>
+          <a:p>
+            <a:r>
+              <a:rPr kumimoji="1" lang="ja-JP" altLang="en-US" dirty="0"/>
+              <a:t>ハードウェアの提案手法を説明します．</a:t>
+            </a:r>
+          </a:p>
+        </p:txBody>
+      </p:sp>
+      <p:sp>
+        <p:nvSpPr>
+          <p:cNvPr id="4" name="スライド番号プレースホルダー 3"/>
+          <p:cNvSpPr>
+            <a:spLocks noGrp="1"/>
+          </p:cNvSpPr>
+          <p:nvPr>
+            <p:ph type="sldNum" sz="quarter" idx="5"/>
+          </p:nvPr>
+        </p:nvSpPr>
+        <p:spPr/>
+        <p:txBody>
+          <a:bodyPr/>
+          <a:lstStyle/>
+          <a:p>
+            <a:pPr marL="0" marR="0" lvl="0" indent="0" algn="r" defTabSz="914400" rtl="0" eaLnBrk="1" fontAlgn="auto" latinLnBrk="0" hangingPunct="1">
+              <a:lnSpc>
+                <a:spcPct val="100000"/>
+              </a:lnSpc>
+              <a:spcBef>
+                <a:spcPts val="0"/>
+              </a:spcBef>
+              <a:spcAft>
+                <a:spcPts val="0"/>
+              </a:spcAft>
+              <a:buClrTx/>
+              <a:buSzTx/>
+              <a:buFontTx/>
+              <a:buNone/>
+              <a:tabLst/>
+              <a:defRPr/>
+            </a:pPr>
+            <a:fld id="{30C4CB3F-F62E-402B-B423-2F2652179FCC}" type="slidenum">
+              <a:rPr kumimoji="1" lang="ja-JP" altLang="en-US" sz="1300" b="0" i="0" u="none" strike="noStrike" kern="1200" cap="none" spc="0" normalizeH="0" baseline="0" noProof="0" smtClean="0">
+                <a:ln>
+                  <a:noFill/>
+                </a:ln>
+                <a:solidFill>
+                  <a:prstClr val="black"/>
+                </a:solidFill>
+                <a:effectLst/>
+                <a:uLnTx/>
+                <a:uFillTx/>
+                <a:latin typeface="游ゴシック" panose="020F0502020204030204"/>
+                <a:ea typeface="游ゴシック" panose="020B0400000000000000" pitchFamily="50" charset="-128"/>
+                <a:cs typeface="+mn-cs"/>
+              </a:rPr>
+              <a:pPr marL="0" marR="0" lvl="0" indent="0" algn="r" defTabSz="914400" rtl="0" eaLnBrk="1" fontAlgn="auto" latinLnBrk="0" hangingPunct="1">
+                <a:lnSpc>
+                  <a:spcPct val="100000"/>
+                </a:lnSpc>
+                <a:spcBef>
+                  <a:spcPts val="0"/>
+                </a:spcBef>
+                <a:spcAft>
+                  <a:spcPts val="0"/>
+                </a:spcAft>
+                <a:buClrTx/>
+                <a:buSzTx/>
+                <a:buFontTx/>
+                <a:buNone/>
+                <a:tabLst/>
+                <a:defRPr/>
+              </a:pPr>
               <a:t>5</a:t>
             </a:fld>
-            <a:endParaRPr kumimoji="1" lang="ja-JP" altLang="en-US"/>
+            <a:endParaRPr kumimoji="1" lang="ja-JP" altLang="en-US" sz="1300" b="0" i="0" u="none" strike="noStrike" kern="1200" cap="none" spc="0" normalizeH="0" baseline="0" noProof="0">
+              <a:ln>
+                <a:noFill/>
+              </a:ln>
+              <a:solidFill>
+                <a:prstClr val="black"/>
+              </a:solidFill>
+              <a:effectLst/>
+              <a:uLnTx/>
+              <a:uFillTx/>
+              <a:latin typeface="游ゴシック" panose="020F0502020204030204"/>
+              <a:ea typeface="游ゴシック" panose="020B0400000000000000" pitchFamily="50" charset="-128"/>
+              <a:cs typeface="+mn-cs"/>
+            </a:endParaRPr>
           </a:p>
         </p:txBody>
       </p:sp>
@@ -964,6 +2520,601 @@
     <p:extLst>
       <p:ext uri="{BB962C8B-B14F-4D97-AF65-F5344CB8AC3E}">
         <p14:creationId xmlns:p14="http://schemas.microsoft.com/office/powerpoint/2010/main" val="4172003698"/>
+      </p:ext>
+    </p:extLst>
+  </p:cSld>
+  <p:clrMapOvr>
+    <a:masterClrMapping/>
+  </p:clrMapOvr>
+</p:notes>
+</file>
+
+<file path=ppt/notesSlides/notesSlide6.xml><?xml version="1.0" encoding="utf-8"?>
+<p:notes xmlns:a="http://schemas.openxmlformats.org/drawingml/2006/main" xmlns:r="http://schemas.openxmlformats.org/officeDocument/2006/relationships" xmlns:p="http://schemas.openxmlformats.org/presentationml/2006/main">
+  <p:cSld>
+    <p:spTree>
+      <p:nvGrpSpPr>
+        <p:cNvPr id="1" name=""/>
+        <p:cNvGrpSpPr/>
+        <p:nvPr/>
+      </p:nvGrpSpPr>
+      <p:grpSpPr>
+        <a:xfrm>
+          <a:off x="0" y="0"/>
+          <a:ext cx="0" cy="0"/>
+          <a:chOff x="0" y="0"/>
+          <a:chExt cx="0" cy="0"/>
+        </a:xfrm>
+      </p:grpSpPr>
+      <p:sp>
+        <p:nvSpPr>
+          <p:cNvPr id="2" name="スライド イメージ プレースホルダー 1"/>
+          <p:cNvSpPr>
+            <a:spLocks noGrp="1" noRot="1" noChangeAspect="1"/>
+          </p:cNvSpPr>
+          <p:nvPr>
+            <p:ph type="sldImg"/>
+          </p:nvPr>
+        </p:nvSpPr>
+        <p:spPr/>
+      </p:sp>
+      <p:sp>
+        <p:nvSpPr>
+          <p:cNvPr id="3" name="ノート プレースホルダー 2"/>
+          <p:cNvSpPr>
+            <a:spLocks noGrp="1"/>
+          </p:cNvSpPr>
+          <p:nvPr>
+            <p:ph type="body" idx="1"/>
+          </p:nvPr>
+        </p:nvSpPr>
+        <p:spPr/>
+        <p:txBody>
+          <a:bodyPr/>
+          <a:lstStyle/>
+          <a:p>
+            <a:r>
+              <a:rPr kumimoji="1" lang="ja-JP" altLang="en-US" dirty="0"/>
+              <a:t>（</a:t>
+            </a:r>
+            <a:r>
+              <a:rPr kumimoji="1" lang="en-US" altLang="ja-JP" dirty="0"/>
+              <a:t>60</a:t>
+            </a:r>
+            <a:r>
+              <a:rPr kumimoji="1" lang="ja-JP" altLang="en-US" dirty="0"/>
+              <a:t>秒）</a:t>
+            </a:r>
+            <a:endParaRPr kumimoji="1" lang="en-US" altLang="ja-JP" dirty="0"/>
+          </a:p>
+          <a:p>
+            <a:endParaRPr kumimoji="1" lang="en-US" altLang="ja-JP" dirty="0"/>
+          </a:p>
+          <a:p>
+            <a:r>
+              <a:rPr kumimoji="1" lang="ja-JP" altLang="en-US" dirty="0"/>
+              <a:t>データ取得後，識別の手法を説明します．</a:t>
+            </a:r>
+            <a:endParaRPr kumimoji="1" lang="en-US" altLang="ja-JP" dirty="0"/>
+          </a:p>
+          <a:p>
+            <a:r>
+              <a:rPr kumimoji="1" lang="ja-JP" altLang="en-US" dirty="0"/>
+              <a:t>非常に単純な手法を用いました．</a:t>
+            </a:r>
+          </a:p>
+        </p:txBody>
+      </p:sp>
+      <p:sp>
+        <p:nvSpPr>
+          <p:cNvPr id="4" name="スライド番号プレースホルダー 3"/>
+          <p:cNvSpPr>
+            <a:spLocks noGrp="1"/>
+          </p:cNvSpPr>
+          <p:nvPr>
+            <p:ph type="sldNum" sz="quarter" idx="5"/>
+          </p:nvPr>
+        </p:nvSpPr>
+        <p:spPr/>
+        <p:txBody>
+          <a:bodyPr/>
+          <a:lstStyle/>
+          <a:p>
+            <a:fld id="{0B88CE28-101F-4F96-8E8B-E3843961E843}" type="slidenum">
+              <a:rPr kumimoji="1" lang="ja-JP" altLang="en-US" smtClean="0"/>
+              <a:t>6</a:t>
+            </a:fld>
+            <a:endParaRPr kumimoji="1" lang="ja-JP" altLang="en-US"/>
+          </a:p>
+        </p:txBody>
+      </p:sp>
+    </p:spTree>
+    <p:extLst>
+      <p:ext uri="{BB962C8B-B14F-4D97-AF65-F5344CB8AC3E}">
+        <p14:creationId xmlns:p14="http://schemas.microsoft.com/office/powerpoint/2010/main" val="501753070"/>
+      </p:ext>
+    </p:extLst>
+  </p:cSld>
+  <p:clrMapOvr>
+    <a:masterClrMapping/>
+  </p:clrMapOvr>
+</p:notes>
+</file>
+
+<file path=ppt/notesSlides/notesSlide7.xml><?xml version="1.0" encoding="utf-8"?>
+<p:notes xmlns:a="http://schemas.openxmlformats.org/drawingml/2006/main" xmlns:r="http://schemas.openxmlformats.org/officeDocument/2006/relationships" xmlns:p="http://schemas.openxmlformats.org/presentationml/2006/main">
+  <p:cSld>
+    <p:spTree>
+      <p:nvGrpSpPr>
+        <p:cNvPr id="1" name=""/>
+        <p:cNvGrpSpPr/>
+        <p:nvPr/>
+      </p:nvGrpSpPr>
+      <p:grpSpPr>
+        <a:xfrm>
+          <a:off x="0" y="0"/>
+          <a:ext cx="0" cy="0"/>
+          <a:chOff x="0" y="0"/>
+          <a:chExt cx="0" cy="0"/>
+        </a:xfrm>
+      </p:grpSpPr>
+      <p:sp>
+        <p:nvSpPr>
+          <p:cNvPr id="2" name="スライド イメージ プレースホルダー 1"/>
+          <p:cNvSpPr>
+            <a:spLocks noGrp="1" noRot="1" noChangeAspect="1"/>
+          </p:cNvSpPr>
+          <p:nvPr>
+            <p:ph type="sldImg"/>
+          </p:nvPr>
+        </p:nvSpPr>
+        <p:spPr/>
+      </p:sp>
+      <p:sp>
+        <p:nvSpPr>
+          <p:cNvPr id="3" name="ノート プレースホルダー 2"/>
+          <p:cNvSpPr>
+            <a:spLocks noGrp="1"/>
+          </p:cNvSpPr>
+          <p:nvPr>
+            <p:ph type="body" idx="1"/>
+          </p:nvPr>
+        </p:nvSpPr>
+        <p:spPr/>
+        <p:txBody>
+          <a:bodyPr/>
+          <a:lstStyle/>
+          <a:p>
+            <a:r>
+              <a:rPr kumimoji="1" lang="ja-JP" altLang="en-US" dirty="0"/>
+              <a:t>（</a:t>
+            </a:r>
+            <a:r>
+              <a:rPr kumimoji="1" lang="en-US" altLang="ja-JP" dirty="0"/>
+              <a:t>60</a:t>
+            </a:r>
+            <a:r>
+              <a:rPr kumimoji="1" lang="ja-JP" altLang="en-US" dirty="0"/>
+              <a:t>秒）</a:t>
+            </a:r>
+            <a:endParaRPr kumimoji="1" lang="en-US" altLang="ja-JP" dirty="0"/>
+          </a:p>
+          <a:p>
+            <a:endParaRPr kumimoji="1" lang="en-US" altLang="ja-JP" dirty="0"/>
+          </a:p>
+          <a:p>
+            <a:r>
+              <a:rPr kumimoji="1" lang="ja-JP" altLang="en-US" dirty="0"/>
+              <a:t>次に実装です．</a:t>
+            </a:r>
+            <a:endParaRPr kumimoji="1" lang="en-US" altLang="ja-JP" dirty="0"/>
+          </a:p>
+          <a:p>
+            <a:endParaRPr kumimoji="1" lang="en-US" altLang="ja-JP" dirty="0"/>
+          </a:p>
+          <a:p>
+            <a:r>
+              <a:rPr kumimoji="1" lang="ja-JP" altLang="en-US" dirty="0"/>
+              <a:t>・フリーサイズのヘルメットだったため，大きめだった</a:t>
+            </a:r>
+            <a:endParaRPr kumimoji="1" lang="en-US" altLang="ja-JP" dirty="0"/>
+          </a:p>
+          <a:p>
+            <a:r>
+              <a:rPr kumimoji="1" lang="ja-JP" altLang="en-US" dirty="0"/>
+              <a:t>・更に安価なモデルゆえ，内装の着脱が出来なかった</a:t>
+            </a:r>
+            <a:endParaRPr kumimoji="1" lang="en-US" altLang="ja-JP" dirty="0"/>
+          </a:p>
+          <a:p>
+            <a:r>
+              <a:rPr kumimoji="1" lang="ja-JP" altLang="en-US" dirty="0"/>
+              <a:t>そこで内装を剥がし，厚みのあるウレタンスポンジに張り替えた</a:t>
+            </a:r>
+            <a:endParaRPr kumimoji="1" lang="en-US" altLang="ja-JP" dirty="0"/>
+          </a:p>
+          <a:p>
+            <a:endParaRPr kumimoji="1" lang="en-US" altLang="ja-JP" dirty="0"/>
+          </a:p>
+          <a:p>
+            <a:r>
+              <a:rPr kumimoji="1" lang="ja-JP" altLang="en-US" dirty="0"/>
+              <a:t>センサ，抵抗はすべて並列接続し，</a:t>
+            </a:r>
+            <a:r>
+              <a:rPr kumimoji="1" lang="en-US" altLang="ja-JP" dirty="0"/>
+              <a:t>Arduino</a:t>
+            </a:r>
+            <a:r>
+              <a:rPr kumimoji="1" lang="ja-JP" altLang="en-US" dirty="0"/>
+              <a:t>の入力ポートに繋いだ．</a:t>
+            </a:r>
+          </a:p>
+        </p:txBody>
+      </p:sp>
+      <p:sp>
+        <p:nvSpPr>
+          <p:cNvPr id="4" name="スライド番号プレースホルダー 3"/>
+          <p:cNvSpPr>
+            <a:spLocks noGrp="1"/>
+          </p:cNvSpPr>
+          <p:nvPr>
+            <p:ph type="sldNum" sz="quarter" idx="5"/>
+          </p:nvPr>
+        </p:nvSpPr>
+        <p:spPr/>
+        <p:txBody>
+          <a:bodyPr/>
+          <a:lstStyle/>
+          <a:p>
+            <a:fld id="{0B88CE28-101F-4F96-8E8B-E3843961E843}" type="slidenum">
+              <a:rPr kumimoji="1" lang="ja-JP" altLang="en-US" smtClean="0"/>
+              <a:t>7</a:t>
+            </a:fld>
+            <a:endParaRPr kumimoji="1" lang="ja-JP" altLang="en-US"/>
+          </a:p>
+        </p:txBody>
+      </p:sp>
+    </p:spTree>
+    <p:extLst>
+      <p:ext uri="{BB962C8B-B14F-4D97-AF65-F5344CB8AC3E}">
+        <p14:creationId xmlns:p14="http://schemas.microsoft.com/office/powerpoint/2010/main" val="1955878305"/>
+      </p:ext>
+    </p:extLst>
+  </p:cSld>
+  <p:clrMapOvr>
+    <a:masterClrMapping/>
+  </p:clrMapOvr>
+</p:notes>
+</file>
+
+<file path=ppt/notesSlides/notesSlide8.xml><?xml version="1.0" encoding="utf-8"?>
+<p:notes xmlns:a="http://schemas.openxmlformats.org/drawingml/2006/main" xmlns:r="http://schemas.openxmlformats.org/officeDocument/2006/relationships" xmlns:p="http://schemas.openxmlformats.org/presentationml/2006/main">
+  <p:cSld>
+    <p:spTree>
+      <p:nvGrpSpPr>
+        <p:cNvPr id="1" name=""/>
+        <p:cNvGrpSpPr/>
+        <p:nvPr/>
+      </p:nvGrpSpPr>
+      <p:grpSpPr>
+        <a:xfrm>
+          <a:off x="0" y="0"/>
+          <a:ext cx="0" cy="0"/>
+          <a:chOff x="0" y="0"/>
+          <a:chExt cx="0" cy="0"/>
+        </a:xfrm>
+      </p:grpSpPr>
+      <p:sp>
+        <p:nvSpPr>
+          <p:cNvPr id="2" name="スライド イメージ プレースホルダー 1"/>
+          <p:cNvSpPr>
+            <a:spLocks noGrp="1" noRot="1" noChangeAspect="1"/>
+          </p:cNvSpPr>
+          <p:nvPr>
+            <p:ph type="sldImg"/>
+          </p:nvPr>
+        </p:nvSpPr>
+        <p:spPr/>
+      </p:sp>
+      <p:sp>
+        <p:nvSpPr>
+          <p:cNvPr id="3" name="ノート プレースホルダー 2"/>
+          <p:cNvSpPr>
+            <a:spLocks noGrp="1"/>
+          </p:cNvSpPr>
+          <p:nvPr>
+            <p:ph type="body" idx="1"/>
+          </p:nvPr>
+        </p:nvSpPr>
+        <p:spPr/>
+        <p:txBody>
+          <a:bodyPr/>
+          <a:lstStyle/>
+          <a:p>
+            <a:r>
+              <a:rPr kumimoji="1" lang="ja-JP" altLang="en-US" dirty="0"/>
+              <a:t>（</a:t>
+            </a:r>
+            <a:r>
+              <a:rPr kumimoji="1" lang="en-US" altLang="ja-JP" dirty="0"/>
+              <a:t>50</a:t>
+            </a:r>
+            <a:r>
+              <a:rPr kumimoji="1" lang="ja-JP" altLang="en-US" dirty="0"/>
+              <a:t>秒）</a:t>
+            </a:r>
+            <a:endParaRPr kumimoji="1" lang="en-US" altLang="ja-JP" dirty="0"/>
+          </a:p>
+          <a:p>
+            <a:endParaRPr kumimoji="1" lang="en-US" altLang="ja-JP" dirty="0"/>
+          </a:p>
+          <a:p>
+            <a:r>
+              <a:rPr kumimoji="1" lang="ja-JP" altLang="en-US" dirty="0"/>
+              <a:t>評価実験です．</a:t>
+            </a:r>
+            <a:endParaRPr kumimoji="1" lang="en-US" altLang="ja-JP" dirty="0"/>
+          </a:p>
+          <a:p>
+            <a:endParaRPr kumimoji="1" lang="en-US" altLang="ja-JP" dirty="0"/>
+          </a:p>
+          <a:p>
+            <a:r>
+              <a:rPr kumimoji="1" lang="ja-JP" altLang="en-US" dirty="0"/>
+              <a:t>・</a:t>
+            </a:r>
+            <a:r>
+              <a:rPr kumimoji="1" lang="en-US" altLang="ja-JP" dirty="0"/>
+              <a:t>1</a:t>
+            </a:r>
+            <a:r>
+              <a:rPr kumimoji="1" lang="ja-JP" altLang="en-US" dirty="0"/>
+              <a:t>回被ったときに</a:t>
+            </a:r>
+            <a:r>
+              <a:rPr kumimoji="1" lang="en-US" altLang="ja-JP" dirty="0"/>
+              <a:t>1</a:t>
+            </a:r>
+            <a:r>
+              <a:rPr kumimoji="1" lang="ja-JP" altLang="en-US" dirty="0" err="1"/>
+              <a:t>つの</a:t>
+            </a:r>
+            <a:r>
+              <a:rPr kumimoji="1" lang="ja-JP" altLang="en-US" dirty="0"/>
+              <a:t>ベクトルが必要なので，</a:t>
+            </a:r>
+            <a:r>
+              <a:rPr kumimoji="1" lang="en-US" altLang="ja-JP" dirty="0"/>
+              <a:t>2</a:t>
+            </a:r>
+            <a:r>
+              <a:rPr kumimoji="1" lang="ja-JP" altLang="en-US" dirty="0"/>
+              <a:t>秒間の電圧値の平均を用いた．</a:t>
+            </a:r>
+            <a:endParaRPr kumimoji="1" lang="en-US" altLang="ja-JP" dirty="0"/>
+          </a:p>
+          <a:p>
+            <a:r>
+              <a:rPr kumimoji="1" lang="ja-JP" altLang="en-US" dirty="0"/>
+              <a:t>・</a:t>
+            </a:r>
+            <a:r>
+              <a:rPr kumimoji="1" lang="en-US" altLang="ja-JP" dirty="0"/>
+              <a:t>2</a:t>
+            </a:r>
+            <a:r>
+              <a:rPr kumimoji="1" lang="ja-JP" altLang="en-US" dirty="0"/>
+              <a:t>回</a:t>
+            </a:r>
+            <a:r>
+              <a:rPr kumimoji="1" lang="en-US" altLang="ja-JP" dirty="0"/>
+              <a:t>1</a:t>
+            </a:r>
+            <a:r>
+              <a:rPr kumimoji="1" lang="ja-JP" altLang="en-US" dirty="0"/>
+              <a:t>セットとし，</a:t>
+            </a:r>
+            <a:r>
+              <a:rPr kumimoji="1" lang="en-US" altLang="ja-JP" dirty="0"/>
+              <a:t>10</a:t>
+            </a:r>
+            <a:r>
+              <a:rPr kumimoji="1" lang="ja-JP" altLang="en-US" dirty="0"/>
+              <a:t>セット取得</a:t>
+            </a:r>
+            <a:endParaRPr kumimoji="1" lang="en-US" altLang="ja-JP" dirty="0"/>
+          </a:p>
+          <a:p>
+            <a:r>
+              <a:rPr kumimoji="1" lang="ja-JP" altLang="en-US" dirty="0"/>
+              <a:t>・期間を開けたのは，頭部状態の変化と，</a:t>
+            </a:r>
+            <a:endParaRPr kumimoji="1" lang="en-US" altLang="ja-JP" dirty="0"/>
+          </a:p>
+          <a:p>
+            <a:r>
+              <a:rPr kumimoji="1" lang="ja-JP" altLang="en-US" dirty="0"/>
+              <a:t>・装着位置の変化を狙って，前回こんな感じで被ったかな？という記憶をなくすため．</a:t>
+            </a:r>
+            <a:endParaRPr kumimoji="1" lang="en-US" altLang="ja-JP" dirty="0"/>
+          </a:p>
+        </p:txBody>
+      </p:sp>
+      <p:sp>
+        <p:nvSpPr>
+          <p:cNvPr id="4" name="スライド番号プレースホルダー 3"/>
+          <p:cNvSpPr>
+            <a:spLocks noGrp="1"/>
+          </p:cNvSpPr>
+          <p:nvPr>
+            <p:ph type="sldNum" sz="quarter" idx="5"/>
+          </p:nvPr>
+        </p:nvSpPr>
+        <p:spPr/>
+        <p:txBody>
+          <a:bodyPr/>
+          <a:lstStyle/>
+          <a:p>
+            <a:fld id="{0B88CE28-101F-4F96-8E8B-E3843961E843}" type="slidenum">
+              <a:rPr kumimoji="1" lang="ja-JP" altLang="en-US" smtClean="0"/>
+              <a:t>8</a:t>
+            </a:fld>
+            <a:endParaRPr kumimoji="1" lang="ja-JP" altLang="en-US"/>
+          </a:p>
+        </p:txBody>
+      </p:sp>
+    </p:spTree>
+    <p:extLst>
+      <p:ext uri="{BB962C8B-B14F-4D97-AF65-F5344CB8AC3E}">
+        <p14:creationId xmlns:p14="http://schemas.microsoft.com/office/powerpoint/2010/main" val="2350754493"/>
+      </p:ext>
+    </p:extLst>
+  </p:cSld>
+  <p:clrMapOvr>
+    <a:masterClrMapping/>
+  </p:clrMapOvr>
+</p:notes>
+</file>
+
+<file path=ppt/notesSlides/notesSlide9.xml><?xml version="1.0" encoding="utf-8"?>
+<p:notes xmlns:a="http://schemas.openxmlformats.org/drawingml/2006/main" xmlns:r="http://schemas.openxmlformats.org/officeDocument/2006/relationships" xmlns:p="http://schemas.openxmlformats.org/presentationml/2006/main">
+  <p:cSld>
+    <p:spTree>
+      <p:nvGrpSpPr>
+        <p:cNvPr id="1" name=""/>
+        <p:cNvGrpSpPr/>
+        <p:nvPr/>
+      </p:nvGrpSpPr>
+      <p:grpSpPr>
+        <a:xfrm>
+          <a:off x="0" y="0"/>
+          <a:ext cx="0" cy="0"/>
+          <a:chOff x="0" y="0"/>
+          <a:chExt cx="0" cy="0"/>
+        </a:xfrm>
+      </p:grpSpPr>
+      <p:sp>
+        <p:nvSpPr>
+          <p:cNvPr id="2" name="スライド イメージ プレースホルダー 1"/>
+          <p:cNvSpPr>
+            <a:spLocks noGrp="1" noRot="1" noChangeAspect="1"/>
+          </p:cNvSpPr>
+          <p:nvPr>
+            <p:ph type="sldImg"/>
+          </p:nvPr>
+        </p:nvSpPr>
+        <p:spPr/>
+      </p:sp>
+      <p:sp>
+        <p:nvSpPr>
+          <p:cNvPr id="3" name="ノート プレースホルダー 2"/>
+          <p:cNvSpPr>
+            <a:spLocks noGrp="1"/>
+          </p:cNvSpPr>
+          <p:nvPr>
+            <p:ph type="body" idx="1"/>
+          </p:nvPr>
+        </p:nvSpPr>
+        <p:spPr/>
+        <p:txBody>
+          <a:bodyPr/>
+          <a:lstStyle/>
+          <a:p>
+            <a:r>
+              <a:rPr kumimoji="1" lang="ja-JP" altLang="en-US" dirty="0"/>
+              <a:t>（</a:t>
+            </a:r>
+            <a:r>
+              <a:rPr kumimoji="1" lang="en-US" altLang="ja-JP" dirty="0"/>
+              <a:t>50</a:t>
+            </a:r>
+            <a:r>
+              <a:rPr kumimoji="1" lang="ja-JP" altLang="en-US" dirty="0"/>
+              <a:t>秒）</a:t>
+            </a:r>
+            <a:endParaRPr kumimoji="1" lang="en-US" altLang="ja-JP" dirty="0"/>
+          </a:p>
+          <a:p>
+            <a:endParaRPr kumimoji="1" lang="en-US" altLang="ja-JP" dirty="0"/>
+          </a:p>
+          <a:p>
+            <a:r>
+              <a:rPr kumimoji="1" lang="ja-JP" altLang="en-US" dirty="0"/>
+              <a:t>結果です．</a:t>
+            </a:r>
+            <a:endParaRPr kumimoji="1" lang="en-US" altLang="ja-JP" dirty="0"/>
+          </a:p>
+          <a:p>
+            <a:endParaRPr kumimoji="1" lang="en-US" altLang="ja-JP" dirty="0"/>
+          </a:p>
+          <a:p>
+            <a:r>
+              <a:rPr kumimoji="1" lang="ja-JP" altLang="en-US" dirty="0"/>
+              <a:t>・そもそも被験者間でデータに差があるのかを確認する必要</a:t>
+            </a:r>
+            <a:endParaRPr kumimoji="1" lang="en-US" altLang="ja-JP" dirty="0"/>
+          </a:p>
+          <a:p>
+            <a:r>
+              <a:rPr kumimoji="1" lang="ja-JP" altLang="en-US" dirty="0"/>
+              <a:t>・差がなければ距離による判別が不可能</a:t>
+            </a:r>
+            <a:endParaRPr kumimoji="1" lang="en-US" altLang="ja-JP" dirty="0"/>
+          </a:p>
+          <a:p>
+            <a:endParaRPr kumimoji="1" lang="en-US" altLang="ja-JP" dirty="0"/>
+          </a:p>
+          <a:p>
+            <a:r>
+              <a:rPr kumimoji="1" lang="ja-JP" altLang="en-US" dirty="0"/>
+              <a:t>・全データで主成分分析</a:t>
+            </a:r>
+            <a:endParaRPr kumimoji="1" lang="en-US" altLang="ja-JP" dirty="0"/>
+          </a:p>
+          <a:p>
+            <a:r>
+              <a:rPr kumimoji="1" lang="ja-JP" altLang="en-US" dirty="0"/>
+              <a:t>・特徴を抽出し，</a:t>
+            </a:r>
+            <a:r>
+              <a:rPr kumimoji="1" lang="en-US" altLang="ja-JP" dirty="0"/>
+              <a:t>2</a:t>
+            </a:r>
+            <a:r>
+              <a:rPr kumimoji="1" lang="ja-JP" altLang="en-US" dirty="0"/>
+              <a:t>次元に圧縮</a:t>
+            </a:r>
+          </a:p>
+        </p:txBody>
+      </p:sp>
+      <p:sp>
+        <p:nvSpPr>
+          <p:cNvPr id="4" name="スライド番号プレースホルダー 3"/>
+          <p:cNvSpPr>
+            <a:spLocks noGrp="1"/>
+          </p:cNvSpPr>
+          <p:nvPr>
+            <p:ph type="sldNum" sz="quarter" idx="5"/>
+          </p:nvPr>
+        </p:nvSpPr>
+        <p:spPr/>
+        <p:txBody>
+          <a:bodyPr/>
+          <a:lstStyle/>
+          <a:p>
+            <a:fld id="{0B88CE28-101F-4F96-8E8B-E3843961E843}" type="slidenum">
+              <a:rPr kumimoji="1" lang="ja-JP" altLang="en-US" smtClean="0"/>
+              <a:t>9</a:t>
+            </a:fld>
+            <a:endParaRPr kumimoji="1" lang="ja-JP" altLang="en-US"/>
+          </a:p>
+        </p:txBody>
+      </p:sp>
+    </p:spTree>
+    <p:extLst>
+      <p:ext uri="{BB962C8B-B14F-4D97-AF65-F5344CB8AC3E}">
+        <p14:creationId xmlns:p14="http://schemas.microsoft.com/office/powerpoint/2010/main" val="2015269257"/>
       </p:ext>
     </p:extLst>
   </p:cSld>
@@ -1102,7 +3253,7 @@
           <a:p>
             <a:fld id="{28B1BEA1-2738-4C19-B133-02ABBF3E6E0C}" type="datetime1">
               <a:rPr kumimoji="1" lang="ja-JP" altLang="en-US" smtClean="0"/>
-              <a:t>2019/12/14</a:t>
+              <a:t>2019/12/15</a:t>
             </a:fld>
             <a:endParaRPr kumimoji="1" lang="ja-JP" altLang="en-US"/>
           </a:p>
@@ -1270,7 +3421,7 @@
     </p:spTree>
     <p:extLst>
       <p:ext uri="{BB962C8B-B14F-4D97-AF65-F5344CB8AC3E}">
-        <p14:creationId xmlns:p14="http://schemas.microsoft.com/office/powerpoint/2010/main" val="1167978539"/>
+        <p14:creationId xmlns:p14="http://schemas.microsoft.com/office/powerpoint/2010/main" val="2106765656"/>
       </p:ext>
     </p:extLst>
   </p:cSld>
@@ -1419,7 +3570,7 @@
           <a:p>
             <a:fld id="{321A0775-4641-4FD1-8F30-8577C8E45459}" type="datetime1">
               <a:rPr kumimoji="1" lang="ja-JP" altLang="en-US" smtClean="0"/>
-              <a:t>2019/12/14</a:t>
+              <a:t>2019/12/15</a:t>
             </a:fld>
             <a:endParaRPr kumimoji="1" lang="ja-JP" altLang="en-US"/>
           </a:p>
@@ -1470,7 +3621,7 @@
     </p:spTree>
     <p:extLst>
       <p:ext uri="{BB962C8B-B14F-4D97-AF65-F5344CB8AC3E}">
-        <p14:creationId xmlns:p14="http://schemas.microsoft.com/office/powerpoint/2010/main" val="1487299215"/>
+        <p14:creationId xmlns:p14="http://schemas.microsoft.com/office/powerpoint/2010/main" val="4242432518"/>
       </p:ext>
     </p:extLst>
   </p:cSld>
@@ -1629,7 +3780,7 @@
           <a:p>
             <a:fld id="{1A958096-B04A-44A1-BF3F-4EF7C63AEE7F}" type="datetime1">
               <a:rPr kumimoji="1" lang="ja-JP" altLang="en-US" smtClean="0"/>
-              <a:t>2019/12/14</a:t>
+              <a:t>2019/12/15</a:t>
             </a:fld>
             <a:endParaRPr kumimoji="1" lang="ja-JP" altLang="en-US"/>
           </a:p>
@@ -1680,7 +3831,7 @@
     </p:spTree>
     <p:extLst>
       <p:ext uri="{BB962C8B-B14F-4D97-AF65-F5344CB8AC3E}">
-        <p14:creationId xmlns:p14="http://schemas.microsoft.com/office/powerpoint/2010/main" val="164578633"/>
+        <p14:creationId xmlns:p14="http://schemas.microsoft.com/office/powerpoint/2010/main" val="3455678080"/>
       </p:ext>
     </p:extLst>
   </p:cSld>
@@ -1829,7 +3980,7 @@
           <a:p>
             <a:fld id="{7E4BC299-9A2B-46B3-A868-72E6088D753F}" type="datetime1">
               <a:rPr kumimoji="1" lang="ja-JP" altLang="en-US" smtClean="0"/>
-              <a:t>2019/12/14</a:t>
+              <a:t>2019/12/15</a:t>
             </a:fld>
             <a:endParaRPr kumimoji="1" lang="ja-JP" altLang="en-US"/>
           </a:p>
@@ -2006,7 +4157,7 @@
     </p:spTree>
     <p:extLst>
       <p:ext uri="{BB962C8B-B14F-4D97-AF65-F5344CB8AC3E}">
-        <p14:creationId xmlns:p14="http://schemas.microsoft.com/office/powerpoint/2010/main" val="2134637406"/>
+        <p14:creationId xmlns:p14="http://schemas.microsoft.com/office/powerpoint/2010/main" val="1573894656"/>
       </p:ext>
     </p:extLst>
   </p:cSld>
@@ -2200,7 +4351,7 @@
           <a:p>
             <a:fld id="{5730D93F-C6A8-45DB-973B-2E9B74BB5747}" type="datetime1">
               <a:rPr kumimoji="1" lang="ja-JP" altLang="en-US" smtClean="0"/>
-              <a:t>2019/12/14</a:t>
+              <a:t>2019/12/15</a:t>
             </a:fld>
             <a:endParaRPr kumimoji="1" lang="ja-JP" altLang="en-US"/>
           </a:p>
@@ -2251,7 +4402,7 @@
     </p:spTree>
     <p:extLst>
       <p:ext uri="{BB962C8B-B14F-4D97-AF65-F5344CB8AC3E}">
-        <p14:creationId xmlns:p14="http://schemas.microsoft.com/office/powerpoint/2010/main" val="4191251344"/>
+        <p14:creationId xmlns:p14="http://schemas.microsoft.com/office/powerpoint/2010/main" val="3483816633"/>
       </p:ext>
     </p:extLst>
   </p:cSld>
@@ -2493,7 +4644,7 @@
           <a:p>
             <a:fld id="{8C8FBA03-08C5-445A-9675-5DD0E048D580}" type="datetime1">
               <a:rPr kumimoji="1" lang="ja-JP" altLang="en-US" smtClean="0"/>
-              <a:t>2019/12/14</a:t>
+              <a:t>2019/12/15</a:t>
             </a:fld>
             <a:endParaRPr kumimoji="1" lang="ja-JP" altLang="en-US"/>
           </a:p>
@@ -2544,7 +4695,7 @@
     </p:spTree>
     <p:extLst>
       <p:ext uri="{BB962C8B-B14F-4D97-AF65-F5344CB8AC3E}">
-        <p14:creationId xmlns:p14="http://schemas.microsoft.com/office/powerpoint/2010/main" val="2540903430"/>
+        <p14:creationId xmlns:p14="http://schemas.microsoft.com/office/powerpoint/2010/main" val="2834773778"/>
       </p:ext>
     </p:extLst>
   </p:cSld>
@@ -2921,7 +5072,7 @@
           <a:p>
             <a:fld id="{F22B3BE6-F63B-45DF-9657-6FEF2EDB1F30}" type="datetime1">
               <a:rPr kumimoji="1" lang="ja-JP" altLang="en-US" smtClean="0"/>
-              <a:t>2019/12/14</a:t>
+              <a:t>2019/12/15</a:t>
             </a:fld>
             <a:endParaRPr kumimoji="1" lang="ja-JP" altLang="en-US"/>
           </a:p>
@@ -2972,7 +5123,7 @@
     </p:spTree>
     <p:extLst>
       <p:ext uri="{BB962C8B-B14F-4D97-AF65-F5344CB8AC3E}">
-        <p14:creationId xmlns:p14="http://schemas.microsoft.com/office/powerpoint/2010/main" val="1281081179"/>
+        <p14:creationId xmlns:p14="http://schemas.microsoft.com/office/powerpoint/2010/main" val="4163702452"/>
       </p:ext>
     </p:extLst>
   </p:cSld>
@@ -3038,7 +5189,7 @@
           <a:p>
             <a:fld id="{C1D6E599-F080-45CC-8481-C833508C9D12}" type="datetime1">
               <a:rPr kumimoji="1" lang="ja-JP" altLang="en-US" smtClean="0"/>
-              <a:t>2019/12/14</a:t>
+              <a:t>2019/12/15</a:t>
             </a:fld>
             <a:endParaRPr kumimoji="1" lang="ja-JP" altLang="en-US"/>
           </a:p>
@@ -3089,7 +5240,7 @@
     </p:spTree>
     <p:extLst>
       <p:ext uri="{BB962C8B-B14F-4D97-AF65-F5344CB8AC3E}">
-        <p14:creationId xmlns:p14="http://schemas.microsoft.com/office/powerpoint/2010/main" val="4139393251"/>
+        <p14:creationId xmlns:p14="http://schemas.microsoft.com/office/powerpoint/2010/main" val="437735363"/>
       </p:ext>
     </p:extLst>
   </p:cSld>
@@ -3133,7 +5284,7 @@
           <a:p>
             <a:fld id="{7D9B8A7E-64BC-4577-982E-7EC7218FD10F}" type="datetime1">
               <a:rPr kumimoji="1" lang="ja-JP" altLang="en-US" smtClean="0"/>
-              <a:t>2019/12/14</a:t>
+              <a:t>2019/12/15</a:t>
             </a:fld>
             <a:endParaRPr kumimoji="1" lang="ja-JP" altLang="en-US"/>
           </a:p>
@@ -3184,7 +5335,7 @@
     </p:spTree>
     <p:extLst>
       <p:ext uri="{BB962C8B-B14F-4D97-AF65-F5344CB8AC3E}">
-        <p14:creationId xmlns:p14="http://schemas.microsoft.com/office/powerpoint/2010/main" val="1059370955"/>
+        <p14:creationId xmlns:p14="http://schemas.microsoft.com/office/powerpoint/2010/main" val="1158947343"/>
       </p:ext>
     </p:extLst>
   </p:cSld>
@@ -3440,7 +5591,7 @@
           <a:p>
             <a:fld id="{8373066C-4ED1-4359-AD45-A7DE722C8BF8}" type="datetime1">
               <a:rPr kumimoji="1" lang="ja-JP" altLang="en-US" smtClean="0"/>
-              <a:t>2019/12/14</a:t>
+              <a:t>2019/12/15</a:t>
             </a:fld>
             <a:endParaRPr kumimoji="1" lang="ja-JP" altLang="en-US"/>
           </a:p>
@@ -3491,7 +5642,7 @@
     </p:spTree>
     <p:extLst>
       <p:ext uri="{BB962C8B-B14F-4D97-AF65-F5344CB8AC3E}">
-        <p14:creationId xmlns:p14="http://schemas.microsoft.com/office/powerpoint/2010/main" val="1989171291"/>
+        <p14:creationId xmlns:p14="http://schemas.microsoft.com/office/powerpoint/2010/main" val="2659519353"/>
       </p:ext>
     </p:extLst>
   </p:cSld>
@@ -3692,7 +5843,7 @@
           <a:p>
             <a:fld id="{BC0FD902-686B-4A0D-9EB1-37C4F06B03EF}" type="datetime1">
               <a:rPr kumimoji="1" lang="ja-JP" altLang="en-US" smtClean="0"/>
-              <a:t>2019/12/14</a:t>
+              <a:t>2019/12/15</a:t>
             </a:fld>
             <a:endParaRPr kumimoji="1" lang="ja-JP" altLang="en-US"/>
           </a:p>
@@ -3743,7 +5894,7 @@
     </p:spTree>
     <p:extLst>
       <p:ext uri="{BB962C8B-B14F-4D97-AF65-F5344CB8AC3E}">
-        <p14:creationId xmlns:p14="http://schemas.microsoft.com/office/powerpoint/2010/main" val="1593307526"/>
+        <p14:creationId xmlns:p14="http://schemas.microsoft.com/office/powerpoint/2010/main" val="86037304"/>
       </p:ext>
     </p:extLst>
   </p:cSld>
@@ -3935,7 +6086,7 @@
           <a:p>
             <a:fld id="{E90FD2C9-6400-40CA-9626-E4ED2CBDBD1C}" type="datetime1">
               <a:rPr kumimoji="1" lang="ja-JP" altLang="en-US" smtClean="0"/>
-              <a:t>2019/12/14</a:t>
+              <a:t>2019/12/15</a:t>
             </a:fld>
             <a:endParaRPr kumimoji="1" lang="ja-JP" altLang="en-US"/>
           </a:p>
@@ -4022,23 +6173,23 @@
     </p:spTree>
     <p:extLst>
       <p:ext uri="{BB962C8B-B14F-4D97-AF65-F5344CB8AC3E}">
-        <p14:creationId xmlns:p14="http://schemas.microsoft.com/office/powerpoint/2010/main" val="2079115848"/>
+        <p14:creationId xmlns:p14="http://schemas.microsoft.com/office/powerpoint/2010/main" val="2061501578"/>
       </p:ext>
     </p:extLst>
   </p:cSld>
   <p:clrMap bg1="lt1" tx1="dk1" bg2="lt2" tx2="dk2" accent1="accent1" accent2="accent2" accent3="accent3" accent4="accent4" accent5="accent5" accent6="accent6" hlink="hlink" folHlink="folHlink"/>
   <p:sldLayoutIdLst>
-    <p:sldLayoutId id="2147483649" r:id="rId1"/>
-    <p:sldLayoutId id="2147483650" r:id="rId2"/>
-    <p:sldLayoutId id="2147483651" r:id="rId3"/>
-    <p:sldLayoutId id="2147483652" r:id="rId4"/>
-    <p:sldLayoutId id="2147483653" r:id="rId5"/>
-    <p:sldLayoutId id="2147483654" r:id="rId6"/>
-    <p:sldLayoutId id="2147483655" r:id="rId7"/>
-    <p:sldLayoutId id="2147483656" r:id="rId8"/>
-    <p:sldLayoutId id="2147483657" r:id="rId9"/>
-    <p:sldLayoutId id="2147483658" r:id="rId10"/>
-    <p:sldLayoutId id="2147483659" r:id="rId11"/>
+    <p:sldLayoutId id="2147483661" r:id="rId1"/>
+    <p:sldLayoutId id="2147483662" r:id="rId2"/>
+    <p:sldLayoutId id="2147483663" r:id="rId3"/>
+    <p:sldLayoutId id="2147483664" r:id="rId4"/>
+    <p:sldLayoutId id="2147483665" r:id="rId5"/>
+    <p:sldLayoutId id="2147483666" r:id="rId6"/>
+    <p:sldLayoutId id="2147483667" r:id="rId7"/>
+    <p:sldLayoutId id="2147483668" r:id="rId8"/>
+    <p:sldLayoutId id="2147483669" r:id="rId9"/>
+    <p:sldLayoutId id="2147483670" r:id="rId10"/>
+    <p:sldLayoutId id="2147483671" r:id="rId11"/>
   </p:sldLayoutIdLst>
   <p:hf hdr="0" ftr="0" dt="0"/>
   <p:txStyles>
@@ -4567,7 +6718,7 @@
           <p:cNvPr id="2" name="タイトル 1">
             <a:extLst>
               <a:ext uri="{FF2B5EF4-FFF2-40B4-BE49-F238E27FC236}">
-                <a16:creationId xmlns:a16="http://schemas.microsoft.com/office/drawing/2014/main" id="{9E068F0E-2C72-4B55-9AC0-76438B7DA60D}"/>
+                <a16:creationId xmlns:a16="http://schemas.microsoft.com/office/drawing/2014/main" id="{77C8C0A3-8B33-47EE-BA3A-AFEE6F63BE4D}"/>
               </a:ext>
             </a:extLst>
           </p:cNvPr>
@@ -4592,14 +6743,155 @@
               <a:t>(</a:t>
             </a:r>
             <a:r>
+              <a:rPr lang="en-US" altLang="ja-JP" dirty="0"/>
+              <a:t>2/4</a:t>
+            </a:r>
+            <a:r>
+              <a:rPr kumimoji="1" lang="en-US" altLang="ja-JP" dirty="0"/>
+              <a:t>)</a:t>
+            </a:r>
+            <a:endParaRPr kumimoji="1" lang="ja-JP" altLang="en-US" dirty="0"/>
+          </a:p>
+        </p:txBody>
+      </p:sp>
+      <p:sp>
+        <p:nvSpPr>
+          <p:cNvPr id="3" name="コンテンツ プレースホルダー 2">
+            <a:extLst>
+              <a:ext uri="{FF2B5EF4-FFF2-40B4-BE49-F238E27FC236}">
+                <a16:creationId xmlns:a16="http://schemas.microsoft.com/office/drawing/2014/main" id="{4CA175BB-3F2E-462D-B1FC-56D65FD1FFC2}"/>
+              </a:ext>
+            </a:extLst>
+          </p:cNvPr>
+          <p:cNvSpPr>
+            <a:spLocks noGrp="1"/>
+          </p:cNvSpPr>
+          <p:nvPr>
+            <p:ph idx="1"/>
+          </p:nvPr>
+        </p:nvSpPr>
+        <p:spPr>
+          <a:xfrm>
+            <a:off x="838200" y="1825625"/>
+            <a:ext cx="6513945" cy="2662525"/>
+          </a:xfrm>
+        </p:spPr>
+        <p:txBody>
+          <a:bodyPr>
+            <a:normAutofit/>
+          </a:bodyPr>
+          <a:lstStyle/>
+          <a:p>
+            <a:r>
+              <a:rPr lang="en-US" altLang="ja-JP" dirty="0"/>
+              <a:t>5</a:t>
+            </a:r>
+            <a:r>
+              <a:rPr lang="ja-JP" altLang="en-US" dirty="0"/>
+              <a:t>分割交差検証</a:t>
+            </a:r>
+            <a:endParaRPr lang="en-US" altLang="ja-JP" dirty="0"/>
+          </a:p>
+          <a:p>
+            <a:pPr lvl="1"/>
+            <a:r>
+              <a:rPr lang="ja-JP" altLang="en-US" dirty="0"/>
+              <a:t>被験者</a:t>
+            </a:r>
+            <a:r>
+              <a:rPr lang="en-US" altLang="ja-JP" dirty="0"/>
+              <a:t>1</a:t>
+            </a:r>
+            <a:r>
+              <a:rPr lang="ja-JP" altLang="en-US" dirty="0"/>
+              <a:t>名のサンプルの</a:t>
+            </a:r>
+            <a:r>
+              <a:rPr lang="en-US" altLang="ja-JP" dirty="0"/>
+              <a:t>4/5</a:t>
+            </a:r>
+            <a:r>
+              <a:rPr lang="ja-JP" altLang="en-US" dirty="0"/>
+              <a:t>を学習</a:t>
+            </a:r>
+            <a:endParaRPr lang="en-US" altLang="ja-JP" dirty="0"/>
+          </a:p>
+          <a:p>
+            <a:pPr lvl="1"/>
+            <a:r>
               <a:rPr kumimoji="1" lang="ja-JP" altLang="en-US" dirty="0"/>
-              <a:t>判別 </a:t>
+              <a:t>残りの</a:t>
             </a:r>
             <a:r>
               <a:rPr kumimoji="1" lang="en-US" altLang="ja-JP" dirty="0"/>
-              <a:t>1/2)</a:t>
-            </a:r>
-            <a:endParaRPr kumimoji="1" lang="ja-JP" altLang="en-US" dirty="0"/>
+              <a:t>1/5</a:t>
+            </a:r>
+            <a:r>
+              <a:rPr lang="ja-JP" altLang="en-US" dirty="0"/>
+              <a:t>は</a:t>
+            </a:r>
+            <a:r>
+              <a:rPr kumimoji="1" lang="ja-JP" altLang="en-US" dirty="0"/>
+              <a:t>テストデータ</a:t>
+            </a:r>
+            <a:r>
+              <a:rPr kumimoji="1" lang="en-US" altLang="ja-JP" dirty="0"/>
+              <a:t>(</a:t>
+            </a:r>
+            <a:r>
+              <a:rPr kumimoji="1" lang="ja-JP" altLang="en-US" dirty="0"/>
+              <a:t>認証</a:t>
+            </a:r>
+            <a:r>
+              <a:rPr kumimoji="1" lang="en-US" altLang="ja-JP" dirty="0"/>
+              <a:t>)</a:t>
+            </a:r>
+          </a:p>
+          <a:p>
+            <a:pPr lvl="1"/>
+            <a:r>
+              <a:rPr lang="ja-JP" altLang="en-US" dirty="0"/>
+              <a:t>他サンプルは全てテストデータ</a:t>
+            </a:r>
+            <a:r>
+              <a:rPr lang="en-US" altLang="ja-JP" dirty="0"/>
+              <a:t>(</a:t>
+            </a:r>
+            <a:r>
+              <a:rPr lang="ja-JP" altLang="en-US" dirty="0"/>
+              <a:t>拒否</a:t>
+            </a:r>
+            <a:r>
+              <a:rPr lang="en-US" altLang="ja-JP" dirty="0"/>
+              <a:t>)</a:t>
+            </a:r>
+          </a:p>
+          <a:p>
+            <a:pPr lvl="1"/>
+            <a:r>
+              <a:rPr lang="en-US" altLang="ja-JP" dirty="0"/>
+              <a:t>FRR</a:t>
+            </a:r>
+            <a:r>
+              <a:rPr lang="ja-JP" altLang="en-US" dirty="0" err="1"/>
+              <a:t>，</a:t>
+            </a:r>
+            <a:r>
+              <a:rPr lang="en-US" altLang="ja-JP" dirty="0"/>
+              <a:t>FAR</a:t>
+            </a:r>
+            <a:r>
+              <a:rPr lang="ja-JP" altLang="en-US" dirty="0"/>
+              <a:t>を計算</a:t>
+            </a:r>
+            <a:endParaRPr lang="en-US" altLang="ja-JP" dirty="0"/>
+          </a:p>
+          <a:p>
+            <a:r>
+              <a:rPr lang="ja-JP" altLang="en-US" dirty="0"/>
+              <a:t>全ての被験者で同様の検証</a:t>
+            </a:r>
+            <a:endParaRPr lang="en-US" altLang="ja-JP" dirty="0"/>
           </a:p>
         </p:txBody>
       </p:sp>
@@ -4608,7 +6900,7 @@
           <p:cNvPr id="4" name="スライド番号プレースホルダー 3">
             <a:extLst>
               <a:ext uri="{FF2B5EF4-FFF2-40B4-BE49-F238E27FC236}">
-                <a16:creationId xmlns:a16="http://schemas.microsoft.com/office/drawing/2014/main" id="{D5463A93-773A-43C8-970B-233CBCF9CCCB}"/>
+                <a16:creationId xmlns:a16="http://schemas.microsoft.com/office/drawing/2014/main" id="{501F838D-24E7-442F-AD8A-5BCFCCF936A7}"/>
               </a:ext>
             </a:extLst>
           </p:cNvPr>
@@ -4635,10 +6927,145 @@
       </p:sp>
       <p:sp>
         <p:nvSpPr>
-          <p:cNvPr id="9" name="テキスト ボックス 8">
+          <p:cNvPr id="5" name="四角形: 角を丸くする 4">
             <a:extLst>
               <a:ext uri="{FF2B5EF4-FFF2-40B4-BE49-F238E27FC236}">
-                <a16:creationId xmlns:a16="http://schemas.microsoft.com/office/drawing/2014/main" id="{E6EE4CD0-41A6-46D1-8650-7C5E7E833D17}"/>
+                <a16:creationId xmlns:a16="http://schemas.microsoft.com/office/drawing/2014/main" id="{65B08812-AE50-40CC-BE43-41508CF29B99}"/>
+              </a:ext>
+            </a:extLst>
+          </p:cNvPr>
+          <p:cNvSpPr/>
+          <p:nvPr/>
+        </p:nvSpPr>
+        <p:spPr>
+          <a:xfrm>
+            <a:off x="838200" y="1727272"/>
+            <a:ext cx="5904345" cy="2724294"/>
+          </a:xfrm>
+          <a:prstGeom prst="roundRect">
+            <a:avLst/>
+          </a:prstGeom>
+          <a:noFill/>
+          <a:ln w="28575">
+            <a:solidFill>
+              <a:schemeClr val="tx1"/>
+            </a:solidFill>
+          </a:ln>
+        </p:spPr>
+        <p:style>
+          <a:lnRef idx="2">
+            <a:schemeClr val="accent1">
+              <a:shade val="50000"/>
+            </a:schemeClr>
+          </a:lnRef>
+          <a:fillRef idx="1">
+            <a:schemeClr val="accent1"/>
+          </a:fillRef>
+          <a:effectRef idx="0">
+            <a:schemeClr val="accent1"/>
+          </a:effectRef>
+          <a:fontRef idx="minor">
+            <a:schemeClr val="lt1"/>
+          </a:fontRef>
+        </p:style>
+        <p:txBody>
+          <a:bodyPr rtlCol="0" anchor="ctr"/>
+          <a:lstStyle/>
+          <a:p>
+            <a:pPr algn="ctr"/>
+            <a:endParaRPr kumimoji="1" lang="ja-JP" altLang="en-US"/>
+          </a:p>
+        </p:txBody>
+      </p:sp>
+      <p:sp>
+        <p:nvSpPr>
+          <p:cNvPr id="6" name="矢印: 右 5">
+            <a:extLst>
+              <a:ext uri="{FF2B5EF4-FFF2-40B4-BE49-F238E27FC236}">
+                <a16:creationId xmlns:a16="http://schemas.microsoft.com/office/drawing/2014/main" id="{5B456A12-1BE3-49B4-B64C-57980B1BA773}"/>
+              </a:ext>
+            </a:extLst>
+          </p:cNvPr>
+          <p:cNvSpPr/>
+          <p:nvPr/>
+        </p:nvSpPr>
+        <p:spPr>
+          <a:xfrm rot="5400000">
+            <a:off x="3564010" y="4694805"/>
+            <a:ext cx="452718" cy="309283"/>
+          </a:xfrm>
+          <a:prstGeom prst="rightArrow">
+            <a:avLst/>
+          </a:prstGeom>
+          <a:solidFill>
+            <a:schemeClr val="tx1"/>
+          </a:solidFill>
+          <a:ln>
+            <a:solidFill>
+              <a:schemeClr val="tx1"/>
+            </a:solidFill>
+          </a:ln>
+        </p:spPr>
+        <p:style>
+          <a:lnRef idx="2">
+            <a:schemeClr val="accent1">
+              <a:shade val="50000"/>
+            </a:schemeClr>
+          </a:lnRef>
+          <a:fillRef idx="1">
+            <a:schemeClr val="accent1"/>
+          </a:fillRef>
+          <a:effectRef idx="0">
+            <a:schemeClr val="accent1"/>
+          </a:effectRef>
+          <a:fontRef idx="minor">
+            <a:schemeClr val="lt1"/>
+          </a:fontRef>
+        </p:style>
+        <p:txBody>
+          <a:bodyPr rtlCol="0" anchor="ctr"/>
+          <a:lstStyle/>
+          <a:p>
+            <a:pPr marL="0" marR="0" lvl="0" indent="0" algn="ctr" defTabSz="914400" rtl="0" eaLnBrk="1" fontAlgn="auto" latinLnBrk="0" hangingPunct="1">
+              <a:lnSpc>
+                <a:spcPct val="100000"/>
+              </a:lnSpc>
+              <a:spcBef>
+                <a:spcPts val="0"/>
+              </a:spcBef>
+              <a:spcAft>
+                <a:spcPts val="0"/>
+              </a:spcAft>
+              <a:buClrTx/>
+              <a:buSzTx/>
+              <a:buFontTx/>
+              <a:buNone/>
+              <a:tabLst/>
+              <a:defRPr/>
+            </a:pPr>
+            <a:endParaRPr kumimoji="1" lang="ja-JP" altLang="en-US" sz="1800" b="0" i="0" u="none" strike="noStrike" kern="1200" cap="none" spc="0" normalizeH="0" baseline="0" noProof="0">
+              <a:ln>
+                <a:noFill/>
+              </a:ln>
+              <a:solidFill>
+                <a:prstClr val="white"/>
+              </a:solidFill>
+              <a:effectLst/>
+              <a:uLnTx/>
+              <a:uFillTx/>
+              <a:latin typeface="游ゴシック" panose="020F0502020204030204"/>
+              <a:ea typeface="游ゴシック" panose="020B0400000000000000" pitchFamily="50" charset="-128"/>
+              <a:cs typeface="+mn-cs"/>
+            </a:endParaRPr>
+          </a:p>
+        </p:txBody>
+      </p:sp>
+      <p:sp>
+        <p:nvSpPr>
+          <p:cNvPr id="7" name="テキスト ボックス 6">
+            <a:extLst>
+              <a:ext uri="{FF2B5EF4-FFF2-40B4-BE49-F238E27FC236}">
+                <a16:creationId xmlns:a16="http://schemas.microsoft.com/office/drawing/2014/main" id="{07F6DF3B-4EDB-4434-9F61-00E9F39AC3A1}"/>
               </a:ext>
             </a:extLst>
           </p:cNvPr>
@@ -4647,8 +7074,8 @@
         </p:nvSpPr>
         <p:spPr>
           <a:xfrm>
-            <a:off x="1164069" y="5377441"/>
-            <a:ext cx="4581237" cy="369332"/>
+            <a:off x="4095172" y="4664780"/>
+            <a:ext cx="849745" cy="369332"/>
           </a:xfrm>
           <a:prstGeom prst="rect">
             <a:avLst/>
@@ -4661,20 +7088,23 @@
           </a:bodyPr>
           <a:lstStyle/>
           <a:p>
-            <a:pPr algn="ctr"/>
-            <a:r>
-              <a:rPr kumimoji="1" lang="ja-JP" altLang="en-US" dirty="0"/>
-              <a:t>特徴があり，かなり良い結果</a:t>
-            </a:r>
-          </a:p>
-        </p:txBody>
-      </p:sp>
-      <p:sp>
-        <p:nvSpPr>
-          <p:cNvPr id="10" name="テキスト ボックス 9">
+            <a:r>
+              <a:rPr kumimoji="1" lang="ja-JP" altLang="en-US" b="1" dirty="0">
+                <a:highlight>
+                  <a:srgbClr val="FFFF00"/>
+                </a:highlight>
+              </a:rPr>
+              <a:t>平均</a:t>
+            </a:r>
+          </a:p>
+        </p:txBody>
+      </p:sp>
+      <p:sp>
+        <p:nvSpPr>
+          <p:cNvPr id="8" name="テキスト ボックス 7">
             <a:extLst>
               <a:ext uri="{FF2B5EF4-FFF2-40B4-BE49-F238E27FC236}">
-                <a16:creationId xmlns:a16="http://schemas.microsoft.com/office/drawing/2014/main" id="{9F06D9D4-8C9E-4A4A-BEC3-5EEE24C8F3F3}"/>
+                <a16:creationId xmlns:a16="http://schemas.microsoft.com/office/drawing/2014/main" id="{C94DCD0F-A1BD-439D-831E-DCD49CC4E895}"/>
               </a:ext>
             </a:extLst>
           </p:cNvPr>
@@ -4683,8 +7113,8 @@
         </p:nvSpPr>
         <p:spPr>
           <a:xfrm>
-            <a:off x="6446691" y="5377441"/>
-            <a:ext cx="4581237" cy="369332"/>
+            <a:off x="2604430" y="5129373"/>
+            <a:ext cx="2371877" cy="523220"/>
           </a:xfrm>
           <a:prstGeom prst="rect">
             <a:avLst/>
@@ -4699,94 +7129,1904 @@
           <a:p>
             <a:pPr algn="ctr"/>
             <a:r>
-              <a:rPr kumimoji="1" lang="ja-JP" altLang="en-US" dirty="0"/>
-              <a:t>被り方のずれもあったのか，少し悪い結果</a:t>
-            </a:r>
-          </a:p>
-        </p:txBody>
-      </p:sp>
-      <p:pic>
-        <p:nvPicPr>
-          <p:cNvPr id="13" name="グラフィックス 12">
+              <a:rPr kumimoji="1" lang="ja-JP" altLang="en-US" sz="2800" b="1" dirty="0">
+                <a:solidFill>
+                  <a:srgbClr val="FF0000"/>
+                </a:solidFill>
+              </a:rPr>
+              <a:t>全体での結果</a:t>
+            </a:r>
+          </a:p>
+        </p:txBody>
+      </p:sp>
+      <p:graphicFrame>
+        <p:nvGraphicFramePr>
+          <p:cNvPr id="9" name="表 8">
             <a:extLst>
               <a:ext uri="{FF2B5EF4-FFF2-40B4-BE49-F238E27FC236}">
-                <a16:creationId xmlns:a16="http://schemas.microsoft.com/office/drawing/2014/main" id="{9247A616-272D-4208-BC86-3006797476ED}"/>
+                <a16:creationId xmlns:a16="http://schemas.microsoft.com/office/drawing/2014/main" id="{5AFA2805-3D6D-43A7-9BCB-FECE20621E4C}"/>
               </a:ext>
             </a:extLst>
           </p:cNvPr>
-          <p:cNvPicPr>
-            <a:picLocks noChangeAspect="1"/>
-          </p:cNvPicPr>
-          <p:nvPr/>
-        </p:nvPicPr>
-        <p:blipFill>
-          <a:blip r:embed="rId2">
+          <p:cNvGraphicFramePr>
+            <a:graphicFrameLocks noGrp="1"/>
+          </p:cNvGraphicFramePr>
+          <p:nvPr>
+            <p:extLst>
+              <p:ext uri="{D42A27DB-BD31-4B8C-83A1-F6EECF244321}">
+                <p14:modId xmlns:p14="http://schemas.microsoft.com/office/powerpoint/2010/main" val="1698757094"/>
+              </p:ext>
+            </p:extLst>
+          </p:nvPr>
+        </p:nvGraphicFramePr>
+        <p:xfrm>
+          <a:off x="8168243" y="1527455"/>
+          <a:ext cx="2965345" cy="3803090"/>
+        </p:xfrm>
+        <a:graphic>
+          <a:graphicData uri="http://schemas.openxmlformats.org/drawingml/2006/table">
+            <a:tbl>
+              <a:tblPr firstRow="1" bandRow="1">
+                <a:tableStyleId>{5C22544A-7EE6-4342-B048-85BDC9FD1C3A}</a:tableStyleId>
+              </a:tblPr>
+              <a:tblGrid>
+                <a:gridCol w="593069">
+                  <a:extLst>
+                    <a:ext uri="{9D8B030D-6E8A-4147-A177-3AD203B41FA5}">
+                      <a16:colId xmlns:a16="http://schemas.microsoft.com/office/drawing/2014/main" val="947310473"/>
+                    </a:ext>
+                  </a:extLst>
+                </a:gridCol>
+                <a:gridCol w="593069">
+                  <a:extLst>
+                    <a:ext uri="{9D8B030D-6E8A-4147-A177-3AD203B41FA5}">
+                      <a16:colId xmlns:a16="http://schemas.microsoft.com/office/drawing/2014/main" val="677657726"/>
+                    </a:ext>
+                  </a:extLst>
+                </a:gridCol>
+                <a:gridCol w="593069">
+                  <a:extLst>
+                    <a:ext uri="{9D8B030D-6E8A-4147-A177-3AD203B41FA5}">
+                      <a16:colId xmlns:a16="http://schemas.microsoft.com/office/drawing/2014/main" val="4189275340"/>
+                    </a:ext>
+                  </a:extLst>
+                </a:gridCol>
+                <a:gridCol w="593069">
+                  <a:extLst>
+                    <a:ext uri="{9D8B030D-6E8A-4147-A177-3AD203B41FA5}">
+                      <a16:colId xmlns:a16="http://schemas.microsoft.com/office/drawing/2014/main" val="3297181964"/>
+                    </a:ext>
+                  </a:extLst>
+                </a:gridCol>
+                <a:gridCol w="593069">
+                  <a:extLst>
+                    <a:ext uri="{9D8B030D-6E8A-4147-A177-3AD203B41FA5}">
+                      <a16:colId xmlns:a16="http://schemas.microsoft.com/office/drawing/2014/main" val="1706018097"/>
+                    </a:ext>
+                  </a:extLst>
+                </a:gridCol>
+              </a:tblGrid>
+              <a:tr h="760618">
+                <a:tc>
+                  <a:txBody>
+                    <a:bodyPr/>
+                    <a:lstStyle/>
+                    <a:p>
+                      <a:pPr algn="ctr"/>
+                      <a:r>
+                        <a:rPr kumimoji="1" lang="en-US" altLang="ja-JP" dirty="0">
+                          <a:solidFill>
+                            <a:schemeClr val="tx1"/>
+                          </a:solidFill>
+                        </a:rPr>
+                        <a:t>※</a:t>
+                      </a:r>
+                      <a:endParaRPr kumimoji="1" lang="ja-JP" altLang="en-US" dirty="0">
+                        <a:solidFill>
+                          <a:schemeClr val="tx1"/>
+                        </a:solidFill>
+                      </a:endParaRPr>
+                    </a:p>
+                  </a:txBody>
+                  <a:tcPr anchor="ctr">
+                    <a:lnL w="12700" cap="flat" cmpd="sng" algn="ctr">
+                      <a:solidFill>
+                        <a:schemeClr val="tx1"/>
+                      </a:solidFill>
+                      <a:prstDash val="solid"/>
+                      <a:round/>
+                      <a:headEnd type="none" w="med" len="med"/>
+                      <a:tailEnd type="none" w="med" len="med"/>
+                    </a:lnL>
+                    <a:lnR w="12700" cap="flat" cmpd="sng" algn="ctr">
+                      <a:solidFill>
+                        <a:schemeClr val="tx1"/>
+                      </a:solidFill>
+                      <a:prstDash val="solid"/>
+                      <a:round/>
+                      <a:headEnd type="none" w="med" len="med"/>
+                      <a:tailEnd type="none" w="med" len="med"/>
+                    </a:lnR>
+                    <a:lnT w="12700" cap="flat" cmpd="sng" algn="ctr">
+                      <a:solidFill>
+                        <a:schemeClr val="tx1"/>
+                      </a:solidFill>
+                      <a:prstDash val="solid"/>
+                      <a:round/>
+                      <a:headEnd type="none" w="med" len="med"/>
+                      <a:tailEnd type="none" w="med" len="med"/>
+                    </a:lnT>
+                    <a:lnB w="12700" cap="flat" cmpd="sng" algn="ctr">
+                      <a:solidFill>
+                        <a:schemeClr val="tx1"/>
+                      </a:solidFill>
+                      <a:prstDash val="solid"/>
+                      <a:round/>
+                      <a:headEnd type="none" w="med" len="med"/>
+                      <a:tailEnd type="none" w="med" len="med"/>
+                    </a:lnB>
+                    <a:lnTlToBr w="12700" cmpd="sng">
+                      <a:noFill/>
+                      <a:prstDash val="solid"/>
+                    </a:lnTlToBr>
+                    <a:lnBlToTr w="12700" cmpd="sng">
+                      <a:noFill/>
+                      <a:prstDash val="solid"/>
+                    </a:lnBlToTr>
+                    <a:solidFill>
+                      <a:schemeClr val="accent4"/>
+                    </a:solidFill>
+                  </a:tcPr>
+                </a:tc>
+                <a:tc>
+                  <a:txBody>
+                    <a:bodyPr/>
+                    <a:lstStyle/>
+                    <a:p>
+                      <a:pPr algn="ctr"/>
+                      <a:r>
+                        <a:rPr kumimoji="1" lang="en-US" altLang="ja-JP" dirty="0">
+                          <a:solidFill>
+                            <a:schemeClr val="tx1"/>
+                          </a:solidFill>
+                        </a:rPr>
+                        <a:t>×</a:t>
+                      </a:r>
+                      <a:endParaRPr kumimoji="1" lang="ja-JP" altLang="en-US" dirty="0">
+                        <a:solidFill>
+                          <a:schemeClr val="tx1"/>
+                        </a:solidFill>
+                      </a:endParaRPr>
+                    </a:p>
+                  </a:txBody>
+                  <a:tcPr anchor="ctr">
+                    <a:lnL w="12700" cap="flat" cmpd="sng" algn="ctr">
+                      <a:solidFill>
+                        <a:schemeClr val="tx1"/>
+                      </a:solidFill>
+                      <a:prstDash val="solid"/>
+                      <a:round/>
+                      <a:headEnd type="none" w="med" len="med"/>
+                      <a:tailEnd type="none" w="med" len="med"/>
+                    </a:lnL>
+                    <a:lnR w="12700" cap="flat" cmpd="sng" algn="ctr">
+                      <a:solidFill>
+                        <a:schemeClr val="tx1"/>
+                      </a:solidFill>
+                      <a:prstDash val="solid"/>
+                      <a:round/>
+                      <a:headEnd type="none" w="med" len="med"/>
+                      <a:tailEnd type="none" w="med" len="med"/>
+                    </a:lnR>
+                    <a:lnT w="12700" cap="flat" cmpd="sng" algn="ctr">
+                      <a:solidFill>
+                        <a:schemeClr val="tx1"/>
+                      </a:solidFill>
+                      <a:prstDash val="solid"/>
+                      <a:round/>
+                      <a:headEnd type="none" w="med" len="med"/>
+                      <a:tailEnd type="none" w="med" len="med"/>
+                    </a:lnT>
+                    <a:lnB w="12700" cap="flat" cmpd="sng" algn="ctr">
+                      <a:solidFill>
+                        <a:schemeClr val="tx1"/>
+                      </a:solidFill>
+                      <a:prstDash val="solid"/>
+                      <a:round/>
+                      <a:headEnd type="none" w="med" len="med"/>
+                      <a:tailEnd type="none" w="med" len="med"/>
+                    </a:lnB>
+                    <a:lnTlToBr w="12700" cmpd="sng">
+                      <a:noFill/>
+                      <a:prstDash val="solid"/>
+                    </a:lnTlToBr>
+                    <a:lnBlToTr w="12700" cmpd="sng">
+                      <a:noFill/>
+                      <a:prstDash val="solid"/>
+                    </a:lnBlToTr>
+                    <a:solidFill>
+                      <a:schemeClr val="accent5">
+                        <a:lumMod val="40000"/>
+                        <a:lumOff val="60000"/>
+                      </a:schemeClr>
+                    </a:solidFill>
+                  </a:tcPr>
+                </a:tc>
+                <a:tc>
+                  <a:txBody>
+                    <a:bodyPr/>
+                    <a:lstStyle/>
+                    <a:p>
+                      <a:pPr algn="ctr"/>
+                      <a:r>
+                        <a:rPr kumimoji="1" lang="en-US" altLang="ja-JP" dirty="0">
+                          <a:solidFill>
+                            <a:schemeClr val="tx1"/>
+                          </a:solidFill>
+                        </a:rPr>
+                        <a:t>×</a:t>
+                      </a:r>
+                      <a:endParaRPr kumimoji="1" lang="ja-JP" altLang="en-US" dirty="0"/>
+                    </a:p>
+                  </a:txBody>
+                  <a:tcPr anchor="ctr">
+                    <a:lnL w="12700" cap="flat" cmpd="sng" algn="ctr">
+                      <a:solidFill>
+                        <a:schemeClr val="tx1"/>
+                      </a:solidFill>
+                      <a:prstDash val="solid"/>
+                      <a:round/>
+                      <a:headEnd type="none" w="med" len="med"/>
+                      <a:tailEnd type="none" w="med" len="med"/>
+                    </a:lnL>
+                    <a:lnR w="12700" cap="flat" cmpd="sng" algn="ctr">
+                      <a:solidFill>
+                        <a:schemeClr val="tx1"/>
+                      </a:solidFill>
+                      <a:prstDash val="solid"/>
+                      <a:round/>
+                      <a:headEnd type="none" w="med" len="med"/>
+                      <a:tailEnd type="none" w="med" len="med"/>
+                    </a:lnR>
+                    <a:lnT w="12700" cap="flat" cmpd="sng" algn="ctr">
+                      <a:solidFill>
+                        <a:schemeClr val="tx1"/>
+                      </a:solidFill>
+                      <a:prstDash val="solid"/>
+                      <a:round/>
+                      <a:headEnd type="none" w="med" len="med"/>
+                      <a:tailEnd type="none" w="med" len="med"/>
+                    </a:lnT>
+                    <a:lnB w="12700" cap="flat" cmpd="sng" algn="ctr">
+                      <a:solidFill>
+                        <a:schemeClr val="tx1"/>
+                      </a:solidFill>
+                      <a:prstDash val="solid"/>
+                      <a:round/>
+                      <a:headEnd type="none" w="med" len="med"/>
+                      <a:tailEnd type="none" w="med" len="med"/>
+                    </a:lnB>
+                    <a:lnTlToBr w="12700" cmpd="sng">
+                      <a:noFill/>
+                      <a:prstDash val="solid"/>
+                    </a:lnTlToBr>
+                    <a:lnBlToTr w="12700" cmpd="sng">
+                      <a:noFill/>
+                      <a:prstDash val="solid"/>
+                    </a:lnBlToTr>
+                    <a:solidFill>
+                      <a:schemeClr val="accent5">
+                        <a:lumMod val="40000"/>
+                        <a:lumOff val="60000"/>
+                      </a:schemeClr>
+                    </a:solidFill>
+                  </a:tcPr>
+                </a:tc>
+                <a:tc>
+                  <a:txBody>
+                    <a:bodyPr/>
+                    <a:lstStyle/>
+                    <a:p>
+                      <a:pPr algn="ctr"/>
+                      <a:r>
+                        <a:rPr kumimoji="1" lang="en-US" altLang="ja-JP" dirty="0">
+                          <a:solidFill>
+                            <a:schemeClr val="tx1"/>
+                          </a:solidFill>
+                        </a:rPr>
+                        <a:t>×</a:t>
+                      </a:r>
+                      <a:endParaRPr kumimoji="1" lang="ja-JP" altLang="en-US" dirty="0"/>
+                    </a:p>
+                  </a:txBody>
+                  <a:tcPr anchor="ctr">
+                    <a:lnL w="12700" cap="flat" cmpd="sng" algn="ctr">
+                      <a:solidFill>
+                        <a:schemeClr val="tx1"/>
+                      </a:solidFill>
+                      <a:prstDash val="solid"/>
+                      <a:round/>
+                      <a:headEnd type="none" w="med" len="med"/>
+                      <a:tailEnd type="none" w="med" len="med"/>
+                    </a:lnL>
+                    <a:lnR w="12700" cap="flat" cmpd="sng" algn="ctr">
+                      <a:solidFill>
+                        <a:schemeClr val="tx1"/>
+                      </a:solidFill>
+                      <a:prstDash val="solid"/>
+                      <a:round/>
+                      <a:headEnd type="none" w="med" len="med"/>
+                      <a:tailEnd type="none" w="med" len="med"/>
+                    </a:lnR>
+                    <a:lnT w="12700" cap="flat" cmpd="sng" algn="ctr">
+                      <a:solidFill>
+                        <a:schemeClr val="tx1"/>
+                      </a:solidFill>
+                      <a:prstDash val="solid"/>
+                      <a:round/>
+                      <a:headEnd type="none" w="med" len="med"/>
+                      <a:tailEnd type="none" w="med" len="med"/>
+                    </a:lnT>
+                    <a:lnB w="12700" cap="flat" cmpd="sng" algn="ctr">
+                      <a:solidFill>
+                        <a:schemeClr val="tx1"/>
+                      </a:solidFill>
+                      <a:prstDash val="solid"/>
+                      <a:round/>
+                      <a:headEnd type="none" w="med" len="med"/>
+                      <a:tailEnd type="none" w="med" len="med"/>
+                    </a:lnB>
+                    <a:lnTlToBr w="12700" cmpd="sng">
+                      <a:noFill/>
+                      <a:prstDash val="solid"/>
+                    </a:lnTlToBr>
+                    <a:lnBlToTr w="12700" cmpd="sng">
+                      <a:noFill/>
+                      <a:prstDash val="solid"/>
+                    </a:lnBlToTr>
+                    <a:solidFill>
+                      <a:schemeClr val="accent5">
+                        <a:lumMod val="40000"/>
+                        <a:lumOff val="60000"/>
+                      </a:schemeClr>
+                    </a:solidFill>
+                  </a:tcPr>
+                </a:tc>
+                <a:tc>
+                  <a:txBody>
+                    <a:bodyPr/>
+                    <a:lstStyle/>
+                    <a:p>
+                      <a:pPr algn="ctr"/>
+                      <a:r>
+                        <a:rPr kumimoji="1" lang="en-US" altLang="ja-JP" dirty="0">
+                          <a:solidFill>
+                            <a:schemeClr val="tx1"/>
+                          </a:solidFill>
+                        </a:rPr>
+                        <a:t>×</a:t>
+                      </a:r>
+                      <a:endParaRPr kumimoji="1" lang="ja-JP" altLang="en-US" dirty="0"/>
+                    </a:p>
+                  </a:txBody>
+                  <a:tcPr anchor="ctr">
+                    <a:lnL w="12700" cap="flat" cmpd="sng" algn="ctr">
+                      <a:solidFill>
+                        <a:schemeClr val="tx1"/>
+                      </a:solidFill>
+                      <a:prstDash val="solid"/>
+                      <a:round/>
+                      <a:headEnd type="none" w="med" len="med"/>
+                      <a:tailEnd type="none" w="med" len="med"/>
+                    </a:lnL>
+                    <a:lnR w="12700" cap="flat" cmpd="sng" algn="ctr">
+                      <a:solidFill>
+                        <a:schemeClr val="tx1"/>
+                      </a:solidFill>
+                      <a:prstDash val="solid"/>
+                      <a:round/>
+                      <a:headEnd type="none" w="med" len="med"/>
+                      <a:tailEnd type="none" w="med" len="med"/>
+                    </a:lnR>
+                    <a:lnT w="12700" cap="flat" cmpd="sng" algn="ctr">
+                      <a:solidFill>
+                        <a:schemeClr val="tx1"/>
+                      </a:solidFill>
+                      <a:prstDash val="solid"/>
+                      <a:round/>
+                      <a:headEnd type="none" w="med" len="med"/>
+                      <a:tailEnd type="none" w="med" len="med"/>
+                    </a:lnT>
+                    <a:lnB w="12700" cap="flat" cmpd="sng" algn="ctr">
+                      <a:solidFill>
+                        <a:schemeClr val="tx1"/>
+                      </a:solidFill>
+                      <a:prstDash val="solid"/>
+                      <a:round/>
+                      <a:headEnd type="none" w="med" len="med"/>
+                      <a:tailEnd type="none" w="med" len="med"/>
+                    </a:lnB>
+                    <a:lnTlToBr w="12700" cmpd="sng">
+                      <a:noFill/>
+                      <a:prstDash val="solid"/>
+                    </a:lnTlToBr>
+                    <a:lnBlToTr w="12700" cmpd="sng">
+                      <a:noFill/>
+                      <a:prstDash val="solid"/>
+                    </a:lnBlToTr>
+                    <a:solidFill>
+                      <a:schemeClr val="accent5">
+                        <a:lumMod val="40000"/>
+                        <a:lumOff val="60000"/>
+                      </a:schemeClr>
+                    </a:solidFill>
+                  </a:tcPr>
+                </a:tc>
+                <a:extLst>
+                  <a:ext uri="{0D108BD9-81ED-4DB2-BD59-A6C34878D82A}">
+                    <a16:rowId xmlns:a16="http://schemas.microsoft.com/office/drawing/2014/main" val="1970639385"/>
+                  </a:ext>
+                </a:extLst>
+              </a:tr>
+              <a:tr h="760618">
+                <a:tc>
+                  <a:txBody>
+                    <a:bodyPr/>
+                    <a:lstStyle/>
+                    <a:p>
+                      <a:pPr algn="ctr"/>
+                      <a:r>
+                        <a:rPr kumimoji="1" lang="en-US" altLang="ja-JP" dirty="0">
+                          <a:solidFill>
+                            <a:schemeClr val="tx1"/>
+                          </a:solidFill>
+                        </a:rPr>
+                        <a:t>※</a:t>
+                      </a:r>
+                      <a:endParaRPr kumimoji="1" lang="ja-JP" altLang="en-US" dirty="0"/>
+                    </a:p>
+                  </a:txBody>
+                  <a:tcPr anchor="ctr">
+                    <a:lnL w="12700" cap="flat" cmpd="sng" algn="ctr">
+                      <a:solidFill>
+                        <a:schemeClr val="tx1"/>
+                      </a:solidFill>
+                      <a:prstDash val="solid"/>
+                      <a:round/>
+                      <a:headEnd type="none" w="med" len="med"/>
+                      <a:tailEnd type="none" w="med" len="med"/>
+                    </a:lnL>
+                    <a:lnR w="12700" cap="flat" cmpd="sng" algn="ctr">
+                      <a:solidFill>
+                        <a:schemeClr val="tx1"/>
+                      </a:solidFill>
+                      <a:prstDash val="solid"/>
+                      <a:round/>
+                      <a:headEnd type="none" w="med" len="med"/>
+                      <a:tailEnd type="none" w="med" len="med"/>
+                    </a:lnR>
+                    <a:lnT w="12700" cap="flat" cmpd="sng" algn="ctr">
+                      <a:solidFill>
+                        <a:schemeClr val="tx1"/>
+                      </a:solidFill>
+                      <a:prstDash val="solid"/>
+                      <a:round/>
+                      <a:headEnd type="none" w="med" len="med"/>
+                      <a:tailEnd type="none" w="med" len="med"/>
+                    </a:lnT>
+                    <a:lnB w="12700" cap="flat" cmpd="sng" algn="ctr">
+                      <a:solidFill>
+                        <a:schemeClr val="tx1"/>
+                      </a:solidFill>
+                      <a:prstDash val="solid"/>
+                      <a:round/>
+                      <a:headEnd type="none" w="med" len="med"/>
+                      <a:tailEnd type="none" w="med" len="med"/>
+                    </a:lnB>
+                    <a:lnTlToBr w="12700" cmpd="sng">
+                      <a:noFill/>
+                      <a:prstDash val="solid"/>
+                    </a:lnTlToBr>
+                    <a:lnBlToTr w="12700" cmpd="sng">
+                      <a:noFill/>
+                      <a:prstDash val="solid"/>
+                    </a:lnBlToTr>
+                    <a:solidFill>
+                      <a:schemeClr val="accent4"/>
+                    </a:solidFill>
+                  </a:tcPr>
+                </a:tc>
+                <a:tc>
+                  <a:txBody>
+                    <a:bodyPr/>
+                    <a:lstStyle/>
+                    <a:p>
+                      <a:pPr algn="ctr"/>
+                      <a:r>
+                        <a:rPr kumimoji="1" lang="en-US" altLang="ja-JP" dirty="0">
+                          <a:solidFill>
+                            <a:schemeClr val="tx1"/>
+                          </a:solidFill>
+                        </a:rPr>
+                        <a:t>×</a:t>
+                      </a:r>
+                      <a:endParaRPr kumimoji="1" lang="ja-JP" altLang="en-US" dirty="0"/>
+                    </a:p>
+                  </a:txBody>
+                  <a:tcPr anchor="ctr">
+                    <a:lnL w="12700" cap="flat" cmpd="sng" algn="ctr">
+                      <a:solidFill>
+                        <a:schemeClr val="tx1"/>
+                      </a:solidFill>
+                      <a:prstDash val="solid"/>
+                      <a:round/>
+                      <a:headEnd type="none" w="med" len="med"/>
+                      <a:tailEnd type="none" w="med" len="med"/>
+                    </a:lnL>
+                    <a:lnR w="12700" cap="flat" cmpd="sng" algn="ctr">
+                      <a:solidFill>
+                        <a:schemeClr val="tx1"/>
+                      </a:solidFill>
+                      <a:prstDash val="solid"/>
+                      <a:round/>
+                      <a:headEnd type="none" w="med" len="med"/>
+                      <a:tailEnd type="none" w="med" len="med"/>
+                    </a:lnR>
+                    <a:lnT w="12700" cap="flat" cmpd="sng" algn="ctr">
+                      <a:solidFill>
+                        <a:schemeClr val="tx1"/>
+                      </a:solidFill>
+                      <a:prstDash val="solid"/>
+                      <a:round/>
+                      <a:headEnd type="none" w="med" len="med"/>
+                      <a:tailEnd type="none" w="med" len="med"/>
+                    </a:lnT>
+                    <a:lnB w="12700" cap="flat" cmpd="sng" algn="ctr">
+                      <a:solidFill>
+                        <a:schemeClr val="tx1"/>
+                      </a:solidFill>
+                      <a:prstDash val="solid"/>
+                      <a:round/>
+                      <a:headEnd type="none" w="med" len="med"/>
+                      <a:tailEnd type="none" w="med" len="med"/>
+                    </a:lnB>
+                    <a:lnTlToBr w="12700" cmpd="sng">
+                      <a:noFill/>
+                      <a:prstDash val="solid"/>
+                    </a:lnTlToBr>
+                    <a:lnBlToTr w="12700" cmpd="sng">
+                      <a:noFill/>
+                      <a:prstDash val="solid"/>
+                    </a:lnBlToTr>
+                    <a:solidFill>
+                      <a:schemeClr val="accent5">
+                        <a:lumMod val="40000"/>
+                        <a:lumOff val="60000"/>
+                      </a:schemeClr>
+                    </a:solidFill>
+                  </a:tcPr>
+                </a:tc>
+                <a:tc>
+                  <a:txBody>
+                    <a:bodyPr/>
+                    <a:lstStyle/>
+                    <a:p>
+                      <a:pPr algn="ctr"/>
+                      <a:r>
+                        <a:rPr kumimoji="1" lang="en-US" altLang="ja-JP" dirty="0">
+                          <a:solidFill>
+                            <a:schemeClr val="tx1"/>
+                          </a:solidFill>
+                        </a:rPr>
+                        <a:t>×</a:t>
+                      </a:r>
+                      <a:endParaRPr kumimoji="1" lang="ja-JP" altLang="en-US" dirty="0"/>
+                    </a:p>
+                  </a:txBody>
+                  <a:tcPr anchor="ctr">
+                    <a:lnL w="12700" cap="flat" cmpd="sng" algn="ctr">
+                      <a:solidFill>
+                        <a:schemeClr val="tx1"/>
+                      </a:solidFill>
+                      <a:prstDash val="solid"/>
+                      <a:round/>
+                      <a:headEnd type="none" w="med" len="med"/>
+                      <a:tailEnd type="none" w="med" len="med"/>
+                    </a:lnL>
+                    <a:lnR w="12700" cap="flat" cmpd="sng" algn="ctr">
+                      <a:solidFill>
+                        <a:schemeClr val="tx1"/>
+                      </a:solidFill>
+                      <a:prstDash val="solid"/>
+                      <a:round/>
+                      <a:headEnd type="none" w="med" len="med"/>
+                      <a:tailEnd type="none" w="med" len="med"/>
+                    </a:lnR>
+                    <a:lnT w="12700" cap="flat" cmpd="sng" algn="ctr">
+                      <a:solidFill>
+                        <a:schemeClr val="tx1"/>
+                      </a:solidFill>
+                      <a:prstDash val="solid"/>
+                      <a:round/>
+                      <a:headEnd type="none" w="med" len="med"/>
+                      <a:tailEnd type="none" w="med" len="med"/>
+                    </a:lnT>
+                    <a:lnB w="12700" cap="flat" cmpd="sng" algn="ctr">
+                      <a:solidFill>
+                        <a:schemeClr val="tx1"/>
+                      </a:solidFill>
+                      <a:prstDash val="solid"/>
+                      <a:round/>
+                      <a:headEnd type="none" w="med" len="med"/>
+                      <a:tailEnd type="none" w="med" len="med"/>
+                    </a:lnB>
+                    <a:lnTlToBr w="12700" cmpd="sng">
+                      <a:noFill/>
+                      <a:prstDash val="solid"/>
+                    </a:lnTlToBr>
+                    <a:lnBlToTr w="12700" cmpd="sng">
+                      <a:noFill/>
+                      <a:prstDash val="solid"/>
+                    </a:lnBlToTr>
+                    <a:solidFill>
+                      <a:schemeClr val="accent5">
+                        <a:lumMod val="40000"/>
+                        <a:lumOff val="60000"/>
+                      </a:schemeClr>
+                    </a:solidFill>
+                  </a:tcPr>
+                </a:tc>
+                <a:tc>
+                  <a:txBody>
+                    <a:bodyPr/>
+                    <a:lstStyle/>
+                    <a:p>
+                      <a:pPr algn="ctr"/>
+                      <a:r>
+                        <a:rPr kumimoji="1" lang="en-US" altLang="ja-JP" dirty="0">
+                          <a:solidFill>
+                            <a:schemeClr val="tx1"/>
+                          </a:solidFill>
+                        </a:rPr>
+                        <a:t>×</a:t>
+                      </a:r>
+                      <a:endParaRPr kumimoji="1" lang="ja-JP" altLang="en-US" dirty="0"/>
+                    </a:p>
+                  </a:txBody>
+                  <a:tcPr anchor="ctr">
+                    <a:lnL w="12700" cap="flat" cmpd="sng" algn="ctr">
+                      <a:solidFill>
+                        <a:schemeClr val="tx1"/>
+                      </a:solidFill>
+                      <a:prstDash val="solid"/>
+                      <a:round/>
+                      <a:headEnd type="none" w="med" len="med"/>
+                      <a:tailEnd type="none" w="med" len="med"/>
+                    </a:lnL>
+                    <a:lnR w="12700" cap="flat" cmpd="sng" algn="ctr">
+                      <a:solidFill>
+                        <a:schemeClr val="tx1"/>
+                      </a:solidFill>
+                      <a:prstDash val="solid"/>
+                      <a:round/>
+                      <a:headEnd type="none" w="med" len="med"/>
+                      <a:tailEnd type="none" w="med" len="med"/>
+                    </a:lnR>
+                    <a:lnT w="12700" cap="flat" cmpd="sng" algn="ctr">
+                      <a:solidFill>
+                        <a:schemeClr val="tx1"/>
+                      </a:solidFill>
+                      <a:prstDash val="solid"/>
+                      <a:round/>
+                      <a:headEnd type="none" w="med" len="med"/>
+                      <a:tailEnd type="none" w="med" len="med"/>
+                    </a:lnT>
+                    <a:lnB w="12700" cap="flat" cmpd="sng" algn="ctr">
+                      <a:solidFill>
+                        <a:schemeClr val="tx1"/>
+                      </a:solidFill>
+                      <a:prstDash val="solid"/>
+                      <a:round/>
+                      <a:headEnd type="none" w="med" len="med"/>
+                      <a:tailEnd type="none" w="med" len="med"/>
+                    </a:lnB>
+                    <a:lnTlToBr w="12700" cmpd="sng">
+                      <a:noFill/>
+                      <a:prstDash val="solid"/>
+                    </a:lnTlToBr>
+                    <a:lnBlToTr w="12700" cmpd="sng">
+                      <a:noFill/>
+                      <a:prstDash val="solid"/>
+                    </a:lnBlToTr>
+                    <a:solidFill>
+                      <a:schemeClr val="accent5">
+                        <a:lumMod val="40000"/>
+                        <a:lumOff val="60000"/>
+                      </a:schemeClr>
+                    </a:solidFill>
+                  </a:tcPr>
+                </a:tc>
+                <a:tc>
+                  <a:txBody>
+                    <a:bodyPr/>
+                    <a:lstStyle/>
+                    <a:p>
+                      <a:pPr algn="ctr"/>
+                      <a:r>
+                        <a:rPr kumimoji="1" lang="en-US" altLang="ja-JP" dirty="0">
+                          <a:solidFill>
+                            <a:schemeClr val="tx1"/>
+                          </a:solidFill>
+                        </a:rPr>
+                        <a:t>×</a:t>
+                      </a:r>
+                      <a:endParaRPr kumimoji="1" lang="ja-JP" altLang="en-US" dirty="0"/>
+                    </a:p>
+                  </a:txBody>
+                  <a:tcPr anchor="ctr">
+                    <a:lnL w="12700" cap="flat" cmpd="sng" algn="ctr">
+                      <a:solidFill>
+                        <a:schemeClr val="tx1"/>
+                      </a:solidFill>
+                      <a:prstDash val="solid"/>
+                      <a:round/>
+                      <a:headEnd type="none" w="med" len="med"/>
+                      <a:tailEnd type="none" w="med" len="med"/>
+                    </a:lnL>
+                    <a:lnR w="12700" cap="flat" cmpd="sng" algn="ctr">
+                      <a:solidFill>
+                        <a:schemeClr val="tx1"/>
+                      </a:solidFill>
+                      <a:prstDash val="solid"/>
+                      <a:round/>
+                      <a:headEnd type="none" w="med" len="med"/>
+                      <a:tailEnd type="none" w="med" len="med"/>
+                    </a:lnR>
+                    <a:lnT w="12700" cap="flat" cmpd="sng" algn="ctr">
+                      <a:solidFill>
+                        <a:schemeClr val="tx1"/>
+                      </a:solidFill>
+                      <a:prstDash val="solid"/>
+                      <a:round/>
+                      <a:headEnd type="none" w="med" len="med"/>
+                      <a:tailEnd type="none" w="med" len="med"/>
+                    </a:lnT>
+                    <a:lnB w="12700" cap="flat" cmpd="sng" algn="ctr">
+                      <a:solidFill>
+                        <a:schemeClr val="tx1"/>
+                      </a:solidFill>
+                      <a:prstDash val="solid"/>
+                      <a:round/>
+                      <a:headEnd type="none" w="med" len="med"/>
+                      <a:tailEnd type="none" w="med" len="med"/>
+                    </a:lnB>
+                    <a:lnTlToBr w="12700" cmpd="sng">
+                      <a:noFill/>
+                      <a:prstDash val="solid"/>
+                    </a:lnTlToBr>
+                    <a:lnBlToTr w="12700" cmpd="sng">
+                      <a:noFill/>
+                      <a:prstDash val="solid"/>
+                    </a:lnBlToTr>
+                    <a:solidFill>
+                      <a:schemeClr val="accent5">
+                        <a:lumMod val="40000"/>
+                        <a:lumOff val="60000"/>
+                      </a:schemeClr>
+                    </a:solidFill>
+                  </a:tcPr>
+                </a:tc>
+                <a:extLst>
+                  <a:ext uri="{0D108BD9-81ED-4DB2-BD59-A6C34878D82A}">
+                    <a16:rowId xmlns:a16="http://schemas.microsoft.com/office/drawing/2014/main" val="667875495"/>
+                  </a:ext>
+                </a:extLst>
+              </a:tr>
+              <a:tr h="760618">
+                <a:tc>
+                  <a:txBody>
+                    <a:bodyPr/>
+                    <a:lstStyle/>
+                    <a:p>
+                      <a:pPr algn="ctr"/>
+                      <a:r>
+                        <a:rPr kumimoji="1" lang="en-US" altLang="ja-JP" dirty="0">
+                          <a:solidFill>
+                            <a:schemeClr val="tx1"/>
+                          </a:solidFill>
+                        </a:rPr>
+                        <a:t>※</a:t>
+                      </a:r>
+                      <a:endParaRPr kumimoji="1" lang="ja-JP" altLang="en-US" dirty="0"/>
+                    </a:p>
+                  </a:txBody>
+                  <a:tcPr anchor="ctr">
+                    <a:lnL w="12700" cap="flat" cmpd="sng" algn="ctr">
+                      <a:solidFill>
+                        <a:schemeClr val="tx1"/>
+                      </a:solidFill>
+                      <a:prstDash val="solid"/>
+                      <a:round/>
+                      <a:headEnd type="none" w="med" len="med"/>
+                      <a:tailEnd type="none" w="med" len="med"/>
+                    </a:lnL>
+                    <a:lnR w="12700" cap="flat" cmpd="sng" algn="ctr">
+                      <a:solidFill>
+                        <a:schemeClr val="tx1"/>
+                      </a:solidFill>
+                      <a:prstDash val="solid"/>
+                      <a:round/>
+                      <a:headEnd type="none" w="med" len="med"/>
+                      <a:tailEnd type="none" w="med" len="med"/>
+                    </a:lnR>
+                    <a:lnT w="12700" cap="flat" cmpd="sng" algn="ctr">
+                      <a:solidFill>
+                        <a:schemeClr val="tx1"/>
+                      </a:solidFill>
+                      <a:prstDash val="solid"/>
+                      <a:round/>
+                      <a:headEnd type="none" w="med" len="med"/>
+                      <a:tailEnd type="none" w="med" len="med"/>
+                    </a:lnT>
+                    <a:lnB w="12700" cap="flat" cmpd="sng" algn="ctr">
+                      <a:solidFill>
+                        <a:schemeClr val="tx1"/>
+                      </a:solidFill>
+                      <a:prstDash val="solid"/>
+                      <a:round/>
+                      <a:headEnd type="none" w="med" len="med"/>
+                      <a:tailEnd type="none" w="med" len="med"/>
+                    </a:lnB>
+                    <a:lnTlToBr w="12700" cmpd="sng">
+                      <a:noFill/>
+                      <a:prstDash val="solid"/>
+                    </a:lnTlToBr>
+                    <a:lnBlToTr w="12700" cmpd="sng">
+                      <a:noFill/>
+                      <a:prstDash val="solid"/>
+                    </a:lnBlToTr>
+                    <a:solidFill>
+                      <a:schemeClr val="accent4"/>
+                    </a:solidFill>
+                  </a:tcPr>
+                </a:tc>
+                <a:tc>
+                  <a:txBody>
+                    <a:bodyPr/>
+                    <a:lstStyle/>
+                    <a:p>
+                      <a:pPr algn="ctr"/>
+                      <a:r>
+                        <a:rPr kumimoji="1" lang="en-US" altLang="ja-JP" dirty="0">
+                          <a:solidFill>
+                            <a:schemeClr val="tx1"/>
+                          </a:solidFill>
+                        </a:rPr>
+                        <a:t>×</a:t>
+                      </a:r>
+                      <a:endParaRPr kumimoji="1" lang="ja-JP" altLang="en-US" dirty="0"/>
+                    </a:p>
+                  </a:txBody>
+                  <a:tcPr anchor="ctr">
+                    <a:lnL w="12700" cap="flat" cmpd="sng" algn="ctr">
+                      <a:solidFill>
+                        <a:schemeClr val="tx1"/>
+                      </a:solidFill>
+                      <a:prstDash val="solid"/>
+                      <a:round/>
+                      <a:headEnd type="none" w="med" len="med"/>
+                      <a:tailEnd type="none" w="med" len="med"/>
+                    </a:lnL>
+                    <a:lnR w="12700" cap="flat" cmpd="sng" algn="ctr">
+                      <a:solidFill>
+                        <a:schemeClr val="tx1"/>
+                      </a:solidFill>
+                      <a:prstDash val="solid"/>
+                      <a:round/>
+                      <a:headEnd type="none" w="med" len="med"/>
+                      <a:tailEnd type="none" w="med" len="med"/>
+                    </a:lnR>
+                    <a:lnT w="12700" cap="flat" cmpd="sng" algn="ctr">
+                      <a:solidFill>
+                        <a:schemeClr val="tx1"/>
+                      </a:solidFill>
+                      <a:prstDash val="solid"/>
+                      <a:round/>
+                      <a:headEnd type="none" w="med" len="med"/>
+                      <a:tailEnd type="none" w="med" len="med"/>
+                    </a:lnT>
+                    <a:lnB w="12700" cap="flat" cmpd="sng" algn="ctr">
+                      <a:solidFill>
+                        <a:schemeClr val="tx1"/>
+                      </a:solidFill>
+                      <a:prstDash val="solid"/>
+                      <a:round/>
+                      <a:headEnd type="none" w="med" len="med"/>
+                      <a:tailEnd type="none" w="med" len="med"/>
+                    </a:lnB>
+                    <a:lnTlToBr w="12700" cmpd="sng">
+                      <a:noFill/>
+                      <a:prstDash val="solid"/>
+                    </a:lnTlToBr>
+                    <a:lnBlToTr w="12700" cmpd="sng">
+                      <a:noFill/>
+                      <a:prstDash val="solid"/>
+                    </a:lnBlToTr>
+                    <a:solidFill>
+                      <a:schemeClr val="accent5">
+                        <a:lumMod val="40000"/>
+                        <a:lumOff val="60000"/>
+                      </a:schemeClr>
+                    </a:solidFill>
+                  </a:tcPr>
+                </a:tc>
+                <a:tc>
+                  <a:txBody>
+                    <a:bodyPr/>
+                    <a:lstStyle/>
+                    <a:p>
+                      <a:pPr algn="ctr"/>
+                      <a:r>
+                        <a:rPr kumimoji="1" lang="en-US" altLang="ja-JP" dirty="0">
+                          <a:solidFill>
+                            <a:schemeClr val="tx1"/>
+                          </a:solidFill>
+                        </a:rPr>
+                        <a:t>×</a:t>
+                      </a:r>
+                      <a:endParaRPr kumimoji="1" lang="ja-JP" altLang="en-US" dirty="0"/>
+                    </a:p>
+                  </a:txBody>
+                  <a:tcPr anchor="ctr">
+                    <a:lnL w="12700" cap="flat" cmpd="sng" algn="ctr">
+                      <a:solidFill>
+                        <a:schemeClr val="tx1"/>
+                      </a:solidFill>
+                      <a:prstDash val="solid"/>
+                      <a:round/>
+                      <a:headEnd type="none" w="med" len="med"/>
+                      <a:tailEnd type="none" w="med" len="med"/>
+                    </a:lnL>
+                    <a:lnR w="12700" cap="flat" cmpd="sng" algn="ctr">
+                      <a:solidFill>
+                        <a:schemeClr val="tx1"/>
+                      </a:solidFill>
+                      <a:prstDash val="solid"/>
+                      <a:round/>
+                      <a:headEnd type="none" w="med" len="med"/>
+                      <a:tailEnd type="none" w="med" len="med"/>
+                    </a:lnR>
+                    <a:lnT w="12700" cap="flat" cmpd="sng" algn="ctr">
+                      <a:solidFill>
+                        <a:schemeClr val="tx1"/>
+                      </a:solidFill>
+                      <a:prstDash val="solid"/>
+                      <a:round/>
+                      <a:headEnd type="none" w="med" len="med"/>
+                      <a:tailEnd type="none" w="med" len="med"/>
+                    </a:lnT>
+                    <a:lnB w="12700" cap="flat" cmpd="sng" algn="ctr">
+                      <a:solidFill>
+                        <a:schemeClr val="tx1"/>
+                      </a:solidFill>
+                      <a:prstDash val="solid"/>
+                      <a:round/>
+                      <a:headEnd type="none" w="med" len="med"/>
+                      <a:tailEnd type="none" w="med" len="med"/>
+                    </a:lnB>
+                    <a:lnTlToBr w="12700" cmpd="sng">
+                      <a:noFill/>
+                      <a:prstDash val="solid"/>
+                    </a:lnTlToBr>
+                    <a:lnBlToTr w="12700" cmpd="sng">
+                      <a:noFill/>
+                      <a:prstDash val="solid"/>
+                    </a:lnBlToTr>
+                    <a:solidFill>
+                      <a:schemeClr val="accent5">
+                        <a:lumMod val="40000"/>
+                        <a:lumOff val="60000"/>
+                      </a:schemeClr>
+                    </a:solidFill>
+                  </a:tcPr>
+                </a:tc>
+                <a:tc>
+                  <a:txBody>
+                    <a:bodyPr/>
+                    <a:lstStyle/>
+                    <a:p>
+                      <a:pPr algn="ctr"/>
+                      <a:r>
+                        <a:rPr kumimoji="1" lang="en-US" altLang="ja-JP" dirty="0">
+                          <a:solidFill>
+                            <a:schemeClr val="tx1"/>
+                          </a:solidFill>
+                        </a:rPr>
+                        <a:t>×</a:t>
+                      </a:r>
+                      <a:endParaRPr kumimoji="1" lang="ja-JP" altLang="en-US" dirty="0"/>
+                    </a:p>
+                  </a:txBody>
+                  <a:tcPr anchor="ctr">
+                    <a:lnL w="12700" cap="flat" cmpd="sng" algn="ctr">
+                      <a:solidFill>
+                        <a:schemeClr val="tx1"/>
+                      </a:solidFill>
+                      <a:prstDash val="solid"/>
+                      <a:round/>
+                      <a:headEnd type="none" w="med" len="med"/>
+                      <a:tailEnd type="none" w="med" len="med"/>
+                    </a:lnL>
+                    <a:lnR w="12700" cap="flat" cmpd="sng" algn="ctr">
+                      <a:solidFill>
+                        <a:schemeClr val="tx1"/>
+                      </a:solidFill>
+                      <a:prstDash val="solid"/>
+                      <a:round/>
+                      <a:headEnd type="none" w="med" len="med"/>
+                      <a:tailEnd type="none" w="med" len="med"/>
+                    </a:lnR>
+                    <a:lnT w="12700" cap="flat" cmpd="sng" algn="ctr">
+                      <a:solidFill>
+                        <a:schemeClr val="tx1"/>
+                      </a:solidFill>
+                      <a:prstDash val="solid"/>
+                      <a:round/>
+                      <a:headEnd type="none" w="med" len="med"/>
+                      <a:tailEnd type="none" w="med" len="med"/>
+                    </a:lnT>
+                    <a:lnB w="12700" cap="flat" cmpd="sng" algn="ctr">
+                      <a:solidFill>
+                        <a:schemeClr val="tx1"/>
+                      </a:solidFill>
+                      <a:prstDash val="solid"/>
+                      <a:round/>
+                      <a:headEnd type="none" w="med" len="med"/>
+                      <a:tailEnd type="none" w="med" len="med"/>
+                    </a:lnB>
+                    <a:lnTlToBr w="12700" cmpd="sng">
+                      <a:noFill/>
+                      <a:prstDash val="solid"/>
+                    </a:lnTlToBr>
+                    <a:lnBlToTr w="12700" cmpd="sng">
+                      <a:noFill/>
+                      <a:prstDash val="solid"/>
+                    </a:lnBlToTr>
+                    <a:solidFill>
+                      <a:schemeClr val="accent5">
+                        <a:lumMod val="40000"/>
+                        <a:lumOff val="60000"/>
+                      </a:schemeClr>
+                    </a:solidFill>
+                  </a:tcPr>
+                </a:tc>
+                <a:tc>
+                  <a:txBody>
+                    <a:bodyPr/>
+                    <a:lstStyle/>
+                    <a:p>
+                      <a:pPr algn="ctr"/>
+                      <a:r>
+                        <a:rPr kumimoji="1" lang="en-US" altLang="ja-JP" dirty="0">
+                          <a:solidFill>
+                            <a:schemeClr val="tx1"/>
+                          </a:solidFill>
+                        </a:rPr>
+                        <a:t>×</a:t>
+                      </a:r>
+                      <a:endParaRPr kumimoji="1" lang="ja-JP" altLang="en-US" dirty="0"/>
+                    </a:p>
+                  </a:txBody>
+                  <a:tcPr anchor="ctr">
+                    <a:lnL w="12700" cap="flat" cmpd="sng" algn="ctr">
+                      <a:solidFill>
+                        <a:schemeClr val="tx1"/>
+                      </a:solidFill>
+                      <a:prstDash val="solid"/>
+                      <a:round/>
+                      <a:headEnd type="none" w="med" len="med"/>
+                      <a:tailEnd type="none" w="med" len="med"/>
+                    </a:lnL>
+                    <a:lnR w="12700" cap="flat" cmpd="sng" algn="ctr">
+                      <a:solidFill>
+                        <a:schemeClr val="tx1"/>
+                      </a:solidFill>
+                      <a:prstDash val="solid"/>
+                      <a:round/>
+                      <a:headEnd type="none" w="med" len="med"/>
+                      <a:tailEnd type="none" w="med" len="med"/>
+                    </a:lnR>
+                    <a:lnT w="12700" cap="flat" cmpd="sng" algn="ctr">
+                      <a:solidFill>
+                        <a:schemeClr val="tx1"/>
+                      </a:solidFill>
+                      <a:prstDash val="solid"/>
+                      <a:round/>
+                      <a:headEnd type="none" w="med" len="med"/>
+                      <a:tailEnd type="none" w="med" len="med"/>
+                    </a:lnT>
+                    <a:lnB w="12700" cap="flat" cmpd="sng" algn="ctr">
+                      <a:solidFill>
+                        <a:schemeClr val="tx1"/>
+                      </a:solidFill>
+                      <a:prstDash val="solid"/>
+                      <a:round/>
+                      <a:headEnd type="none" w="med" len="med"/>
+                      <a:tailEnd type="none" w="med" len="med"/>
+                    </a:lnB>
+                    <a:lnTlToBr w="12700" cmpd="sng">
+                      <a:noFill/>
+                      <a:prstDash val="solid"/>
+                    </a:lnTlToBr>
+                    <a:lnBlToTr w="12700" cmpd="sng">
+                      <a:noFill/>
+                      <a:prstDash val="solid"/>
+                    </a:lnBlToTr>
+                    <a:solidFill>
+                      <a:schemeClr val="accent5">
+                        <a:lumMod val="40000"/>
+                        <a:lumOff val="60000"/>
+                      </a:schemeClr>
+                    </a:solidFill>
+                  </a:tcPr>
+                </a:tc>
+                <a:extLst>
+                  <a:ext uri="{0D108BD9-81ED-4DB2-BD59-A6C34878D82A}">
+                    <a16:rowId xmlns:a16="http://schemas.microsoft.com/office/drawing/2014/main" val="1236543351"/>
+                  </a:ext>
+                </a:extLst>
+              </a:tr>
+              <a:tr h="760618">
+                <a:tc>
+                  <a:txBody>
+                    <a:bodyPr/>
+                    <a:lstStyle/>
+                    <a:p>
+                      <a:pPr algn="ctr"/>
+                      <a:r>
+                        <a:rPr kumimoji="1" lang="en-US" altLang="ja-JP" dirty="0">
+                          <a:solidFill>
+                            <a:schemeClr val="tx1"/>
+                          </a:solidFill>
+                        </a:rPr>
+                        <a:t>※</a:t>
+                      </a:r>
+                      <a:endParaRPr kumimoji="1" lang="ja-JP" altLang="en-US" dirty="0"/>
+                    </a:p>
+                  </a:txBody>
+                  <a:tcPr anchor="ctr">
+                    <a:lnL w="12700" cap="flat" cmpd="sng" algn="ctr">
+                      <a:solidFill>
+                        <a:schemeClr val="tx1"/>
+                      </a:solidFill>
+                      <a:prstDash val="solid"/>
+                      <a:round/>
+                      <a:headEnd type="none" w="med" len="med"/>
+                      <a:tailEnd type="none" w="med" len="med"/>
+                    </a:lnL>
+                    <a:lnR w="12700" cap="flat" cmpd="sng" algn="ctr">
+                      <a:solidFill>
+                        <a:schemeClr val="tx1"/>
+                      </a:solidFill>
+                      <a:prstDash val="solid"/>
+                      <a:round/>
+                      <a:headEnd type="none" w="med" len="med"/>
+                      <a:tailEnd type="none" w="med" len="med"/>
+                    </a:lnR>
+                    <a:lnT w="12700" cap="flat" cmpd="sng" algn="ctr">
+                      <a:solidFill>
+                        <a:schemeClr val="tx1"/>
+                      </a:solidFill>
+                      <a:prstDash val="solid"/>
+                      <a:round/>
+                      <a:headEnd type="none" w="med" len="med"/>
+                      <a:tailEnd type="none" w="med" len="med"/>
+                    </a:lnT>
+                    <a:lnB w="12700" cap="flat" cmpd="sng" algn="ctr">
+                      <a:solidFill>
+                        <a:schemeClr val="tx1"/>
+                      </a:solidFill>
+                      <a:prstDash val="solid"/>
+                      <a:round/>
+                      <a:headEnd type="none" w="med" len="med"/>
+                      <a:tailEnd type="none" w="med" len="med"/>
+                    </a:lnB>
+                    <a:lnTlToBr w="12700" cmpd="sng">
+                      <a:noFill/>
+                      <a:prstDash val="solid"/>
+                    </a:lnTlToBr>
+                    <a:lnBlToTr w="12700" cmpd="sng">
+                      <a:noFill/>
+                      <a:prstDash val="solid"/>
+                    </a:lnBlToTr>
+                    <a:solidFill>
+                      <a:schemeClr val="accent4"/>
+                    </a:solidFill>
+                  </a:tcPr>
+                </a:tc>
+                <a:tc>
+                  <a:txBody>
+                    <a:bodyPr/>
+                    <a:lstStyle/>
+                    <a:p>
+                      <a:pPr algn="ctr"/>
+                      <a:r>
+                        <a:rPr kumimoji="1" lang="en-US" altLang="ja-JP" dirty="0">
+                          <a:solidFill>
+                            <a:schemeClr val="tx1"/>
+                          </a:solidFill>
+                        </a:rPr>
+                        <a:t>×</a:t>
+                      </a:r>
+                      <a:endParaRPr kumimoji="1" lang="ja-JP" altLang="en-US" dirty="0"/>
+                    </a:p>
+                  </a:txBody>
+                  <a:tcPr anchor="ctr">
+                    <a:lnL w="12700" cap="flat" cmpd="sng" algn="ctr">
+                      <a:solidFill>
+                        <a:schemeClr val="tx1"/>
+                      </a:solidFill>
+                      <a:prstDash val="solid"/>
+                      <a:round/>
+                      <a:headEnd type="none" w="med" len="med"/>
+                      <a:tailEnd type="none" w="med" len="med"/>
+                    </a:lnL>
+                    <a:lnR w="12700" cap="flat" cmpd="sng" algn="ctr">
+                      <a:solidFill>
+                        <a:schemeClr val="tx1"/>
+                      </a:solidFill>
+                      <a:prstDash val="solid"/>
+                      <a:round/>
+                      <a:headEnd type="none" w="med" len="med"/>
+                      <a:tailEnd type="none" w="med" len="med"/>
+                    </a:lnR>
+                    <a:lnT w="12700" cap="flat" cmpd="sng" algn="ctr">
+                      <a:solidFill>
+                        <a:schemeClr val="tx1"/>
+                      </a:solidFill>
+                      <a:prstDash val="solid"/>
+                      <a:round/>
+                      <a:headEnd type="none" w="med" len="med"/>
+                      <a:tailEnd type="none" w="med" len="med"/>
+                    </a:lnT>
+                    <a:lnB w="12700" cap="flat" cmpd="sng" algn="ctr">
+                      <a:solidFill>
+                        <a:schemeClr val="tx1"/>
+                      </a:solidFill>
+                      <a:prstDash val="solid"/>
+                      <a:round/>
+                      <a:headEnd type="none" w="med" len="med"/>
+                      <a:tailEnd type="none" w="med" len="med"/>
+                    </a:lnB>
+                    <a:lnTlToBr w="12700" cmpd="sng">
+                      <a:noFill/>
+                      <a:prstDash val="solid"/>
+                    </a:lnTlToBr>
+                    <a:lnBlToTr w="12700" cmpd="sng">
+                      <a:noFill/>
+                      <a:prstDash val="solid"/>
+                    </a:lnBlToTr>
+                    <a:solidFill>
+                      <a:schemeClr val="accent5">
+                        <a:lumMod val="40000"/>
+                        <a:lumOff val="60000"/>
+                      </a:schemeClr>
+                    </a:solidFill>
+                  </a:tcPr>
+                </a:tc>
+                <a:tc>
+                  <a:txBody>
+                    <a:bodyPr/>
+                    <a:lstStyle/>
+                    <a:p>
+                      <a:pPr algn="ctr"/>
+                      <a:r>
+                        <a:rPr kumimoji="1" lang="en-US" altLang="ja-JP" dirty="0">
+                          <a:solidFill>
+                            <a:schemeClr val="tx1"/>
+                          </a:solidFill>
+                        </a:rPr>
+                        <a:t>×</a:t>
+                      </a:r>
+                      <a:endParaRPr kumimoji="1" lang="ja-JP" altLang="en-US" dirty="0"/>
+                    </a:p>
+                  </a:txBody>
+                  <a:tcPr anchor="ctr">
+                    <a:lnL w="12700" cap="flat" cmpd="sng" algn="ctr">
+                      <a:solidFill>
+                        <a:schemeClr val="tx1"/>
+                      </a:solidFill>
+                      <a:prstDash val="solid"/>
+                      <a:round/>
+                      <a:headEnd type="none" w="med" len="med"/>
+                      <a:tailEnd type="none" w="med" len="med"/>
+                    </a:lnL>
+                    <a:lnR w="12700" cap="flat" cmpd="sng" algn="ctr">
+                      <a:solidFill>
+                        <a:schemeClr val="tx1"/>
+                      </a:solidFill>
+                      <a:prstDash val="solid"/>
+                      <a:round/>
+                      <a:headEnd type="none" w="med" len="med"/>
+                      <a:tailEnd type="none" w="med" len="med"/>
+                    </a:lnR>
+                    <a:lnT w="12700" cap="flat" cmpd="sng" algn="ctr">
+                      <a:solidFill>
+                        <a:schemeClr val="tx1"/>
+                      </a:solidFill>
+                      <a:prstDash val="solid"/>
+                      <a:round/>
+                      <a:headEnd type="none" w="med" len="med"/>
+                      <a:tailEnd type="none" w="med" len="med"/>
+                    </a:lnT>
+                    <a:lnB w="12700" cap="flat" cmpd="sng" algn="ctr">
+                      <a:solidFill>
+                        <a:schemeClr val="tx1"/>
+                      </a:solidFill>
+                      <a:prstDash val="solid"/>
+                      <a:round/>
+                      <a:headEnd type="none" w="med" len="med"/>
+                      <a:tailEnd type="none" w="med" len="med"/>
+                    </a:lnB>
+                    <a:lnTlToBr w="12700" cmpd="sng">
+                      <a:noFill/>
+                      <a:prstDash val="solid"/>
+                    </a:lnTlToBr>
+                    <a:lnBlToTr w="12700" cmpd="sng">
+                      <a:noFill/>
+                      <a:prstDash val="solid"/>
+                    </a:lnBlToTr>
+                    <a:solidFill>
+                      <a:schemeClr val="accent5">
+                        <a:lumMod val="40000"/>
+                        <a:lumOff val="60000"/>
+                      </a:schemeClr>
+                    </a:solidFill>
+                  </a:tcPr>
+                </a:tc>
+                <a:tc>
+                  <a:txBody>
+                    <a:bodyPr/>
+                    <a:lstStyle/>
+                    <a:p>
+                      <a:pPr algn="ctr"/>
+                      <a:r>
+                        <a:rPr kumimoji="1" lang="en-US" altLang="ja-JP" dirty="0">
+                          <a:solidFill>
+                            <a:schemeClr val="tx1"/>
+                          </a:solidFill>
+                        </a:rPr>
+                        <a:t>×</a:t>
+                      </a:r>
+                      <a:endParaRPr kumimoji="1" lang="ja-JP" altLang="en-US" dirty="0"/>
+                    </a:p>
+                  </a:txBody>
+                  <a:tcPr anchor="ctr">
+                    <a:lnL w="12700" cap="flat" cmpd="sng" algn="ctr">
+                      <a:solidFill>
+                        <a:schemeClr val="tx1"/>
+                      </a:solidFill>
+                      <a:prstDash val="solid"/>
+                      <a:round/>
+                      <a:headEnd type="none" w="med" len="med"/>
+                      <a:tailEnd type="none" w="med" len="med"/>
+                    </a:lnL>
+                    <a:lnR w="12700" cap="flat" cmpd="sng" algn="ctr">
+                      <a:solidFill>
+                        <a:schemeClr val="tx1"/>
+                      </a:solidFill>
+                      <a:prstDash val="solid"/>
+                      <a:round/>
+                      <a:headEnd type="none" w="med" len="med"/>
+                      <a:tailEnd type="none" w="med" len="med"/>
+                    </a:lnR>
+                    <a:lnT w="12700" cap="flat" cmpd="sng" algn="ctr">
+                      <a:solidFill>
+                        <a:schemeClr val="tx1"/>
+                      </a:solidFill>
+                      <a:prstDash val="solid"/>
+                      <a:round/>
+                      <a:headEnd type="none" w="med" len="med"/>
+                      <a:tailEnd type="none" w="med" len="med"/>
+                    </a:lnT>
+                    <a:lnB w="12700" cap="flat" cmpd="sng" algn="ctr">
+                      <a:solidFill>
+                        <a:schemeClr val="tx1"/>
+                      </a:solidFill>
+                      <a:prstDash val="solid"/>
+                      <a:round/>
+                      <a:headEnd type="none" w="med" len="med"/>
+                      <a:tailEnd type="none" w="med" len="med"/>
+                    </a:lnB>
+                    <a:lnTlToBr w="12700" cmpd="sng">
+                      <a:noFill/>
+                      <a:prstDash val="solid"/>
+                    </a:lnTlToBr>
+                    <a:lnBlToTr w="12700" cmpd="sng">
+                      <a:noFill/>
+                      <a:prstDash val="solid"/>
+                    </a:lnBlToTr>
+                    <a:solidFill>
+                      <a:schemeClr val="accent5">
+                        <a:lumMod val="40000"/>
+                        <a:lumOff val="60000"/>
+                      </a:schemeClr>
+                    </a:solidFill>
+                  </a:tcPr>
+                </a:tc>
+                <a:tc>
+                  <a:txBody>
+                    <a:bodyPr/>
+                    <a:lstStyle/>
+                    <a:p>
+                      <a:pPr algn="ctr"/>
+                      <a:r>
+                        <a:rPr kumimoji="1" lang="en-US" altLang="ja-JP" dirty="0">
+                          <a:solidFill>
+                            <a:schemeClr val="tx1"/>
+                          </a:solidFill>
+                        </a:rPr>
+                        <a:t>×</a:t>
+                      </a:r>
+                      <a:endParaRPr kumimoji="1" lang="ja-JP" altLang="en-US" dirty="0"/>
+                    </a:p>
+                  </a:txBody>
+                  <a:tcPr anchor="ctr">
+                    <a:lnL w="12700" cap="flat" cmpd="sng" algn="ctr">
+                      <a:solidFill>
+                        <a:schemeClr val="tx1"/>
+                      </a:solidFill>
+                      <a:prstDash val="solid"/>
+                      <a:round/>
+                      <a:headEnd type="none" w="med" len="med"/>
+                      <a:tailEnd type="none" w="med" len="med"/>
+                    </a:lnL>
+                    <a:lnR w="12700" cap="flat" cmpd="sng" algn="ctr">
+                      <a:solidFill>
+                        <a:schemeClr val="tx1"/>
+                      </a:solidFill>
+                      <a:prstDash val="solid"/>
+                      <a:round/>
+                      <a:headEnd type="none" w="med" len="med"/>
+                      <a:tailEnd type="none" w="med" len="med"/>
+                    </a:lnR>
+                    <a:lnT w="12700" cap="flat" cmpd="sng" algn="ctr">
+                      <a:solidFill>
+                        <a:schemeClr val="tx1"/>
+                      </a:solidFill>
+                      <a:prstDash val="solid"/>
+                      <a:round/>
+                      <a:headEnd type="none" w="med" len="med"/>
+                      <a:tailEnd type="none" w="med" len="med"/>
+                    </a:lnT>
+                    <a:lnB w="12700" cap="flat" cmpd="sng" algn="ctr">
+                      <a:solidFill>
+                        <a:schemeClr val="tx1"/>
+                      </a:solidFill>
+                      <a:prstDash val="solid"/>
+                      <a:round/>
+                      <a:headEnd type="none" w="med" len="med"/>
+                      <a:tailEnd type="none" w="med" len="med"/>
+                    </a:lnB>
+                    <a:lnTlToBr w="12700" cmpd="sng">
+                      <a:noFill/>
+                      <a:prstDash val="solid"/>
+                    </a:lnTlToBr>
+                    <a:lnBlToTr w="12700" cmpd="sng">
+                      <a:noFill/>
+                      <a:prstDash val="solid"/>
+                    </a:lnBlToTr>
+                    <a:solidFill>
+                      <a:schemeClr val="accent5">
+                        <a:lumMod val="40000"/>
+                        <a:lumOff val="60000"/>
+                      </a:schemeClr>
+                    </a:solidFill>
+                  </a:tcPr>
+                </a:tc>
+                <a:extLst>
+                  <a:ext uri="{0D108BD9-81ED-4DB2-BD59-A6C34878D82A}">
+                    <a16:rowId xmlns:a16="http://schemas.microsoft.com/office/drawing/2014/main" val="269299165"/>
+                  </a:ext>
+                </a:extLst>
+              </a:tr>
+              <a:tr h="760618">
+                <a:tc>
+                  <a:txBody>
+                    <a:bodyPr/>
+                    <a:lstStyle/>
+                    <a:p>
+                      <a:pPr algn="ctr"/>
+                      <a:r>
+                        <a:rPr kumimoji="1" lang="ja-JP" altLang="en-US" dirty="0"/>
+                        <a:t>○</a:t>
+                      </a:r>
+                    </a:p>
+                  </a:txBody>
+                  <a:tcPr anchor="ctr">
+                    <a:lnL w="12700" cap="flat" cmpd="sng" algn="ctr">
+                      <a:solidFill>
+                        <a:schemeClr val="tx1"/>
+                      </a:solidFill>
+                      <a:prstDash val="solid"/>
+                      <a:round/>
+                      <a:headEnd type="none" w="med" len="med"/>
+                      <a:tailEnd type="none" w="med" len="med"/>
+                    </a:lnL>
+                    <a:lnR w="12700" cap="flat" cmpd="sng" algn="ctr">
+                      <a:solidFill>
+                        <a:schemeClr val="tx1"/>
+                      </a:solidFill>
+                      <a:prstDash val="solid"/>
+                      <a:round/>
+                      <a:headEnd type="none" w="med" len="med"/>
+                      <a:tailEnd type="none" w="med" len="med"/>
+                    </a:lnR>
+                    <a:lnT w="12700" cap="flat" cmpd="sng" algn="ctr">
+                      <a:solidFill>
+                        <a:schemeClr val="tx1"/>
+                      </a:solidFill>
+                      <a:prstDash val="solid"/>
+                      <a:round/>
+                      <a:headEnd type="none" w="med" len="med"/>
+                      <a:tailEnd type="none" w="med" len="med"/>
+                    </a:lnT>
+                    <a:lnB w="12700" cap="flat" cmpd="sng" algn="ctr">
+                      <a:solidFill>
+                        <a:schemeClr val="tx1"/>
+                      </a:solidFill>
+                      <a:prstDash val="solid"/>
+                      <a:round/>
+                      <a:headEnd type="none" w="med" len="med"/>
+                      <a:tailEnd type="none" w="med" len="med"/>
+                    </a:lnB>
+                    <a:lnTlToBr w="12700" cmpd="sng">
+                      <a:noFill/>
+                      <a:prstDash val="solid"/>
+                    </a:lnTlToBr>
+                    <a:lnBlToTr w="12700" cmpd="sng">
+                      <a:noFill/>
+                      <a:prstDash val="solid"/>
+                    </a:lnBlToTr>
+                    <a:solidFill>
+                      <a:schemeClr val="accent5">
+                        <a:lumMod val="40000"/>
+                        <a:lumOff val="60000"/>
+                      </a:schemeClr>
+                    </a:solidFill>
+                  </a:tcPr>
+                </a:tc>
+                <a:tc>
+                  <a:txBody>
+                    <a:bodyPr/>
+                    <a:lstStyle/>
+                    <a:p>
+                      <a:pPr algn="ctr"/>
+                      <a:r>
+                        <a:rPr kumimoji="1" lang="en-US" altLang="ja-JP" dirty="0">
+                          <a:solidFill>
+                            <a:schemeClr val="tx1"/>
+                          </a:solidFill>
+                        </a:rPr>
+                        <a:t>×</a:t>
+                      </a:r>
+                      <a:endParaRPr kumimoji="1" lang="ja-JP" altLang="en-US" dirty="0"/>
+                    </a:p>
+                  </a:txBody>
+                  <a:tcPr anchor="ctr">
+                    <a:lnL w="12700" cap="flat" cmpd="sng" algn="ctr">
+                      <a:solidFill>
+                        <a:schemeClr val="tx1"/>
+                      </a:solidFill>
+                      <a:prstDash val="solid"/>
+                      <a:round/>
+                      <a:headEnd type="none" w="med" len="med"/>
+                      <a:tailEnd type="none" w="med" len="med"/>
+                    </a:lnL>
+                    <a:lnR w="12700" cap="flat" cmpd="sng" algn="ctr">
+                      <a:solidFill>
+                        <a:schemeClr val="tx1"/>
+                      </a:solidFill>
+                      <a:prstDash val="solid"/>
+                      <a:round/>
+                      <a:headEnd type="none" w="med" len="med"/>
+                      <a:tailEnd type="none" w="med" len="med"/>
+                    </a:lnR>
+                    <a:lnT w="12700" cap="flat" cmpd="sng" algn="ctr">
+                      <a:solidFill>
+                        <a:schemeClr val="tx1"/>
+                      </a:solidFill>
+                      <a:prstDash val="solid"/>
+                      <a:round/>
+                      <a:headEnd type="none" w="med" len="med"/>
+                      <a:tailEnd type="none" w="med" len="med"/>
+                    </a:lnT>
+                    <a:lnB w="12700" cap="flat" cmpd="sng" algn="ctr">
+                      <a:solidFill>
+                        <a:schemeClr val="tx1"/>
+                      </a:solidFill>
+                      <a:prstDash val="solid"/>
+                      <a:round/>
+                      <a:headEnd type="none" w="med" len="med"/>
+                      <a:tailEnd type="none" w="med" len="med"/>
+                    </a:lnB>
+                    <a:lnTlToBr w="12700" cmpd="sng">
+                      <a:noFill/>
+                      <a:prstDash val="solid"/>
+                    </a:lnTlToBr>
+                    <a:lnBlToTr w="12700" cmpd="sng">
+                      <a:noFill/>
+                      <a:prstDash val="solid"/>
+                    </a:lnBlToTr>
+                    <a:solidFill>
+                      <a:schemeClr val="accent5">
+                        <a:lumMod val="40000"/>
+                        <a:lumOff val="60000"/>
+                      </a:schemeClr>
+                    </a:solidFill>
+                  </a:tcPr>
+                </a:tc>
+                <a:tc>
+                  <a:txBody>
+                    <a:bodyPr/>
+                    <a:lstStyle/>
+                    <a:p>
+                      <a:pPr algn="ctr"/>
+                      <a:r>
+                        <a:rPr kumimoji="1" lang="en-US" altLang="ja-JP" dirty="0">
+                          <a:solidFill>
+                            <a:schemeClr val="tx1"/>
+                          </a:solidFill>
+                        </a:rPr>
+                        <a:t>×</a:t>
+                      </a:r>
+                      <a:endParaRPr kumimoji="1" lang="ja-JP" altLang="en-US" dirty="0"/>
+                    </a:p>
+                  </a:txBody>
+                  <a:tcPr anchor="ctr">
+                    <a:lnL w="12700" cap="flat" cmpd="sng" algn="ctr">
+                      <a:solidFill>
+                        <a:schemeClr val="tx1"/>
+                      </a:solidFill>
+                      <a:prstDash val="solid"/>
+                      <a:round/>
+                      <a:headEnd type="none" w="med" len="med"/>
+                      <a:tailEnd type="none" w="med" len="med"/>
+                    </a:lnL>
+                    <a:lnR w="12700" cap="flat" cmpd="sng" algn="ctr">
+                      <a:solidFill>
+                        <a:schemeClr val="tx1"/>
+                      </a:solidFill>
+                      <a:prstDash val="solid"/>
+                      <a:round/>
+                      <a:headEnd type="none" w="med" len="med"/>
+                      <a:tailEnd type="none" w="med" len="med"/>
+                    </a:lnR>
+                    <a:lnT w="12700" cap="flat" cmpd="sng" algn="ctr">
+                      <a:solidFill>
+                        <a:schemeClr val="tx1"/>
+                      </a:solidFill>
+                      <a:prstDash val="solid"/>
+                      <a:round/>
+                      <a:headEnd type="none" w="med" len="med"/>
+                      <a:tailEnd type="none" w="med" len="med"/>
+                    </a:lnT>
+                    <a:lnB w="12700" cap="flat" cmpd="sng" algn="ctr">
+                      <a:solidFill>
+                        <a:schemeClr val="tx1"/>
+                      </a:solidFill>
+                      <a:prstDash val="solid"/>
+                      <a:round/>
+                      <a:headEnd type="none" w="med" len="med"/>
+                      <a:tailEnd type="none" w="med" len="med"/>
+                    </a:lnB>
+                    <a:lnTlToBr w="12700" cmpd="sng">
+                      <a:noFill/>
+                      <a:prstDash val="solid"/>
+                    </a:lnTlToBr>
+                    <a:lnBlToTr w="12700" cmpd="sng">
+                      <a:noFill/>
+                      <a:prstDash val="solid"/>
+                    </a:lnBlToTr>
+                    <a:solidFill>
+                      <a:schemeClr val="accent5">
+                        <a:lumMod val="40000"/>
+                        <a:lumOff val="60000"/>
+                      </a:schemeClr>
+                    </a:solidFill>
+                  </a:tcPr>
+                </a:tc>
+                <a:tc>
+                  <a:txBody>
+                    <a:bodyPr/>
+                    <a:lstStyle/>
+                    <a:p>
+                      <a:pPr algn="ctr"/>
+                      <a:r>
+                        <a:rPr kumimoji="1" lang="en-US" altLang="ja-JP" dirty="0">
+                          <a:solidFill>
+                            <a:schemeClr val="tx1"/>
+                          </a:solidFill>
+                        </a:rPr>
+                        <a:t>×</a:t>
+                      </a:r>
+                      <a:endParaRPr kumimoji="1" lang="ja-JP" altLang="en-US" dirty="0"/>
+                    </a:p>
+                  </a:txBody>
+                  <a:tcPr anchor="ctr">
+                    <a:lnL w="12700" cap="flat" cmpd="sng" algn="ctr">
+                      <a:solidFill>
+                        <a:schemeClr val="tx1"/>
+                      </a:solidFill>
+                      <a:prstDash val="solid"/>
+                      <a:round/>
+                      <a:headEnd type="none" w="med" len="med"/>
+                      <a:tailEnd type="none" w="med" len="med"/>
+                    </a:lnL>
+                    <a:lnR w="12700" cap="flat" cmpd="sng" algn="ctr">
+                      <a:solidFill>
+                        <a:schemeClr val="tx1"/>
+                      </a:solidFill>
+                      <a:prstDash val="solid"/>
+                      <a:round/>
+                      <a:headEnd type="none" w="med" len="med"/>
+                      <a:tailEnd type="none" w="med" len="med"/>
+                    </a:lnR>
+                    <a:lnT w="12700" cap="flat" cmpd="sng" algn="ctr">
+                      <a:solidFill>
+                        <a:schemeClr val="tx1"/>
+                      </a:solidFill>
+                      <a:prstDash val="solid"/>
+                      <a:round/>
+                      <a:headEnd type="none" w="med" len="med"/>
+                      <a:tailEnd type="none" w="med" len="med"/>
+                    </a:lnT>
+                    <a:lnB w="12700" cap="flat" cmpd="sng" algn="ctr">
+                      <a:solidFill>
+                        <a:schemeClr val="tx1"/>
+                      </a:solidFill>
+                      <a:prstDash val="solid"/>
+                      <a:round/>
+                      <a:headEnd type="none" w="med" len="med"/>
+                      <a:tailEnd type="none" w="med" len="med"/>
+                    </a:lnB>
+                    <a:lnTlToBr w="12700" cmpd="sng">
+                      <a:noFill/>
+                      <a:prstDash val="solid"/>
+                    </a:lnTlToBr>
+                    <a:lnBlToTr w="12700" cmpd="sng">
+                      <a:noFill/>
+                      <a:prstDash val="solid"/>
+                    </a:lnBlToTr>
+                    <a:solidFill>
+                      <a:schemeClr val="accent5">
+                        <a:lumMod val="40000"/>
+                        <a:lumOff val="60000"/>
+                      </a:schemeClr>
+                    </a:solidFill>
+                  </a:tcPr>
+                </a:tc>
+                <a:tc>
+                  <a:txBody>
+                    <a:bodyPr/>
+                    <a:lstStyle/>
+                    <a:p>
+                      <a:pPr algn="ctr"/>
+                      <a:r>
+                        <a:rPr kumimoji="1" lang="en-US" altLang="ja-JP" dirty="0">
+                          <a:solidFill>
+                            <a:schemeClr val="tx1"/>
+                          </a:solidFill>
+                        </a:rPr>
+                        <a:t>×</a:t>
+                      </a:r>
+                      <a:endParaRPr kumimoji="1" lang="ja-JP" altLang="en-US" dirty="0"/>
+                    </a:p>
+                  </a:txBody>
+                  <a:tcPr anchor="ctr">
+                    <a:lnL w="12700" cap="flat" cmpd="sng" algn="ctr">
+                      <a:solidFill>
+                        <a:schemeClr val="tx1"/>
+                      </a:solidFill>
+                      <a:prstDash val="solid"/>
+                      <a:round/>
+                      <a:headEnd type="none" w="med" len="med"/>
+                      <a:tailEnd type="none" w="med" len="med"/>
+                    </a:lnL>
+                    <a:lnR w="12700" cap="flat" cmpd="sng" algn="ctr">
+                      <a:solidFill>
+                        <a:schemeClr val="tx1"/>
+                      </a:solidFill>
+                      <a:prstDash val="solid"/>
+                      <a:round/>
+                      <a:headEnd type="none" w="med" len="med"/>
+                      <a:tailEnd type="none" w="med" len="med"/>
+                    </a:lnR>
+                    <a:lnT w="12700" cap="flat" cmpd="sng" algn="ctr">
+                      <a:solidFill>
+                        <a:schemeClr val="tx1"/>
+                      </a:solidFill>
+                      <a:prstDash val="solid"/>
+                      <a:round/>
+                      <a:headEnd type="none" w="med" len="med"/>
+                      <a:tailEnd type="none" w="med" len="med"/>
+                    </a:lnT>
+                    <a:lnB w="12700" cap="flat" cmpd="sng" algn="ctr">
+                      <a:solidFill>
+                        <a:schemeClr val="tx1"/>
+                      </a:solidFill>
+                      <a:prstDash val="solid"/>
+                      <a:round/>
+                      <a:headEnd type="none" w="med" len="med"/>
+                      <a:tailEnd type="none" w="med" len="med"/>
+                    </a:lnB>
+                    <a:lnTlToBr w="12700" cmpd="sng">
+                      <a:noFill/>
+                      <a:prstDash val="solid"/>
+                    </a:lnTlToBr>
+                    <a:lnBlToTr w="12700" cmpd="sng">
+                      <a:noFill/>
+                      <a:prstDash val="solid"/>
+                    </a:lnBlToTr>
+                    <a:solidFill>
+                      <a:schemeClr val="accent5">
+                        <a:lumMod val="40000"/>
+                        <a:lumOff val="60000"/>
+                      </a:schemeClr>
+                    </a:solidFill>
+                  </a:tcPr>
+                </a:tc>
+                <a:extLst>
+                  <a:ext uri="{0D108BD9-81ED-4DB2-BD59-A6C34878D82A}">
+                    <a16:rowId xmlns:a16="http://schemas.microsoft.com/office/drawing/2014/main" val="2450339548"/>
+                  </a:ext>
+                </a:extLst>
+              </a:tr>
+            </a:tbl>
+          </a:graphicData>
+        </a:graphic>
+      </p:graphicFrame>
+      <p:sp>
+        <p:nvSpPr>
+          <p:cNvPr id="10" name="テキスト ボックス 9">
             <a:extLst>
-              <a:ext uri="{28A0092B-C50C-407E-A947-70E740481C1C}">
-                <a14:useLocalDpi xmlns:a14="http://schemas.microsoft.com/office/drawing/2010/main" val="0"/>
-              </a:ext>
-              <a:ext uri="{96DAC541-7B7A-43D3-8B79-37D633B846F1}">
-                <asvg:svgBlip xmlns:asvg="http://schemas.microsoft.com/office/drawing/2016/SVG/main" r:embed="rId3"/>
+              <a:ext uri="{FF2B5EF4-FFF2-40B4-BE49-F238E27FC236}">
+                <a16:creationId xmlns:a16="http://schemas.microsoft.com/office/drawing/2014/main" id="{438948E6-C992-4EB0-9EEA-1050BC526A42}"/>
               </a:ext>
             </a:extLst>
-          </a:blip>
-          <a:stretch>
-            <a:fillRect/>
-          </a:stretch>
-        </p:blipFill>
+          </p:cNvPr>
+          <p:cNvSpPr txBox="1"/>
+          <p:nvPr/>
+        </p:nvSpPr>
         <p:spPr>
           <a:xfrm>
-            <a:off x="1061027" y="1690688"/>
-            <a:ext cx="4787322" cy="3594390"/>
+            <a:off x="8246989" y="5467927"/>
+            <a:ext cx="2807855" cy="369332"/>
           </a:xfrm>
           <a:prstGeom prst="rect">
             <a:avLst/>
           </a:prstGeom>
+          <a:noFill/>
         </p:spPr>
-      </p:pic>
-      <p:pic>
-        <p:nvPicPr>
-          <p:cNvPr id="15" name="グラフィックス 14">
-            <a:extLst>
-              <a:ext uri="{FF2B5EF4-FFF2-40B4-BE49-F238E27FC236}">
-                <a16:creationId xmlns:a16="http://schemas.microsoft.com/office/drawing/2014/main" id="{73952729-4DA2-4AD0-A6D1-2DB4432AFA7A}"/>
-              </a:ext>
-            </a:extLst>
-          </p:cNvPr>
-          <p:cNvPicPr>
-            <a:picLocks noChangeAspect="1"/>
-          </p:cNvPicPr>
-          <p:nvPr/>
-        </p:nvPicPr>
-        <p:blipFill>
-          <a:blip r:embed="rId4">
-            <a:extLst>
-              <a:ext uri="{28A0092B-C50C-407E-A947-70E740481C1C}">
-                <a14:useLocalDpi xmlns:a14="http://schemas.microsoft.com/office/drawing/2010/main" val="0"/>
-              </a:ext>
-              <a:ext uri="{96DAC541-7B7A-43D3-8B79-37D633B846F1}">
-                <asvg:svgBlip xmlns:asvg="http://schemas.microsoft.com/office/drawing/2016/SVG/main" r:embed="rId5"/>
-              </a:ext>
-            </a:extLst>
-          </a:blip>
-          <a:stretch>
-            <a:fillRect/>
-          </a:stretch>
-        </p:blipFill>
-        <p:spPr>
-          <a:xfrm>
-            <a:off x="6343648" y="1690688"/>
-            <a:ext cx="4787322" cy="3594390"/>
-          </a:xfrm>
-          <a:prstGeom prst="rect">
-            <a:avLst/>
-          </a:prstGeom>
-        </p:spPr>
-      </p:pic>
+        <p:txBody>
+          <a:bodyPr wrap="square" rtlCol="0">
+            <a:spAutoFit/>
+          </a:bodyPr>
+          <a:lstStyle/>
+          <a:p>
+            <a:pPr algn="ctr"/>
+            <a:r>
+              <a:rPr kumimoji="1" lang="en-US" altLang="ja-JP" dirty="0"/>
+              <a:t>A       B       C       D       E</a:t>
+            </a:r>
+            <a:endParaRPr kumimoji="1" lang="ja-JP" altLang="en-US" dirty="0"/>
+          </a:p>
+        </p:txBody>
+      </p:sp>
     </p:spTree>
     <p:extLst>
       <p:ext uri="{BB962C8B-B14F-4D97-AF65-F5344CB8AC3E}">
-        <p14:creationId xmlns:p14="http://schemas.microsoft.com/office/powerpoint/2010/main" val="1452337487"/>
+        <p14:creationId xmlns:p14="http://schemas.microsoft.com/office/powerpoint/2010/main" val="3079256460"/>
       </p:ext>
     </p:extLst>
   </p:cSld>
@@ -4818,6 +9058,374 @@
           <p:cNvPr id="2" name="タイトル 1">
             <a:extLst>
               <a:ext uri="{FF2B5EF4-FFF2-40B4-BE49-F238E27FC236}">
+                <a16:creationId xmlns:a16="http://schemas.microsoft.com/office/drawing/2014/main" id="{9E068F0E-2C72-4B55-9AC0-76438B7DA60D}"/>
+              </a:ext>
+            </a:extLst>
+          </p:cNvPr>
+          <p:cNvSpPr>
+            <a:spLocks noGrp="1"/>
+          </p:cNvSpPr>
+          <p:nvPr>
+            <p:ph type="title"/>
+          </p:nvPr>
+        </p:nvSpPr>
+        <p:spPr/>
+        <p:txBody>
+          <a:bodyPr/>
+          <a:lstStyle/>
+          <a:p>
+            <a:r>
+              <a:rPr kumimoji="1" lang="ja-JP" altLang="en-US" dirty="0"/>
+              <a:t>結果</a:t>
+            </a:r>
+            <a:r>
+              <a:rPr kumimoji="1" lang="en-US" altLang="ja-JP" dirty="0"/>
+              <a:t>(</a:t>
+            </a:r>
+            <a:r>
+              <a:rPr lang="en-US" altLang="ja-JP" dirty="0"/>
+              <a:t>3/4</a:t>
+            </a:r>
+            <a:r>
+              <a:rPr kumimoji="1" lang="en-US" altLang="ja-JP" dirty="0"/>
+              <a:t>)</a:t>
+            </a:r>
+            <a:endParaRPr kumimoji="1" lang="ja-JP" altLang="en-US" dirty="0"/>
+          </a:p>
+        </p:txBody>
+      </p:sp>
+      <p:sp>
+        <p:nvSpPr>
+          <p:cNvPr id="4" name="スライド番号プレースホルダー 3">
+            <a:extLst>
+              <a:ext uri="{FF2B5EF4-FFF2-40B4-BE49-F238E27FC236}">
+                <a16:creationId xmlns:a16="http://schemas.microsoft.com/office/drawing/2014/main" id="{D5463A93-773A-43C8-970B-233CBCF9CCCB}"/>
+              </a:ext>
+            </a:extLst>
+          </p:cNvPr>
+          <p:cNvSpPr>
+            <a:spLocks noGrp="1"/>
+          </p:cNvSpPr>
+          <p:nvPr>
+            <p:ph type="sldNum" sz="quarter" idx="12"/>
+          </p:nvPr>
+        </p:nvSpPr>
+        <p:spPr/>
+        <p:txBody>
+          <a:bodyPr/>
+          <a:lstStyle/>
+          <a:p>
+            <a:pPr marL="0" marR="0" lvl="0" indent="0" algn="r" defTabSz="914400" rtl="0" eaLnBrk="1" fontAlgn="auto" latinLnBrk="0" hangingPunct="1">
+              <a:lnSpc>
+                <a:spcPct val="100000"/>
+              </a:lnSpc>
+              <a:spcBef>
+                <a:spcPts val="0"/>
+              </a:spcBef>
+              <a:spcAft>
+                <a:spcPts val="0"/>
+              </a:spcAft>
+              <a:buClrTx/>
+              <a:buSzTx/>
+              <a:buFontTx/>
+              <a:buNone/>
+              <a:tabLst/>
+              <a:defRPr/>
+            </a:pPr>
+            <a:fld id="{92084505-5355-43A2-B929-FD06D0DABC31}" type="slidenum">
+              <a:rPr kumimoji="1" lang="ja-JP" altLang="en-US" sz="1200" b="1" i="0" u="none" strike="noStrike" kern="1200" cap="none" spc="0" normalizeH="0" baseline="0" noProof="0" smtClean="0">
+                <a:ln>
+                  <a:noFill/>
+                </a:ln>
+                <a:solidFill>
+                  <a:prstClr val="white"/>
+                </a:solidFill>
+                <a:effectLst/>
+                <a:uLnTx/>
+                <a:uFillTx/>
+                <a:latin typeface="游ゴシック" panose="020F0502020204030204"/>
+                <a:ea typeface="游ゴシック" panose="020B0400000000000000" pitchFamily="50" charset="-128"/>
+                <a:cs typeface="+mn-cs"/>
+              </a:rPr>
+              <a:pPr marL="0" marR="0" lvl="0" indent="0" algn="r" defTabSz="914400" rtl="0" eaLnBrk="1" fontAlgn="auto" latinLnBrk="0" hangingPunct="1">
+                <a:lnSpc>
+                  <a:spcPct val="100000"/>
+                </a:lnSpc>
+                <a:spcBef>
+                  <a:spcPts val="0"/>
+                </a:spcBef>
+                <a:spcAft>
+                  <a:spcPts val="0"/>
+                </a:spcAft>
+                <a:buClrTx/>
+                <a:buSzTx/>
+                <a:buFontTx/>
+                <a:buNone/>
+                <a:tabLst/>
+                <a:defRPr/>
+              </a:pPr>
+              <a:t>11</a:t>
+            </a:fld>
+            <a:endParaRPr kumimoji="1" lang="ja-JP" altLang="en-US" sz="1200" b="1" i="0" u="none" strike="noStrike" kern="1200" cap="none" spc="0" normalizeH="0" baseline="0" noProof="0" dirty="0">
+              <a:ln>
+                <a:noFill/>
+              </a:ln>
+              <a:solidFill>
+                <a:prstClr val="white"/>
+              </a:solidFill>
+              <a:effectLst/>
+              <a:uLnTx/>
+              <a:uFillTx/>
+              <a:latin typeface="游ゴシック" panose="020F0502020204030204"/>
+              <a:ea typeface="游ゴシック" panose="020B0400000000000000" pitchFamily="50" charset="-128"/>
+              <a:cs typeface="+mn-cs"/>
+            </a:endParaRPr>
+          </a:p>
+        </p:txBody>
+      </p:sp>
+      <p:sp>
+        <p:nvSpPr>
+          <p:cNvPr id="9" name="テキスト ボックス 8">
+            <a:extLst>
+              <a:ext uri="{FF2B5EF4-FFF2-40B4-BE49-F238E27FC236}">
+                <a16:creationId xmlns:a16="http://schemas.microsoft.com/office/drawing/2014/main" id="{E6EE4CD0-41A6-46D1-8650-7C5E7E833D17}"/>
+              </a:ext>
+            </a:extLst>
+          </p:cNvPr>
+          <p:cNvSpPr txBox="1"/>
+          <p:nvPr/>
+        </p:nvSpPr>
+        <p:spPr>
+          <a:xfrm>
+            <a:off x="1313933" y="5529600"/>
+            <a:ext cx="4581237" cy="369332"/>
+          </a:xfrm>
+          <a:prstGeom prst="rect">
+            <a:avLst/>
+          </a:prstGeom>
+          <a:noFill/>
+        </p:spPr>
+        <p:txBody>
+          <a:bodyPr wrap="square" rtlCol="0">
+            <a:spAutoFit/>
+          </a:bodyPr>
+          <a:lstStyle/>
+          <a:p>
+            <a:pPr marL="0" marR="0" lvl="0" indent="0" algn="ctr" defTabSz="914400" rtl="0" eaLnBrk="1" fontAlgn="auto" latinLnBrk="0" hangingPunct="1">
+              <a:lnSpc>
+                <a:spcPct val="100000"/>
+              </a:lnSpc>
+              <a:spcBef>
+                <a:spcPts val="0"/>
+              </a:spcBef>
+              <a:spcAft>
+                <a:spcPts val="0"/>
+              </a:spcAft>
+              <a:buClrTx/>
+              <a:buSzTx/>
+              <a:buFontTx/>
+              <a:buNone/>
+              <a:tabLst/>
+              <a:defRPr/>
+            </a:pPr>
+            <a:r>
+              <a:rPr kumimoji="1" lang="ja-JP" altLang="en-US" sz="1800" b="0" i="0" u="none" strike="noStrike" kern="1200" cap="none" spc="0" normalizeH="0" baseline="0" noProof="0" dirty="0">
+                <a:ln>
+                  <a:noFill/>
+                </a:ln>
+                <a:solidFill>
+                  <a:prstClr val="black"/>
+                </a:solidFill>
+                <a:effectLst/>
+                <a:uLnTx/>
+                <a:uFillTx/>
+                <a:latin typeface="游ゴシック" panose="020F0502020204030204"/>
+                <a:ea typeface="游ゴシック" panose="020B0400000000000000" pitchFamily="50" charset="-128"/>
+                <a:cs typeface="+mn-cs"/>
+              </a:rPr>
+              <a:t>特徴があり，かなり良い結果</a:t>
+            </a:r>
+          </a:p>
+        </p:txBody>
+      </p:sp>
+      <p:sp>
+        <p:nvSpPr>
+          <p:cNvPr id="10" name="テキスト ボックス 9">
+            <a:extLst>
+              <a:ext uri="{FF2B5EF4-FFF2-40B4-BE49-F238E27FC236}">
+                <a16:creationId xmlns:a16="http://schemas.microsoft.com/office/drawing/2014/main" id="{9F06D9D4-8C9E-4A4A-BEC3-5EEE24C8F3F3}"/>
+              </a:ext>
+            </a:extLst>
+          </p:cNvPr>
+          <p:cNvSpPr txBox="1"/>
+          <p:nvPr/>
+        </p:nvSpPr>
+        <p:spPr>
+          <a:xfrm>
+            <a:off x="6519600" y="5529600"/>
+            <a:ext cx="4581237" cy="369332"/>
+          </a:xfrm>
+          <a:prstGeom prst="rect">
+            <a:avLst/>
+          </a:prstGeom>
+          <a:noFill/>
+        </p:spPr>
+        <p:txBody>
+          <a:bodyPr wrap="square" rtlCol="0">
+            <a:spAutoFit/>
+          </a:bodyPr>
+          <a:lstStyle/>
+          <a:p>
+            <a:pPr marL="0" marR="0" lvl="0" indent="0" algn="ctr" defTabSz="914400" rtl="0" eaLnBrk="1" fontAlgn="auto" latinLnBrk="0" hangingPunct="1">
+              <a:lnSpc>
+                <a:spcPct val="100000"/>
+              </a:lnSpc>
+              <a:spcBef>
+                <a:spcPts val="0"/>
+              </a:spcBef>
+              <a:spcAft>
+                <a:spcPts val="0"/>
+              </a:spcAft>
+              <a:buClrTx/>
+              <a:buSzTx/>
+              <a:buFontTx/>
+              <a:buNone/>
+              <a:tabLst/>
+              <a:defRPr/>
+            </a:pPr>
+            <a:r>
+              <a:rPr kumimoji="1" lang="ja-JP" altLang="en-US" sz="1800" b="0" i="0" u="none" strike="noStrike" kern="1200" cap="none" spc="0" normalizeH="0" baseline="0" noProof="0" dirty="0">
+                <a:ln>
+                  <a:noFill/>
+                </a:ln>
+                <a:solidFill>
+                  <a:prstClr val="black"/>
+                </a:solidFill>
+                <a:effectLst/>
+                <a:uLnTx/>
+                <a:uFillTx/>
+                <a:latin typeface="游ゴシック" panose="020F0502020204030204"/>
+                <a:ea typeface="游ゴシック" panose="020B0400000000000000" pitchFamily="50" charset="-128"/>
+                <a:cs typeface="+mn-cs"/>
+              </a:rPr>
+              <a:t>被り方のずれがあったのか，少し悪い結果</a:t>
+            </a:r>
+          </a:p>
+        </p:txBody>
+      </p:sp>
+      <p:pic>
+        <p:nvPicPr>
+          <p:cNvPr id="13" name="グラフィックス 12">
+            <a:extLst>
+              <a:ext uri="{FF2B5EF4-FFF2-40B4-BE49-F238E27FC236}">
+                <a16:creationId xmlns:a16="http://schemas.microsoft.com/office/drawing/2014/main" id="{9247A616-272D-4208-BC86-3006797476ED}"/>
+              </a:ext>
+            </a:extLst>
+          </p:cNvPr>
+          <p:cNvPicPr>
+            <a:picLocks noChangeAspect="1"/>
+          </p:cNvPicPr>
+          <p:nvPr/>
+        </p:nvPicPr>
+        <p:blipFill>
+          <a:blip r:embed="rId3">
+            <a:extLst>
+              <a:ext uri="{28A0092B-C50C-407E-A947-70E740481C1C}">
+                <a14:useLocalDpi xmlns:a14="http://schemas.microsoft.com/office/drawing/2010/main" val="0"/>
+              </a:ext>
+              <a:ext uri="{96DAC541-7B7A-43D3-8B79-37D633B846F1}">
+                <asvg:svgBlip xmlns:asvg="http://schemas.microsoft.com/office/drawing/2016/SVG/main" r:embed="rId4"/>
+              </a:ext>
+            </a:extLst>
+          </a:blip>
+          <a:stretch>
+            <a:fillRect/>
+          </a:stretch>
+        </p:blipFill>
+        <p:spPr>
+          <a:xfrm>
+            <a:off x="1166400" y="1692000"/>
+            <a:ext cx="4876305" cy="3661200"/>
+          </a:xfrm>
+          <a:prstGeom prst="rect">
+            <a:avLst/>
+          </a:prstGeom>
+        </p:spPr>
+      </p:pic>
+      <p:pic>
+        <p:nvPicPr>
+          <p:cNvPr id="15" name="グラフィックス 14">
+            <a:extLst>
+              <a:ext uri="{FF2B5EF4-FFF2-40B4-BE49-F238E27FC236}">
+                <a16:creationId xmlns:a16="http://schemas.microsoft.com/office/drawing/2014/main" id="{73952729-4DA2-4AD0-A6D1-2DB4432AFA7A}"/>
+              </a:ext>
+            </a:extLst>
+          </p:cNvPr>
+          <p:cNvPicPr>
+            <a:picLocks noChangeAspect="1"/>
+          </p:cNvPicPr>
+          <p:nvPr/>
+        </p:nvPicPr>
+        <p:blipFill>
+          <a:blip r:embed="rId5">
+            <a:extLst>
+              <a:ext uri="{28A0092B-C50C-407E-A947-70E740481C1C}">
+                <a14:useLocalDpi xmlns:a14="http://schemas.microsoft.com/office/drawing/2010/main" val="0"/>
+              </a:ext>
+              <a:ext uri="{96DAC541-7B7A-43D3-8B79-37D633B846F1}">
+                <asvg:svgBlip xmlns:asvg="http://schemas.microsoft.com/office/drawing/2016/SVG/main" r:embed="rId6"/>
+              </a:ext>
+            </a:extLst>
+          </a:blip>
+          <a:stretch>
+            <a:fillRect/>
+          </a:stretch>
+        </p:blipFill>
+        <p:spPr>
+          <a:xfrm>
+            <a:off x="6415200" y="1692000"/>
+            <a:ext cx="4876305" cy="3661200"/>
+          </a:xfrm>
+          <a:prstGeom prst="rect">
+            <a:avLst/>
+          </a:prstGeom>
+        </p:spPr>
+      </p:pic>
+    </p:spTree>
+    <p:extLst>
+      <p:ext uri="{BB962C8B-B14F-4D97-AF65-F5344CB8AC3E}">
+        <p14:creationId xmlns:p14="http://schemas.microsoft.com/office/powerpoint/2010/main" val="1452337487"/>
+      </p:ext>
+    </p:extLst>
+  </p:cSld>
+  <p:clrMapOvr>
+    <a:masterClrMapping/>
+  </p:clrMapOvr>
+</p:sld>
+</file>
+
+<file path=ppt/slides/slide12.xml><?xml version="1.0" encoding="utf-8"?>
+<p:sld xmlns:a="http://schemas.openxmlformats.org/drawingml/2006/main" xmlns:r="http://schemas.openxmlformats.org/officeDocument/2006/relationships" xmlns:p="http://schemas.openxmlformats.org/presentationml/2006/main">
+  <p:cSld>
+    <p:spTree>
+      <p:nvGrpSpPr>
+        <p:cNvPr id="1" name=""/>
+        <p:cNvGrpSpPr/>
+        <p:nvPr/>
+      </p:nvGrpSpPr>
+      <p:grpSpPr>
+        <a:xfrm>
+          <a:off x="0" y="0"/>
+          <a:ext cx="0" cy="0"/>
+          <a:chOff x="0" y="0"/>
+          <a:chExt cx="0" cy="0"/>
+        </a:xfrm>
+      </p:grpSpPr>
+      <p:sp>
+        <p:nvSpPr>
+          <p:cNvPr id="2" name="タイトル 1">
+            <a:extLst>
+              <a:ext uri="{FF2B5EF4-FFF2-40B4-BE49-F238E27FC236}">
                 <a16:creationId xmlns:a16="http://schemas.microsoft.com/office/drawing/2014/main" id="{4787F855-443D-446A-BF58-6F9D2C8F61FD}"/>
               </a:ext>
             </a:extLst>
@@ -4843,12 +9451,8 @@
               <a:t>(</a:t>
             </a:r>
             <a:r>
-              <a:rPr kumimoji="1" lang="ja-JP" altLang="en-US" dirty="0"/>
-              <a:t>判別 </a:t>
-            </a:r>
-            <a:r>
               <a:rPr lang="en-US" altLang="ja-JP" dirty="0"/>
-              <a:t>2/2</a:t>
+              <a:t>4/4</a:t>
             </a:r>
             <a:r>
               <a:rPr kumimoji="1" lang="en-US" altLang="ja-JP" dirty="0"/>
@@ -4879,12 +9483,71 @@
           <a:bodyPr/>
           <a:lstStyle/>
           <a:p>
+            <a:pPr marL="0" marR="0" lvl="0" indent="0" algn="r" defTabSz="914400" rtl="0" eaLnBrk="1" fontAlgn="auto" latinLnBrk="0" hangingPunct="1">
+              <a:lnSpc>
+                <a:spcPct val="100000"/>
+              </a:lnSpc>
+              <a:spcBef>
+                <a:spcPts val="0"/>
+              </a:spcBef>
+              <a:spcAft>
+                <a:spcPts val="0"/>
+              </a:spcAft>
+              <a:buClrTx/>
+              <a:buSzTx/>
+              <a:buFontTx/>
+              <a:buNone/>
+              <a:tabLst/>
+              <a:defRPr/>
+            </a:pPr>
             <a:fld id="{92084505-5355-43A2-B929-FD06D0DABC31}" type="slidenum">
-              <a:rPr lang="ja-JP" altLang="en-US" smtClean="0"/>
-              <a:pPr/>
-              <a:t>11</a:t>
+              <a:rPr kumimoji="1" lang="ja-JP" altLang="en-US" sz="1200" b="1" i="0" u="none" strike="noStrike" kern="1200" cap="none" spc="0" normalizeH="0" baseline="0" noProof="0" smtClean="0">
+                <a:ln>
+                  <a:noFill/>
+                </a:ln>
+                <a:solidFill>
+                  <a:prstClr val="white"/>
+                </a:solidFill>
+                <a:effectLst/>
+                <a:uLnTx/>
+                <a:uFillTx/>
+                <a:latin typeface="游ゴシック" panose="020F0502020204030204"/>
+                <a:ea typeface="游ゴシック" panose="020B0400000000000000" pitchFamily="50" charset="-128"/>
+                <a:cs typeface="+mn-cs"/>
+              </a:rPr>
+              <a:pPr marL="0" marR="0" lvl="0" indent="0" algn="r" defTabSz="914400" rtl="0" eaLnBrk="1" fontAlgn="auto" latinLnBrk="0" hangingPunct="1">
+                <a:lnSpc>
+                  <a:spcPct val="100000"/>
+                </a:lnSpc>
+                <a:spcBef>
+                  <a:spcPts val="0"/>
+                </a:spcBef>
+                <a:spcAft>
+                  <a:spcPts val="0"/>
+                </a:spcAft>
+                <a:buClrTx/>
+                <a:buSzTx/>
+                <a:buFontTx/>
+                <a:buNone/>
+                <a:tabLst/>
+                <a:defRPr/>
+              </a:pPr>
+              <a:t>12</a:t>
             </a:fld>
-            <a:endParaRPr lang="ja-JP" altLang="en-US" dirty="0"/>
+            <a:endParaRPr kumimoji="1" lang="ja-JP" altLang="en-US" sz="1200" b="1" i="0" u="none" strike="noStrike" kern="1200" cap="none" spc="0" normalizeH="0" baseline="0" noProof="0" dirty="0">
+              <a:ln>
+                <a:noFill/>
+              </a:ln>
+              <a:solidFill>
+                <a:prstClr val="white"/>
+              </a:solidFill>
+              <a:effectLst/>
+              <a:uLnTx/>
+              <a:uFillTx/>
+              <a:latin typeface="游ゴシック" panose="020F0502020204030204"/>
+              <a:ea typeface="游ゴシック" panose="020B0400000000000000" pitchFamily="50" charset="-128"/>
+              <a:cs typeface="+mn-cs"/>
+            </a:endParaRPr>
           </a:p>
         </p:txBody>
       </p:sp>
@@ -4916,30 +9579,96 @@
           </a:bodyPr>
           <a:lstStyle/>
           <a:p>
-            <a:r>
-              <a:rPr lang="ja-JP" altLang="en-US" sz="2800" b="1" dirty="0"/>
+            <a:pPr marL="0" marR="0" lvl="0" indent="0" algn="l" defTabSz="914400" rtl="0" eaLnBrk="1" fontAlgn="auto" latinLnBrk="0" hangingPunct="1">
+              <a:lnSpc>
+                <a:spcPct val="100000"/>
+              </a:lnSpc>
+              <a:spcBef>
+                <a:spcPts val="0"/>
+              </a:spcBef>
+              <a:spcAft>
+                <a:spcPts val="0"/>
+              </a:spcAft>
+              <a:buClrTx/>
+              <a:buSzTx/>
+              <a:buFontTx/>
+              <a:buNone/>
+              <a:tabLst/>
+              <a:defRPr/>
+            </a:pPr>
+            <a:r>
+              <a:rPr kumimoji="1" lang="ja-JP" altLang="en-US" sz="2800" b="1" i="0" u="none" strike="noStrike" kern="1200" cap="none" spc="0" normalizeH="0" baseline="0" noProof="0" dirty="0">
+                <a:ln>
+                  <a:noFill/>
+                </a:ln>
+                <a:solidFill>
+                  <a:prstClr val="black"/>
+                </a:solidFill>
+                <a:effectLst/>
+                <a:uLnTx/>
+                <a:uFillTx/>
+                <a:latin typeface="游ゴシック" panose="020F0502020204030204"/>
+                <a:ea typeface="游ゴシック" panose="020B0400000000000000" pitchFamily="50" charset="-128"/>
+                <a:cs typeface="+mn-cs"/>
+              </a:rPr>
               <a:t>エラー率：</a:t>
             </a:r>
             <a:r>
-              <a:rPr lang="ja-JP" altLang="en-US" sz="2800" b="1" dirty="0">
+              <a:rPr kumimoji="1" lang="ja-JP" altLang="en-US" sz="2800" b="1" i="0" u="none" strike="noStrike" kern="1200" cap="none" spc="0" normalizeH="0" baseline="0" noProof="0" dirty="0">
+                <a:ln>
+                  <a:noFill/>
+                </a:ln>
+                <a:solidFill>
+                  <a:prstClr val="black"/>
+                </a:solidFill>
+                <a:effectLst/>
                 <a:highlight>
                   <a:srgbClr val="FFFF00"/>
                 </a:highlight>
+                <a:uLnTx/>
+                <a:uFillTx/>
+                <a:latin typeface="游ゴシック" panose="020F0502020204030204"/>
+                <a:ea typeface="游ゴシック" panose="020B0400000000000000" pitchFamily="50" charset="-128"/>
+                <a:cs typeface="+mn-cs"/>
               </a:rPr>
               <a:t>約</a:t>
             </a:r>
             <a:r>
-              <a:rPr lang="en-US" altLang="ja-JP" sz="2800" b="1" dirty="0">
+              <a:rPr kumimoji="1" lang="en-US" altLang="ja-JP" sz="2800" b="1" i="0" u="none" strike="noStrike" kern="1200" cap="none" spc="0" normalizeH="0" baseline="0" noProof="0" dirty="0">
+                <a:ln>
+                  <a:noFill/>
+                </a:ln>
+                <a:solidFill>
+                  <a:prstClr val="black"/>
+                </a:solidFill>
+                <a:effectLst/>
                 <a:highlight>
                   <a:srgbClr val="FFFF00"/>
                 </a:highlight>
+                <a:uLnTx/>
+                <a:uFillTx/>
+                <a:latin typeface="游ゴシック" panose="020F0502020204030204"/>
+                <a:ea typeface="游ゴシック" panose="020B0400000000000000" pitchFamily="50" charset="-128"/>
+                <a:cs typeface="+mn-cs"/>
               </a:rPr>
               <a:t>3%</a:t>
             </a:r>
-            <a:endParaRPr kumimoji="1" lang="ja-JP" altLang="en-US" sz="2800" b="1" dirty="0">
+            <a:endParaRPr kumimoji="1" lang="ja-JP" altLang="en-US" sz="2800" b="1" i="0" u="none" strike="noStrike" kern="1200" cap="none" spc="0" normalizeH="0" baseline="0" noProof="0" dirty="0">
+              <a:ln>
+                <a:noFill/>
+              </a:ln>
+              <a:solidFill>
+                <a:prstClr val="black"/>
+              </a:solidFill>
+              <a:effectLst/>
               <a:highlight>
                 <a:srgbClr val="FFFF00"/>
               </a:highlight>
+              <a:uLnTx/>
+              <a:uFillTx/>
+              <a:latin typeface="游ゴシック" panose="020F0502020204030204"/>
+              <a:ea typeface="游ゴシック" panose="020B0400000000000000" pitchFamily="50" charset="-128"/>
+              <a:cs typeface="+mn-cs"/>
             </a:endParaRPr>
           </a:p>
         </p:txBody>
@@ -4959,13 +9688,13 @@
           <p:nvPr/>
         </p:nvPicPr>
         <p:blipFill>
-          <a:blip r:embed="rId2">
+          <a:blip r:embed="rId3">
             <a:extLst>
               <a:ext uri="{28A0092B-C50C-407E-A947-70E740481C1C}">
                 <a14:useLocalDpi xmlns:a14="http://schemas.microsoft.com/office/drawing/2010/main" val="0"/>
               </a:ext>
               <a:ext uri="{96DAC541-7B7A-43D3-8B79-37D633B846F1}">
-                <asvg:svgBlip xmlns:asvg="http://schemas.microsoft.com/office/drawing/2016/SVG/main" r:embed="rId3"/>
+                <asvg:svgBlip xmlns:asvg="http://schemas.microsoft.com/office/drawing/2016/SVG/main" r:embed="rId4"/>
               </a:ext>
             </a:extLst>
           </a:blip>
@@ -5030,8 +9759,37 @@
           <a:bodyPr rtlCol="0" anchor="ctr"/>
           <a:lstStyle/>
           <a:p>
-            <a:pPr algn="ctr"/>
-            <a:endParaRPr kumimoji="1" lang="ja-JP" altLang="en-US"/>
+            <a:pPr marL="0" marR="0" lvl="0" indent="0" algn="ctr" defTabSz="914400" rtl="0" eaLnBrk="1" fontAlgn="auto" latinLnBrk="0" hangingPunct="1">
+              <a:lnSpc>
+                <a:spcPct val="100000"/>
+              </a:lnSpc>
+              <a:spcBef>
+                <a:spcPts val="0"/>
+              </a:spcBef>
+              <a:spcAft>
+                <a:spcPts val="0"/>
+              </a:spcAft>
+              <a:buClrTx/>
+              <a:buSzTx/>
+              <a:buFontTx/>
+              <a:buNone/>
+              <a:tabLst/>
+              <a:defRPr/>
+            </a:pPr>
+            <a:endParaRPr kumimoji="1" lang="ja-JP" altLang="en-US" sz="1800" b="0" i="0" u="none" strike="noStrike" kern="1200" cap="none" spc="0" normalizeH="0" baseline="0" noProof="0">
+              <a:ln>
+                <a:noFill/>
+              </a:ln>
+              <a:solidFill>
+                <a:prstClr val="white"/>
+              </a:solidFill>
+              <a:effectLst/>
+              <a:uLnTx/>
+              <a:uFillTx/>
+              <a:latin typeface="游ゴシック" panose="020F0502020204030204"/>
+              <a:ea typeface="游ゴシック" panose="020B0400000000000000" pitchFamily="50" charset="-128"/>
+              <a:cs typeface="+mn-cs"/>
+            </a:endParaRPr>
           </a:p>
         </p:txBody>
       </p:sp>
@@ -5050,7 +9808,7 @@
           <p:nvPr/>
         </p:nvPicPr>
         <p:blipFill>
-          <a:blip r:embed="rId4">
+          <a:blip r:embed="rId5">
             <a:extLst>
               <a:ext uri="{28A0092B-C50C-407E-A947-70E740481C1C}">
                 <a14:useLocalDpi xmlns:a14="http://schemas.microsoft.com/office/drawing/2010/main" val="0"/>
@@ -5086,13 +9844,13 @@
           <p:nvPr/>
         </p:nvPicPr>
         <p:blipFill>
-          <a:blip r:embed="rId5">
+          <a:blip r:embed="rId6">
             <a:extLst>
               <a:ext uri="{28A0092B-C50C-407E-A947-70E740481C1C}">
                 <a14:useLocalDpi xmlns:a14="http://schemas.microsoft.com/office/drawing/2010/main" val="0"/>
               </a:ext>
               <a:ext uri="{96DAC541-7B7A-43D3-8B79-37D633B846F1}">
-                <asvg:svgBlip xmlns:asvg="http://schemas.microsoft.com/office/drawing/2016/SVG/main" r:embed="rId6"/>
+                <asvg:svgBlip xmlns:asvg="http://schemas.microsoft.com/office/drawing/2016/SVG/main" r:embed="rId7"/>
               </a:ext>
             </a:extLst>
           </a:blip>
@@ -5172,6 +9930,1143 @@
 </p:sld>
 </file>
 
+<file path=ppt/slides/slide13.xml><?xml version="1.0" encoding="utf-8"?>
+<p:sld xmlns:a="http://schemas.openxmlformats.org/drawingml/2006/main" xmlns:r="http://schemas.openxmlformats.org/officeDocument/2006/relationships" xmlns:p="http://schemas.openxmlformats.org/presentationml/2006/main">
+  <p:cSld>
+    <p:spTree>
+      <p:nvGrpSpPr>
+        <p:cNvPr id="1" name=""/>
+        <p:cNvGrpSpPr/>
+        <p:nvPr/>
+      </p:nvGrpSpPr>
+      <p:grpSpPr>
+        <a:xfrm>
+          <a:off x="0" y="0"/>
+          <a:ext cx="0" cy="0"/>
+          <a:chOff x="0" y="0"/>
+          <a:chExt cx="0" cy="0"/>
+        </a:xfrm>
+      </p:grpSpPr>
+      <p:sp>
+        <p:nvSpPr>
+          <p:cNvPr id="2" name="タイトル 1">
+            <a:extLst>
+              <a:ext uri="{FF2B5EF4-FFF2-40B4-BE49-F238E27FC236}">
+                <a16:creationId xmlns:a16="http://schemas.microsoft.com/office/drawing/2014/main" id="{43FE5B05-98A1-4CE7-994C-F643B09D2859}"/>
+              </a:ext>
+            </a:extLst>
+          </p:cNvPr>
+          <p:cNvSpPr>
+            <a:spLocks noGrp="1"/>
+          </p:cNvSpPr>
+          <p:nvPr>
+            <p:ph type="title"/>
+          </p:nvPr>
+        </p:nvSpPr>
+        <p:spPr/>
+        <p:txBody>
+          <a:bodyPr/>
+          <a:lstStyle/>
+          <a:p>
+            <a:r>
+              <a:rPr lang="ja-JP" altLang="en-US" dirty="0"/>
+              <a:t>考察</a:t>
+            </a:r>
+            <a:r>
+              <a:rPr lang="en-US" altLang="ja-JP" dirty="0"/>
+              <a:t>(1/2)</a:t>
+            </a:r>
+            <a:endParaRPr kumimoji="1" lang="ja-JP" altLang="en-US" dirty="0"/>
+          </a:p>
+        </p:txBody>
+      </p:sp>
+      <p:sp>
+        <p:nvSpPr>
+          <p:cNvPr id="3" name="コンテンツ プレースホルダー 2">
+            <a:extLst>
+              <a:ext uri="{FF2B5EF4-FFF2-40B4-BE49-F238E27FC236}">
+                <a16:creationId xmlns:a16="http://schemas.microsoft.com/office/drawing/2014/main" id="{C11687CA-685C-4736-8339-2E169BA4C823}"/>
+              </a:ext>
+            </a:extLst>
+          </p:cNvPr>
+          <p:cNvSpPr>
+            <a:spLocks noGrp="1"/>
+          </p:cNvSpPr>
+          <p:nvPr>
+            <p:ph idx="1"/>
+          </p:nvPr>
+        </p:nvSpPr>
+        <p:spPr/>
+        <p:txBody>
+          <a:bodyPr/>
+          <a:lstStyle/>
+          <a:p>
+            <a:r>
+              <a:rPr kumimoji="1" lang="ja-JP" altLang="en-US" dirty="0"/>
+              <a:t>ハードウェア</a:t>
+            </a:r>
+            <a:endParaRPr kumimoji="1" lang="en-US" altLang="ja-JP" dirty="0"/>
+          </a:p>
+          <a:p>
+            <a:pPr lvl="1"/>
+            <a:r>
+              <a:rPr lang="ja-JP" altLang="en-US" dirty="0"/>
+              <a:t>圧力センサは小型で精度もよく，良い選択</a:t>
+            </a:r>
+            <a:endParaRPr lang="en-US" altLang="ja-JP" dirty="0"/>
+          </a:p>
+          <a:p>
+            <a:pPr lvl="1"/>
+            <a:r>
+              <a:rPr lang="ja-JP" altLang="en-US" dirty="0"/>
+              <a:t>プリント基板は小型化の余地あり</a:t>
+            </a:r>
+            <a:endParaRPr lang="en-US" altLang="ja-JP" dirty="0"/>
+          </a:p>
+          <a:p>
+            <a:pPr lvl="1"/>
+            <a:r>
+              <a:rPr lang="ja-JP" altLang="en-US" dirty="0"/>
+              <a:t>部品，配線がヘルメット外に有るのは危険</a:t>
+            </a:r>
+            <a:endParaRPr lang="en-US" altLang="ja-JP" dirty="0"/>
+          </a:p>
+          <a:p>
+            <a:pPr lvl="1"/>
+            <a:r>
+              <a:rPr lang="ja-JP" altLang="en-US" dirty="0"/>
+              <a:t>実際の使用には</a:t>
+            </a:r>
+            <a:r>
+              <a:rPr lang="en-US" altLang="ja-JP" dirty="0"/>
+              <a:t>BLE</a:t>
+            </a:r>
+            <a:r>
+              <a:rPr lang="ja-JP" altLang="en-US" dirty="0"/>
+              <a:t>チップやバッテリーも必要</a:t>
+            </a:r>
+            <a:endParaRPr lang="en-US" altLang="ja-JP" dirty="0"/>
+          </a:p>
+          <a:p>
+            <a:pPr marL="457200" lvl="1" indent="0">
+              <a:buNone/>
+            </a:pPr>
+            <a:endParaRPr lang="en-US" altLang="ja-JP" dirty="0"/>
+          </a:p>
+          <a:p>
+            <a:pPr marL="457200" lvl="1" indent="0">
+              <a:buNone/>
+            </a:pPr>
+            <a:r>
+              <a:rPr lang="ja-JP" altLang="en-US" b="1" dirty="0"/>
+              <a:t>改良</a:t>
+            </a:r>
+            <a:r>
+              <a:rPr kumimoji="1" lang="ja-JP" altLang="en-US" b="1" dirty="0"/>
+              <a:t>の必要ありだが，恐らく</a:t>
+            </a:r>
+            <a:r>
+              <a:rPr kumimoji="1" lang="ja-JP" altLang="en-US" b="1" dirty="0">
+                <a:highlight>
+                  <a:srgbClr val="FFFF00"/>
+                </a:highlight>
+              </a:rPr>
+              <a:t>実現可能</a:t>
+            </a:r>
+          </a:p>
+        </p:txBody>
+      </p:sp>
+      <p:sp>
+        <p:nvSpPr>
+          <p:cNvPr id="4" name="スライド番号プレースホルダー 3">
+            <a:extLst>
+              <a:ext uri="{FF2B5EF4-FFF2-40B4-BE49-F238E27FC236}">
+                <a16:creationId xmlns:a16="http://schemas.microsoft.com/office/drawing/2014/main" id="{A01442ED-DE69-44BC-88F5-257279FFC297}"/>
+              </a:ext>
+            </a:extLst>
+          </p:cNvPr>
+          <p:cNvSpPr>
+            <a:spLocks noGrp="1"/>
+          </p:cNvSpPr>
+          <p:nvPr>
+            <p:ph type="sldNum" sz="quarter" idx="12"/>
+          </p:nvPr>
+        </p:nvSpPr>
+        <p:spPr/>
+        <p:txBody>
+          <a:bodyPr/>
+          <a:lstStyle/>
+          <a:p>
+            <a:pPr marL="0" marR="0" lvl="0" indent="0" algn="r" defTabSz="914400" rtl="0" eaLnBrk="1" fontAlgn="auto" latinLnBrk="0" hangingPunct="1">
+              <a:lnSpc>
+                <a:spcPct val="100000"/>
+              </a:lnSpc>
+              <a:spcBef>
+                <a:spcPts val="0"/>
+              </a:spcBef>
+              <a:spcAft>
+                <a:spcPts val="0"/>
+              </a:spcAft>
+              <a:buClrTx/>
+              <a:buSzTx/>
+              <a:buFontTx/>
+              <a:buNone/>
+              <a:tabLst/>
+              <a:defRPr/>
+            </a:pPr>
+            <a:fld id="{92084505-5355-43A2-B929-FD06D0DABC31}" type="slidenum">
+              <a:rPr kumimoji="1" lang="ja-JP" altLang="en-US" sz="1200" b="1" i="0" u="none" strike="noStrike" kern="1200" cap="none" spc="0" normalizeH="0" baseline="0" noProof="0" smtClean="0">
+                <a:ln>
+                  <a:noFill/>
+                </a:ln>
+                <a:solidFill>
+                  <a:prstClr val="white"/>
+                </a:solidFill>
+                <a:effectLst/>
+                <a:uLnTx/>
+                <a:uFillTx/>
+                <a:latin typeface="游ゴシック" panose="020F0502020204030204"/>
+                <a:ea typeface="游ゴシック" panose="020B0400000000000000" pitchFamily="50" charset="-128"/>
+                <a:cs typeface="+mn-cs"/>
+              </a:rPr>
+              <a:pPr marL="0" marR="0" lvl="0" indent="0" algn="r" defTabSz="914400" rtl="0" eaLnBrk="1" fontAlgn="auto" latinLnBrk="0" hangingPunct="1">
+                <a:lnSpc>
+                  <a:spcPct val="100000"/>
+                </a:lnSpc>
+                <a:spcBef>
+                  <a:spcPts val="0"/>
+                </a:spcBef>
+                <a:spcAft>
+                  <a:spcPts val="0"/>
+                </a:spcAft>
+                <a:buClrTx/>
+                <a:buSzTx/>
+                <a:buFontTx/>
+                <a:buNone/>
+                <a:tabLst/>
+                <a:defRPr/>
+              </a:pPr>
+              <a:t>13</a:t>
+            </a:fld>
+            <a:endParaRPr kumimoji="1" lang="ja-JP" altLang="en-US" sz="1200" b="1" i="0" u="none" strike="noStrike" kern="1200" cap="none" spc="0" normalizeH="0" baseline="0" noProof="0" dirty="0">
+              <a:ln>
+                <a:noFill/>
+              </a:ln>
+              <a:solidFill>
+                <a:prstClr val="white"/>
+              </a:solidFill>
+              <a:effectLst/>
+              <a:uLnTx/>
+              <a:uFillTx/>
+              <a:latin typeface="游ゴシック" panose="020F0502020204030204"/>
+              <a:ea typeface="游ゴシック" panose="020B0400000000000000" pitchFamily="50" charset="-128"/>
+              <a:cs typeface="+mn-cs"/>
+            </a:endParaRPr>
+          </a:p>
+        </p:txBody>
+      </p:sp>
+      <p:sp>
+        <p:nvSpPr>
+          <p:cNvPr id="5" name="矢印: 右 4">
+            <a:extLst>
+              <a:ext uri="{FF2B5EF4-FFF2-40B4-BE49-F238E27FC236}">
+                <a16:creationId xmlns:a16="http://schemas.microsoft.com/office/drawing/2014/main" id="{E214FD31-6BEB-454C-AB2A-6D14AC420A04}"/>
+              </a:ext>
+            </a:extLst>
+          </p:cNvPr>
+          <p:cNvSpPr/>
+          <p:nvPr/>
+        </p:nvSpPr>
+        <p:spPr>
+          <a:xfrm>
+            <a:off x="838200" y="4256303"/>
+            <a:ext cx="452718" cy="309283"/>
+          </a:xfrm>
+          <a:prstGeom prst="rightArrow">
+            <a:avLst/>
+          </a:prstGeom>
+          <a:solidFill>
+            <a:schemeClr val="tx1"/>
+          </a:solidFill>
+          <a:ln>
+            <a:solidFill>
+              <a:schemeClr val="tx1"/>
+            </a:solidFill>
+          </a:ln>
+        </p:spPr>
+        <p:style>
+          <a:lnRef idx="2">
+            <a:schemeClr val="accent1">
+              <a:shade val="50000"/>
+            </a:schemeClr>
+          </a:lnRef>
+          <a:fillRef idx="1">
+            <a:schemeClr val="accent1"/>
+          </a:fillRef>
+          <a:effectRef idx="0">
+            <a:schemeClr val="accent1"/>
+          </a:effectRef>
+          <a:fontRef idx="minor">
+            <a:schemeClr val="lt1"/>
+          </a:fontRef>
+        </p:style>
+        <p:txBody>
+          <a:bodyPr rtlCol="0" anchor="ctr"/>
+          <a:lstStyle/>
+          <a:p>
+            <a:pPr marL="0" marR="0" lvl="0" indent="0" algn="ctr" defTabSz="914400" rtl="0" eaLnBrk="1" fontAlgn="auto" latinLnBrk="0" hangingPunct="1">
+              <a:lnSpc>
+                <a:spcPct val="100000"/>
+              </a:lnSpc>
+              <a:spcBef>
+                <a:spcPts val="0"/>
+              </a:spcBef>
+              <a:spcAft>
+                <a:spcPts val="0"/>
+              </a:spcAft>
+              <a:buClrTx/>
+              <a:buSzTx/>
+              <a:buFontTx/>
+              <a:buNone/>
+              <a:tabLst/>
+              <a:defRPr/>
+            </a:pPr>
+            <a:endParaRPr kumimoji="1" lang="ja-JP" altLang="en-US" sz="1800" b="0" i="0" u="none" strike="noStrike" kern="1200" cap="none" spc="0" normalizeH="0" baseline="0" noProof="0">
+              <a:ln>
+                <a:noFill/>
+              </a:ln>
+              <a:solidFill>
+                <a:prstClr val="white"/>
+              </a:solidFill>
+              <a:effectLst/>
+              <a:uLnTx/>
+              <a:uFillTx/>
+              <a:latin typeface="游ゴシック" panose="020F0502020204030204"/>
+              <a:ea typeface="游ゴシック" panose="020B0400000000000000" pitchFamily="50" charset="-128"/>
+              <a:cs typeface="+mn-cs"/>
+            </a:endParaRPr>
+          </a:p>
+        </p:txBody>
+      </p:sp>
+      <p:pic>
+        <p:nvPicPr>
+          <p:cNvPr id="7" name="図 6">
+            <a:extLst>
+              <a:ext uri="{FF2B5EF4-FFF2-40B4-BE49-F238E27FC236}">
+                <a16:creationId xmlns:a16="http://schemas.microsoft.com/office/drawing/2014/main" id="{804BEE7D-C111-4BA2-B626-BA666C785B9E}"/>
+              </a:ext>
+            </a:extLst>
+          </p:cNvPr>
+          <p:cNvPicPr>
+            <a:picLocks noChangeAspect="1"/>
+          </p:cNvPicPr>
+          <p:nvPr/>
+        </p:nvPicPr>
+        <p:blipFill>
+          <a:blip r:embed="rId3" cstate="print">
+            <a:extLst>
+              <a:ext uri="{28A0092B-C50C-407E-A947-70E740481C1C}">
+                <a14:useLocalDpi xmlns:a14="http://schemas.microsoft.com/office/drawing/2010/main" val="0"/>
+              </a:ext>
+            </a:extLst>
+          </a:blip>
+          <a:stretch>
+            <a:fillRect/>
+          </a:stretch>
+        </p:blipFill>
+        <p:spPr>
+          <a:xfrm>
+            <a:off x="8824121" y="3693458"/>
+            <a:ext cx="2597727" cy="2597727"/>
+          </a:xfrm>
+          <a:prstGeom prst="rect">
+            <a:avLst/>
+          </a:prstGeom>
+        </p:spPr>
+      </p:pic>
+      <p:pic>
+        <p:nvPicPr>
+          <p:cNvPr id="9" name="図 8">
+            <a:extLst>
+              <a:ext uri="{FF2B5EF4-FFF2-40B4-BE49-F238E27FC236}">
+                <a16:creationId xmlns:a16="http://schemas.microsoft.com/office/drawing/2014/main" id="{48A4B4AF-206B-44BF-A552-88F354F08FB3}"/>
+              </a:ext>
+            </a:extLst>
+          </p:cNvPr>
+          <p:cNvPicPr>
+            <a:picLocks noChangeAspect="1"/>
+          </p:cNvPicPr>
+          <p:nvPr/>
+        </p:nvPicPr>
+        <p:blipFill>
+          <a:blip r:embed="rId4" cstate="print">
+            <a:extLst>
+              <a:ext uri="{28A0092B-C50C-407E-A947-70E740481C1C}">
+                <a14:useLocalDpi xmlns:a14="http://schemas.microsoft.com/office/drawing/2010/main" val="0"/>
+              </a:ext>
+            </a:extLst>
+          </a:blip>
+          <a:stretch>
+            <a:fillRect/>
+          </a:stretch>
+        </p:blipFill>
+        <p:spPr>
+          <a:xfrm>
+            <a:off x="5909547" y="4992321"/>
+            <a:ext cx="2199981" cy="1163884"/>
+          </a:xfrm>
+          <a:prstGeom prst="rect">
+            <a:avLst/>
+          </a:prstGeom>
+        </p:spPr>
+      </p:pic>
+    </p:spTree>
+    <p:extLst>
+      <p:ext uri="{BB962C8B-B14F-4D97-AF65-F5344CB8AC3E}">
+        <p14:creationId xmlns:p14="http://schemas.microsoft.com/office/powerpoint/2010/main" val="770852843"/>
+      </p:ext>
+    </p:extLst>
+  </p:cSld>
+  <p:clrMapOvr>
+    <a:masterClrMapping/>
+  </p:clrMapOvr>
+</p:sld>
+</file>
+
+<file path=ppt/slides/slide14.xml><?xml version="1.0" encoding="utf-8"?>
+<p:sld xmlns:a="http://schemas.openxmlformats.org/drawingml/2006/main" xmlns:r="http://schemas.openxmlformats.org/officeDocument/2006/relationships" xmlns:p="http://schemas.openxmlformats.org/presentationml/2006/main">
+  <p:cSld>
+    <p:spTree>
+      <p:nvGrpSpPr>
+        <p:cNvPr id="1" name=""/>
+        <p:cNvGrpSpPr/>
+        <p:nvPr/>
+      </p:nvGrpSpPr>
+      <p:grpSpPr>
+        <a:xfrm>
+          <a:off x="0" y="0"/>
+          <a:ext cx="0" cy="0"/>
+          <a:chOff x="0" y="0"/>
+          <a:chExt cx="0" cy="0"/>
+        </a:xfrm>
+      </p:grpSpPr>
+      <p:sp>
+        <p:nvSpPr>
+          <p:cNvPr id="2" name="タイトル 1">
+            <a:extLst>
+              <a:ext uri="{FF2B5EF4-FFF2-40B4-BE49-F238E27FC236}">
+                <a16:creationId xmlns:a16="http://schemas.microsoft.com/office/drawing/2014/main" id="{CC110652-4112-4995-AF37-2A4C0A51DA76}"/>
+              </a:ext>
+            </a:extLst>
+          </p:cNvPr>
+          <p:cNvSpPr>
+            <a:spLocks noGrp="1"/>
+          </p:cNvSpPr>
+          <p:nvPr>
+            <p:ph type="title"/>
+          </p:nvPr>
+        </p:nvSpPr>
+        <p:spPr/>
+        <p:txBody>
+          <a:bodyPr/>
+          <a:lstStyle/>
+          <a:p>
+            <a:r>
+              <a:rPr kumimoji="1" lang="ja-JP" altLang="en-US" dirty="0"/>
+              <a:t>考察</a:t>
+            </a:r>
+            <a:r>
+              <a:rPr kumimoji="1" lang="en-US" altLang="ja-JP" dirty="0"/>
+              <a:t>(2/2)</a:t>
+            </a:r>
+            <a:endParaRPr kumimoji="1" lang="ja-JP" altLang="en-US" dirty="0"/>
+          </a:p>
+        </p:txBody>
+      </p:sp>
+      <p:sp>
+        <p:nvSpPr>
+          <p:cNvPr id="3" name="コンテンツ プレースホルダー 2">
+            <a:extLst>
+              <a:ext uri="{FF2B5EF4-FFF2-40B4-BE49-F238E27FC236}">
+                <a16:creationId xmlns:a16="http://schemas.microsoft.com/office/drawing/2014/main" id="{B8890B2D-D089-4BE7-B473-90A4C9D66920}"/>
+              </a:ext>
+            </a:extLst>
+          </p:cNvPr>
+          <p:cNvSpPr>
+            <a:spLocks noGrp="1"/>
+          </p:cNvSpPr>
+          <p:nvPr>
+            <p:ph idx="1"/>
+          </p:nvPr>
+        </p:nvSpPr>
+        <p:spPr/>
+        <p:txBody>
+          <a:bodyPr/>
+          <a:lstStyle/>
+          <a:p>
+            <a:r>
+              <a:rPr lang="ja-JP" altLang="en-US" dirty="0"/>
+              <a:t>判別手法</a:t>
+            </a:r>
+            <a:endParaRPr lang="en-US" altLang="ja-JP" dirty="0"/>
+          </a:p>
+          <a:p>
+            <a:pPr lvl="1"/>
+            <a:r>
+              <a:rPr lang="ja-JP" altLang="en-US" dirty="0"/>
+              <a:t>本人と他人のサンプルでは，マハラノビス距離に大きな差</a:t>
+            </a:r>
+            <a:endParaRPr lang="en-US" altLang="ja-JP" dirty="0"/>
+          </a:p>
+          <a:p>
+            <a:pPr lvl="1"/>
+            <a:endParaRPr lang="en-US" altLang="ja-JP" dirty="0"/>
+          </a:p>
+          <a:p>
+            <a:pPr lvl="1"/>
+            <a:endParaRPr lang="en-US" altLang="ja-JP" dirty="0"/>
+          </a:p>
+          <a:p>
+            <a:pPr marL="457200" lvl="1" indent="0">
+              <a:buNone/>
+            </a:pPr>
+            <a:r>
+              <a:rPr lang="en-US" altLang="ja-JP" dirty="0"/>
+              <a:t>	</a:t>
+            </a:r>
+            <a:r>
+              <a:rPr lang="ja-JP" altLang="en-US" dirty="0"/>
+              <a:t>　利用者のデータ群に</a:t>
+            </a:r>
+            <a:r>
+              <a:rPr lang="ja-JP" altLang="en-US" dirty="0">
+                <a:highlight>
+                  <a:srgbClr val="FFFF00"/>
+                </a:highlight>
+              </a:rPr>
+              <a:t>差がない</a:t>
+            </a:r>
+            <a:r>
+              <a:rPr lang="ja-JP" altLang="en-US" dirty="0"/>
+              <a:t>場合，判別不可</a:t>
+            </a:r>
+            <a:endParaRPr lang="en-US" altLang="ja-JP" dirty="0"/>
+          </a:p>
+          <a:p>
+            <a:pPr marL="457200" lvl="1" indent="0">
+              <a:buNone/>
+            </a:pPr>
+            <a:endParaRPr lang="en-US" altLang="ja-JP" dirty="0"/>
+          </a:p>
+          <a:p>
+            <a:pPr lvl="1"/>
+            <a:r>
+              <a:rPr lang="ja-JP" altLang="en-US" dirty="0"/>
+              <a:t>まだまだデータ数不足</a:t>
+            </a:r>
+            <a:endParaRPr lang="en-US" altLang="ja-JP" dirty="0"/>
+          </a:p>
+        </p:txBody>
+      </p:sp>
+      <p:sp>
+        <p:nvSpPr>
+          <p:cNvPr id="4" name="スライド番号プレースホルダー 3">
+            <a:extLst>
+              <a:ext uri="{FF2B5EF4-FFF2-40B4-BE49-F238E27FC236}">
+                <a16:creationId xmlns:a16="http://schemas.microsoft.com/office/drawing/2014/main" id="{DFB43929-04E1-4815-8BBE-054DF069F615}"/>
+              </a:ext>
+            </a:extLst>
+          </p:cNvPr>
+          <p:cNvSpPr>
+            <a:spLocks noGrp="1"/>
+          </p:cNvSpPr>
+          <p:nvPr>
+            <p:ph type="sldNum" sz="quarter" idx="12"/>
+          </p:nvPr>
+        </p:nvSpPr>
+        <p:spPr/>
+        <p:txBody>
+          <a:bodyPr/>
+          <a:lstStyle/>
+          <a:p>
+            <a:pPr marL="0" marR="0" lvl="0" indent="0" algn="r" defTabSz="914400" rtl="0" eaLnBrk="1" fontAlgn="auto" latinLnBrk="0" hangingPunct="1">
+              <a:lnSpc>
+                <a:spcPct val="100000"/>
+              </a:lnSpc>
+              <a:spcBef>
+                <a:spcPts val="0"/>
+              </a:spcBef>
+              <a:spcAft>
+                <a:spcPts val="0"/>
+              </a:spcAft>
+              <a:buClrTx/>
+              <a:buSzTx/>
+              <a:buFontTx/>
+              <a:buNone/>
+              <a:tabLst/>
+              <a:defRPr/>
+            </a:pPr>
+            <a:fld id="{92084505-5355-43A2-B929-FD06D0DABC31}" type="slidenum">
+              <a:rPr kumimoji="1" lang="ja-JP" altLang="en-US" sz="1200" b="1" i="0" u="none" strike="noStrike" kern="1200" cap="none" spc="0" normalizeH="0" baseline="0" noProof="0" smtClean="0">
+                <a:ln>
+                  <a:noFill/>
+                </a:ln>
+                <a:solidFill>
+                  <a:prstClr val="white"/>
+                </a:solidFill>
+                <a:effectLst/>
+                <a:uLnTx/>
+                <a:uFillTx/>
+                <a:latin typeface="游ゴシック" panose="020F0502020204030204"/>
+                <a:ea typeface="游ゴシック" panose="020B0400000000000000" pitchFamily="50" charset="-128"/>
+                <a:cs typeface="+mn-cs"/>
+              </a:rPr>
+              <a:pPr marL="0" marR="0" lvl="0" indent="0" algn="r" defTabSz="914400" rtl="0" eaLnBrk="1" fontAlgn="auto" latinLnBrk="0" hangingPunct="1">
+                <a:lnSpc>
+                  <a:spcPct val="100000"/>
+                </a:lnSpc>
+                <a:spcBef>
+                  <a:spcPts val="0"/>
+                </a:spcBef>
+                <a:spcAft>
+                  <a:spcPts val="0"/>
+                </a:spcAft>
+                <a:buClrTx/>
+                <a:buSzTx/>
+                <a:buFontTx/>
+                <a:buNone/>
+                <a:tabLst/>
+                <a:defRPr/>
+              </a:pPr>
+              <a:t>14</a:t>
+            </a:fld>
+            <a:endParaRPr kumimoji="1" lang="ja-JP" altLang="en-US" sz="1200" b="1" i="0" u="none" strike="noStrike" kern="1200" cap="none" spc="0" normalizeH="0" baseline="0" noProof="0" dirty="0">
+              <a:ln>
+                <a:noFill/>
+              </a:ln>
+              <a:solidFill>
+                <a:prstClr val="white"/>
+              </a:solidFill>
+              <a:effectLst/>
+              <a:uLnTx/>
+              <a:uFillTx/>
+              <a:latin typeface="游ゴシック" panose="020F0502020204030204"/>
+              <a:ea typeface="游ゴシック" panose="020B0400000000000000" pitchFamily="50" charset="-128"/>
+              <a:cs typeface="+mn-cs"/>
+            </a:endParaRPr>
+          </a:p>
+        </p:txBody>
+      </p:sp>
+      <p:sp>
+        <p:nvSpPr>
+          <p:cNvPr id="5" name="矢印: 右 4">
+            <a:extLst>
+              <a:ext uri="{FF2B5EF4-FFF2-40B4-BE49-F238E27FC236}">
+                <a16:creationId xmlns:a16="http://schemas.microsoft.com/office/drawing/2014/main" id="{EB0746FA-610E-4313-9CB8-1E0293518C29}"/>
+              </a:ext>
+            </a:extLst>
+          </p:cNvPr>
+          <p:cNvSpPr/>
+          <p:nvPr/>
+        </p:nvSpPr>
+        <p:spPr>
+          <a:xfrm rot="5400000">
+            <a:off x="4960804" y="2917605"/>
+            <a:ext cx="452718" cy="309283"/>
+          </a:xfrm>
+          <a:prstGeom prst="rightArrow">
+            <a:avLst/>
+          </a:prstGeom>
+          <a:solidFill>
+            <a:schemeClr val="tx1"/>
+          </a:solidFill>
+          <a:ln>
+            <a:solidFill>
+              <a:schemeClr val="tx1"/>
+            </a:solidFill>
+          </a:ln>
+        </p:spPr>
+        <p:style>
+          <a:lnRef idx="2">
+            <a:schemeClr val="accent1">
+              <a:shade val="50000"/>
+            </a:schemeClr>
+          </a:lnRef>
+          <a:fillRef idx="1">
+            <a:schemeClr val="accent1"/>
+          </a:fillRef>
+          <a:effectRef idx="0">
+            <a:schemeClr val="accent1"/>
+          </a:effectRef>
+          <a:fontRef idx="minor">
+            <a:schemeClr val="lt1"/>
+          </a:fontRef>
+        </p:style>
+        <p:txBody>
+          <a:bodyPr rtlCol="0" anchor="ctr"/>
+          <a:lstStyle/>
+          <a:p>
+            <a:pPr marL="0" marR="0" lvl="0" indent="0" algn="ctr" defTabSz="914400" rtl="0" eaLnBrk="1" fontAlgn="auto" latinLnBrk="0" hangingPunct="1">
+              <a:lnSpc>
+                <a:spcPct val="100000"/>
+              </a:lnSpc>
+              <a:spcBef>
+                <a:spcPts val="0"/>
+              </a:spcBef>
+              <a:spcAft>
+                <a:spcPts val="0"/>
+              </a:spcAft>
+              <a:buClrTx/>
+              <a:buSzTx/>
+              <a:buFontTx/>
+              <a:buNone/>
+              <a:tabLst/>
+              <a:defRPr/>
+            </a:pPr>
+            <a:endParaRPr kumimoji="1" lang="ja-JP" altLang="en-US" sz="1800" b="0" i="0" u="none" strike="noStrike" kern="1200" cap="none" spc="0" normalizeH="0" baseline="0" noProof="0">
+              <a:ln>
+                <a:noFill/>
+              </a:ln>
+              <a:solidFill>
+                <a:prstClr val="white"/>
+              </a:solidFill>
+              <a:effectLst/>
+              <a:uLnTx/>
+              <a:uFillTx/>
+              <a:latin typeface="游ゴシック" panose="020F0502020204030204"/>
+              <a:ea typeface="游ゴシック" panose="020B0400000000000000" pitchFamily="50" charset="-128"/>
+              <a:cs typeface="+mn-cs"/>
+            </a:endParaRPr>
+          </a:p>
+        </p:txBody>
+      </p:sp>
+      <p:pic>
+        <p:nvPicPr>
+          <p:cNvPr id="6" name="グラフィックス 5">
+            <a:extLst>
+              <a:ext uri="{FF2B5EF4-FFF2-40B4-BE49-F238E27FC236}">
+                <a16:creationId xmlns:a16="http://schemas.microsoft.com/office/drawing/2014/main" id="{5A608F1D-01FD-462A-B224-7F76E92C8C36}"/>
+              </a:ext>
+            </a:extLst>
+          </p:cNvPr>
+          <p:cNvPicPr>
+            <a:picLocks noChangeAspect="1"/>
+          </p:cNvPicPr>
+          <p:nvPr/>
+        </p:nvPicPr>
+        <p:blipFill>
+          <a:blip r:embed="rId3">
+            <a:extLst>
+              <a:ext uri="{28A0092B-C50C-407E-A947-70E740481C1C}">
+                <a14:useLocalDpi xmlns:a14="http://schemas.microsoft.com/office/drawing/2010/main" val="0"/>
+              </a:ext>
+              <a:ext uri="{96DAC541-7B7A-43D3-8B79-37D633B846F1}">
+                <asvg:svgBlip xmlns:asvg="http://schemas.microsoft.com/office/drawing/2016/SVG/main" r:embed="rId4"/>
+              </a:ext>
+            </a:extLst>
+          </a:blip>
+          <a:stretch>
+            <a:fillRect/>
+          </a:stretch>
+        </p:blipFill>
+        <p:spPr>
+          <a:xfrm>
+            <a:off x="8343288" y="3569543"/>
+            <a:ext cx="3288145" cy="2607420"/>
+          </a:xfrm>
+          <a:prstGeom prst="rect">
+            <a:avLst/>
+          </a:prstGeom>
+        </p:spPr>
+      </p:pic>
+      <p:sp>
+        <p:nvSpPr>
+          <p:cNvPr id="7" name="楕円 6">
+            <a:extLst>
+              <a:ext uri="{FF2B5EF4-FFF2-40B4-BE49-F238E27FC236}">
+                <a16:creationId xmlns:a16="http://schemas.microsoft.com/office/drawing/2014/main" id="{6FB949F3-3AAE-4E73-A1E2-0CD81F182719}"/>
+              </a:ext>
+            </a:extLst>
+          </p:cNvPr>
+          <p:cNvSpPr/>
+          <p:nvPr/>
+        </p:nvSpPr>
+        <p:spPr>
+          <a:xfrm>
+            <a:off x="8793018" y="3569543"/>
+            <a:ext cx="646545" cy="651475"/>
+          </a:xfrm>
+          <a:prstGeom prst="ellipse">
+            <a:avLst/>
+          </a:prstGeom>
+          <a:noFill/>
+          <a:ln w="38100">
+            <a:solidFill>
+              <a:srgbClr val="FF0000"/>
+            </a:solidFill>
+          </a:ln>
+        </p:spPr>
+        <p:style>
+          <a:lnRef idx="2">
+            <a:schemeClr val="accent1">
+              <a:shade val="50000"/>
+            </a:schemeClr>
+          </a:lnRef>
+          <a:fillRef idx="1">
+            <a:schemeClr val="accent1"/>
+          </a:fillRef>
+          <a:effectRef idx="0">
+            <a:schemeClr val="accent1"/>
+          </a:effectRef>
+          <a:fontRef idx="minor">
+            <a:schemeClr val="lt1"/>
+          </a:fontRef>
+        </p:style>
+        <p:txBody>
+          <a:bodyPr rtlCol="0" anchor="ctr"/>
+          <a:lstStyle/>
+          <a:p>
+            <a:pPr marL="0" marR="0" lvl="0" indent="0" algn="ctr" defTabSz="914400" rtl="0" eaLnBrk="1" fontAlgn="auto" latinLnBrk="0" hangingPunct="1">
+              <a:lnSpc>
+                <a:spcPct val="100000"/>
+              </a:lnSpc>
+              <a:spcBef>
+                <a:spcPts val="0"/>
+              </a:spcBef>
+              <a:spcAft>
+                <a:spcPts val="0"/>
+              </a:spcAft>
+              <a:buClrTx/>
+              <a:buSzTx/>
+              <a:buFontTx/>
+              <a:buNone/>
+              <a:tabLst/>
+              <a:defRPr/>
+            </a:pPr>
+            <a:endParaRPr kumimoji="1" lang="ja-JP" altLang="en-US" sz="1800" b="0" i="0" u="none" strike="noStrike" kern="1200" cap="none" spc="0" normalizeH="0" baseline="0" noProof="0">
+              <a:ln>
+                <a:noFill/>
+              </a:ln>
+              <a:solidFill>
+                <a:prstClr val="white"/>
+              </a:solidFill>
+              <a:effectLst/>
+              <a:uLnTx/>
+              <a:uFillTx/>
+              <a:latin typeface="游ゴシック" panose="020F0502020204030204"/>
+              <a:ea typeface="游ゴシック" panose="020B0400000000000000" pitchFamily="50" charset="-128"/>
+              <a:cs typeface="+mn-cs"/>
+            </a:endParaRPr>
+          </a:p>
+        </p:txBody>
+      </p:sp>
+    </p:spTree>
+    <p:extLst>
+      <p:ext uri="{BB962C8B-B14F-4D97-AF65-F5344CB8AC3E}">
+        <p14:creationId xmlns:p14="http://schemas.microsoft.com/office/powerpoint/2010/main" val="3645656883"/>
+      </p:ext>
+    </p:extLst>
+  </p:cSld>
+  <p:clrMapOvr>
+    <a:masterClrMapping/>
+  </p:clrMapOvr>
+</p:sld>
+</file>
+
+<file path=ppt/slides/slide15.xml><?xml version="1.0" encoding="utf-8"?>
+<p:sld xmlns:a="http://schemas.openxmlformats.org/drawingml/2006/main" xmlns:r="http://schemas.openxmlformats.org/officeDocument/2006/relationships" xmlns:p="http://schemas.openxmlformats.org/presentationml/2006/main">
+  <p:cSld>
+    <p:spTree>
+      <p:nvGrpSpPr>
+        <p:cNvPr id="1" name=""/>
+        <p:cNvGrpSpPr/>
+        <p:nvPr/>
+      </p:nvGrpSpPr>
+      <p:grpSpPr>
+        <a:xfrm>
+          <a:off x="0" y="0"/>
+          <a:ext cx="0" cy="0"/>
+          <a:chOff x="0" y="0"/>
+          <a:chExt cx="0" cy="0"/>
+        </a:xfrm>
+      </p:grpSpPr>
+      <p:sp>
+        <p:nvSpPr>
+          <p:cNvPr id="2" name="タイトル 1">
+            <a:extLst>
+              <a:ext uri="{FF2B5EF4-FFF2-40B4-BE49-F238E27FC236}">
+                <a16:creationId xmlns:a16="http://schemas.microsoft.com/office/drawing/2014/main" id="{54F05BA7-17AD-4381-A6B1-84FD766397B1}"/>
+              </a:ext>
+            </a:extLst>
+          </p:cNvPr>
+          <p:cNvSpPr>
+            <a:spLocks noGrp="1"/>
+          </p:cNvSpPr>
+          <p:nvPr>
+            <p:ph type="title"/>
+          </p:nvPr>
+        </p:nvSpPr>
+        <p:spPr/>
+        <p:txBody>
+          <a:bodyPr/>
+          <a:lstStyle/>
+          <a:p>
+            <a:r>
+              <a:rPr kumimoji="1" lang="ja-JP" altLang="en-US" dirty="0"/>
+              <a:t>まとめ</a:t>
+            </a:r>
+          </a:p>
+        </p:txBody>
+      </p:sp>
+      <p:sp>
+        <p:nvSpPr>
+          <p:cNvPr id="3" name="コンテンツ プレースホルダー 2">
+            <a:extLst>
+              <a:ext uri="{FF2B5EF4-FFF2-40B4-BE49-F238E27FC236}">
+                <a16:creationId xmlns:a16="http://schemas.microsoft.com/office/drawing/2014/main" id="{77FF19F6-773B-4E1A-A057-76B8AD880BD7}"/>
+              </a:ext>
+            </a:extLst>
+          </p:cNvPr>
+          <p:cNvSpPr>
+            <a:spLocks noGrp="1"/>
+          </p:cNvSpPr>
+          <p:nvPr>
+            <p:ph idx="1"/>
+          </p:nvPr>
+        </p:nvSpPr>
+        <p:spPr/>
+        <p:txBody>
+          <a:bodyPr/>
+          <a:lstStyle/>
+          <a:p>
+            <a:r>
+              <a:rPr kumimoji="1" lang="ja-JP" altLang="en-US" dirty="0"/>
+              <a:t>ヘルメットを用いた個人識別手法の提案</a:t>
+            </a:r>
+            <a:endParaRPr kumimoji="1" lang="en-US" altLang="ja-JP" dirty="0"/>
+          </a:p>
+          <a:p>
+            <a:pPr lvl="1"/>
+            <a:r>
+              <a:rPr lang="ja-JP" altLang="en-US" dirty="0"/>
+              <a:t>ハードウェアの実装</a:t>
+            </a:r>
+            <a:endParaRPr lang="en-US" altLang="ja-JP" dirty="0"/>
+          </a:p>
+          <a:p>
+            <a:pPr lvl="1"/>
+            <a:r>
+              <a:rPr lang="ja-JP" altLang="en-US" dirty="0"/>
+              <a:t>被験者</a:t>
+            </a:r>
+            <a:r>
+              <a:rPr lang="en-US" altLang="ja-JP" dirty="0"/>
+              <a:t>5</a:t>
+            </a:r>
+            <a:r>
+              <a:rPr lang="ja-JP" altLang="en-US" dirty="0"/>
+              <a:t>名の頭部形状を取得</a:t>
+            </a:r>
+            <a:endParaRPr lang="en-US" altLang="ja-JP" dirty="0"/>
+          </a:p>
+          <a:p>
+            <a:pPr lvl="1"/>
+            <a:r>
+              <a:rPr kumimoji="1" lang="ja-JP" altLang="en-US" dirty="0"/>
+              <a:t>データ群のばらつきを確認</a:t>
+            </a:r>
+            <a:endParaRPr kumimoji="1" lang="en-US" altLang="ja-JP" dirty="0"/>
+          </a:p>
+          <a:p>
+            <a:pPr lvl="1"/>
+            <a:r>
+              <a:rPr kumimoji="1" lang="ja-JP" altLang="en-US" dirty="0"/>
+              <a:t>判別の結果，エラー率は約</a:t>
+            </a:r>
+            <a:r>
+              <a:rPr kumimoji="1" lang="en-US" altLang="ja-JP" dirty="0"/>
+              <a:t>3%</a:t>
+            </a:r>
+          </a:p>
+          <a:p>
+            <a:pPr lvl="1"/>
+            <a:endParaRPr lang="en-US" altLang="ja-JP" dirty="0"/>
+          </a:p>
+          <a:p>
+            <a:r>
+              <a:rPr lang="ja-JP" altLang="en-US" dirty="0"/>
+              <a:t>今後</a:t>
+            </a:r>
+            <a:endParaRPr lang="en-US" altLang="ja-JP" dirty="0"/>
+          </a:p>
+          <a:p>
+            <a:pPr lvl="1"/>
+            <a:r>
+              <a:rPr lang="ja-JP" altLang="en-US" dirty="0"/>
+              <a:t>ハードウェアの改良</a:t>
+            </a:r>
+            <a:endParaRPr lang="en-US" altLang="ja-JP" dirty="0"/>
+          </a:p>
+          <a:p>
+            <a:pPr lvl="1"/>
+            <a:r>
+              <a:rPr lang="ja-JP" altLang="en-US" dirty="0"/>
+              <a:t>被験者を増やして評価</a:t>
+            </a:r>
+            <a:endParaRPr lang="en-US" altLang="ja-JP" dirty="0"/>
+          </a:p>
+          <a:p>
+            <a:pPr lvl="1"/>
+            <a:r>
+              <a:rPr lang="ja-JP" altLang="en-US" dirty="0"/>
+              <a:t>データ群に差がないときの判別手法の模索</a:t>
+            </a:r>
+            <a:endParaRPr lang="en-US" altLang="ja-JP" dirty="0"/>
+          </a:p>
+          <a:p>
+            <a:pPr lvl="1"/>
+            <a:endParaRPr lang="en-US" altLang="ja-JP" dirty="0"/>
+          </a:p>
+        </p:txBody>
+      </p:sp>
+      <p:sp>
+        <p:nvSpPr>
+          <p:cNvPr id="4" name="スライド番号プレースホルダー 3">
+            <a:extLst>
+              <a:ext uri="{FF2B5EF4-FFF2-40B4-BE49-F238E27FC236}">
+                <a16:creationId xmlns:a16="http://schemas.microsoft.com/office/drawing/2014/main" id="{2C5831BC-08D4-4A85-82C1-B97D6E81C919}"/>
+              </a:ext>
+            </a:extLst>
+          </p:cNvPr>
+          <p:cNvSpPr>
+            <a:spLocks noGrp="1"/>
+          </p:cNvSpPr>
+          <p:nvPr>
+            <p:ph type="sldNum" sz="quarter" idx="12"/>
+          </p:nvPr>
+        </p:nvSpPr>
+        <p:spPr/>
+        <p:txBody>
+          <a:bodyPr/>
+          <a:lstStyle/>
+          <a:p>
+            <a:pPr marL="0" marR="0" lvl="0" indent="0" algn="r" defTabSz="914400" rtl="0" eaLnBrk="1" fontAlgn="auto" latinLnBrk="0" hangingPunct="1">
+              <a:lnSpc>
+                <a:spcPct val="100000"/>
+              </a:lnSpc>
+              <a:spcBef>
+                <a:spcPts val="0"/>
+              </a:spcBef>
+              <a:spcAft>
+                <a:spcPts val="0"/>
+              </a:spcAft>
+              <a:buClrTx/>
+              <a:buSzTx/>
+              <a:buFontTx/>
+              <a:buNone/>
+              <a:tabLst/>
+              <a:defRPr/>
+            </a:pPr>
+            <a:fld id="{92084505-5355-43A2-B929-FD06D0DABC31}" type="slidenum">
+              <a:rPr kumimoji="1" lang="ja-JP" altLang="en-US" sz="1200" b="1" i="0" u="none" strike="noStrike" kern="1200" cap="none" spc="0" normalizeH="0" baseline="0" noProof="0" smtClean="0">
+                <a:ln>
+                  <a:noFill/>
+                </a:ln>
+                <a:solidFill>
+                  <a:prstClr val="white"/>
+                </a:solidFill>
+                <a:effectLst/>
+                <a:uLnTx/>
+                <a:uFillTx/>
+                <a:latin typeface="游ゴシック" panose="020F0502020204030204"/>
+                <a:ea typeface="游ゴシック" panose="020B0400000000000000" pitchFamily="50" charset="-128"/>
+                <a:cs typeface="+mn-cs"/>
+              </a:rPr>
+              <a:pPr marL="0" marR="0" lvl="0" indent="0" algn="r" defTabSz="914400" rtl="0" eaLnBrk="1" fontAlgn="auto" latinLnBrk="0" hangingPunct="1">
+                <a:lnSpc>
+                  <a:spcPct val="100000"/>
+                </a:lnSpc>
+                <a:spcBef>
+                  <a:spcPts val="0"/>
+                </a:spcBef>
+                <a:spcAft>
+                  <a:spcPts val="0"/>
+                </a:spcAft>
+                <a:buClrTx/>
+                <a:buSzTx/>
+                <a:buFontTx/>
+                <a:buNone/>
+                <a:tabLst/>
+                <a:defRPr/>
+              </a:pPr>
+              <a:t>15</a:t>
+            </a:fld>
+            <a:endParaRPr kumimoji="1" lang="ja-JP" altLang="en-US" sz="1200" b="1" i="0" u="none" strike="noStrike" kern="1200" cap="none" spc="0" normalizeH="0" baseline="0" noProof="0" dirty="0">
+              <a:ln>
+                <a:noFill/>
+              </a:ln>
+              <a:solidFill>
+                <a:prstClr val="white"/>
+              </a:solidFill>
+              <a:effectLst/>
+              <a:uLnTx/>
+              <a:uFillTx/>
+              <a:latin typeface="游ゴシック" panose="020F0502020204030204"/>
+              <a:ea typeface="游ゴシック" panose="020B0400000000000000" pitchFamily="50" charset="-128"/>
+              <a:cs typeface="+mn-cs"/>
+            </a:endParaRPr>
+          </a:p>
+        </p:txBody>
+      </p:sp>
+      <p:pic>
+        <p:nvPicPr>
+          <p:cNvPr id="6" name="図 5">
+            <a:extLst>
+              <a:ext uri="{FF2B5EF4-FFF2-40B4-BE49-F238E27FC236}">
+                <a16:creationId xmlns:a16="http://schemas.microsoft.com/office/drawing/2014/main" id="{AE21F568-0995-483D-8AA7-43304427BDB4}"/>
+              </a:ext>
+            </a:extLst>
+          </p:cNvPr>
+          <p:cNvPicPr>
+            <a:picLocks noChangeAspect="1"/>
+          </p:cNvPicPr>
+          <p:nvPr/>
+        </p:nvPicPr>
+        <p:blipFill>
+          <a:blip r:embed="rId3">
+            <a:extLst>
+              <a:ext uri="{28A0092B-C50C-407E-A947-70E740481C1C}">
+                <a14:useLocalDpi xmlns:a14="http://schemas.microsoft.com/office/drawing/2010/main" val="0"/>
+              </a:ext>
+            </a:extLst>
+          </a:blip>
+          <a:stretch>
+            <a:fillRect/>
+          </a:stretch>
+        </p:blipFill>
+        <p:spPr>
+          <a:xfrm>
+            <a:off x="8775051" y="2265363"/>
+            <a:ext cx="1980248" cy="3911600"/>
+          </a:xfrm>
+          <a:prstGeom prst="rect">
+            <a:avLst/>
+          </a:prstGeom>
+        </p:spPr>
+      </p:pic>
+    </p:spTree>
+    <p:extLst>
+      <p:ext uri="{BB962C8B-B14F-4D97-AF65-F5344CB8AC3E}">
+        <p14:creationId xmlns:p14="http://schemas.microsoft.com/office/powerpoint/2010/main" val="2378276532"/>
+      </p:ext>
+    </p:extLst>
+  </p:cSld>
+  <p:clrMapOvr>
+    <a:masterClrMapping/>
+  </p:clrMapOvr>
+</p:sld>
+</file>
+
 <file path=ppt/slides/slide2.xml><?xml version="1.0" encoding="utf-8"?>
 <p:sld xmlns:a="http://schemas.openxmlformats.org/drawingml/2006/main" xmlns:r="http://schemas.openxmlformats.org/officeDocument/2006/relationships" xmlns:p="http://schemas.openxmlformats.org/presentationml/2006/main">
   <p:cSld>
@@ -5294,7 +11189,7 @@
             </a:r>
             <a:r>
               <a:rPr lang="ja-JP" altLang="en-US" sz="2800" b="1" dirty="0"/>
-              <a:t>で認証，鍵の代用に？</a:t>
+              <a:t>を鍵の代用に？</a:t>
             </a:r>
             <a:endParaRPr lang="en-US" altLang="ja-JP" sz="2800" b="1" dirty="0"/>
           </a:p>
@@ -5321,12 +11216,71 @@
           <a:bodyPr/>
           <a:lstStyle/>
           <a:p>
+            <a:pPr marL="0" marR="0" lvl="0" indent="0" algn="r" defTabSz="914400" rtl="0" eaLnBrk="1" fontAlgn="auto" latinLnBrk="0" hangingPunct="1">
+              <a:lnSpc>
+                <a:spcPct val="100000"/>
+              </a:lnSpc>
+              <a:spcBef>
+                <a:spcPts val="0"/>
+              </a:spcBef>
+              <a:spcAft>
+                <a:spcPts val="0"/>
+              </a:spcAft>
+              <a:buClrTx/>
+              <a:buSzTx/>
+              <a:buFontTx/>
+              <a:buNone/>
+              <a:tabLst/>
+              <a:defRPr/>
+            </a:pPr>
             <a:fld id="{92084505-5355-43A2-B929-FD06D0DABC31}" type="slidenum">
-              <a:rPr lang="ja-JP" altLang="en-US" smtClean="0"/>
-              <a:pPr/>
+              <a:rPr kumimoji="1" lang="ja-JP" altLang="en-US" sz="1200" b="1" i="0" u="none" strike="noStrike" kern="1200" cap="none" spc="0" normalizeH="0" baseline="0" noProof="0" smtClean="0">
+                <a:ln>
+                  <a:noFill/>
+                </a:ln>
+                <a:solidFill>
+                  <a:prstClr val="white"/>
+                </a:solidFill>
+                <a:effectLst/>
+                <a:uLnTx/>
+                <a:uFillTx/>
+                <a:latin typeface="游ゴシック" panose="020F0502020204030204"/>
+                <a:ea typeface="游ゴシック" panose="020B0400000000000000" pitchFamily="50" charset="-128"/>
+                <a:cs typeface="+mn-cs"/>
+              </a:rPr>
+              <a:pPr marL="0" marR="0" lvl="0" indent="0" algn="r" defTabSz="914400" rtl="0" eaLnBrk="1" fontAlgn="auto" latinLnBrk="0" hangingPunct="1">
+                <a:lnSpc>
+                  <a:spcPct val="100000"/>
+                </a:lnSpc>
+                <a:spcBef>
+                  <a:spcPts val="0"/>
+                </a:spcBef>
+                <a:spcAft>
+                  <a:spcPts val="0"/>
+                </a:spcAft>
+                <a:buClrTx/>
+                <a:buSzTx/>
+                <a:buFontTx/>
+                <a:buNone/>
+                <a:tabLst/>
+                <a:defRPr/>
+              </a:pPr>
               <a:t>2</a:t>
             </a:fld>
-            <a:endParaRPr lang="ja-JP" altLang="en-US" dirty="0"/>
+            <a:endParaRPr kumimoji="1" lang="ja-JP" altLang="en-US" sz="1200" b="1" i="0" u="none" strike="noStrike" kern="1200" cap="none" spc="0" normalizeH="0" baseline="0" noProof="0" dirty="0">
+              <a:ln>
+                <a:noFill/>
+              </a:ln>
+              <a:solidFill>
+                <a:prstClr val="white"/>
+              </a:solidFill>
+              <a:effectLst/>
+              <a:uLnTx/>
+              <a:uFillTx/>
+              <a:latin typeface="游ゴシック" panose="020F0502020204030204"/>
+              <a:ea typeface="游ゴシック" panose="020B0400000000000000" pitchFamily="50" charset="-128"/>
+              <a:cs typeface="+mn-cs"/>
+            </a:endParaRPr>
           </a:p>
         </p:txBody>
       </p:sp>
@@ -5379,17 +11333,46 @@
           <a:bodyPr rtlCol="0" anchor="ctr"/>
           <a:lstStyle/>
           <a:p>
-            <a:pPr algn="ctr"/>
-            <a:endParaRPr kumimoji="1" lang="ja-JP" altLang="en-US"/>
+            <a:pPr marL="0" marR="0" lvl="0" indent="0" algn="ctr" defTabSz="914400" rtl="0" eaLnBrk="1" fontAlgn="auto" latinLnBrk="0" hangingPunct="1">
+              <a:lnSpc>
+                <a:spcPct val="100000"/>
+              </a:lnSpc>
+              <a:spcBef>
+                <a:spcPts val="0"/>
+              </a:spcBef>
+              <a:spcAft>
+                <a:spcPts val="0"/>
+              </a:spcAft>
+              <a:buClrTx/>
+              <a:buSzTx/>
+              <a:buFontTx/>
+              <a:buNone/>
+              <a:tabLst/>
+              <a:defRPr/>
+            </a:pPr>
+            <a:endParaRPr kumimoji="1" lang="ja-JP" altLang="en-US" sz="1800" b="0" i="0" u="none" strike="noStrike" kern="1200" cap="none" spc="0" normalizeH="0" baseline="0" noProof="0">
+              <a:ln>
+                <a:noFill/>
+              </a:ln>
+              <a:solidFill>
+                <a:prstClr val="white"/>
+              </a:solidFill>
+              <a:effectLst/>
+              <a:uLnTx/>
+              <a:uFillTx/>
+              <a:latin typeface="游ゴシック" panose="020F0502020204030204"/>
+              <a:ea typeface="游ゴシック" panose="020B0400000000000000" pitchFamily="50" charset="-128"/>
+              <a:cs typeface="+mn-cs"/>
+            </a:endParaRPr>
           </a:p>
         </p:txBody>
       </p:sp>
       <p:pic>
         <p:nvPicPr>
-          <p:cNvPr id="7" name="図 6">
+          <p:cNvPr id="8" name="図 7">
             <a:extLst>
               <a:ext uri="{FF2B5EF4-FFF2-40B4-BE49-F238E27FC236}">
-                <a16:creationId xmlns:a16="http://schemas.microsoft.com/office/drawing/2014/main" id="{7E10BAB1-DF34-4129-A06B-95CEB88671E3}"/>
+                <a16:creationId xmlns:a16="http://schemas.microsoft.com/office/drawing/2014/main" id="{1609F2A6-684D-4E38-82B5-9A7B5C356CC6}"/>
               </a:ext>
             </a:extLst>
           </p:cNvPr>
@@ -5398,7 +11381,7 @@
           </p:cNvPicPr>
           <p:nvPr/>
         </p:nvPicPr>
-        <p:blipFill>
+        <p:blipFill rotWithShape="1">
           <a:blip r:embed="rId3">
             <a:extLst>
               <a:ext uri="{28A0092B-C50C-407E-A947-70E740481C1C}">
@@ -5406,20 +11389,56 @@
               </a:ext>
             </a:extLst>
           </a:blip>
-          <a:stretch>
-            <a:fillRect/>
-          </a:stretch>
+          <a:srcRect l="13659" t="19497" r="21325" b="5207"/>
+          <a:stretch/>
         </p:blipFill>
         <p:spPr>
           <a:xfrm>
-            <a:off x="8919020" y="2791543"/>
-            <a:ext cx="3131513" cy="3385420"/>
+            <a:off x="8127999" y="2993421"/>
+            <a:ext cx="3413855" cy="2634312"/>
           </a:xfrm>
           <a:prstGeom prst="rect">
             <a:avLst/>
           </a:prstGeom>
         </p:spPr>
       </p:pic>
+      <p:sp>
+        <p:nvSpPr>
+          <p:cNvPr id="9" name="テキスト ボックス 8">
+            <a:extLst>
+              <a:ext uri="{FF2B5EF4-FFF2-40B4-BE49-F238E27FC236}">
+                <a16:creationId xmlns:a16="http://schemas.microsoft.com/office/drawing/2014/main" id="{49FC18A7-AA0A-40EF-8081-E49379D82984}"/>
+              </a:ext>
+            </a:extLst>
+          </p:cNvPr>
+          <p:cNvSpPr txBox="1"/>
+          <p:nvPr/>
+        </p:nvSpPr>
+        <p:spPr>
+          <a:xfrm>
+            <a:off x="8268208" y="5667916"/>
+            <a:ext cx="3133436" cy="376527"/>
+          </a:xfrm>
+          <a:prstGeom prst="rect">
+            <a:avLst/>
+          </a:prstGeom>
+          <a:noFill/>
+        </p:spPr>
+        <p:txBody>
+          <a:bodyPr wrap="square" rtlCol="0">
+            <a:spAutoFit/>
+          </a:bodyPr>
+          <a:lstStyle/>
+          <a:p>
+            <a:pPr algn="ctr"/>
+            <a:r>
+              <a:rPr kumimoji="1" lang="en-US" altLang="ja-JP" dirty="0"/>
+              <a:t>BMW R 1250 GS</a:t>
+            </a:r>
+            <a:endParaRPr kumimoji="1" lang="ja-JP" altLang="en-US" dirty="0"/>
+          </a:p>
+        </p:txBody>
+      </p:sp>
     </p:spTree>
     <p:extLst>
       <p:ext uri="{BB962C8B-B14F-4D97-AF65-F5344CB8AC3E}">
@@ -5629,12 +11648,71 @@
           <a:bodyPr/>
           <a:lstStyle/>
           <a:p>
+            <a:pPr marL="0" marR="0" lvl="0" indent="0" algn="r" defTabSz="914400" rtl="0" eaLnBrk="1" fontAlgn="auto" latinLnBrk="0" hangingPunct="1">
+              <a:lnSpc>
+                <a:spcPct val="100000"/>
+              </a:lnSpc>
+              <a:spcBef>
+                <a:spcPts val="0"/>
+              </a:spcBef>
+              <a:spcAft>
+                <a:spcPts val="0"/>
+              </a:spcAft>
+              <a:buClrTx/>
+              <a:buSzTx/>
+              <a:buFontTx/>
+              <a:buNone/>
+              <a:tabLst/>
+              <a:defRPr/>
+            </a:pPr>
             <a:fld id="{92084505-5355-43A2-B929-FD06D0DABC31}" type="slidenum">
-              <a:rPr lang="ja-JP" altLang="en-US" smtClean="0"/>
-              <a:pPr/>
+              <a:rPr kumimoji="1" lang="ja-JP" altLang="en-US" sz="1200" b="1" i="0" u="none" strike="noStrike" kern="1200" cap="none" spc="0" normalizeH="0" baseline="0" noProof="0" smtClean="0">
+                <a:ln>
+                  <a:noFill/>
+                </a:ln>
+                <a:solidFill>
+                  <a:prstClr val="white"/>
+                </a:solidFill>
+                <a:effectLst/>
+                <a:uLnTx/>
+                <a:uFillTx/>
+                <a:latin typeface="游ゴシック" panose="020F0502020204030204"/>
+                <a:ea typeface="游ゴシック" panose="020B0400000000000000" pitchFamily="50" charset="-128"/>
+                <a:cs typeface="+mn-cs"/>
+              </a:rPr>
+              <a:pPr marL="0" marR="0" lvl="0" indent="0" algn="r" defTabSz="914400" rtl="0" eaLnBrk="1" fontAlgn="auto" latinLnBrk="0" hangingPunct="1">
+                <a:lnSpc>
+                  <a:spcPct val="100000"/>
+                </a:lnSpc>
+                <a:spcBef>
+                  <a:spcPts val="0"/>
+                </a:spcBef>
+                <a:spcAft>
+                  <a:spcPts val="0"/>
+                </a:spcAft>
+                <a:buClrTx/>
+                <a:buSzTx/>
+                <a:buFontTx/>
+                <a:buNone/>
+                <a:tabLst/>
+                <a:defRPr/>
+              </a:pPr>
               <a:t>3</a:t>
             </a:fld>
-            <a:endParaRPr lang="ja-JP" altLang="en-US" dirty="0"/>
+            <a:endParaRPr kumimoji="1" lang="ja-JP" altLang="en-US" sz="1200" b="1" i="0" u="none" strike="noStrike" kern="1200" cap="none" spc="0" normalizeH="0" baseline="0" noProof="0" dirty="0">
+              <a:ln>
+                <a:noFill/>
+              </a:ln>
+              <a:solidFill>
+                <a:prstClr val="white"/>
+              </a:solidFill>
+              <a:effectLst/>
+              <a:uLnTx/>
+              <a:uFillTx/>
+              <a:latin typeface="游ゴシック" panose="020F0502020204030204"/>
+              <a:ea typeface="游ゴシック" panose="020B0400000000000000" pitchFamily="50" charset="-128"/>
+              <a:cs typeface="+mn-cs"/>
+            </a:endParaRPr>
           </a:p>
         </p:txBody>
       </p:sp>
@@ -5687,8 +11765,37 @@
           <a:bodyPr rtlCol="0" anchor="ctr"/>
           <a:lstStyle/>
           <a:p>
-            <a:pPr algn="ctr"/>
-            <a:endParaRPr kumimoji="1" lang="ja-JP" altLang="en-US"/>
+            <a:pPr marL="0" marR="0" lvl="0" indent="0" algn="ctr" defTabSz="914400" rtl="0" eaLnBrk="1" fontAlgn="auto" latinLnBrk="0" hangingPunct="1">
+              <a:lnSpc>
+                <a:spcPct val="100000"/>
+              </a:lnSpc>
+              <a:spcBef>
+                <a:spcPts val="0"/>
+              </a:spcBef>
+              <a:spcAft>
+                <a:spcPts val="0"/>
+              </a:spcAft>
+              <a:buClrTx/>
+              <a:buSzTx/>
+              <a:buFontTx/>
+              <a:buNone/>
+              <a:tabLst/>
+              <a:defRPr/>
+            </a:pPr>
+            <a:endParaRPr kumimoji="1" lang="ja-JP" altLang="en-US" sz="1800" b="0" i="0" u="none" strike="noStrike" kern="1200" cap="none" spc="0" normalizeH="0" baseline="0" noProof="0">
+              <a:ln>
+                <a:noFill/>
+              </a:ln>
+              <a:solidFill>
+                <a:prstClr val="white"/>
+              </a:solidFill>
+              <a:effectLst/>
+              <a:uLnTx/>
+              <a:uFillTx/>
+              <a:latin typeface="游ゴシック" panose="020F0502020204030204"/>
+              <a:ea typeface="游ゴシック" panose="020B0400000000000000" pitchFamily="50" charset="-128"/>
+              <a:cs typeface="+mn-cs"/>
+            </a:endParaRPr>
           </a:p>
         </p:txBody>
       </p:sp>
@@ -5834,21 +11941,80 @@
           <a:bodyPr/>
           <a:lstStyle/>
           <a:p>
+            <a:pPr marL="0" marR="0" lvl="0" indent="0" algn="r" defTabSz="914400" rtl="0" eaLnBrk="1" fontAlgn="auto" latinLnBrk="0" hangingPunct="1">
+              <a:lnSpc>
+                <a:spcPct val="100000"/>
+              </a:lnSpc>
+              <a:spcBef>
+                <a:spcPts val="0"/>
+              </a:spcBef>
+              <a:spcAft>
+                <a:spcPts val="0"/>
+              </a:spcAft>
+              <a:buClrTx/>
+              <a:buSzTx/>
+              <a:buFontTx/>
+              <a:buNone/>
+              <a:tabLst/>
+              <a:defRPr/>
+            </a:pPr>
             <a:fld id="{92084505-5355-43A2-B929-FD06D0DABC31}" type="slidenum">
-              <a:rPr lang="ja-JP" altLang="en-US" smtClean="0"/>
-              <a:pPr/>
+              <a:rPr kumimoji="1" lang="ja-JP" altLang="en-US" sz="1200" b="1" i="0" u="none" strike="noStrike" kern="1200" cap="none" spc="0" normalizeH="0" baseline="0" noProof="0" smtClean="0">
+                <a:ln>
+                  <a:noFill/>
+                </a:ln>
+                <a:solidFill>
+                  <a:prstClr val="white"/>
+                </a:solidFill>
+                <a:effectLst/>
+                <a:uLnTx/>
+                <a:uFillTx/>
+                <a:latin typeface="游ゴシック" panose="020F0502020204030204"/>
+                <a:ea typeface="游ゴシック" panose="020B0400000000000000" pitchFamily="50" charset="-128"/>
+                <a:cs typeface="+mn-cs"/>
+              </a:rPr>
+              <a:pPr marL="0" marR="0" lvl="0" indent="0" algn="r" defTabSz="914400" rtl="0" eaLnBrk="1" fontAlgn="auto" latinLnBrk="0" hangingPunct="1">
+                <a:lnSpc>
+                  <a:spcPct val="100000"/>
+                </a:lnSpc>
+                <a:spcBef>
+                  <a:spcPts val="0"/>
+                </a:spcBef>
+                <a:spcAft>
+                  <a:spcPts val="0"/>
+                </a:spcAft>
+                <a:buClrTx/>
+                <a:buSzTx/>
+                <a:buFontTx/>
+                <a:buNone/>
+                <a:tabLst/>
+                <a:defRPr/>
+              </a:pPr>
               <a:t>4</a:t>
             </a:fld>
-            <a:endParaRPr lang="ja-JP" altLang="en-US" dirty="0"/>
+            <a:endParaRPr kumimoji="1" lang="ja-JP" altLang="en-US" sz="1200" b="1" i="0" u="none" strike="noStrike" kern="1200" cap="none" spc="0" normalizeH="0" baseline="0" noProof="0" dirty="0">
+              <a:ln>
+                <a:noFill/>
+              </a:ln>
+              <a:solidFill>
+                <a:prstClr val="white"/>
+              </a:solidFill>
+              <a:effectLst/>
+              <a:uLnTx/>
+              <a:uFillTx/>
+              <a:latin typeface="游ゴシック" panose="020F0502020204030204"/>
+              <a:ea typeface="游ゴシック" panose="020B0400000000000000" pitchFamily="50" charset="-128"/>
+              <a:cs typeface="+mn-cs"/>
+            </a:endParaRPr>
           </a:p>
         </p:txBody>
       </p:sp>
       <p:pic>
         <p:nvPicPr>
-          <p:cNvPr id="13" name="図 12">
+          <p:cNvPr id="6" name="図 5">
             <a:extLst>
               <a:ext uri="{FF2B5EF4-FFF2-40B4-BE49-F238E27FC236}">
-                <a16:creationId xmlns:a16="http://schemas.microsoft.com/office/drawing/2014/main" id="{B2046122-C5F6-42F7-B8EF-FAE8E1675E80}"/>
+                <a16:creationId xmlns:a16="http://schemas.microsoft.com/office/drawing/2014/main" id="{470D5549-5C29-4749-8CD0-FC9B33B9A07D}"/>
               </a:ext>
             </a:extLst>
           </p:cNvPr>
@@ -5871,8 +12037,8 @@
         </p:blipFill>
         <p:spPr>
           <a:xfrm>
-            <a:off x="8212425" y="2798617"/>
-            <a:ext cx="2570101" cy="2997201"/>
+            <a:off x="7229113" y="1690688"/>
+            <a:ext cx="3983220" cy="4306184"/>
           </a:xfrm>
           <a:prstGeom prst="rect">
             <a:avLst/>
@@ -6050,12 +12216,71 @@
           <a:bodyPr/>
           <a:lstStyle/>
           <a:p>
+            <a:pPr marL="0" marR="0" lvl="0" indent="0" algn="r" defTabSz="914400" rtl="0" eaLnBrk="1" fontAlgn="auto" latinLnBrk="0" hangingPunct="1">
+              <a:lnSpc>
+                <a:spcPct val="100000"/>
+              </a:lnSpc>
+              <a:spcBef>
+                <a:spcPts val="0"/>
+              </a:spcBef>
+              <a:spcAft>
+                <a:spcPts val="0"/>
+              </a:spcAft>
+              <a:buClrTx/>
+              <a:buSzTx/>
+              <a:buFontTx/>
+              <a:buNone/>
+              <a:tabLst/>
+              <a:defRPr/>
+            </a:pPr>
             <a:fld id="{92084505-5355-43A2-B929-FD06D0DABC31}" type="slidenum">
-              <a:rPr lang="ja-JP" altLang="en-US" smtClean="0"/>
-              <a:pPr/>
+              <a:rPr kumimoji="1" lang="ja-JP" altLang="en-US" sz="1200" b="1" i="0" u="none" strike="noStrike" kern="1200" cap="none" spc="0" normalizeH="0" baseline="0" noProof="0" smtClean="0">
+                <a:ln>
+                  <a:noFill/>
+                </a:ln>
+                <a:solidFill>
+                  <a:prstClr val="white"/>
+                </a:solidFill>
+                <a:effectLst/>
+                <a:uLnTx/>
+                <a:uFillTx/>
+                <a:latin typeface="游ゴシック" panose="020F0502020204030204"/>
+                <a:ea typeface="游ゴシック" panose="020B0400000000000000" pitchFamily="50" charset="-128"/>
+                <a:cs typeface="+mn-cs"/>
+              </a:rPr>
+              <a:pPr marL="0" marR="0" lvl="0" indent="0" algn="r" defTabSz="914400" rtl="0" eaLnBrk="1" fontAlgn="auto" latinLnBrk="0" hangingPunct="1">
+                <a:lnSpc>
+                  <a:spcPct val="100000"/>
+                </a:lnSpc>
+                <a:spcBef>
+                  <a:spcPts val="0"/>
+                </a:spcBef>
+                <a:spcAft>
+                  <a:spcPts val="0"/>
+                </a:spcAft>
+                <a:buClrTx/>
+                <a:buSzTx/>
+                <a:buFontTx/>
+                <a:buNone/>
+                <a:tabLst/>
+                <a:defRPr/>
+              </a:pPr>
               <a:t>5</a:t>
             </a:fld>
-            <a:endParaRPr lang="ja-JP" altLang="en-US" dirty="0"/>
+            <a:endParaRPr kumimoji="1" lang="ja-JP" altLang="en-US" sz="1200" b="1" i="0" u="none" strike="noStrike" kern="1200" cap="none" spc="0" normalizeH="0" baseline="0" noProof="0" dirty="0">
+              <a:ln>
+                <a:noFill/>
+              </a:ln>
+              <a:solidFill>
+                <a:prstClr val="white"/>
+              </a:solidFill>
+              <a:effectLst/>
+              <a:uLnTx/>
+              <a:uFillTx/>
+              <a:latin typeface="游ゴシック" panose="020F0502020204030204"/>
+              <a:ea typeface="游ゴシック" panose="020B0400000000000000" pitchFamily="50" charset="-128"/>
+              <a:cs typeface="+mn-cs"/>
+            </a:endParaRPr>
           </a:p>
         </p:txBody>
       </p:sp>
@@ -6108,8 +12333,37 @@
           <a:bodyPr rtlCol="0" anchor="ctr"/>
           <a:lstStyle/>
           <a:p>
-            <a:pPr algn="ctr"/>
-            <a:endParaRPr kumimoji="1" lang="ja-JP" altLang="en-US"/>
+            <a:pPr marL="0" marR="0" lvl="0" indent="0" algn="ctr" defTabSz="914400" rtl="0" eaLnBrk="1" fontAlgn="auto" latinLnBrk="0" hangingPunct="1">
+              <a:lnSpc>
+                <a:spcPct val="100000"/>
+              </a:lnSpc>
+              <a:spcBef>
+                <a:spcPts val="0"/>
+              </a:spcBef>
+              <a:spcAft>
+                <a:spcPts val="0"/>
+              </a:spcAft>
+              <a:buClrTx/>
+              <a:buSzTx/>
+              <a:buFontTx/>
+              <a:buNone/>
+              <a:tabLst/>
+              <a:defRPr/>
+            </a:pPr>
+            <a:endParaRPr kumimoji="1" lang="ja-JP" altLang="en-US" sz="1800" b="0" i="0" u="none" strike="noStrike" kern="1200" cap="none" spc="0" normalizeH="0" baseline="0" noProof="0">
+              <a:ln>
+                <a:noFill/>
+              </a:ln>
+              <a:solidFill>
+                <a:prstClr val="white"/>
+              </a:solidFill>
+              <a:effectLst/>
+              <a:uLnTx/>
+              <a:uFillTx/>
+              <a:latin typeface="游ゴシック" panose="020F0502020204030204"/>
+              <a:ea typeface="游ゴシック" panose="020B0400000000000000" pitchFamily="50" charset="-128"/>
+              <a:cs typeface="+mn-cs"/>
+            </a:endParaRPr>
           </a:p>
         </p:txBody>
       </p:sp>
@@ -6141,7 +12395,7 @@
         </p:blipFill>
         <p:spPr>
           <a:xfrm>
-            <a:off x="1958411" y="4723129"/>
+            <a:off x="1958411" y="4663554"/>
             <a:ext cx="1417121" cy="1568058"/>
           </a:xfrm>
           <a:prstGeom prst="rect">
@@ -6262,8 +12516,37 @@
           <a:bodyPr rtlCol="0" anchor="ctr"/>
           <a:lstStyle/>
           <a:p>
-            <a:pPr algn="ctr"/>
-            <a:endParaRPr lang="ja-JP" altLang="en-US"/>
+            <a:pPr marL="0" marR="0" lvl="0" indent="0" algn="ctr" defTabSz="914400" rtl="0" eaLnBrk="1" fontAlgn="auto" latinLnBrk="0" hangingPunct="1">
+              <a:lnSpc>
+                <a:spcPct val="100000"/>
+              </a:lnSpc>
+              <a:spcBef>
+                <a:spcPts val="0"/>
+              </a:spcBef>
+              <a:spcAft>
+                <a:spcPts val="0"/>
+              </a:spcAft>
+              <a:buClrTx/>
+              <a:buSzTx/>
+              <a:buFontTx/>
+              <a:buNone/>
+              <a:tabLst/>
+              <a:defRPr/>
+            </a:pPr>
+            <a:endParaRPr kumimoji="1" lang="ja-JP" altLang="en-US" sz="1800" b="0" i="0" u="none" strike="noStrike" kern="1200" cap="none" spc="0" normalizeH="0" baseline="0" noProof="0">
+              <a:ln>
+                <a:noFill/>
+              </a:ln>
+              <a:solidFill>
+                <a:prstClr val="white"/>
+              </a:solidFill>
+              <a:effectLst/>
+              <a:uLnTx/>
+              <a:uFillTx/>
+              <a:latin typeface="游ゴシック" panose="020F0502020204030204"/>
+              <a:ea typeface="游ゴシック" panose="020B0400000000000000" pitchFamily="50" charset="-128"/>
+              <a:cs typeface="+mn-cs"/>
+            </a:endParaRPr>
           </a:p>
         </p:txBody>
       </p:sp>
@@ -6308,8 +12591,37 @@
           <a:bodyPr rtlCol="0" anchor="ctr"/>
           <a:lstStyle/>
           <a:p>
-            <a:pPr algn="ctr"/>
-            <a:endParaRPr lang="ja-JP" altLang="en-US"/>
+            <a:pPr marL="0" marR="0" lvl="0" indent="0" algn="ctr" defTabSz="914400" rtl="0" eaLnBrk="1" fontAlgn="auto" latinLnBrk="0" hangingPunct="1">
+              <a:lnSpc>
+                <a:spcPct val="100000"/>
+              </a:lnSpc>
+              <a:spcBef>
+                <a:spcPts val="0"/>
+              </a:spcBef>
+              <a:spcAft>
+                <a:spcPts val="0"/>
+              </a:spcAft>
+              <a:buClrTx/>
+              <a:buSzTx/>
+              <a:buFontTx/>
+              <a:buNone/>
+              <a:tabLst/>
+              <a:defRPr/>
+            </a:pPr>
+            <a:endParaRPr kumimoji="1" lang="ja-JP" altLang="en-US" sz="1800" b="0" i="0" u="none" strike="noStrike" kern="1200" cap="none" spc="0" normalizeH="0" baseline="0" noProof="0">
+              <a:ln>
+                <a:noFill/>
+              </a:ln>
+              <a:solidFill>
+                <a:prstClr val="white"/>
+              </a:solidFill>
+              <a:effectLst/>
+              <a:uLnTx/>
+              <a:uFillTx/>
+              <a:latin typeface="游ゴシック" panose="020F0502020204030204"/>
+              <a:ea typeface="游ゴシック" panose="020B0400000000000000" pitchFamily="50" charset="-128"/>
+              <a:cs typeface="+mn-cs"/>
+            </a:endParaRPr>
           </a:p>
         </p:txBody>
       </p:sp>
@@ -6410,12 +12722,71 @@
           <a:bodyPr/>
           <a:lstStyle/>
           <a:p>
+            <a:pPr marL="0" marR="0" lvl="0" indent="0" algn="r" defTabSz="914400" rtl="0" eaLnBrk="1" fontAlgn="auto" latinLnBrk="0" hangingPunct="1">
+              <a:lnSpc>
+                <a:spcPct val="100000"/>
+              </a:lnSpc>
+              <a:spcBef>
+                <a:spcPts val="0"/>
+              </a:spcBef>
+              <a:spcAft>
+                <a:spcPts val="0"/>
+              </a:spcAft>
+              <a:buClrTx/>
+              <a:buSzTx/>
+              <a:buFontTx/>
+              <a:buNone/>
+              <a:tabLst/>
+              <a:defRPr/>
+            </a:pPr>
             <a:fld id="{92084505-5355-43A2-B929-FD06D0DABC31}" type="slidenum">
-              <a:rPr lang="ja-JP" altLang="en-US" smtClean="0"/>
-              <a:pPr/>
+              <a:rPr kumimoji="1" lang="ja-JP" altLang="en-US" sz="1200" b="1" i="0" u="none" strike="noStrike" kern="1200" cap="none" spc="0" normalizeH="0" baseline="0" noProof="0" smtClean="0">
+                <a:ln>
+                  <a:noFill/>
+                </a:ln>
+                <a:solidFill>
+                  <a:prstClr val="white"/>
+                </a:solidFill>
+                <a:effectLst/>
+                <a:uLnTx/>
+                <a:uFillTx/>
+                <a:latin typeface="游ゴシック" panose="020F0502020204030204"/>
+                <a:ea typeface="游ゴシック" panose="020B0400000000000000" pitchFamily="50" charset="-128"/>
+                <a:cs typeface="+mn-cs"/>
+              </a:rPr>
+              <a:pPr marL="0" marR="0" lvl="0" indent="0" algn="r" defTabSz="914400" rtl="0" eaLnBrk="1" fontAlgn="auto" latinLnBrk="0" hangingPunct="1">
+                <a:lnSpc>
+                  <a:spcPct val="100000"/>
+                </a:lnSpc>
+                <a:spcBef>
+                  <a:spcPts val="0"/>
+                </a:spcBef>
+                <a:spcAft>
+                  <a:spcPts val="0"/>
+                </a:spcAft>
+                <a:buClrTx/>
+                <a:buSzTx/>
+                <a:buFontTx/>
+                <a:buNone/>
+                <a:tabLst/>
+                <a:defRPr/>
+              </a:pPr>
               <a:t>6</a:t>
             </a:fld>
-            <a:endParaRPr lang="ja-JP" altLang="en-US" dirty="0"/>
+            <a:endParaRPr kumimoji="1" lang="ja-JP" altLang="en-US" sz="1200" b="1" i="0" u="none" strike="noStrike" kern="1200" cap="none" spc="0" normalizeH="0" baseline="0" noProof="0" dirty="0">
+              <a:ln>
+                <a:noFill/>
+              </a:ln>
+              <a:solidFill>
+                <a:prstClr val="white"/>
+              </a:solidFill>
+              <a:effectLst/>
+              <a:uLnTx/>
+              <a:uFillTx/>
+              <a:latin typeface="游ゴシック" panose="020F0502020204030204"/>
+              <a:ea typeface="游ゴシック" panose="020B0400000000000000" pitchFamily="50" charset="-128"/>
+              <a:cs typeface="+mn-cs"/>
+            </a:endParaRPr>
           </a:p>
         </p:txBody>
       </p:sp>
@@ -6447,11 +12818,40 @@
           </a:bodyPr>
           <a:lstStyle/>
           <a:p>
-            <a:r>
-              <a:rPr lang="ja-JP" altLang="en-US" dirty="0"/>
+            <a:pPr marL="0" marR="0" lvl="0" indent="0" algn="l" defTabSz="914400" rtl="0" eaLnBrk="1" fontAlgn="auto" latinLnBrk="0" hangingPunct="1">
+              <a:lnSpc>
+                <a:spcPct val="100000"/>
+              </a:lnSpc>
+              <a:spcBef>
+                <a:spcPts val="0"/>
+              </a:spcBef>
+              <a:spcAft>
+                <a:spcPts val="0"/>
+              </a:spcAft>
+              <a:buClrTx/>
+              <a:buSzTx/>
+              <a:buFontTx/>
+              <a:buNone/>
+              <a:tabLst/>
+              <a:defRPr/>
+            </a:pPr>
+            <a:r>
+              <a:rPr kumimoji="1" lang="ja-JP" altLang="en-US" sz="1800" b="0" i="0" u="none" strike="noStrike" kern="1200" cap="none" spc="0" normalizeH="0" baseline="0" noProof="0" dirty="0">
+                <a:ln>
+                  <a:noFill/>
+                </a:ln>
+                <a:solidFill>
+                  <a:prstClr val="black"/>
+                </a:solidFill>
+                <a:effectLst/>
+                <a:uLnTx/>
+                <a:uFillTx/>
+                <a:latin typeface="游ゴシック" panose="020F0502020204030204"/>
+                <a:ea typeface="游ゴシック" panose="020B0400000000000000" pitchFamily="50" charset="-128"/>
+                <a:cs typeface="+mn-cs"/>
+              </a:rPr>
               <a:t>あらかじめ複数サンプル登録しておく</a:t>
             </a:r>
-            <a:endParaRPr kumimoji="1" lang="ja-JP" altLang="en-US" dirty="0"/>
           </a:p>
         </p:txBody>
       </p:sp>
@@ -6483,8 +12883,38 @@
           </a:bodyPr>
           <a:lstStyle/>
           <a:p>
-            <a:r>
-              <a:rPr kumimoji="1" lang="ja-JP" altLang="en-US" dirty="0"/>
+            <a:pPr marL="0" marR="0" lvl="0" indent="0" algn="l" defTabSz="914400" rtl="0" eaLnBrk="1" fontAlgn="auto" latinLnBrk="0" hangingPunct="1">
+              <a:lnSpc>
+                <a:spcPct val="100000"/>
+              </a:lnSpc>
+              <a:spcBef>
+                <a:spcPts val="0"/>
+              </a:spcBef>
+              <a:spcAft>
+                <a:spcPts val="0"/>
+              </a:spcAft>
+              <a:buClrTx/>
+              <a:buSzTx/>
+              <a:buFontTx/>
+              <a:buNone/>
+              <a:tabLst/>
+              <a:defRPr/>
+            </a:pPr>
+            <a:r>
+              <a:rPr kumimoji="1" lang="ja-JP" altLang="en-US" sz="1800" b="0" i="0" u="none" strike="noStrike" kern="1200" cap="none" spc="0" normalizeH="0" baseline="0" noProof="0" dirty="0">
+                <a:ln>
+                  <a:noFill/>
+                </a:ln>
+                <a:solidFill>
+                  <a:prstClr val="black"/>
+                </a:solidFill>
+                <a:effectLst/>
+                <a:uLnTx/>
+                <a:uFillTx/>
+                <a:latin typeface="游ゴシック" panose="020F0502020204030204"/>
+                <a:ea typeface="游ゴシック" panose="020B0400000000000000" pitchFamily="50" charset="-128"/>
+                <a:cs typeface="+mn-cs"/>
+              </a:rPr>
               <a:t>所有者のデータ群と入力データの距離</a:t>
             </a:r>
           </a:p>
@@ -6518,27 +12948,122 @@
           </a:bodyPr>
           <a:lstStyle/>
           <a:p>
-            <a:r>
-              <a:rPr kumimoji="1" lang="en-US" altLang="ja-JP" dirty="0"/>
+            <a:pPr marL="0" marR="0" lvl="0" indent="0" algn="l" defTabSz="914400" rtl="0" eaLnBrk="1" fontAlgn="auto" latinLnBrk="0" hangingPunct="1">
+              <a:lnSpc>
+                <a:spcPct val="100000"/>
+              </a:lnSpc>
+              <a:spcBef>
+                <a:spcPts val="0"/>
+              </a:spcBef>
+              <a:spcAft>
+                <a:spcPts val="0"/>
+              </a:spcAft>
+              <a:buClrTx/>
+              <a:buSzTx/>
+              <a:buFontTx/>
+              <a:buNone/>
+              <a:tabLst/>
+              <a:defRPr/>
+            </a:pPr>
+            <a:r>
+              <a:rPr kumimoji="1" lang="en-US" altLang="ja-JP" sz="1800" b="0" i="0" u="none" strike="noStrike" kern="1200" cap="none" spc="0" normalizeH="0" baseline="0" noProof="0" dirty="0">
+                <a:ln>
+                  <a:noFill/>
+                </a:ln>
+                <a:solidFill>
+                  <a:prstClr val="black"/>
+                </a:solidFill>
+                <a:effectLst/>
+                <a:uLnTx/>
+                <a:uFillTx/>
+                <a:latin typeface="游ゴシック" panose="020F0502020204030204"/>
+                <a:ea typeface="游ゴシック" panose="020B0400000000000000" pitchFamily="50" charset="-128"/>
+                <a:cs typeface="+mn-cs"/>
+              </a:rPr>
               <a:t>32</a:t>
             </a:r>
             <a:r>
-              <a:rPr kumimoji="1" lang="ja-JP" altLang="en-US" dirty="0"/>
+              <a:rPr kumimoji="1" lang="ja-JP" altLang="en-US" sz="1800" b="0" i="0" u="none" strike="noStrike" kern="1200" cap="none" spc="0" normalizeH="0" baseline="0" noProof="0" dirty="0">
+                <a:ln>
+                  <a:noFill/>
+                </a:ln>
+                <a:solidFill>
+                  <a:prstClr val="black"/>
+                </a:solidFill>
+                <a:effectLst/>
+                <a:uLnTx/>
+                <a:uFillTx/>
+                <a:latin typeface="游ゴシック" panose="020F0502020204030204"/>
+                <a:ea typeface="游ゴシック" panose="020B0400000000000000" pitchFamily="50" charset="-128"/>
+                <a:cs typeface="+mn-cs"/>
+              </a:rPr>
               <a:t>個の圧力センサの電圧値</a:t>
             </a:r>
             <a:r>
-              <a:rPr kumimoji="1" lang="en-US" altLang="ja-JP" dirty="0"/>
+              <a:rPr kumimoji="1" lang="en-US" altLang="ja-JP" sz="1800" b="0" i="0" u="none" strike="noStrike" kern="1200" cap="none" spc="0" normalizeH="0" baseline="0" noProof="0" dirty="0">
+                <a:ln>
+                  <a:noFill/>
+                </a:ln>
+                <a:solidFill>
+                  <a:prstClr val="black"/>
+                </a:solidFill>
+                <a:effectLst/>
+                <a:uLnTx/>
+                <a:uFillTx/>
+                <a:latin typeface="游ゴシック" panose="020F0502020204030204"/>
+                <a:ea typeface="游ゴシック" panose="020B0400000000000000" pitchFamily="50" charset="-128"/>
+                <a:cs typeface="+mn-cs"/>
+              </a:rPr>
               <a:t>(32</a:t>
             </a:r>
             <a:r>
-              <a:rPr kumimoji="1" lang="ja-JP" altLang="en-US" dirty="0"/>
+              <a:rPr kumimoji="1" lang="ja-JP" altLang="en-US" sz="1800" b="0" i="0" u="none" strike="noStrike" kern="1200" cap="none" spc="0" normalizeH="0" baseline="0" noProof="0" dirty="0">
+                <a:ln>
+                  <a:noFill/>
+                </a:ln>
+                <a:solidFill>
+                  <a:prstClr val="black"/>
+                </a:solidFill>
+                <a:effectLst/>
+                <a:uLnTx/>
+                <a:uFillTx/>
+                <a:latin typeface="游ゴシック" panose="020F0502020204030204"/>
+                <a:ea typeface="游ゴシック" panose="020B0400000000000000" pitchFamily="50" charset="-128"/>
+                <a:cs typeface="+mn-cs"/>
+              </a:rPr>
               <a:t>次元のベクトル</a:t>
             </a:r>
             <a:r>
-              <a:rPr kumimoji="1" lang="en-US" altLang="ja-JP" dirty="0"/>
+              <a:rPr kumimoji="1" lang="en-US" altLang="ja-JP" sz="1800" b="0" i="0" u="none" strike="noStrike" kern="1200" cap="none" spc="0" normalizeH="0" baseline="0" noProof="0" dirty="0">
+                <a:ln>
+                  <a:noFill/>
+                </a:ln>
+                <a:solidFill>
+                  <a:prstClr val="black"/>
+                </a:solidFill>
+                <a:effectLst/>
+                <a:uLnTx/>
+                <a:uFillTx/>
+                <a:latin typeface="游ゴシック" panose="020F0502020204030204"/>
+                <a:ea typeface="游ゴシック" panose="020B0400000000000000" pitchFamily="50" charset="-128"/>
+                <a:cs typeface="+mn-cs"/>
+              </a:rPr>
               <a:t>)</a:t>
             </a:r>
-            <a:endParaRPr kumimoji="1" lang="ja-JP" altLang="en-US" dirty="0"/>
+            <a:endParaRPr kumimoji="1" lang="ja-JP" altLang="en-US" sz="1800" b="0" i="0" u="none" strike="noStrike" kern="1200" cap="none" spc="0" normalizeH="0" baseline="0" noProof="0" dirty="0">
+              <a:ln>
+                <a:noFill/>
+              </a:ln>
+              <a:solidFill>
+                <a:prstClr val="black"/>
+              </a:solidFill>
+              <a:effectLst/>
+              <a:uLnTx/>
+              <a:uFillTx/>
+              <a:latin typeface="游ゴシック" panose="020F0502020204030204"/>
+              <a:ea typeface="游ゴシック" panose="020B0400000000000000" pitchFamily="50" charset="-128"/>
+              <a:cs typeface="+mn-cs"/>
+            </a:endParaRPr>
           </a:p>
         </p:txBody>
       </p:sp>
@@ -6570,11 +13095,40 @@
           </a:bodyPr>
           <a:lstStyle/>
           <a:p>
-            <a:r>
-              <a:rPr lang="ja-JP" altLang="en-US" dirty="0"/>
+            <a:pPr marL="0" marR="0" lvl="0" indent="0" algn="l" defTabSz="914400" rtl="0" eaLnBrk="1" fontAlgn="auto" latinLnBrk="0" hangingPunct="1">
+              <a:lnSpc>
+                <a:spcPct val="100000"/>
+              </a:lnSpc>
+              <a:spcBef>
+                <a:spcPts val="0"/>
+              </a:spcBef>
+              <a:spcAft>
+                <a:spcPts val="0"/>
+              </a:spcAft>
+              <a:buClrTx/>
+              <a:buSzTx/>
+              <a:buFontTx/>
+              <a:buNone/>
+              <a:tabLst/>
+              <a:defRPr/>
+            </a:pPr>
+            <a:r>
+              <a:rPr kumimoji="1" lang="ja-JP" altLang="en-US" sz="1800" b="0" i="0" u="none" strike="noStrike" kern="1200" cap="none" spc="0" normalizeH="0" baseline="0" noProof="0" dirty="0">
+                <a:ln>
+                  <a:noFill/>
+                </a:ln>
+                <a:solidFill>
+                  <a:prstClr val="black"/>
+                </a:solidFill>
+                <a:effectLst/>
+                <a:uLnTx/>
+                <a:uFillTx/>
+                <a:latin typeface="游ゴシック" panose="020F0502020204030204"/>
+                <a:ea typeface="游ゴシック" panose="020B0400000000000000" pitchFamily="50" charset="-128"/>
+                <a:cs typeface="+mn-cs"/>
+              </a:rPr>
               <a:t>距離が閾値未満で認証，閾値以上で拒否</a:t>
             </a:r>
-            <a:endParaRPr kumimoji="1" lang="ja-JP" altLang="en-US" dirty="0"/>
           </a:p>
         </p:txBody>
       </p:sp>
@@ -6627,8 +13181,37 @@
           <a:bodyPr rtlCol="0" anchor="ctr"/>
           <a:lstStyle/>
           <a:p>
-            <a:pPr algn="ctr"/>
-            <a:endParaRPr kumimoji="1" lang="ja-JP" altLang="en-US" dirty="0"/>
+            <a:pPr marL="0" marR="0" lvl="0" indent="0" algn="ctr" defTabSz="914400" rtl="0" eaLnBrk="1" fontAlgn="auto" latinLnBrk="0" hangingPunct="1">
+              <a:lnSpc>
+                <a:spcPct val="100000"/>
+              </a:lnSpc>
+              <a:spcBef>
+                <a:spcPts val="0"/>
+              </a:spcBef>
+              <a:spcAft>
+                <a:spcPts val="0"/>
+              </a:spcAft>
+              <a:buClrTx/>
+              <a:buSzTx/>
+              <a:buFontTx/>
+              <a:buNone/>
+              <a:tabLst/>
+              <a:defRPr/>
+            </a:pPr>
+            <a:endParaRPr kumimoji="1" lang="ja-JP" altLang="en-US" sz="1800" b="0" i="0" u="none" strike="noStrike" kern="1200" cap="none" spc="0" normalizeH="0" baseline="0" noProof="0" dirty="0">
+              <a:ln>
+                <a:noFill/>
+              </a:ln>
+              <a:solidFill>
+                <a:prstClr val="white"/>
+              </a:solidFill>
+              <a:effectLst/>
+              <a:uLnTx/>
+              <a:uFillTx/>
+              <a:latin typeface="游ゴシック" panose="020F0502020204030204"/>
+              <a:ea typeface="游ゴシック" panose="020B0400000000000000" pitchFamily="50" charset="-128"/>
+              <a:cs typeface="+mn-cs"/>
+            </a:endParaRPr>
           </a:p>
         </p:txBody>
       </p:sp>
@@ -6681,8 +13264,37 @@
           <a:bodyPr rtlCol="0" anchor="ctr"/>
           <a:lstStyle/>
           <a:p>
-            <a:pPr algn="ctr"/>
-            <a:endParaRPr kumimoji="1" lang="ja-JP" altLang="en-US"/>
+            <a:pPr marL="0" marR="0" lvl="0" indent="0" algn="ctr" defTabSz="914400" rtl="0" eaLnBrk="1" fontAlgn="auto" latinLnBrk="0" hangingPunct="1">
+              <a:lnSpc>
+                <a:spcPct val="100000"/>
+              </a:lnSpc>
+              <a:spcBef>
+                <a:spcPts val="0"/>
+              </a:spcBef>
+              <a:spcAft>
+                <a:spcPts val="0"/>
+              </a:spcAft>
+              <a:buClrTx/>
+              <a:buSzTx/>
+              <a:buFontTx/>
+              <a:buNone/>
+              <a:tabLst/>
+              <a:defRPr/>
+            </a:pPr>
+            <a:endParaRPr kumimoji="1" lang="ja-JP" altLang="en-US" sz="1800" b="0" i="0" u="none" strike="noStrike" kern="1200" cap="none" spc="0" normalizeH="0" baseline="0" noProof="0">
+              <a:ln>
+                <a:noFill/>
+              </a:ln>
+              <a:solidFill>
+                <a:prstClr val="white"/>
+              </a:solidFill>
+              <a:effectLst/>
+              <a:uLnTx/>
+              <a:uFillTx/>
+              <a:latin typeface="游ゴシック" panose="020F0502020204030204"/>
+              <a:ea typeface="游ゴシック" panose="020B0400000000000000" pitchFamily="50" charset="-128"/>
+              <a:cs typeface="+mn-cs"/>
+            </a:endParaRPr>
           </a:p>
         </p:txBody>
       </p:sp>
@@ -6735,8 +13347,37 @@
           <a:bodyPr rtlCol="0" anchor="ctr"/>
           <a:lstStyle/>
           <a:p>
-            <a:pPr algn="ctr"/>
-            <a:endParaRPr kumimoji="1" lang="ja-JP" altLang="en-US"/>
+            <a:pPr marL="0" marR="0" lvl="0" indent="0" algn="ctr" defTabSz="914400" rtl="0" eaLnBrk="1" fontAlgn="auto" latinLnBrk="0" hangingPunct="1">
+              <a:lnSpc>
+                <a:spcPct val="100000"/>
+              </a:lnSpc>
+              <a:spcBef>
+                <a:spcPts val="0"/>
+              </a:spcBef>
+              <a:spcAft>
+                <a:spcPts val="0"/>
+              </a:spcAft>
+              <a:buClrTx/>
+              <a:buSzTx/>
+              <a:buFontTx/>
+              <a:buNone/>
+              <a:tabLst/>
+              <a:defRPr/>
+            </a:pPr>
+            <a:endParaRPr kumimoji="1" lang="ja-JP" altLang="en-US" sz="1800" b="0" i="0" u="none" strike="noStrike" kern="1200" cap="none" spc="0" normalizeH="0" baseline="0" noProof="0">
+              <a:ln>
+                <a:noFill/>
+              </a:ln>
+              <a:solidFill>
+                <a:prstClr val="white"/>
+              </a:solidFill>
+              <a:effectLst/>
+              <a:uLnTx/>
+              <a:uFillTx/>
+              <a:latin typeface="游ゴシック" panose="020F0502020204030204"/>
+              <a:ea typeface="游ゴシック" panose="020B0400000000000000" pitchFamily="50" charset="-128"/>
+              <a:cs typeface="+mn-cs"/>
+            </a:endParaRPr>
           </a:p>
         </p:txBody>
       </p:sp>
@@ -6789,8 +13430,37 @@
           <a:bodyPr rtlCol="0" anchor="ctr"/>
           <a:lstStyle/>
           <a:p>
-            <a:pPr algn="ctr"/>
-            <a:endParaRPr kumimoji="1" lang="ja-JP" altLang="en-US"/>
+            <a:pPr marL="0" marR="0" lvl="0" indent="0" algn="ctr" defTabSz="914400" rtl="0" eaLnBrk="1" fontAlgn="auto" latinLnBrk="0" hangingPunct="1">
+              <a:lnSpc>
+                <a:spcPct val="100000"/>
+              </a:lnSpc>
+              <a:spcBef>
+                <a:spcPts val="0"/>
+              </a:spcBef>
+              <a:spcAft>
+                <a:spcPts val="0"/>
+              </a:spcAft>
+              <a:buClrTx/>
+              <a:buSzTx/>
+              <a:buFontTx/>
+              <a:buNone/>
+              <a:tabLst/>
+              <a:defRPr/>
+            </a:pPr>
+            <a:endParaRPr kumimoji="1" lang="ja-JP" altLang="en-US" sz="1800" b="0" i="0" u="none" strike="noStrike" kern="1200" cap="none" spc="0" normalizeH="0" baseline="0" noProof="0">
+              <a:ln>
+                <a:noFill/>
+              </a:ln>
+              <a:solidFill>
+                <a:prstClr val="white"/>
+              </a:solidFill>
+              <a:effectLst/>
+              <a:uLnTx/>
+              <a:uFillTx/>
+              <a:latin typeface="游ゴシック" panose="020F0502020204030204"/>
+              <a:ea typeface="游ゴシック" panose="020B0400000000000000" pitchFamily="50" charset="-128"/>
+              <a:cs typeface="+mn-cs"/>
+            </a:endParaRPr>
           </a:p>
         </p:txBody>
       </p:sp>
@@ -6843,8 +13513,37 @@
           <a:bodyPr rtlCol="0" anchor="ctr"/>
           <a:lstStyle/>
           <a:p>
-            <a:pPr algn="ctr"/>
-            <a:endParaRPr kumimoji="1" lang="ja-JP" altLang="en-US"/>
+            <a:pPr marL="0" marR="0" lvl="0" indent="0" algn="ctr" defTabSz="914400" rtl="0" eaLnBrk="1" fontAlgn="auto" latinLnBrk="0" hangingPunct="1">
+              <a:lnSpc>
+                <a:spcPct val="100000"/>
+              </a:lnSpc>
+              <a:spcBef>
+                <a:spcPts val="0"/>
+              </a:spcBef>
+              <a:spcAft>
+                <a:spcPts val="0"/>
+              </a:spcAft>
+              <a:buClrTx/>
+              <a:buSzTx/>
+              <a:buFontTx/>
+              <a:buNone/>
+              <a:tabLst/>
+              <a:defRPr/>
+            </a:pPr>
+            <a:endParaRPr kumimoji="1" lang="ja-JP" altLang="en-US" sz="1800" b="0" i="0" u="none" strike="noStrike" kern="1200" cap="none" spc="0" normalizeH="0" baseline="0" noProof="0">
+              <a:ln>
+                <a:noFill/>
+              </a:ln>
+              <a:solidFill>
+                <a:prstClr val="white"/>
+              </a:solidFill>
+              <a:effectLst/>
+              <a:uLnTx/>
+              <a:uFillTx/>
+              <a:latin typeface="游ゴシック" panose="020F0502020204030204"/>
+              <a:ea typeface="游ゴシック" panose="020B0400000000000000" pitchFamily="50" charset="-128"/>
+              <a:cs typeface="+mn-cs"/>
+            </a:endParaRPr>
           </a:p>
         </p:txBody>
       </p:sp>
@@ -6897,8 +13596,37 @@
           <a:bodyPr rtlCol="0" anchor="ctr"/>
           <a:lstStyle/>
           <a:p>
-            <a:pPr algn="ctr"/>
-            <a:endParaRPr kumimoji="1" lang="ja-JP" altLang="en-US"/>
+            <a:pPr marL="0" marR="0" lvl="0" indent="0" algn="ctr" defTabSz="914400" rtl="0" eaLnBrk="1" fontAlgn="auto" latinLnBrk="0" hangingPunct="1">
+              <a:lnSpc>
+                <a:spcPct val="100000"/>
+              </a:lnSpc>
+              <a:spcBef>
+                <a:spcPts val="0"/>
+              </a:spcBef>
+              <a:spcAft>
+                <a:spcPts val="0"/>
+              </a:spcAft>
+              <a:buClrTx/>
+              <a:buSzTx/>
+              <a:buFontTx/>
+              <a:buNone/>
+              <a:tabLst/>
+              <a:defRPr/>
+            </a:pPr>
+            <a:endParaRPr kumimoji="1" lang="ja-JP" altLang="en-US" sz="1800" b="0" i="0" u="none" strike="noStrike" kern="1200" cap="none" spc="0" normalizeH="0" baseline="0" noProof="0">
+              <a:ln>
+                <a:noFill/>
+              </a:ln>
+              <a:solidFill>
+                <a:prstClr val="white"/>
+              </a:solidFill>
+              <a:effectLst/>
+              <a:uLnTx/>
+              <a:uFillTx/>
+              <a:latin typeface="游ゴシック" panose="020F0502020204030204"/>
+              <a:ea typeface="游ゴシック" panose="020B0400000000000000" pitchFamily="50" charset="-128"/>
+              <a:cs typeface="+mn-cs"/>
+            </a:endParaRPr>
           </a:p>
         </p:txBody>
       </p:sp>
@@ -6951,8 +13679,37 @@
           <a:bodyPr rtlCol="0" anchor="ctr"/>
           <a:lstStyle/>
           <a:p>
-            <a:pPr algn="ctr"/>
-            <a:endParaRPr kumimoji="1" lang="ja-JP" altLang="en-US"/>
+            <a:pPr marL="0" marR="0" lvl="0" indent="0" algn="ctr" defTabSz="914400" rtl="0" eaLnBrk="1" fontAlgn="auto" latinLnBrk="0" hangingPunct="1">
+              <a:lnSpc>
+                <a:spcPct val="100000"/>
+              </a:lnSpc>
+              <a:spcBef>
+                <a:spcPts val="0"/>
+              </a:spcBef>
+              <a:spcAft>
+                <a:spcPts val="0"/>
+              </a:spcAft>
+              <a:buClrTx/>
+              <a:buSzTx/>
+              <a:buFontTx/>
+              <a:buNone/>
+              <a:tabLst/>
+              <a:defRPr/>
+            </a:pPr>
+            <a:endParaRPr kumimoji="1" lang="ja-JP" altLang="en-US" sz="1800" b="0" i="0" u="none" strike="noStrike" kern="1200" cap="none" spc="0" normalizeH="0" baseline="0" noProof="0">
+              <a:ln>
+                <a:noFill/>
+              </a:ln>
+              <a:solidFill>
+                <a:prstClr val="white"/>
+              </a:solidFill>
+              <a:effectLst/>
+              <a:uLnTx/>
+              <a:uFillTx/>
+              <a:latin typeface="游ゴシック" panose="020F0502020204030204"/>
+              <a:ea typeface="游ゴシック" panose="020B0400000000000000" pitchFamily="50" charset="-128"/>
+              <a:cs typeface="+mn-cs"/>
+            </a:endParaRPr>
           </a:p>
         </p:txBody>
       </p:sp>
@@ -6984,8 +13741,38 @@
           </a:bodyPr>
           <a:lstStyle/>
           <a:p>
-            <a:r>
-              <a:rPr kumimoji="1" lang="ja-JP" altLang="en-US" sz="2000" b="1" dirty="0"/>
+            <a:pPr marL="0" marR="0" lvl="0" indent="0" algn="l" defTabSz="914400" rtl="0" eaLnBrk="1" fontAlgn="auto" latinLnBrk="0" hangingPunct="1">
+              <a:lnSpc>
+                <a:spcPct val="100000"/>
+              </a:lnSpc>
+              <a:spcBef>
+                <a:spcPts val="0"/>
+              </a:spcBef>
+              <a:spcAft>
+                <a:spcPts val="0"/>
+              </a:spcAft>
+              <a:buClrTx/>
+              <a:buSzTx/>
+              <a:buFontTx/>
+              <a:buNone/>
+              <a:tabLst/>
+              <a:defRPr/>
+            </a:pPr>
+            <a:r>
+              <a:rPr kumimoji="1" lang="ja-JP" altLang="en-US" sz="2000" b="1" i="0" u="none" strike="noStrike" kern="1200" cap="none" spc="0" normalizeH="0" baseline="0" noProof="0" dirty="0">
+                <a:ln>
+                  <a:noFill/>
+                </a:ln>
+                <a:solidFill>
+                  <a:prstClr val="black"/>
+                </a:solidFill>
+                <a:effectLst/>
+                <a:uLnTx/>
+                <a:uFillTx/>
+                <a:latin typeface="游ゴシック" panose="020F0502020204030204"/>
+                <a:ea typeface="游ゴシック" panose="020B0400000000000000" pitchFamily="50" charset="-128"/>
+                <a:cs typeface="+mn-cs"/>
+              </a:rPr>
               <a:t>所有者のデータを登録</a:t>
             </a:r>
           </a:p>
@@ -7019,12 +13806,40 @@
           </a:bodyPr>
           <a:lstStyle/>
           <a:p>
-            <a:pPr algn="r"/>
-            <a:r>
-              <a:rPr lang="ja-JP" altLang="en-US" sz="2000" b="1" dirty="0"/>
+            <a:pPr marL="0" marR="0" lvl="0" indent="0" algn="r" defTabSz="914400" rtl="0" eaLnBrk="1" fontAlgn="auto" latinLnBrk="0" hangingPunct="1">
+              <a:lnSpc>
+                <a:spcPct val="100000"/>
+              </a:lnSpc>
+              <a:spcBef>
+                <a:spcPts val="0"/>
+              </a:spcBef>
+              <a:spcAft>
+                <a:spcPts val="0"/>
+              </a:spcAft>
+              <a:buClrTx/>
+              <a:buSzTx/>
+              <a:buFontTx/>
+              <a:buNone/>
+              <a:tabLst/>
+              <a:defRPr/>
+            </a:pPr>
+            <a:r>
+              <a:rPr kumimoji="1" lang="ja-JP" altLang="en-US" sz="2000" b="1" i="0" u="none" strike="noStrike" kern="1200" cap="none" spc="0" normalizeH="0" baseline="0" noProof="0" dirty="0">
+                <a:ln>
+                  <a:noFill/>
+                </a:ln>
+                <a:solidFill>
+                  <a:prstClr val="black"/>
+                </a:solidFill>
+                <a:effectLst/>
+                <a:uLnTx/>
+                <a:uFillTx/>
+                <a:latin typeface="游ゴシック" panose="020F0502020204030204"/>
+                <a:ea typeface="游ゴシック" panose="020B0400000000000000" pitchFamily="50" charset="-128"/>
+                <a:cs typeface="+mn-cs"/>
+              </a:rPr>
               <a:t>未知のユーザのデータが来る</a:t>
             </a:r>
-            <a:endParaRPr kumimoji="1" lang="ja-JP" altLang="en-US" sz="2000" b="1" dirty="0"/>
           </a:p>
         </p:txBody>
       </p:sp>
@@ -7056,25 +13871,105 @@
           </a:bodyPr>
           <a:lstStyle/>
           <a:p>
-            <a:pPr algn="ctr"/>
-            <a:r>
-              <a:rPr kumimoji="1" lang="ja-JP" altLang="en-US" sz="2000" b="1" dirty="0"/>
+            <a:pPr marL="0" marR="0" lvl="0" indent="0" algn="ctr" defTabSz="914400" rtl="0" eaLnBrk="1" fontAlgn="auto" latinLnBrk="0" hangingPunct="1">
+              <a:lnSpc>
+                <a:spcPct val="100000"/>
+              </a:lnSpc>
+              <a:spcBef>
+                <a:spcPts val="0"/>
+              </a:spcBef>
+              <a:spcAft>
+                <a:spcPts val="0"/>
+              </a:spcAft>
+              <a:buClrTx/>
+              <a:buSzTx/>
+              <a:buFontTx/>
+              <a:buNone/>
+              <a:tabLst/>
+              <a:defRPr/>
+            </a:pPr>
+            <a:r>
+              <a:rPr kumimoji="1" lang="ja-JP" altLang="en-US" sz="2000" b="1" i="0" u="none" strike="noStrike" kern="1200" cap="none" spc="0" normalizeH="0" baseline="0" noProof="0" dirty="0">
+                <a:ln>
+                  <a:noFill/>
+                </a:ln>
+                <a:solidFill>
+                  <a:prstClr val="black"/>
+                </a:solidFill>
+                <a:effectLst/>
+                <a:uLnTx/>
+                <a:uFillTx/>
+                <a:latin typeface="游ゴシック" panose="020F0502020204030204"/>
+                <a:ea typeface="游ゴシック" panose="020B0400000000000000" pitchFamily="50" charset="-128"/>
+                <a:cs typeface="+mn-cs"/>
+              </a:rPr>
               <a:t>登録データ群との</a:t>
             </a:r>
-            <a:endParaRPr kumimoji="1" lang="en-US" altLang="ja-JP" sz="2000" b="1" dirty="0"/>
-          </a:p>
-          <a:p>
-            <a:pPr algn="ctr"/>
-            <a:r>
-              <a:rPr kumimoji="1" lang="ja-JP" altLang="en-US" sz="2000" b="1" dirty="0">
+            <a:endParaRPr kumimoji="1" lang="en-US" altLang="ja-JP" sz="2000" b="1" i="0" u="none" strike="noStrike" kern="1200" cap="none" spc="0" normalizeH="0" baseline="0" noProof="0" dirty="0">
+              <a:ln>
+                <a:noFill/>
+              </a:ln>
+              <a:solidFill>
+                <a:prstClr val="black"/>
+              </a:solidFill>
+              <a:effectLst/>
+              <a:uLnTx/>
+              <a:uFillTx/>
+              <a:latin typeface="游ゴシック" panose="020F0502020204030204"/>
+              <a:ea typeface="游ゴシック" panose="020B0400000000000000" pitchFamily="50" charset="-128"/>
+              <a:cs typeface="+mn-cs"/>
+            </a:endParaRPr>
+          </a:p>
+          <a:p>
+            <a:pPr marL="0" marR="0" lvl="0" indent="0" algn="ctr" defTabSz="914400" rtl="0" eaLnBrk="1" fontAlgn="auto" latinLnBrk="0" hangingPunct="1">
+              <a:lnSpc>
+                <a:spcPct val="100000"/>
+              </a:lnSpc>
+              <a:spcBef>
+                <a:spcPts val="0"/>
+              </a:spcBef>
+              <a:spcAft>
+                <a:spcPts val="0"/>
+              </a:spcAft>
+              <a:buClrTx/>
+              <a:buSzTx/>
+              <a:buFontTx/>
+              <a:buNone/>
+              <a:tabLst/>
+              <a:defRPr/>
+            </a:pPr>
+            <a:r>
+              <a:rPr kumimoji="1" lang="ja-JP" altLang="en-US" sz="2000" b="1" i="0" u="none" strike="noStrike" kern="1200" cap="none" spc="0" normalizeH="0" baseline="0" noProof="0" dirty="0">
+                <a:ln>
+                  <a:noFill/>
+                </a:ln>
                 <a:solidFill>
                   <a:srgbClr val="FF0000"/>
                 </a:solidFill>
+                <a:effectLst/>
+                <a:uLnTx/>
+                <a:uFillTx/>
+                <a:latin typeface="游ゴシック" panose="020F0502020204030204"/>
+                <a:ea typeface="游ゴシック" panose="020B0400000000000000" pitchFamily="50" charset="-128"/>
+                <a:cs typeface="+mn-cs"/>
               </a:rPr>
               <a:t>マハラノビス距離</a:t>
             </a:r>
             <a:r>
-              <a:rPr kumimoji="1" lang="ja-JP" altLang="en-US" sz="2000" b="1" dirty="0"/>
+              <a:rPr kumimoji="1" lang="ja-JP" altLang="en-US" sz="2000" b="1" i="0" u="none" strike="noStrike" kern="1200" cap="none" spc="0" normalizeH="0" baseline="0" noProof="0" dirty="0">
+                <a:ln>
+                  <a:noFill/>
+                </a:ln>
+                <a:solidFill>
+                  <a:prstClr val="black"/>
+                </a:solidFill>
+                <a:effectLst/>
+                <a:uLnTx/>
+                <a:uFillTx/>
+                <a:latin typeface="游ゴシック" panose="020F0502020204030204"/>
+                <a:ea typeface="游ゴシック" panose="020B0400000000000000" pitchFamily="50" charset="-128"/>
+                <a:cs typeface="+mn-cs"/>
+              </a:rPr>
               <a:t>を計算</a:t>
             </a:r>
           </a:p>
@@ -7108,9 +14003,38 @@
           </a:bodyPr>
           <a:lstStyle/>
           <a:p>
-            <a:pPr algn="ctr"/>
-            <a:r>
-              <a:rPr kumimoji="1" lang="ja-JP" altLang="en-US" sz="2000" b="1" dirty="0"/>
+            <a:pPr marL="0" marR="0" lvl="0" indent="0" algn="ctr" defTabSz="914400" rtl="0" eaLnBrk="1" fontAlgn="auto" latinLnBrk="0" hangingPunct="1">
+              <a:lnSpc>
+                <a:spcPct val="100000"/>
+              </a:lnSpc>
+              <a:spcBef>
+                <a:spcPts val="0"/>
+              </a:spcBef>
+              <a:spcAft>
+                <a:spcPts val="0"/>
+              </a:spcAft>
+              <a:buClrTx/>
+              <a:buSzTx/>
+              <a:buFontTx/>
+              <a:buNone/>
+              <a:tabLst/>
+              <a:defRPr/>
+            </a:pPr>
+            <a:r>
+              <a:rPr kumimoji="1" lang="ja-JP" altLang="en-US" sz="2000" b="1" i="0" u="none" strike="noStrike" kern="1200" cap="none" spc="0" normalizeH="0" baseline="0" noProof="0" dirty="0">
+                <a:ln>
+                  <a:noFill/>
+                </a:ln>
+                <a:solidFill>
+                  <a:prstClr val="black"/>
+                </a:solidFill>
+                <a:effectLst/>
+                <a:uLnTx/>
+                <a:uFillTx/>
+                <a:latin typeface="游ゴシック" panose="020F0502020204030204"/>
+                <a:ea typeface="游ゴシック" panose="020B0400000000000000" pitchFamily="50" charset="-128"/>
+                <a:cs typeface="+mn-cs"/>
+              </a:rPr>
               <a:t>閾値を用いて判別</a:t>
             </a:r>
           </a:p>
@@ -7291,12 +14215,71 @@
           <a:bodyPr/>
           <a:lstStyle/>
           <a:p>
+            <a:pPr marL="0" marR="0" lvl="0" indent="0" algn="r" defTabSz="914400" rtl="0" eaLnBrk="1" fontAlgn="auto" latinLnBrk="0" hangingPunct="1">
+              <a:lnSpc>
+                <a:spcPct val="100000"/>
+              </a:lnSpc>
+              <a:spcBef>
+                <a:spcPts val="0"/>
+              </a:spcBef>
+              <a:spcAft>
+                <a:spcPts val="0"/>
+              </a:spcAft>
+              <a:buClrTx/>
+              <a:buSzTx/>
+              <a:buFontTx/>
+              <a:buNone/>
+              <a:tabLst/>
+              <a:defRPr/>
+            </a:pPr>
             <a:fld id="{92084505-5355-43A2-B929-FD06D0DABC31}" type="slidenum">
-              <a:rPr lang="ja-JP" altLang="en-US" smtClean="0"/>
-              <a:pPr/>
+              <a:rPr kumimoji="1" lang="ja-JP" altLang="en-US" sz="1200" b="1" i="0" u="none" strike="noStrike" kern="1200" cap="none" spc="0" normalizeH="0" baseline="0" noProof="0" smtClean="0">
+                <a:ln>
+                  <a:noFill/>
+                </a:ln>
+                <a:solidFill>
+                  <a:prstClr val="white"/>
+                </a:solidFill>
+                <a:effectLst/>
+                <a:uLnTx/>
+                <a:uFillTx/>
+                <a:latin typeface="游ゴシック" panose="020F0502020204030204"/>
+                <a:ea typeface="游ゴシック" panose="020B0400000000000000" pitchFamily="50" charset="-128"/>
+                <a:cs typeface="+mn-cs"/>
+              </a:rPr>
+              <a:pPr marL="0" marR="0" lvl="0" indent="0" algn="r" defTabSz="914400" rtl="0" eaLnBrk="1" fontAlgn="auto" latinLnBrk="0" hangingPunct="1">
+                <a:lnSpc>
+                  <a:spcPct val="100000"/>
+                </a:lnSpc>
+                <a:spcBef>
+                  <a:spcPts val="0"/>
+                </a:spcBef>
+                <a:spcAft>
+                  <a:spcPts val="0"/>
+                </a:spcAft>
+                <a:buClrTx/>
+                <a:buSzTx/>
+                <a:buFontTx/>
+                <a:buNone/>
+                <a:tabLst/>
+                <a:defRPr/>
+              </a:pPr>
               <a:t>7</a:t>
             </a:fld>
-            <a:endParaRPr lang="ja-JP" altLang="en-US" dirty="0"/>
+            <a:endParaRPr kumimoji="1" lang="ja-JP" altLang="en-US" sz="1200" b="1" i="0" u="none" strike="noStrike" kern="1200" cap="none" spc="0" normalizeH="0" baseline="0" noProof="0" dirty="0">
+              <a:ln>
+                <a:noFill/>
+              </a:ln>
+              <a:solidFill>
+                <a:prstClr val="white"/>
+              </a:solidFill>
+              <a:effectLst/>
+              <a:uLnTx/>
+              <a:uFillTx/>
+              <a:latin typeface="游ゴシック" panose="020F0502020204030204"/>
+              <a:ea typeface="游ゴシック" panose="020B0400000000000000" pitchFamily="50" charset="-128"/>
+              <a:cs typeface="+mn-cs"/>
+            </a:endParaRPr>
           </a:p>
         </p:txBody>
       </p:sp>
@@ -7315,7 +14298,7 @@
           <p:nvPr/>
         </p:nvPicPr>
         <p:blipFill>
-          <a:blip r:embed="rId2" cstate="print">
+          <a:blip r:embed="rId3" cstate="print">
             <a:extLst>
               <a:ext uri="{28A0092B-C50C-407E-A947-70E740481C1C}">
                 <a14:useLocalDpi xmlns:a14="http://schemas.microsoft.com/office/drawing/2010/main" val="0"/>
@@ -7351,7 +14334,7 @@
           <p:nvPr/>
         </p:nvPicPr>
         <p:blipFill>
-          <a:blip r:embed="rId3" cstate="print">
+          <a:blip r:embed="rId4" cstate="print">
             <a:extLst>
               <a:ext uri="{28A0092B-C50C-407E-A947-70E740481C1C}">
                 <a14:useLocalDpi xmlns:a14="http://schemas.microsoft.com/office/drawing/2010/main" val="0"/>
@@ -7387,7 +14370,7 @@
           <p:nvPr/>
         </p:nvPicPr>
         <p:blipFill>
-          <a:blip r:embed="rId4" cstate="print">
+          <a:blip r:embed="rId5" cstate="print">
             <a:extLst>
               <a:ext uri="{28A0092B-C50C-407E-A947-70E740481C1C}">
                 <a14:useLocalDpi xmlns:a14="http://schemas.microsoft.com/office/drawing/2010/main" val="0"/>
@@ -7423,7 +14406,7 @@
           <p:nvPr/>
         </p:nvPicPr>
         <p:blipFill>
-          <a:blip r:embed="rId5" cstate="print">
+          <a:blip r:embed="rId6" cstate="print">
             <a:extLst>
               <a:ext uri="{28A0092B-C50C-407E-A947-70E740481C1C}">
                 <a14:useLocalDpi xmlns:a14="http://schemas.microsoft.com/office/drawing/2010/main" val="0"/>
@@ -7523,8 +14506,37 @@
           <a:bodyPr rtlCol="0" anchor="ctr"/>
           <a:lstStyle/>
           <a:p>
-            <a:pPr algn="ctr"/>
-            <a:endParaRPr kumimoji="1" lang="ja-JP" altLang="en-US"/>
+            <a:pPr marL="0" marR="0" lvl="0" indent="0" algn="ctr" defTabSz="914400" rtl="0" eaLnBrk="1" fontAlgn="auto" latinLnBrk="0" hangingPunct="1">
+              <a:lnSpc>
+                <a:spcPct val="100000"/>
+              </a:lnSpc>
+              <a:spcBef>
+                <a:spcPts val="0"/>
+              </a:spcBef>
+              <a:spcAft>
+                <a:spcPts val="0"/>
+              </a:spcAft>
+              <a:buClrTx/>
+              <a:buSzTx/>
+              <a:buFontTx/>
+              <a:buNone/>
+              <a:tabLst/>
+              <a:defRPr/>
+            </a:pPr>
+            <a:endParaRPr kumimoji="1" lang="ja-JP" altLang="en-US" sz="1800" b="0" i="0" u="none" strike="noStrike" kern="1200" cap="none" spc="0" normalizeH="0" baseline="0" noProof="0">
+              <a:ln>
+                <a:noFill/>
+              </a:ln>
+              <a:solidFill>
+                <a:prstClr val="white"/>
+              </a:solidFill>
+              <a:effectLst/>
+              <a:uLnTx/>
+              <a:uFillTx/>
+              <a:latin typeface="游ゴシック" panose="020F0502020204030204"/>
+              <a:ea typeface="游ゴシック" panose="020B0400000000000000" pitchFamily="50" charset="-128"/>
+              <a:cs typeface="+mn-cs"/>
+            </a:endParaRPr>
           </a:p>
         </p:txBody>
       </p:sp>
@@ -7753,12 +14765,71 @@
           <a:bodyPr/>
           <a:lstStyle/>
           <a:p>
+            <a:pPr marL="0" marR="0" lvl="0" indent="0" algn="r" defTabSz="914400" rtl="0" eaLnBrk="1" fontAlgn="auto" latinLnBrk="0" hangingPunct="1">
+              <a:lnSpc>
+                <a:spcPct val="100000"/>
+              </a:lnSpc>
+              <a:spcBef>
+                <a:spcPts val="0"/>
+              </a:spcBef>
+              <a:spcAft>
+                <a:spcPts val="0"/>
+              </a:spcAft>
+              <a:buClrTx/>
+              <a:buSzTx/>
+              <a:buFontTx/>
+              <a:buNone/>
+              <a:tabLst/>
+              <a:defRPr/>
+            </a:pPr>
             <a:fld id="{92084505-5355-43A2-B929-FD06D0DABC31}" type="slidenum">
-              <a:rPr lang="ja-JP" altLang="en-US" smtClean="0"/>
-              <a:pPr/>
+              <a:rPr kumimoji="1" lang="ja-JP" altLang="en-US" sz="1200" b="1" i="0" u="none" strike="noStrike" kern="1200" cap="none" spc="0" normalizeH="0" baseline="0" noProof="0" smtClean="0">
+                <a:ln>
+                  <a:noFill/>
+                </a:ln>
+                <a:solidFill>
+                  <a:prstClr val="white"/>
+                </a:solidFill>
+                <a:effectLst/>
+                <a:uLnTx/>
+                <a:uFillTx/>
+                <a:latin typeface="游ゴシック" panose="020F0502020204030204"/>
+                <a:ea typeface="游ゴシック" panose="020B0400000000000000" pitchFamily="50" charset="-128"/>
+                <a:cs typeface="+mn-cs"/>
+              </a:rPr>
+              <a:pPr marL="0" marR="0" lvl="0" indent="0" algn="r" defTabSz="914400" rtl="0" eaLnBrk="1" fontAlgn="auto" latinLnBrk="0" hangingPunct="1">
+                <a:lnSpc>
+                  <a:spcPct val="100000"/>
+                </a:lnSpc>
+                <a:spcBef>
+                  <a:spcPts val="0"/>
+                </a:spcBef>
+                <a:spcAft>
+                  <a:spcPts val="0"/>
+                </a:spcAft>
+                <a:buClrTx/>
+                <a:buSzTx/>
+                <a:buFontTx/>
+                <a:buNone/>
+                <a:tabLst/>
+                <a:defRPr/>
+              </a:pPr>
               <a:t>8</a:t>
             </a:fld>
-            <a:endParaRPr lang="ja-JP" altLang="en-US" dirty="0"/>
+            <a:endParaRPr kumimoji="1" lang="ja-JP" altLang="en-US" sz="1200" b="1" i="0" u="none" strike="noStrike" kern="1200" cap="none" spc="0" normalizeH="0" baseline="0" noProof="0" dirty="0">
+              <a:ln>
+                <a:noFill/>
+              </a:ln>
+              <a:solidFill>
+                <a:prstClr val="white"/>
+              </a:solidFill>
+              <a:effectLst/>
+              <a:uLnTx/>
+              <a:uFillTx/>
+              <a:latin typeface="游ゴシック" panose="020F0502020204030204"/>
+              <a:ea typeface="游ゴシック" panose="020B0400000000000000" pitchFamily="50" charset="-128"/>
+              <a:cs typeface="+mn-cs"/>
+            </a:endParaRPr>
           </a:p>
         </p:txBody>
       </p:sp>
@@ -7811,8 +14882,37 @@
           <a:bodyPr rtlCol="0" anchor="ctr"/>
           <a:lstStyle/>
           <a:p>
-            <a:pPr algn="ctr"/>
-            <a:endParaRPr kumimoji="1" lang="ja-JP" altLang="en-US"/>
+            <a:pPr marL="0" marR="0" lvl="0" indent="0" algn="ctr" defTabSz="914400" rtl="0" eaLnBrk="1" fontAlgn="auto" latinLnBrk="0" hangingPunct="1">
+              <a:lnSpc>
+                <a:spcPct val="100000"/>
+              </a:lnSpc>
+              <a:spcBef>
+                <a:spcPts val="0"/>
+              </a:spcBef>
+              <a:spcAft>
+                <a:spcPts val="0"/>
+              </a:spcAft>
+              <a:buClrTx/>
+              <a:buSzTx/>
+              <a:buFontTx/>
+              <a:buNone/>
+              <a:tabLst/>
+              <a:defRPr/>
+            </a:pPr>
+            <a:endParaRPr kumimoji="1" lang="ja-JP" altLang="en-US" sz="1800" b="0" i="0" u="none" strike="noStrike" kern="1200" cap="none" spc="0" normalizeH="0" baseline="0" noProof="0">
+              <a:ln>
+                <a:noFill/>
+              </a:ln>
+              <a:solidFill>
+                <a:prstClr val="white"/>
+              </a:solidFill>
+              <a:effectLst/>
+              <a:uLnTx/>
+              <a:uFillTx/>
+              <a:latin typeface="游ゴシック" panose="020F0502020204030204"/>
+              <a:ea typeface="游ゴシック" panose="020B0400000000000000" pitchFamily="50" charset="-128"/>
+              <a:cs typeface="+mn-cs"/>
+            </a:endParaRPr>
           </a:p>
         </p:txBody>
       </p:sp>
@@ -7865,8 +14965,37 @@
           <a:bodyPr rtlCol="0" anchor="ctr"/>
           <a:lstStyle/>
           <a:p>
-            <a:pPr algn="ctr"/>
-            <a:endParaRPr kumimoji="1" lang="ja-JP" altLang="en-US"/>
+            <a:pPr marL="0" marR="0" lvl="0" indent="0" algn="ctr" defTabSz="914400" rtl="0" eaLnBrk="1" fontAlgn="auto" latinLnBrk="0" hangingPunct="1">
+              <a:lnSpc>
+                <a:spcPct val="100000"/>
+              </a:lnSpc>
+              <a:spcBef>
+                <a:spcPts val="0"/>
+              </a:spcBef>
+              <a:spcAft>
+                <a:spcPts val="0"/>
+              </a:spcAft>
+              <a:buClrTx/>
+              <a:buSzTx/>
+              <a:buFontTx/>
+              <a:buNone/>
+              <a:tabLst/>
+              <a:defRPr/>
+            </a:pPr>
+            <a:endParaRPr kumimoji="1" lang="ja-JP" altLang="en-US" sz="1800" b="0" i="0" u="none" strike="noStrike" kern="1200" cap="none" spc="0" normalizeH="0" baseline="0" noProof="0">
+              <a:ln>
+                <a:noFill/>
+              </a:ln>
+              <a:solidFill>
+                <a:prstClr val="white"/>
+              </a:solidFill>
+              <a:effectLst/>
+              <a:uLnTx/>
+              <a:uFillTx/>
+              <a:latin typeface="游ゴシック" panose="020F0502020204030204"/>
+              <a:ea typeface="游ゴシック" panose="020B0400000000000000" pitchFamily="50" charset="-128"/>
+              <a:cs typeface="+mn-cs"/>
+            </a:endParaRPr>
           </a:p>
         </p:txBody>
       </p:sp>
@@ -7919,8 +15048,37 @@
           <a:bodyPr rtlCol="0" anchor="ctr"/>
           <a:lstStyle/>
           <a:p>
-            <a:pPr algn="ctr"/>
-            <a:endParaRPr kumimoji="1" lang="ja-JP" altLang="en-US"/>
+            <a:pPr marL="0" marR="0" lvl="0" indent="0" algn="ctr" defTabSz="914400" rtl="0" eaLnBrk="1" fontAlgn="auto" latinLnBrk="0" hangingPunct="1">
+              <a:lnSpc>
+                <a:spcPct val="100000"/>
+              </a:lnSpc>
+              <a:spcBef>
+                <a:spcPts val="0"/>
+              </a:spcBef>
+              <a:spcAft>
+                <a:spcPts val="0"/>
+              </a:spcAft>
+              <a:buClrTx/>
+              <a:buSzTx/>
+              <a:buFontTx/>
+              <a:buNone/>
+              <a:tabLst/>
+              <a:defRPr/>
+            </a:pPr>
+            <a:endParaRPr kumimoji="1" lang="ja-JP" altLang="en-US" sz="1800" b="0" i="0" u="none" strike="noStrike" kern="1200" cap="none" spc="0" normalizeH="0" baseline="0" noProof="0">
+              <a:ln>
+                <a:noFill/>
+              </a:ln>
+              <a:solidFill>
+                <a:prstClr val="white"/>
+              </a:solidFill>
+              <a:effectLst/>
+              <a:uLnTx/>
+              <a:uFillTx/>
+              <a:latin typeface="游ゴシック" panose="020F0502020204030204"/>
+              <a:ea typeface="游ゴシック" panose="020B0400000000000000" pitchFamily="50" charset="-128"/>
+              <a:cs typeface="+mn-cs"/>
+            </a:endParaRPr>
           </a:p>
         </p:txBody>
       </p:sp>
@@ -7952,13 +15110,55 @@
           </a:bodyPr>
           <a:lstStyle/>
           <a:p>
-            <a:pPr algn="ctr"/>
-            <a:r>
-              <a:rPr kumimoji="1" lang="en-US" altLang="ja-JP" sz="2000" b="1" dirty="0"/>
+            <a:pPr marL="0" marR="0" lvl="0" indent="0" algn="ctr" defTabSz="914400" rtl="0" eaLnBrk="1" fontAlgn="auto" latinLnBrk="0" hangingPunct="1">
+              <a:lnSpc>
+                <a:spcPct val="100000"/>
+              </a:lnSpc>
+              <a:spcBef>
+                <a:spcPts val="0"/>
+              </a:spcBef>
+              <a:spcAft>
+                <a:spcPts val="0"/>
+              </a:spcAft>
+              <a:buClrTx/>
+              <a:buSzTx/>
+              <a:buFontTx/>
+              <a:buNone/>
+              <a:tabLst/>
+              <a:defRPr/>
+            </a:pPr>
+            <a:r>
+              <a:rPr kumimoji="1" lang="en-US" altLang="ja-JP" sz="2000" b="1" i="0" u="none" strike="noStrike" kern="1200" cap="none" spc="0" normalizeH="0" baseline="0" noProof="0" dirty="0">
+                <a:ln>
+                  <a:noFill/>
+                </a:ln>
+                <a:solidFill>
+                  <a:prstClr val="black"/>
+                </a:solidFill>
+                <a:effectLst/>
+                <a:uLnTx/>
+                <a:uFillTx/>
+                <a:latin typeface="游ゴシック" panose="020F0502020204030204"/>
+                <a:ea typeface="游ゴシック" panose="020B0400000000000000" pitchFamily="50" charset="-128"/>
+                <a:cs typeface="+mn-cs"/>
+              </a:rPr>
               <a:t>2</a:t>
             </a:r>
             <a:r>
-              <a:rPr kumimoji="1" lang="ja-JP" altLang="en-US" sz="2000" b="1" dirty="0"/>
+              <a:rPr kumimoji="1" lang="ja-JP" altLang="en-US" sz="2000" b="1" i="0" u="none" strike="noStrike" kern="1200" cap="none" spc="0" normalizeH="0" baseline="0" noProof="0" dirty="0">
+                <a:ln>
+                  <a:noFill/>
+                </a:ln>
+                <a:solidFill>
+                  <a:prstClr val="black"/>
+                </a:solidFill>
+                <a:effectLst/>
+                <a:uLnTx/>
+                <a:uFillTx/>
+                <a:latin typeface="游ゴシック" panose="020F0502020204030204"/>
+                <a:ea typeface="游ゴシック" panose="020B0400000000000000" pitchFamily="50" charset="-128"/>
+                <a:cs typeface="+mn-cs"/>
+              </a:rPr>
               <a:t>秒間取得</a:t>
             </a:r>
           </a:p>
@@ -7992,9 +15192,38 @@
           </a:bodyPr>
           <a:lstStyle/>
           <a:p>
-            <a:pPr algn="ctr"/>
-            <a:r>
-              <a:rPr kumimoji="1" lang="ja-JP" altLang="en-US" sz="2000" b="1" dirty="0"/>
+            <a:pPr marL="0" marR="0" lvl="0" indent="0" algn="ctr" defTabSz="914400" rtl="0" eaLnBrk="1" fontAlgn="auto" latinLnBrk="0" hangingPunct="1">
+              <a:lnSpc>
+                <a:spcPct val="100000"/>
+              </a:lnSpc>
+              <a:spcBef>
+                <a:spcPts val="0"/>
+              </a:spcBef>
+              <a:spcAft>
+                <a:spcPts val="0"/>
+              </a:spcAft>
+              <a:buClrTx/>
+              <a:buSzTx/>
+              <a:buFontTx/>
+              <a:buNone/>
+              <a:tabLst/>
+              <a:defRPr/>
+            </a:pPr>
+            <a:r>
+              <a:rPr kumimoji="1" lang="ja-JP" altLang="en-US" sz="2000" b="1" i="0" u="none" strike="noStrike" kern="1200" cap="none" spc="0" normalizeH="0" baseline="0" noProof="0" dirty="0">
+                <a:ln>
+                  <a:noFill/>
+                </a:ln>
+                <a:solidFill>
+                  <a:prstClr val="black"/>
+                </a:solidFill>
+                <a:effectLst/>
+                <a:uLnTx/>
+                <a:uFillTx/>
+                <a:latin typeface="游ゴシック" panose="020F0502020204030204"/>
+                <a:ea typeface="游ゴシック" panose="020B0400000000000000" pitchFamily="50" charset="-128"/>
+                <a:cs typeface="+mn-cs"/>
+              </a:rPr>
               <a:t>被り直し</a:t>
             </a:r>
           </a:p>
@@ -8028,37 +15257,63 @@
           </a:bodyPr>
           <a:lstStyle/>
           <a:p>
-            <a:pPr algn="ctr"/>
-            <a:r>
-              <a:rPr lang="en-US" altLang="ja-JP" b="1" dirty="0">
+            <a:pPr marL="0" marR="0" lvl="0" indent="0" algn="ctr" defTabSz="914400" rtl="0" eaLnBrk="1" fontAlgn="auto" latinLnBrk="0" hangingPunct="1">
+              <a:lnSpc>
+                <a:spcPct val="100000"/>
+              </a:lnSpc>
+              <a:spcBef>
+                <a:spcPts val="0"/>
+              </a:spcBef>
+              <a:spcAft>
+                <a:spcPts val="0"/>
+              </a:spcAft>
+              <a:buClrTx/>
+              <a:buSzTx/>
+              <a:buFontTx/>
+              <a:buNone/>
+              <a:tabLst/>
+              <a:defRPr/>
+            </a:pPr>
+            <a:r>
+              <a:rPr kumimoji="1" lang="en-US" altLang="ja-JP" sz="1800" b="1" i="0" u="none" strike="noStrike" kern="1200" cap="none" spc="0" normalizeH="0" baseline="0" noProof="0" dirty="0">
+                <a:ln>
+                  <a:noFill/>
+                </a:ln>
                 <a:solidFill>
-                  <a:schemeClr val="bg1"/>
+                  <a:prstClr val="white"/>
                 </a:solidFill>
+                <a:effectLst/>
                 <a:highlight>
                   <a:srgbClr val="000000"/>
                 </a:highlight>
+                <a:uLnTx/>
+                <a:uFillTx/>
+                <a:latin typeface="游ゴシック" panose="020F0502020204030204"/>
+                <a:ea typeface="游ゴシック" panose="020B0400000000000000" pitchFamily="50" charset="-128"/>
+                <a:cs typeface="+mn-cs"/>
               </a:rPr>
               <a:t>1</a:t>
             </a:r>
             <a:r>
-              <a:rPr lang="ja-JP" altLang="en-US" b="1" dirty="0">
+              <a:rPr kumimoji="1" lang="ja-JP" altLang="en-US" sz="1800" b="1" i="0" u="none" strike="noStrike" kern="1200" cap="none" spc="0" normalizeH="0" baseline="0" noProof="0" dirty="0">
+                <a:ln>
+                  <a:noFill/>
+                </a:ln>
                 <a:solidFill>
-                  <a:schemeClr val="bg1"/>
+                  <a:prstClr val="white"/>
                 </a:solidFill>
+                <a:effectLst/>
                 <a:highlight>
                   <a:srgbClr val="000000"/>
                 </a:highlight>
+                <a:uLnTx/>
+                <a:uFillTx/>
+                <a:latin typeface="游ゴシック" panose="020F0502020204030204"/>
+                <a:ea typeface="游ゴシック" panose="020B0400000000000000" pitchFamily="50" charset="-128"/>
+                <a:cs typeface="+mn-cs"/>
               </a:rPr>
               <a:t>セットの流れ</a:t>
             </a:r>
-            <a:endParaRPr kumimoji="1" lang="ja-JP" altLang="en-US" b="1" dirty="0">
-              <a:solidFill>
-                <a:schemeClr val="bg1"/>
-              </a:solidFill>
-              <a:highlight>
-                <a:srgbClr val="000000"/>
-              </a:highlight>
-            </a:endParaRPr>
           </a:p>
         </p:txBody>
       </p:sp>
@@ -8111,8 +15366,37 @@
           <a:bodyPr rtlCol="0" anchor="ctr"/>
           <a:lstStyle/>
           <a:p>
-            <a:pPr algn="ctr"/>
-            <a:endParaRPr kumimoji="1" lang="ja-JP" altLang="en-US"/>
+            <a:pPr marL="0" marR="0" lvl="0" indent="0" algn="ctr" defTabSz="914400" rtl="0" eaLnBrk="1" fontAlgn="auto" latinLnBrk="0" hangingPunct="1">
+              <a:lnSpc>
+                <a:spcPct val="100000"/>
+              </a:lnSpc>
+              <a:spcBef>
+                <a:spcPts val="0"/>
+              </a:spcBef>
+              <a:spcAft>
+                <a:spcPts val="0"/>
+              </a:spcAft>
+              <a:buClrTx/>
+              <a:buSzTx/>
+              <a:buFontTx/>
+              <a:buNone/>
+              <a:tabLst/>
+              <a:defRPr/>
+            </a:pPr>
+            <a:endParaRPr kumimoji="1" lang="ja-JP" altLang="en-US" sz="1800" b="0" i="0" u="none" strike="noStrike" kern="1200" cap="none" spc="0" normalizeH="0" baseline="0" noProof="0">
+              <a:ln>
+                <a:noFill/>
+              </a:ln>
+              <a:solidFill>
+                <a:prstClr val="white"/>
+              </a:solidFill>
+              <a:effectLst/>
+              <a:uLnTx/>
+              <a:uFillTx/>
+              <a:latin typeface="游ゴシック" panose="020F0502020204030204"/>
+              <a:ea typeface="游ゴシック" panose="020B0400000000000000" pitchFamily="50" charset="-128"/>
+              <a:cs typeface="+mn-cs"/>
+            </a:endParaRPr>
           </a:p>
         </p:txBody>
       </p:sp>
@@ -8144,13 +15428,55 @@
           </a:bodyPr>
           <a:lstStyle/>
           <a:p>
-            <a:pPr algn="ctr"/>
-            <a:r>
-              <a:rPr kumimoji="1" lang="en-US" altLang="ja-JP" sz="2000" b="1" dirty="0"/>
+            <a:pPr marL="0" marR="0" lvl="0" indent="0" algn="ctr" defTabSz="914400" rtl="0" eaLnBrk="1" fontAlgn="auto" latinLnBrk="0" hangingPunct="1">
+              <a:lnSpc>
+                <a:spcPct val="100000"/>
+              </a:lnSpc>
+              <a:spcBef>
+                <a:spcPts val="0"/>
+              </a:spcBef>
+              <a:spcAft>
+                <a:spcPts val="0"/>
+              </a:spcAft>
+              <a:buClrTx/>
+              <a:buSzTx/>
+              <a:buFontTx/>
+              <a:buNone/>
+              <a:tabLst/>
+              <a:defRPr/>
+            </a:pPr>
+            <a:r>
+              <a:rPr kumimoji="1" lang="en-US" altLang="ja-JP" sz="2000" b="1" i="0" u="none" strike="noStrike" kern="1200" cap="none" spc="0" normalizeH="0" baseline="0" noProof="0" dirty="0">
+                <a:ln>
+                  <a:noFill/>
+                </a:ln>
+                <a:solidFill>
+                  <a:prstClr val="black"/>
+                </a:solidFill>
+                <a:effectLst/>
+                <a:uLnTx/>
+                <a:uFillTx/>
+                <a:latin typeface="游ゴシック" panose="020F0502020204030204"/>
+                <a:ea typeface="游ゴシック" panose="020B0400000000000000" pitchFamily="50" charset="-128"/>
+                <a:cs typeface="+mn-cs"/>
+              </a:rPr>
               <a:t>2</a:t>
             </a:r>
             <a:r>
-              <a:rPr kumimoji="1" lang="ja-JP" altLang="en-US" sz="2000" b="1" dirty="0"/>
+              <a:rPr kumimoji="1" lang="ja-JP" altLang="en-US" sz="2000" b="1" i="0" u="none" strike="noStrike" kern="1200" cap="none" spc="0" normalizeH="0" baseline="0" noProof="0" dirty="0">
+                <a:ln>
+                  <a:noFill/>
+                </a:ln>
+                <a:solidFill>
+                  <a:prstClr val="black"/>
+                </a:solidFill>
+                <a:effectLst/>
+                <a:uLnTx/>
+                <a:uFillTx/>
+                <a:latin typeface="游ゴシック" panose="020F0502020204030204"/>
+                <a:ea typeface="游ゴシック" panose="020B0400000000000000" pitchFamily="50" charset="-128"/>
+                <a:cs typeface="+mn-cs"/>
+              </a:rPr>
               <a:t>秒間取得</a:t>
             </a:r>
           </a:p>
@@ -8171,7 +15497,7 @@
           <p:nvPr/>
         </p:nvPicPr>
         <p:blipFill>
-          <a:blip r:embed="rId2" cstate="print">
+          <a:blip r:embed="rId3" cstate="print">
             <a:extLst>
               <a:ext uri="{28A0092B-C50C-407E-A947-70E740481C1C}">
                 <a14:useLocalDpi xmlns:a14="http://schemas.microsoft.com/office/drawing/2010/main" val="0"/>
@@ -8262,6 +15588,10 @@
             <a:endParaRPr lang="en-US" altLang="ja-JP" dirty="0"/>
           </a:p>
           <a:p>
+            <a:pPr lvl="1"/>
+            <a:endParaRPr lang="en-US" altLang="ja-JP" dirty="0"/>
+          </a:p>
+          <a:p>
             <a:r>
               <a:rPr lang="ja-JP" altLang="en-US" dirty="0"/>
               <a:t>同一被験者でのばらつき</a:t>
@@ -8274,10 +15604,6 @@
               <a:rPr lang="ja-JP" altLang="en-US" dirty="0"/>
               <a:t>装着位置のずれ</a:t>
             </a:r>
-            <a:endParaRPr lang="en-US" altLang="ja-JP" dirty="0"/>
-          </a:p>
-          <a:p>
-            <a:pPr lvl="1"/>
             <a:endParaRPr lang="en-US" altLang="ja-JP" dirty="0"/>
           </a:p>
           <a:p>
@@ -8386,8 +15712,8 @@
               <a:t>(</a:t>
             </a:r>
             <a:r>
-              <a:rPr kumimoji="1" lang="ja-JP" altLang="en-US" dirty="0"/>
-              <a:t>データ群距離の確認</a:t>
+              <a:rPr lang="en-US" altLang="ja-JP" dirty="0"/>
+              <a:t>1/4</a:t>
             </a:r>
             <a:r>
               <a:rPr kumimoji="1" lang="en-US" altLang="ja-JP" dirty="0"/>
@@ -8418,12 +15744,71 @@
           <a:bodyPr/>
           <a:lstStyle/>
           <a:p>
+            <a:pPr marL="0" marR="0" lvl="0" indent="0" algn="r" defTabSz="914400" rtl="0" eaLnBrk="1" fontAlgn="auto" latinLnBrk="0" hangingPunct="1">
+              <a:lnSpc>
+                <a:spcPct val="100000"/>
+              </a:lnSpc>
+              <a:spcBef>
+                <a:spcPts val="0"/>
+              </a:spcBef>
+              <a:spcAft>
+                <a:spcPts val="0"/>
+              </a:spcAft>
+              <a:buClrTx/>
+              <a:buSzTx/>
+              <a:buFontTx/>
+              <a:buNone/>
+              <a:tabLst/>
+              <a:defRPr/>
+            </a:pPr>
             <a:fld id="{92084505-5355-43A2-B929-FD06D0DABC31}" type="slidenum">
-              <a:rPr lang="ja-JP" altLang="en-US" smtClean="0"/>
-              <a:pPr/>
+              <a:rPr kumimoji="1" lang="ja-JP" altLang="en-US" sz="1200" b="1" i="0" u="none" strike="noStrike" kern="1200" cap="none" spc="0" normalizeH="0" baseline="0" noProof="0" smtClean="0">
+                <a:ln>
+                  <a:noFill/>
+                </a:ln>
+                <a:solidFill>
+                  <a:prstClr val="white"/>
+                </a:solidFill>
+                <a:effectLst/>
+                <a:uLnTx/>
+                <a:uFillTx/>
+                <a:latin typeface="游ゴシック" panose="020F0502020204030204"/>
+                <a:ea typeface="游ゴシック" panose="020B0400000000000000" pitchFamily="50" charset="-128"/>
+                <a:cs typeface="+mn-cs"/>
+              </a:rPr>
+              <a:pPr marL="0" marR="0" lvl="0" indent="0" algn="r" defTabSz="914400" rtl="0" eaLnBrk="1" fontAlgn="auto" latinLnBrk="0" hangingPunct="1">
+                <a:lnSpc>
+                  <a:spcPct val="100000"/>
+                </a:lnSpc>
+                <a:spcBef>
+                  <a:spcPts val="0"/>
+                </a:spcBef>
+                <a:spcAft>
+                  <a:spcPts val="0"/>
+                </a:spcAft>
+                <a:buClrTx/>
+                <a:buSzTx/>
+                <a:buFontTx/>
+                <a:buNone/>
+                <a:tabLst/>
+                <a:defRPr/>
+              </a:pPr>
               <a:t>9</a:t>
             </a:fld>
-            <a:endParaRPr lang="ja-JP" altLang="en-US" dirty="0"/>
+            <a:endParaRPr kumimoji="1" lang="ja-JP" altLang="en-US" sz="1200" b="1" i="0" u="none" strike="noStrike" kern="1200" cap="none" spc="0" normalizeH="0" baseline="0" noProof="0" dirty="0">
+              <a:ln>
+                <a:noFill/>
+              </a:ln>
+              <a:solidFill>
+                <a:prstClr val="white"/>
+              </a:solidFill>
+              <a:effectLst/>
+              <a:uLnTx/>
+              <a:uFillTx/>
+              <a:latin typeface="游ゴシック" panose="020F0502020204030204"/>
+              <a:ea typeface="游ゴシック" panose="020B0400000000000000" pitchFamily="50" charset="-128"/>
+              <a:cs typeface="+mn-cs"/>
+            </a:endParaRPr>
           </a:p>
         </p:txBody>
       </p:sp>
@@ -8476,8 +15861,37 @@
           <a:bodyPr rtlCol="0" anchor="ctr"/>
           <a:lstStyle/>
           <a:p>
-            <a:pPr algn="ctr"/>
-            <a:endParaRPr kumimoji="1" lang="ja-JP" altLang="en-US"/>
+            <a:pPr marL="0" marR="0" lvl="0" indent="0" algn="ctr" defTabSz="914400" rtl="0" eaLnBrk="1" fontAlgn="auto" latinLnBrk="0" hangingPunct="1">
+              <a:lnSpc>
+                <a:spcPct val="100000"/>
+              </a:lnSpc>
+              <a:spcBef>
+                <a:spcPts val="0"/>
+              </a:spcBef>
+              <a:spcAft>
+                <a:spcPts val="0"/>
+              </a:spcAft>
+              <a:buClrTx/>
+              <a:buSzTx/>
+              <a:buFontTx/>
+              <a:buNone/>
+              <a:tabLst/>
+              <a:defRPr/>
+            </a:pPr>
+            <a:endParaRPr kumimoji="1" lang="ja-JP" altLang="en-US" sz="1800" b="0" i="0" u="none" strike="noStrike" kern="1200" cap="none" spc="0" normalizeH="0" baseline="0" noProof="0">
+              <a:ln>
+                <a:noFill/>
+              </a:ln>
+              <a:solidFill>
+                <a:prstClr val="white"/>
+              </a:solidFill>
+              <a:effectLst/>
+              <a:uLnTx/>
+              <a:uFillTx/>
+              <a:latin typeface="游ゴシック" panose="020F0502020204030204"/>
+              <a:ea typeface="游ゴシック" panose="020B0400000000000000" pitchFamily="50" charset="-128"/>
+              <a:cs typeface="+mn-cs"/>
+            </a:endParaRPr>
           </a:p>
         </p:txBody>
       </p:sp>
@@ -8496,13 +15910,13 @@
           <p:nvPr/>
         </p:nvPicPr>
         <p:blipFill>
-          <a:blip r:embed="rId2">
+          <a:blip r:embed="rId3">
             <a:extLst>
               <a:ext uri="{28A0092B-C50C-407E-A947-70E740481C1C}">
                 <a14:useLocalDpi xmlns:a14="http://schemas.microsoft.com/office/drawing/2010/main" val="0"/>
               </a:ext>
               <a:ext uri="{96DAC541-7B7A-43D3-8B79-37D633B846F1}">
-                <asvg:svgBlip xmlns:asvg="http://schemas.microsoft.com/office/drawing/2016/SVG/main" r:embed="rId3"/>
+                <asvg:svgBlip xmlns:asvg="http://schemas.microsoft.com/office/drawing/2016/SVG/main" r:embed="rId4"/>
               </a:ext>
             </a:extLst>
           </a:blip>
@@ -8534,7 +15948,7 @@
 </file>
 
 <file path=ppt/theme/theme1.xml><?xml version="1.0" encoding="utf-8"?>
-<a:theme xmlns:a="http://schemas.openxmlformats.org/drawingml/2006/main" name="Office テーマ">
+<a:theme xmlns:a="http://schemas.openxmlformats.org/drawingml/2006/main" name="1_Office テーマ">
   <a:themeElements>
     <a:clrScheme name="Office">
       <a:dk1>
@@ -8811,7 +16225,7 @@
         <a:srgbClr val="E7E6E6"/>
       </a:lt2>
       <a:accent1>
-        <a:srgbClr val="5B9BD5"/>
+        <a:srgbClr val="4472C4"/>
       </a:accent1>
       <a:accent2>
         <a:srgbClr val="ED7D31"/>
@@ -8823,7 +16237,7 @@
         <a:srgbClr val="FFC000"/>
       </a:accent4>
       <a:accent5>
-        <a:srgbClr val="4472C4"/>
+        <a:srgbClr val="5B9BD5"/>
       </a:accent5>
       <a:accent6>
         <a:srgbClr val="70AD47"/>
@@ -8870,6 +16284,23 @@
         <a:font script="Viet" typeface="Times New Roman"/>
         <a:font script="Uigh" typeface="Microsoft Uighur"/>
         <a:font script="Geor" typeface="Sylfaen"/>
+        <a:font script="Armn" typeface="Arial"/>
+        <a:font script="Bugi" typeface="Leelawadee UI"/>
+        <a:font script="Bopo" typeface="Microsoft JhengHei"/>
+        <a:font script="Java" typeface="Javanese Text"/>
+        <a:font script="Lisu" typeface="Segoe UI"/>
+        <a:font script="Mymr" typeface="Myanmar Text"/>
+        <a:font script="Nkoo" typeface="Ebrima"/>
+        <a:font script="Olck" typeface="Nirmala UI"/>
+        <a:font script="Osma" typeface="Ebrima"/>
+        <a:font script="Phag" typeface="Phagspa"/>
+        <a:font script="Syrn" typeface="Estrangelo Edessa"/>
+        <a:font script="Syrj" typeface="Estrangelo Edessa"/>
+        <a:font script="Syre" typeface="Estrangelo Edessa"/>
+        <a:font script="Sora" typeface="Nirmala UI"/>
+        <a:font script="Tale" typeface="Microsoft Tai Le"/>
+        <a:font script="Talu" typeface="Microsoft New Tai Lue"/>
+        <a:font script="Tfng" typeface="Ebrima"/>
       </a:majorFont>
       <a:minorFont>
         <a:latin typeface="游ゴシック" panose="020F0502020204030204"/>
@@ -8905,6 +16336,23 @@
         <a:font script="Viet" typeface="Arial"/>
         <a:font script="Uigh" typeface="Microsoft Uighur"/>
         <a:font script="Geor" typeface="Sylfaen"/>
+        <a:font script="Armn" typeface="Arial"/>
+        <a:font script="Bugi" typeface="Leelawadee UI"/>
+        <a:font script="Bopo" typeface="Microsoft JhengHei"/>
+        <a:font script="Java" typeface="Javanese Text"/>
+        <a:font script="Lisu" typeface="Segoe UI"/>
+        <a:font script="Mymr" typeface="Myanmar Text"/>
+        <a:font script="Nkoo" typeface="Ebrima"/>
+        <a:font script="Olck" typeface="Nirmala UI"/>
+        <a:font script="Osma" typeface="Ebrima"/>
+        <a:font script="Phag" typeface="Phagspa"/>
+        <a:font script="Syrn" typeface="Estrangelo Edessa"/>
+        <a:font script="Syrj" typeface="Estrangelo Edessa"/>
+        <a:font script="Syre" typeface="Estrangelo Edessa"/>
+        <a:font script="Sora" typeface="Nirmala UI"/>
+        <a:font script="Tale" typeface="Microsoft Tai Le"/>
+        <a:font script="Talu" typeface="Microsoft New Tai Lue"/>
+        <a:font script="Tfng" typeface="Ebrima"/>
       </a:minorFont>
     </a:fontScheme>
     <a:fmtScheme name="Office">

--- a/UWW2019/UWW2019_Fujii.pptx
+++ b/UWW2019/UWW2019_Fujii.pptx
@@ -583,8 +583,6 @@
               <a:rPr kumimoji="1" lang="ja-JP" altLang="en-US" dirty="0"/>
               <a:t>秒）</a:t>
             </a:r>
-          </a:p>
-          <a:p>
             <a:endParaRPr kumimoji="1" lang="en-US" altLang="ja-JP" dirty="0"/>
           </a:p>
           <a:p>
@@ -820,26 +818,6 @@
               <a:tabLst/>
               <a:defRPr/>
             </a:pPr>
-            <a:endParaRPr kumimoji="1" lang="en-US" altLang="ja-JP" dirty="0"/>
-          </a:p>
-          <a:p>
-            <a:pPr marL="0" marR="0" lvl="0" indent="0" algn="l" defTabSz="914400" rtl="0" eaLnBrk="1" fontAlgn="auto" latinLnBrk="0" hangingPunct="1">
-              <a:lnSpc>
-                <a:spcPct val="100000"/>
-              </a:lnSpc>
-              <a:spcBef>
-                <a:spcPts val="0"/>
-              </a:spcBef>
-              <a:spcAft>
-                <a:spcPts val="0"/>
-              </a:spcAft>
-              <a:buClrTx/>
-              <a:buSzTx/>
-              <a:buFontTx/>
-              <a:buNone/>
-              <a:tabLst/>
-              <a:defRPr/>
-            </a:pPr>
             <a:r>
               <a:rPr kumimoji="1" lang="ja-JP" altLang="en-US" dirty="0"/>
               <a:t>次に判別です．結果の算出のために，</a:t>
@@ -1147,9 +1125,6 @@
             <a:endParaRPr kumimoji="1" lang="en-US" altLang="ja-JP" dirty="0"/>
           </a:p>
           <a:p>
-            <a:endParaRPr kumimoji="1" lang="en-US" altLang="ja-JP" dirty="0"/>
-          </a:p>
-          <a:p>
             <a:r>
               <a:rPr kumimoji="1" lang="ja-JP" altLang="en-US" dirty="0"/>
               <a:t>被験者ごとの結果を見ていきます．</a:t>
@@ -1320,9 +1295,6 @@
             <a:endParaRPr kumimoji="1" lang="en-US" altLang="ja-JP" dirty="0"/>
           </a:p>
           <a:p>
-            <a:endParaRPr kumimoji="1" lang="en-US" altLang="ja-JP" dirty="0"/>
-          </a:p>
-          <a:p>
             <a:r>
               <a:rPr kumimoji="1" lang="ja-JP" altLang="en-US" dirty="0"/>
               <a:t>全体での結果です．</a:t>
@@ -1443,9 +1415,6 @@
             <a:endParaRPr kumimoji="1" lang="en-US" altLang="ja-JP" dirty="0"/>
           </a:p>
           <a:p>
-            <a:endParaRPr kumimoji="1" lang="en-US" altLang="ja-JP" dirty="0"/>
-          </a:p>
-          <a:p>
             <a:r>
               <a:rPr kumimoji="1" lang="ja-JP" altLang="en-US" dirty="0"/>
               <a:t>考察です．</a:t>
@@ -1458,7 +1427,7 @@
           <a:p>
             <a:r>
               <a:rPr kumimoji="1" lang="ja-JP" altLang="en-US" dirty="0"/>
-              <a:t>・まずハードウェア</a:t>
+              <a:t>まずハードウェア，</a:t>
             </a:r>
             <a:endParaRPr kumimoji="1" lang="en-US" altLang="ja-JP" dirty="0"/>
           </a:p>
@@ -1559,12 +1528,9 @@
             <a:endParaRPr kumimoji="1" lang="en-US" altLang="ja-JP" dirty="0"/>
           </a:p>
           <a:p>
-            <a:endParaRPr kumimoji="1" lang="en-US" altLang="ja-JP" dirty="0"/>
-          </a:p>
-          <a:p>
             <a:r>
               <a:rPr kumimoji="1" lang="ja-JP" altLang="en-US" dirty="0"/>
-              <a:t>・次に判別手法</a:t>
+              <a:t>次に判別手法，</a:t>
             </a:r>
             <a:endParaRPr kumimoji="1" lang="en-US" altLang="ja-JP" dirty="0"/>
           </a:p>
@@ -1705,9 +1671,6 @@
             <a:endParaRPr kumimoji="1" lang="en-US" altLang="ja-JP" dirty="0"/>
           </a:p>
           <a:p>
-            <a:endParaRPr kumimoji="1" lang="en-US" altLang="ja-JP" dirty="0"/>
-          </a:p>
-          <a:p>
             <a:r>
               <a:rPr kumimoji="1" lang="ja-JP" altLang="en-US" dirty="0"/>
               <a:t>まとめです．</a:t>
@@ -1884,9 +1847,6 @@
               <a:rPr kumimoji="1" lang="ja-JP" altLang="en-US" dirty="0"/>
               <a:t>秒）</a:t>
             </a:r>
-            <a:endParaRPr kumimoji="1" lang="en-US" altLang="ja-JP" dirty="0"/>
-          </a:p>
-          <a:p>
             <a:endParaRPr kumimoji="1" lang="en-US" altLang="ja-JP" dirty="0"/>
           </a:p>
           <a:p>
@@ -2117,9 +2077,6 @@
             <a:endParaRPr kumimoji="1" lang="en-US" altLang="ja-JP" dirty="0"/>
           </a:p>
           <a:p>
-            <a:endParaRPr kumimoji="1" lang="en-US" altLang="ja-JP" dirty="0"/>
-          </a:p>
-          <a:p>
             <a:r>
               <a:rPr kumimoji="1" lang="ja-JP" altLang="en-US" dirty="0"/>
               <a:t>・ヘルメットで認証するには，頭部の要素を用いたい</a:t>
@@ -2229,20 +2186,13 @@
               <a:t>（</a:t>
             </a:r>
             <a:r>
-              <a:rPr kumimoji="1" lang="en-US" altLang="ja-JP"/>
+              <a:rPr kumimoji="1" lang="en-US" altLang="ja-JP" dirty="0"/>
               <a:t>20</a:t>
             </a:r>
             <a:r>
-              <a:rPr kumimoji="1" lang="ja-JP" altLang="en-US"/>
-              <a:t>秒</a:t>
-            </a:r>
-            <a:r>
               <a:rPr kumimoji="1" lang="ja-JP" altLang="en-US" dirty="0"/>
-              <a:t>）</a:t>
-            </a:r>
-            <a:endParaRPr kumimoji="1" lang="en-US" altLang="ja-JP" dirty="0"/>
-          </a:p>
-          <a:p>
+              <a:t>秒）</a:t>
+            </a:r>
             <a:endParaRPr kumimoji="1" lang="en-US" altLang="ja-JP" dirty="0"/>
           </a:p>
           <a:p>
@@ -2250,6 +2200,9 @@
               <a:rPr kumimoji="1" lang="ja-JP" altLang="en-US" dirty="0"/>
               <a:t>そこで研究目的として，</a:t>
             </a:r>
+            <a:endParaRPr kumimoji="1" lang="en-US" altLang="ja-JP" dirty="0"/>
+          </a:p>
+          <a:p>
             <a:endParaRPr kumimoji="1" lang="en-US" altLang="ja-JP" dirty="0"/>
           </a:p>
           <a:p>
@@ -2423,9 +2376,6 @@
             <a:endParaRPr kumimoji="1" lang="en-US" altLang="ja-JP" dirty="0"/>
           </a:p>
           <a:p>
-            <a:endParaRPr kumimoji="1" lang="en-US" altLang="ja-JP" dirty="0"/>
-          </a:p>
-          <a:p>
             <a:r>
               <a:rPr kumimoji="1" lang="ja-JP" altLang="en-US" dirty="0"/>
               <a:t>ハードウェアの提案手法を説明します．</a:t>
@@ -2588,9 +2538,6 @@
             <a:endParaRPr kumimoji="1" lang="en-US" altLang="ja-JP" dirty="0"/>
           </a:p>
           <a:p>
-            <a:endParaRPr kumimoji="1" lang="en-US" altLang="ja-JP" dirty="0"/>
-          </a:p>
-          <a:p>
             <a:r>
               <a:rPr kumimoji="1" lang="ja-JP" altLang="en-US" dirty="0"/>
               <a:t>データ取得後，識別の手法を説明します．</a:t>
@@ -2700,9 +2647,6 @@
             <a:endParaRPr kumimoji="1" lang="en-US" altLang="ja-JP" dirty="0"/>
           </a:p>
           <a:p>
-            <a:endParaRPr kumimoji="1" lang="en-US" altLang="ja-JP" dirty="0"/>
-          </a:p>
-          <a:p>
             <a:r>
               <a:rPr kumimoji="1" lang="ja-JP" altLang="en-US" dirty="0"/>
               <a:t>次に実装です．</a:t>
@@ -2847,9 +2791,6 @@
             <a:endParaRPr kumimoji="1" lang="en-US" altLang="ja-JP" dirty="0"/>
           </a:p>
           <a:p>
-            <a:endParaRPr kumimoji="1" lang="en-US" altLang="ja-JP" dirty="0"/>
-          </a:p>
-          <a:p>
             <a:r>
               <a:rPr kumimoji="1" lang="ja-JP" altLang="en-US" dirty="0"/>
               <a:t>評価実験です．</a:t>
@@ -3036,9 +2977,6 @@
             <a:endParaRPr kumimoji="1" lang="en-US" altLang="ja-JP" dirty="0"/>
           </a:p>
           <a:p>
-            <a:endParaRPr kumimoji="1" lang="en-US" altLang="ja-JP" dirty="0"/>
-          </a:p>
-          <a:p>
             <a:r>
               <a:rPr kumimoji="1" lang="ja-JP" altLang="en-US" dirty="0"/>
               <a:t>結果です．</a:t>
@@ -3060,9 +2998,6 @@
               <a:rPr kumimoji="1" lang="ja-JP" altLang="en-US" dirty="0"/>
               <a:t>・差がなければ距離による判別が不可能</a:t>
             </a:r>
-            <a:endParaRPr kumimoji="1" lang="en-US" altLang="ja-JP" dirty="0"/>
-          </a:p>
-          <a:p>
             <a:endParaRPr kumimoji="1" lang="en-US" altLang="ja-JP" dirty="0"/>
           </a:p>
           <a:p>
@@ -10063,7 +9998,15 @@
             </a:r>
             <a:r>
               <a:rPr kumimoji="1" lang="ja-JP" altLang="en-US" b="1" dirty="0"/>
-              <a:t>の必要ありだが，恐らく</a:t>
+              <a:t>の必要</a:t>
+            </a:r>
+            <a:r>
+              <a:rPr lang="ja-JP" altLang="en-US" b="1" dirty="0"/>
+              <a:t>がある</a:t>
+            </a:r>
+            <a:r>
+              <a:rPr kumimoji="1" lang="ja-JP" altLang="en-US" b="1" dirty="0"/>
+              <a:t>が，恐らく</a:t>
             </a:r>
             <a:r>
               <a:rPr kumimoji="1" lang="ja-JP" altLang="en-US" b="1" dirty="0">
@@ -10276,8 +10219,8 @@
         </p:blipFill>
         <p:spPr>
           <a:xfrm>
-            <a:off x="8824121" y="3693458"/>
-            <a:ext cx="2597727" cy="2597727"/>
+            <a:off x="8824121" y="3760926"/>
+            <a:ext cx="2530259" cy="2530259"/>
           </a:xfrm>
           <a:prstGeom prst="rect">
             <a:avLst/>
@@ -10320,6 +10263,42 @@
           </a:prstGeom>
         </p:spPr>
       </p:pic>
+      <p:pic>
+        <p:nvPicPr>
+          <p:cNvPr id="8" name="図 7">
+            <a:extLst>
+              <a:ext uri="{FF2B5EF4-FFF2-40B4-BE49-F238E27FC236}">
+                <a16:creationId xmlns:a16="http://schemas.microsoft.com/office/drawing/2014/main" id="{4F59E320-2D5E-48D3-B7E7-8B2680E3288E}"/>
+              </a:ext>
+            </a:extLst>
+          </p:cNvPr>
+          <p:cNvPicPr>
+            <a:picLocks noChangeAspect="1"/>
+          </p:cNvPicPr>
+          <p:nvPr/>
+        </p:nvPicPr>
+        <p:blipFill>
+          <a:blip r:embed="rId5">
+            <a:extLst>
+              <a:ext uri="{28A0092B-C50C-407E-A947-70E740481C1C}">
+                <a14:useLocalDpi xmlns:a14="http://schemas.microsoft.com/office/drawing/2010/main" val="0"/>
+              </a:ext>
+            </a:extLst>
+          </a:blip>
+          <a:stretch>
+            <a:fillRect/>
+          </a:stretch>
+        </p:blipFill>
+        <p:spPr>
+          <a:xfrm>
+            <a:off x="8824122" y="1448872"/>
+            <a:ext cx="2388212" cy="2177117"/>
+          </a:xfrm>
+          <a:prstGeom prst="rect">
+            <a:avLst/>
+          </a:prstGeom>
+        </p:spPr>
+      </p:pic>
     </p:spTree>
     <p:extLst>
       <p:ext uri="{BB962C8B-B14F-4D97-AF65-F5344CB8AC3E}">
@@ -10436,10 +10415,14 @@
             </a:r>
             <a:r>
               <a:rPr lang="ja-JP" altLang="en-US" dirty="0"/>
-              <a:t>　利用者のデータ群に</a:t>
-            </a:r>
-            <a:r>
-              <a:rPr lang="ja-JP" altLang="en-US" dirty="0">
+              <a:t>　</a:t>
+            </a:r>
+            <a:r>
+              <a:rPr lang="ja-JP" altLang="en-US" b="1" dirty="0"/>
+              <a:t>利用者のデータ群に</a:t>
+            </a:r>
+            <a:r>
+              <a:rPr lang="ja-JP" altLang="en-US" b="1" dirty="0">
                 <a:highlight>
                   <a:srgbClr val="FFFF00"/>
                 </a:highlight>
@@ -10447,10 +10430,10 @@
               <a:t>差がない</a:t>
             </a:r>
             <a:r>
-              <a:rPr lang="ja-JP" altLang="en-US" dirty="0"/>
+              <a:rPr lang="ja-JP" altLang="en-US" b="1" dirty="0"/>
               <a:t>場合，判別不可</a:t>
             </a:r>
-            <a:endParaRPr lang="en-US" altLang="ja-JP" dirty="0"/>
+            <a:endParaRPr lang="en-US" altLang="ja-JP" b="1" dirty="0"/>
           </a:p>
           <a:p>
             <a:pPr marL="457200" lvl="1" indent="0">
@@ -12625,6 +12608,42 @@
           </a:p>
         </p:txBody>
       </p:sp>
+      <p:pic>
+        <p:nvPicPr>
+          <p:cNvPr id="12" name="図 11">
+            <a:extLst>
+              <a:ext uri="{FF2B5EF4-FFF2-40B4-BE49-F238E27FC236}">
+                <a16:creationId xmlns:a16="http://schemas.microsoft.com/office/drawing/2014/main" id="{2C5EBC2F-9E8C-44BD-832C-005A24664E93}"/>
+              </a:ext>
+            </a:extLst>
+          </p:cNvPr>
+          <p:cNvPicPr>
+            <a:picLocks noChangeAspect="1"/>
+          </p:cNvPicPr>
+          <p:nvPr/>
+        </p:nvPicPr>
+        <p:blipFill>
+          <a:blip r:embed="rId6">
+            <a:extLst>
+              <a:ext uri="{28A0092B-C50C-407E-A947-70E740481C1C}">
+                <a14:useLocalDpi xmlns:a14="http://schemas.microsoft.com/office/drawing/2010/main" val="0"/>
+              </a:ext>
+            </a:extLst>
+          </a:blip>
+          <a:stretch>
+            <a:fillRect/>
+          </a:stretch>
+        </p:blipFill>
+        <p:spPr>
+          <a:xfrm>
+            <a:off x="9146543" y="1598235"/>
+            <a:ext cx="2060623" cy="2403059"/>
+          </a:xfrm>
+          <a:prstGeom prst="rect">
+            <a:avLst/>
+          </a:prstGeom>
+        </p:spPr>
+      </p:pic>
     </p:spTree>
     <p:extLst>
       <p:ext uri="{BB962C8B-B14F-4D97-AF65-F5344CB8AC3E}">

--- a/UWW2019/UWW2019_Fujii.pptx
+++ b/UWW2019/UWW2019_Fujii.pptx
@@ -796,7 +796,15 @@
             </a:r>
             <a:r>
               <a:rPr kumimoji="1" lang="ja-JP" altLang="en-US" dirty="0"/>
-              <a:t>秒）</a:t>
+              <a:t>秒，</a:t>
+            </a:r>
+            <a:r>
+              <a:rPr kumimoji="1" lang="en-US" altLang="ja-JP" dirty="0"/>
+              <a:t>6</a:t>
+            </a:r>
+            <a:r>
+              <a:rPr kumimoji="1" lang="ja-JP" altLang="en-US" dirty="0"/>
+              <a:t>分半）</a:t>
             </a:r>
             <a:endParaRPr kumimoji="1" lang="en-US" altLang="ja-JP" dirty="0"/>
           </a:p>
@@ -1120,7 +1128,23 @@
             </a:r>
             <a:r>
               <a:rPr kumimoji="1" lang="ja-JP" altLang="en-US" dirty="0"/>
-              <a:t>秒）</a:t>
+              <a:t>秒，</a:t>
+            </a:r>
+            <a:r>
+              <a:rPr kumimoji="1" lang="en-US" altLang="ja-JP" dirty="0"/>
+              <a:t>7</a:t>
+            </a:r>
+            <a:r>
+              <a:rPr kumimoji="1" lang="ja-JP" altLang="en-US" dirty="0"/>
+              <a:t>分</a:t>
+            </a:r>
+            <a:r>
+              <a:rPr kumimoji="1" lang="en-US" altLang="ja-JP" dirty="0"/>
+              <a:t>+</a:t>
+            </a:r>
+            <a:r>
+              <a:rPr kumimoji="1" lang="ja-JP" altLang="en-US" dirty="0"/>
+              <a:t>）</a:t>
             </a:r>
             <a:endParaRPr kumimoji="1" lang="en-US" altLang="ja-JP" dirty="0"/>
           </a:p>
@@ -1410,7 +1434,15 @@
             </a:r>
             <a:r>
               <a:rPr kumimoji="1" lang="ja-JP" altLang="en-US" dirty="0"/>
-              <a:t>秒）</a:t>
+              <a:t>秒，</a:t>
+            </a:r>
+            <a:r>
+              <a:rPr kumimoji="1" lang="en-US" altLang="ja-JP" dirty="0"/>
+              <a:t>8</a:t>
+            </a:r>
+            <a:r>
+              <a:rPr kumimoji="1" lang="ja-JP" altLang="en-US" dirty="0"/>
+              <a:t>分）</a:t>
             </a:r>
             <a:endParaRPr kumimoji="1" lang="en-US" altLang="ja-JP" dirty="0"/>
           </a:p>
@@ -2072,7 +2104,23 @@
             </a:r>
             <a:r>
               <a:rPr kumimoji="1" lang="ja-JP" altLang="en-US" dirty="0"/>
-              <a:t>秒）</a:t>
+              <a:t>秒，</a:t>
+            </a:r>
+            <a:r>
+              <a:rPr kumimoji="1" lang="en-US" altLang="ja-JP" dirty="0"/>
+              <a:t>1</a:t>
+            </a:r>
+            <a:r>
+              <a:rPr kumimoji="1" lang="ja-JP" altLang="en-US" dirty="0"/>
+              <a:t>分</a:t>
+            </a:r>
+            <a:r>
+              <a:rPr kumimoji="1" lang="en-US" altLang="ja-JP" dirty="0"/>
+              <a:t>+</a:t>
+            </a:r>
+            <a:r>
+              <a:rPr kumimoji="1" lang="ja-JP" altLang="en-US" dirty="0"/>
+              <a:t>）</a:t>
             </a:r>
             <a:endParaRPr kumimoji="1" lang="en-US" altLang="ja-JP" dirty="0"/>
           </a:p>
@@ -2533,7 +2581,23 @@
             </a:r>
             <a:r>
               <a:rPr kumimoji="1" lang="ja-JP" altLang="en-US" dirty="0"/>
-              <a:t>秒）</a:t>
+              <a:t>秒，</a:t>
+            </a:r>
+            <a:r>
+              <a:rPr kumimoji="1" lang="en-US" altLang="ja-JP" dirty="0"/>
+              <a:t>3</a:t>
+            </a:r>
+            <a:r>
+              <a:rPr kumimoji="1" lang="ja-JP" altLang="en-US" dirty="0"/>
+              <a:t>分</a:t>
+            </a:r>
+            <a:r>
+              <a:rPr kumimoji="1" lang="en-US" altLang="ja-JP" dirty="0"/>
+              <a:t>-</a:t>
+            </a:r>
+            <a:r>
+              <a:rPr kumimoji="1" lang="ja-JP" altLang="en-US" dirty="0"/>
+              <a:t>）</a:t>
             </a:r>
             <a:endParaRPr kumimoji="1" lang="en-US" altLang="ja-JP" dirty="0"/>
           </a:p>
@@ -2642,7 +2706,23 @@
             </a:r>
             <a:r>
               <a:rPr kumimoji="1" lang="ja-JP" altLang="en-US" dirty="0"/>
-              <a:t>秒）</a:t>
+              <a:t>秒，</a:t>
+            </a:r>
+            <a:r>
+              <a:rPr kumimoji="1" lang="en-US" altLang="ja-JP" dirty="0"/>
+              <a:t>4</a:t>
+            </a:r>
+            <a:r>
+              <a:rPr kumimoji="1" lang="ja-JP" altLang="en-US" dirty="0"/>
+              <a:t>分</a:t>
+            </a:r>
+            <a:r>
+              <a:rPr kumimoji="1" lang="en-US" altLang="ja-JP" dirty="0"/>
+              <a:t>-</a:t>
+            </a:r>
+            <a:r>
+              <a:rPr kumimoji="1" lang="ja-JP" altLang="en-US" dirty="0"/>
+              <a:t>）</a:t>
             </a:r>
             <a:endParaRPr kumimoji="1" lang="en-US" altLang="ja-JP" dirty="0"/>
           </a:p>
@@ -2972,7 +3052,15 @@
             </a:r>
             <a:r>
               <a:rPr kumimoji="1" lang="ja-JP" altLang="en-US" dirty="0"/>
-              <a:t>秒）</a:t>
+              <a:t>秒，</a:t>
+            </a:r>
+            <a:r>
+              <a:rPr kumimoji="1" lang="en-US" altLang="ja-JP" dirty="0"/>
+              <a:t>5</a:t>
+            </a:r>
+            <a:r>
+              <a:rPr kumimoji="1" lang="ja-JP" altLang="en-US" dirty="0"/>
+              <a:t>分半）</a:t>
             </a:r>
             <a:endParaRPr kumimoji="1" lang="en-US" altLang="ja-JP" dirty="0"/>
           </a:p>

--- a/UWW2019/UWW2019_Fujii.pptx
+++ b/UWW2019/UWW2019_Fujii.pptx
@@ -211,7 +211,7 @@
           <a:p>
             <a:fld id="{FE7EBC21-68F0-43CA-8DF5-D6844F9F3C2E}" type="datetimeFigureOut">
               <a:rPr kumimoji="1" lang="ja-JP" altLang="en-US" smtClean="0"/>
-              <a:t>2019/12/17</a:t>
+              <a:t>2019/12/18</a:t>
             </a:fld>
             <a:endParaRPr kumimoji="1" lang="ja-JP" altLang="en-US"/>
           </a:p>
@@ -2296,7 +2296,7 @@
                 <a:ea typeface="+mn-ea"/>
                 <a:cs typeface="+mn-cs"/>
               </a:rPr>
-              <a:t>識別の手法です．非常に単純な手法を用いました．</a:t>
+              <a:t>識別の手法です．</a:t>
             </a:r>
           </a:p>
           <a:p>
@@ -3566,7 +3566,7 @@
           <a:p>
             <a:fld id="{28B1BEA1-2738-4C19-B133-02ABBF3E6E0C}" type="datetime1">
               <a:rPr kumimoji="1" lang="ja-JP" altLang="en-US" smtClean="0"/>
-              <a:t>2019/12/17</a:t>
+              <a:t>2019/12/18</a:t>
             </a:fld>
             <a:endParaRPr kumimoji="1" lang="ja-JP" altLang="en-US"/>
           </a:p>
@@ -3883,7 +3883,7 @@
           <a:p>
             <a:fld id="{321A0775-4641-4FD1-8F30-8577C8E45459}" type="datetime1">
               <a:rPr kumimoji="1" lang="ja-JP" altLang="en-US" smtClean="0"/>
-              <a:t>2019/12/17</a:t>
+              <a:t>2019/12/18</a:t>
             </a:fld>
             <a:endParaRPr kumimoji="1" lang="ja-JP" altLang="en-US"/>
           </a:p>
@@ -4093,7 +4093,7 @@
           <a:p>
             <a:fld id="{1A958096-B04A-44A1-BF3F-4EF7C63AEE7F}" type="datetime1">
               <a:rPr kumimoji="1" lang="ja-JP" altLang="en-US" smtClean="0"/>
-              <a:t>2019/12/17</a:t>
+              <a:t>2019/12/18</a:t>
             </a:fld>
             <a:endParaRPr kumimoji="1" lang="ja-JP" altLang="en-US"/>
           </a:p>
@@ -4293,7 +4293,7 @@
           <a:p>
             <a:fld id="{7E4BC299-9A2B-46B3-A868-72E6088D753F}" type="datetime1">
               <a:rPr kumimoji="1" lang="ja-JP" altLang="en-US" smtClean="0"/>
-              <a:t>2019/12/17</a:t>
+              <a:t>2019/12/18</a:t>
             </a:fld>
             <a:endParaRPr kumimoji="1" lang="ja-JP" altLang="en-US"/>
           </a:p>
@@ -4664,7 +4664,7 @@
           <a:p>
             <a:fld id="{5730D93F-C6A8-45DB-973B-2E9B74BB5747}" type="datetime1">
               <a:rPr kumimoji="1" lang="ja-JP" altLang="en-US" smtClean="0"/>
-              <a:t>2019/12/17</a:t>
+              <a:t>2019/12/18</a:t>
             </a:fld>
             <a:endParaRPr kumimoji="1" lang="ja-JP" altLang="en-US"/>
           </a:p>
@@ -4957,7 +4957,7 @@
           <a:p>
             <a:fld id="{8C8FBA03-08C5-445A-9675-5DD0E048D580}" type="datetime1">
               <a:rPr kumimoji="1" lang="ja-JP" altLang="en-US" smtClean="0"/>
-              <a:t>2019/12/17</a:t>
+              <a:t>2019/12/18</a:t>
             </a:fld>
             <a:endParaRPr kumimoji="1" lang="ja-JP" altLang="en-US"/>
           </a:p>
@@ -5385,7 +5385,7 @@
           <a:p>
             <a:fld id="{F22B3BE6-F63B-45DF-9657-6FEF2EDB1F30}" type="datetime1">
               <a:rPr kumimoji="1" lang="ja-JP" altLang="en-US" smtClean="0"/>
-              <a:t>2019/12/17</a:t>
+              <a:t>2019/12/18</a:t>
             </a:fld>
             <a:endParaRPr kumimoji="1" lang="ja-JP" altLang="en-US"/>
           </a:p>
@@ -5502,7 +5502,7 @@
           <a:p>
             <a:fld id="{C1D6E599-F080-45CC-8481-C833508C9D12}" type="datetime1">
               <a:rPr kumimoji="1" lang="ja-JP" altLang="en-US" smtClean="0"/>
-              <a:t>2019/12/17</a:t>
+              <a:t>2019/12/18</a:t>
             </a:fld>
             <a:endParaRPr kumimoji="1" lang="ja-JP" altLang="en-US"/>
           </a:p>
@@ -5597,7 +5597,7 @@
           <a:p>
             <a:fld id="{7D9B8A7E-64BC-4577-982E-7EC7218FD10F}" type="datetime1">
               <a:rPr kumimoji="1" lang="ja-JP" altLang="en-US" smtClean="0"/>
-              <a:t>2019/12/17</a:t>
+              <a:t>2019/12/18</a:t>
             </a:fld>
             <a:endParaRPr kumimoji="1" lang="ja-JP" altLang="en-US"/>
           </a:p>
@@ -5904,7 +5904,7 @@
           <a:p>
             <a:fld id="{8373066C-4ED1-4359-AD45-A7DE722C8BF8}" type="datetime1">
               <a:rPr kumimoji="1" lang="ja-JP" altLang="en-US" smtClean="0"/>
-              <a:t>2019/12/17</a:t>
+              <a:t>2019/12/18</a:t>
             </a:fld>
             <a:endParaRPr kumimoji="1" lang="ja-JP" altLang="en-US"/>
           </a:p>
@@ -6156,7 +6156,7 @@
           <a:p>
             <a:fld id="{BC0FD902-686B-4A0D-9EB1-37C4F06B03EF}" type="datetime1">
               <a:rPr kumimoji="1" lang="ja-JP" altLang="en-US" smtClean="0"/>
-              <a:t>2019/12/17</a:t>
+              <a:t>2019/12/18</a:t>
             </a:fld>
             <a:endParaRPr kumimoji="1" lang="ja-JP" altLang="en-US"/>
           </a:p>
@@ -6399,7 +6399,7 @@
           <a:p>
             <a:fld id="{E90FD2C9-6400-40CA-9626-E4ED2CBDBD1C}" type="datetime1">
               <a:rPr kumimoji="1" lang="ja-JP" altLang="en-US" smtClean="0"/>
-              <a:t>2019/12/17</a:t>
+              <a:t>2019/12/18</a:t>
             </a:fld>
             <a:endParaRPr kumimoji="1" lang="ja-JP" altLang="en-US"/>
           </a:p>
@@ -14636,8 +14636,8 @@
         </p:blipFill>
         <p:spPr>
           <a:xfrm>
-            <a:off x="9525096" y="755826"/>
-            <a:ext cx="1761740" cy="1760073"/>
+            <a:off x="1420722" y="4162800"/>
+            <a:ext cx="2022153" cy="2020240"/>
           </a:xfrm>
           <a:prstGeom prst="rect">
             <a:avLst/>
@@ -14674,6 +14674,42 @@
           <a:xfrm>
             <a:off x="7174344" y="2651169"/>
             <a:ext cx="4701503" cy="3525794"/>
+          </a:xfrm>
+          <a:prstGeom prst="rect">
+            <a:avLst/>
+          </a:prstGeom>
+        </p:spPr>
+      </p:pic>
+      <p:pic>
+        <p:nvPicPr>
+          <p:cNvPr id="6" name="図 5">
+            <a:extLst>
+              <a:ext uri="{FF2B5EF4-FFF2-40B4-BE49-F238E27FC236}">
+                <a16:creationId xmlns:a16="http://schemas.microsoft.com/office/drawing/2014/main" id="{9E5D7026-DCF9-4EEC-942F-19D7805FB9EC}"/>
+              </a:ext>
+            </a:extLst>
+          </p:cNvPr>
+          <p:cNvPicPr>
+            <a:picLocks noChangeAspect="1"/>
+          </p:cNvPicPr>
+          <p:nvPr/>
+        </p:nvPicPr>
+        <p:blipFill>
+          <a:blip r:embed="rId5">
+            <a:extLst>
+              <a:ext uri="{28A0092B-C50C-407E-A947-70E740481C1C}">
+                <a14:useLocalDpi xmlns:a14="http://schemas.microsoft.com/office/drawing/2010/main" val="0"/>
+              </a:ext>
+            </a:extLst>
+          </a:blip>
+          <a:stretch>
+            <a:fillRect/>
+          </a:stretch>
+        </p:blipFill>
+        <p:spPr>
+          <a:xfrm>
+            <a:off x="3964922" y="4162800"/>
+            <a:ext cx="2687375" cy="2014163"/>
           </a:xfrm>
           <a:prstGeom prst="rect">
             <a:avLst/>
